--- a/Jenkins-Deploy-toK8S.pptx
+++ b/Jenkins-Deploy-toK8S.pptx
@@ -5,52 +5,53 @@
     <p:sldMasterId id="2147483648" r:id="rId1"/>
   </p:sldMasterIdLst>
   <p:notesMasterIdLst>
-    <p:notesMasterId r:id="rId45"/>
+    <p:notesMasterId r:id="rId46"/>
   </p:notesMasterIdLst>
   <p:sldIdLst>
     <p:sldId id="256" r:id="rId2"/>
-    <p:sldId id="279" r:id="rId3"/>
-    <p:sldId id="280" r:id="rId4"/>
-    <p:sldId id="265" r:id="rId5"/>
-    <p:sldId id="266" r:id="rId6"/>
-    <p:sldId id="267" r:id="rId7"/>
-    <p:sldId id="268" r:id="rId8"/>
-    <p:sldId id="269" r:id="rId9"/>
-    <p:sldId id="270" r:id="rId10"/>
-    <p:sldId id="271" r:id="rId11"/>
-    <p:sldId id="272" r:id="rId12"/>
-    <p:sldId id="273" r:id="rId13"/>
-    <p:sldId id="274" r:id="rId14"/>
-    <p:sldId id="275" r:id="rId15"/>
-    <p:sldId id="276" r:id="rId16"/>
-    <p:sldId id="277" r:id="rId17"/>
-    <p:sldId id="283" r:id="rId18"/>
-    <p:sldId id="284" r:id="rId19"/>
-    <p:sldId id="285" r:id="rId20"/>
-    <p:sldId id="286" r:id="rId21"/>
-    <p:sldId id="287" r:id="rId22"/>
-    <p:sldId id="288" r:id="rId23"/>
-    <p:sldId id="289" r:id="rId24"/>
-    <p:sldId id="290" r:id="rId25"/>
-    <p:sldId id="291" r:id="rId26"/>
-    <p:sldId id="292" r:id="rId27"/>
-    <p:sldId id="293" r:id="rId28"/>
-    <p:sldId id="294" r:id="rId29"/>
-    <p:sldId id="295" r:id="rId30"/>
-    <p:sldId id="296" r:id="rId31"/>
-    <p:sldId id="297" r:id="rId32"/>
-    <p:sldId id="298" r:id="rId33"/>
-    <p:sldId id="299" r:id="rId34"/>
-    <p:sldId id="300" r:id="rId35"/>
-    <p:sldId id="303" r:id="rId36"/>
-    <p:sldId id="301" r:id="rId37"/>
-    <p:sldId id="302" r:id="rId38"/>
-    <p:sldId id="282" r:id="rId39"/>
-    <p:sldId id="304" r:id="rId40"/>
-    <p:sldId id="305" r:id="rId41"/>
-    <p:sldId id="306" r:id="rId42"/>
-    <p:sldId id="307" r:id="rId43"/>
-    <p:sldId id="278" r:id="rId44"/>
+    <p:sldId id="308" r:id="rId3"/>
+    <p:sldId id="279" r:id="rId4"/>
+    <p:sldId id="280" r:id="rId5"/>
+    <p:sldId id="265" r:id="rId6"/>
+    <p:sldId id="266" r:id="rId7"/>
+    <p:sldId id="267" r:id="rId8"/>
+    <p:sldId id="268" r:id="rId9"/>
+    <p:sldId id="269" r:id="rId10"/>
+    <p:sldId id="270" r:id="rId11"/>
+    <p:sldId id="271" r:id="rId12"/>
+    <p:sldId id="272" r:id="rId13"/>
+    <p:sldId id="273" r:id="rId14"/>
+    <p:sldId id="274" r:id="rId15"/>
+    <p:sldId id="275" r:id="rId16"/>
+    <p:sldId id="276" r:id="rId17"/>
+    <p:sldId id="277" r:id="rId18"/>
+    <p:sldId id="283" r:id="rId19"/>
+    <p:sldId id="284" r:id="rId20"/>
+    <p:sldId id="285" r:id="rId21"/>
+    <p:sldId id="286" r:id="rId22"/>
+    <p:sldId id="287" r:id="rId23"/>
+    <p:sldId id="288" r:id="rId24"/>
+    <p:sldId id="289" r:id="rId25"/>
+    <p:sldId id="290" r:id="rId26"/>
+    <p:sldId id="291" r:id="rId27"/>
+    <p:sldId id="292" r:id="rId28"/>
+    <p:sldId id="293" r:id="rId29"/>
+    <p:sldId id="294" r:id="rId30"/>
+    <p:sldId id="295" r:id="rId31"/>
+    <p:sldId id="296" r:id="rId32"/>
+    <p:sldId id="297" r:id="rId33"/>
+    <p:sldId id="298" r:id="rId34"/>
+    <p:sldId id="299" r:id="rId35"/>
+    <p:sldId id="300" r:id="rId36"/>
+    <p:sldId id="303" r:id="rId37"/>
+    <p:sldId id="301" r:id="rId38"/>
+    <p:sldId id="302" r:id="rId39"/>
+    <p:sldId id="282" r:id="rId40"/>
+    <p:sldId id="304" r:id="rId41"/>
+    <p:sldId id="305" r:id="rId42"/>
+    <p:sldId id="306" r:id="rId43"/>
+    <p:sldId id="307" r:id="rId44"/>
+    <p:sldId id="278" r:id="rId45"/>
   </p:sldIdLst>
   <p:sldSz cx="12192000" cy="6858000"/>
   <p:notesSz cx="6858000" cy="9144000"/>
@@ -4772,7 +4773,7 @@
           <p:cNvPr id="2" name="Title 1">
             <a:extLst>
               <a:ext uri="{FF2B5EF4-FFF2-40B4-BE49-F238E27FC236}">
-                <a16:creationId xmlns:a16="http://schemas.microsoft.com/office/drawing/2014/main" id="{65952848-6E98-477D-B37B-4BA455CB52FE}"/>
+                <a16:creationId xmlns:a16="http://schemas.microsoft.com/office/drawing/2014/main" id="{31617490-8DFF-4EEB-89F4-AB207C4C846E}"/>
               </a:ext>
             </a:extLst>
           </p:cNvPr>
@@ -4790,7 +4791,7 @@
           <a:p>
             <a:r>
               <a:rPr lang="en-IN" dirty="0"/>
-              <a:t>EKS-CLUSTER-STEP7</a:t>
+              <a:t>EKS-CLUSTER-STEP6</a:t>
             </a:r>
           </a:p>
         </p:txBody>
@@ -4800,7 +4801,7 @@
           <p:cNvPr id="5" name="Content Placeholder 4">
             <a:extLst>
               <a:ext uri="{FF2B5EF4-FFF2-40B4-BE49-F238E27FC236}">
-                <a16:creationId xmlns:a16="http://schemas.microsoft.com/office/drawing/2014/main" id="{A8E5C27A-1AD4-44A6-AA8D-F2DE89211799}"/>
+                <a16:creationId xmlns:a16="http://schemas.microsoft.com/office/drawing/2014/main" id="{B73EF184-7248-4F32-B5CB-F8B6B6539814}"/>
               </a:ext>
             </a:extLst>
           </p:cNvPr>
@@ -4825,15 +4826,15 @@
         </p:blipFill>
         <p:spPr>
           <a:xfrm>
-            <a:off x="476912" y="1940438"/>
-            <a:ext cx="7892210" cy="4351338"/>
+            <a:off x="471115" y="1948638"/>
+            <a:ext cx="7346143" cy="4351338"/>
           </a:xfrm>
         </p:spPr>
       </p:pic>
     </p:spTree>
     <p:extLst>
       <p:ext uri="{BB962C8B-B14F-4D97-AF65-F5344CB8AC3E}">
-        <p14:creationId xmlns:p14="http://schemas.microsoft.com/office/powerpoint/2010/main" val="1971223167"/>
+        <p14:creationId xmlns:p14="http://schemas.microsoft.com/office/powerpoint/2010/main" val="1597998136"/>
       </p:ext>
     </p:extLst>
   </p:cSld>
@@ -4865,7 +4866,7 @@
           <p:cNvPr id="2" name="Title 1">
             <a:extLst>
               <a:ext uri="{FF2B5EF4-FFF2-40B4-BE49-F238E27FC236}">
-                <a16:creationId xmlns:a16="http://schemas.microsoft.com/office/drawing/2014/main" id="{07284A46-939F-4201-B5B1-D7D62A00126C}"/>
+                <a16:creationId xmlns:a16="http://schemas.microsoft.com/office/drawing/2014/main" id="{65952848-6E98-477D-B37B-4BA455CB52FE}"/>
               </a:ext>
             </a:extLst>
           </p:cNvPr>
@@ -4883,7 +4884,7 @@
           <a:p>
             <a:r>
               <a:rPr lang="en-IN" dirty="0"/>
-              <a:t>EKS-CLUSTER-STEP8</a:t>
+              <a:t>EKS-CLUSTER-STEP7</a:t>
             </a:r>
           </a:p>
         </p:txBody>
@@ -4893,7 +4894,7 @@
           <p:cNvPr id="5" name="Content Placeholder 4">
             <a:extLst>
               <a:ext uri="{FF2B5EF4-FFF2-40B4-BE49-F238E27FC236}">
-                <a16:creationId xmlns:a16="http://schemas.microsoft.com/office/drawing/2014/main" id="{FE52AAA0-9AC6-4E0A-8288-7387D22E9D84}"/>
+                <a16:creationId xmlns:a16="http://schemas.microsoft.com/office/drawing/2014/main" id="{A8E5C27A-1AD4-44A6-AA8D-F2DE89211799}"/>
               </a:ext>
             </a:extLst>
           </p:cNvPr>
@@ -4918,15 +4919,15 @@
         </p:blipFill>
         <p:spPr>
           <a:xfrm>
-            <a:off x="477360" y="1891017"/>
-            <a:ext cx="7375480" cy="4814550"/>
+            <a:off x="476912" y="1940438"/>
+            <a:ext cx="7892210" cy="4351338"/>
           </a:xfrm>
         </p:spPr>
       </p:pic>
     </p:spTree>
     <p:extLst>
       <p:ext uri="{BB962C8B-B14F-4D97-AF65-F5344CB8AC3E}">
-        <p14:creationId xmlns:p14="http://schemas.microsoft.com/office/powerpoint/2010/main" val="577068044"/>
+        <p14:creationId xmlns:p14="http://schemas.microsoft.com/office/powerpoint/2010/main" val="1971223167"/>
       </p:ext>
     </p:extLst>
   </p:cSld>
@@ -4958,7 +4959,7 @@
           <p:cNvPr id="2" name="Title 1">
             <a:extLst>
               <a:ext uri="{FF2B5EF4-FFF2-40B4-BE49-F238E27FC236}">
-                <a16:creationId xmlns:a16="http://schemas.microsoft.com/office/drawing/2014/main" id="{BA84232C-03B7-40F8-A6C7-76B6ABE6E9C9}"/>
+                <a16:creationId xmlns:a16="http://schemas.microsoft.com/office/drawing/2014/main" id="{07284A46-939F-4201-B5B1-D7D62A00126C}"/>
               </a:ext>
             </a:extLst>
           </p:cNvPr>
@@ -4976,7 +4977,7 @@
           <a:p>
             <a:r>
               <a:rPr lang="en-IN" dirty="0"/>
-              <a:t>EKS-CLUSTER-STEP9</a:t>
+              <a:t>EKS-CLUSTER-STEP8</a:t>
             </a:r>
           </a:p>
         </p:txBody>
@@ -4986,7 +4987,7 @@
           <p:cNvPr id="5" name="Content Placeholder 4">
             <a:extLst>
               <a:ext uri="{FF2B5EF4-FFF2-40B4-BE49-F238E27FC236}">
-                <a16:creationId xmlns:a16="http://schemas.microsoft.com/office/drawing/2014/main" id="{A50392B4-0127-4E57-A969-9C03729118DC}"/>
+                <a16:creationId xmlns:a16="http://schemas.microsoft.com/office/drawing/2014/main" id="{FE52AAA0-9AC6-4E0A-8288-7387D22E9D84}"/>
               </a:ext>
             </a:extLst>
           </p:cNvPr>
@@ -5011,15 +5012,15 @@
         </p:blipFill>
         <p:spPr>
           <a:xfrm>
-            <a:off x="469577" y="1997844"/>
-            <a:ext cx="9342037" cy="4351338"/>
+            <a:off x="477360" y="1891017"/>
+            <a:ext cx="7375480" cy="4814550"/>
           </a:xfrm>
         </p:spPr>
       </p:pic>
     </p:spTree>
     <p:extLst>
       <p:ext uri="{BB962C8B-B14F-4D97-AF65-F5344CB8AC3E}">
-        <p14:creationId xmlns:p14="http://schemas.microsoft.com/office/powerpoint/2010/main" val="3090898803"/>
+        <p14:creationId xmlns:p14="http://schemas.microsoft.com/office/powerpoint/2010/main" val="577068044"/>
       </p:ext>
     </p:extLst>
   </p:cSld>
@@ -5051,7 +5052,7 @@
           <p:cNvPr id="2" name="Title 1">
             <a:extLst>
               <a:ext uri="{FF2B5EF4-FFF2-40B4-BE49-F238E27FC236}">
-                <a16:creationId xmlns:a16="http://schemas.microsoft.com/office/drawing/2014/main" id="{1DC6F493-E4F1-4C84-8CED-DAE2F6001911}"/>
+                <a16:creationId xmlns:a16="http://schemas.microsoft.com/office/drawing/2014/main" id="{BA84232C-03B7-40F8-A6C7-76B6ABE6E9C9}"/>
               </a:ext>
             </a:extLst>
           </p:cNvPr>
@@ -5069,7 +5070,7 @@
           <a:p>
             <a:r>
               <a:rPr lang="en-IN" dirty="0"/>
-              <a:t>EKS-CLUSTER-STEP10</a:t>
+              <a:t>EKS-CLUSTER-STEP9</a:t>
             </a:r>
           </a:p>
         </p:txBody>
@@ -5079,7 +5080,7 @@
           <p:cNvPr id="5" name="Content Placeholder 4">
             <a:extLst>
               <a:ext uri="{FF2B5EF4-FFF2-40B4-BE49-F238E27FC236}">
-                <a16:creationId xmlns:a16="http://schemas.microsoft.com/office/drawing/2014/main" id="{DB985E5E-036B-48BB-BC12-6CDF33BA089A}"/>
+                <a16:creationId xmlns:a16="http://schemas.microsoft.com/office/drawing/2014/main" id="{A50392B4-0127-4E57-A969-9C03729118DC}"/>
               </a:ext>
             </a:extLst>
           </p:cNvPr>
@@ -5104,15 +5105,15 @@
         </p:blipFill>
         <p:spPr>
           <a:xfrm>
-            <a:off x="428155" y="1907391"/>
-            <a:ext cx="10515600" cy="3999186"/>
+            <a:off x="469577" y="1997844"/>
+            <a:ext cx="9342037" cy="4351338"/>
           </a:xfrm>
         </p:spPr>
       </p:pic>
     </p:spTree>
     <p:extLst>
       <p:ext uri="{BB962C8B-B14F-4D97-AF65-F5344CB8AC3E}">
-        <p14:creationId xmlns:p14="http://schemas.microsoft.com/office/powerpoint/2010/main" val="506232370"/>
+        <p14:creationId xmlns:p14="http://schemas.microsoft.com/office/powerpoint/2010/main" val="3090898803"/>
       </p:ext>
     </p:extLst>
   </p:cSld>
@@ -5144,6 +5145,99 @@
           <p:cNvPr id="2" name="Title 1">
             <a:extLst>
               <a:ext uri="{FF2B5EF4-FFF2-40B4-BE49-F238E27FC236}">
+                <a16:creationId xmlns:a16="http://schemas.microsoft.com/office/drawing/2014/main" id="{1DC6F493-E4F1-4C84-8CED-DAE2F6001911}"/>
+              </a:ext>
+            </a:extLst>
+          </p:cNvPr>
+          <p:cNvSpPr>
+            <a:spLocks noGrp="1"/>
+          </p:cNvSpPr>
+          <p:nvPr>
+            <p:ph type="title"/>
+          </p:nvPr>
+        </p:nvSpPr>
+        <p:spPr/>
+        <p:txBody>
+          <a:bodyPr/>
+          <a:lstStyle/>
+          <a:p>
+            <a:r>
+              <a:rPr lang="en-IN" dirty="0"/>
+              <a:t>EKS-CLUSTER-STEP10</a:t>
+            </a:r>
+          </a:p>
+        </p:txBody>
+      </p:sp>
+      <p:pic>
+        <p:nvPicPr>
+          <p:cNvPr id="5" name="Content Placeholder 4">
+            <a:extLst>
+              <a:ext uri="{FF2B5EF4-FFF2-40B4-BE49-F238E27FC236}">
+                <a16:creationId xmlns:a16="http://schemas.microsoft.com/office/drawing/2014/main" id="{DB985E5E-036B-48BB-BC12-6CDF33BA089A}"/>
+              </a:ext>
+            </a:extLst>
+          </p:cNvPr>
+          <p:cNvPicPr>
+            <a:picLocks noGrp="1" noChangeAspect="1"/>
+          </p:cNvPicPr>
+          <p:nvPr>
+            <p:ph idx="1"/>
+          </p:nvPr>
+        </p:nvPicPr>
+        <p:blipFill>
+          <a:blip r:embed="rId2">
+            <a:extLst>
+              <a:ext uri="{28A0092B-C50C-407E-A947-70E740481C1C}">
+                <a14:useLocalDpi xmlns:a14="http://schemas.microsoft.com/office/drawing/2010/main" val="0"/>
+              </a:ext>
+            </a:extLst>
+          </a:blip>
+          <a:stretch>
+            <a:fillRect/>
+          </a:stretch>
+        </p:blipFill>
+        <p:spPr>
+          <a:xfrm>
+            <a:off x="428155" y="1907391"/>
+            <a:ext cx="10515600" cy="3999186"/>
+          </a:xfrm>
+        </p:spPr>
+      </p:pic>
+    </p:spTree>
+    <p:extLst>
+      <p:ext uri="{BB962C8B-B14F-4D97-AF65-F5344CB8AC3E}">
+        <p14:creationId xmlns:p14="http://schemas.microsoft.com/office/powerpoint/2010/main" val="506232370"/>
+      </p:ext>
+    </p:extLst>
+  </p:cSld>
+  <p:clrMapOvr>
+    <a:masterClrMapping/>
+  </p:clrMapOvr>
+</p:sld>
+</file>
+
+<file path=ppt/slides/slide15.xml><?xml version="1.0" encoding="utf-8"?>
+<p:sld xmlns:a="http://schemas.openxmlformats.org/drawingml/2006/main" xmlns:r="http://schemas.openxmlformats.org/officeDocument/2006/relationships" xmlns:p="http://schemas.openxmlformats.org/presentationml/2006/main">
+  <p:cSld>
+    <p:spTree>
+      <p:nvGrpSpPr>
+        <p:cNvPr id="1" name=""/>
+        <p:cNvGrpSpPr/>
+        <p:nvPr/>
+      </p:nvGrpSpPr>
+      <p:grpSpPr>
+        <a:xfrm>
+          <a:off x="0" y="0"/>
+          <a:ext cx="0" cy="0"/>
+          <a:chOff x="0" y="0"/>
+          <a:chExt cx="0" cy="0"/>
+        </a:xfrm>
+      </p:grpSpPr>
+      <p:sp>
+        <p:nvSpPr>
+          <p:cNvPr id="2" name="Title 1">
+            <a:extLst>
+              <a:ext uri="{FF2B5EF4-FFF2-40B4-BE49-F238E27FC236}">
                 <a16:creationId xmlns:a16="http://schemas.microsoft.com/office/drawing/2014/main" id="{75486AD1-DF72-4EFE-9F05-8CE9F6CF5CCF}"/>
               </a:ext>
             </a:extLst>
@@ -5215,7 +5309,7 @@
 </p:sld>
 </file>
 
-<file path=ppt/slides/slide15.xml><?xml version="1.0" encoding="utf-8"?>
+<file path=ppt/slides/slide16.xml><?xml version="1.0" encoding="utf-8"?>
 <p:sld xmlns:a="http://schemas.openxmlformats.org/drawingml/2006/main" xmlns:r="http://schemas.openxmlformats.org/officeDocument/2006/relationships" xmlns:p="http://schemas.openxmlformats.org/presentationml/2006/main">
   <p:cSld>
     <p:spTree>
@@ -5358,7 +5452,7 @@
 </p:sld>
 </file>
 
-<file path=ppt/slides/slide16.xml><?xml version="1.0" encoding="utf-8"?>
+<file path=ppt/slides/slide17.xml><?xml version="1.0" encoding="utf-8"?>
 <p:sld xmlns:a="http://schemas.openxmlformats.org/drawingml/2006/main" xmlns:r="http://schemas.openxmlformats.org/officeDocument/2006/relationships" xmlns:p="http://schemas.openxmlformats.org/presentationml/2006/main">
   <p:cSld>
     <p:spTree>
@@ -5537,228 +5631,6 @@
 </p:sld>
 </file>
 
-<file path=ppt/slides/slide17.xml><?xml version="1.0" encoding="utf-8"?>
-<p:sld xmlns:a="http://schemas.openxmlformats.org/drawingml/2006/main" xmlns:r="http://schemas.openxmlformats.org/officeDocument/2006/relationships" xmlns:p="http://schemas.openxmlformats.org/presentationml/2006/main">
-  <p:cSld>
-    <p:spTree>
-      <p:nvGrpSpPr>
-        <p:cNvPr id="1" name=""/>
-        <p:cNvGrpSpPr/>
-        <p:nvPr/>
-      </p:nvGrpSpPr>
-      <p:grpSpPr>
-        <a:xfrm>
-          <a:off x="0" y="0"/>
-          <a:ext cx="0" cy="0"/>
-          <a:chOff x="0" y="0"/>
-          <a:chExt cx="0" cy="0"/>
-        </a:xfrm>
-      </p:grpSpPr>
-      <p:sp>
-        <p:nvSpPr>
-          <p:cNvPr id="2" name="Title 1">
-            <a:extLst>
-              <a:ext uri="{FF2B5EF4-FFF2-40B4-BE49-F238E27FC236}">
-                <a16:creationId xmlns:a16="http://schemas.microsoft.com/office/drawing/2014/main" id="{7E087AE3-CD53-4D13-9C8C-5B8160983813}"/>
-              </a:ext>
-            </a:extLst>
-          </p:cNvPr>
-          <p:cNvSpPr>
-            <a:spLocks noGrp="1"/>
-          </p:cNvSpPr>
-          <p:nvPr>
-            <p:ph type="title"/>
-          </p:nvPr>
-        </p:nvSpPr>
-        <p:spPr/>
-        <p:txBody>
-          <a:bodyPr/>
-          <a:lstStyle/>
-          <a:p>
-            <a:r>
-              <a:rPr lang="en-IN" dirty="0"/>
-              <a:t>Install Docker Instance on EC2</a:t>
-            </a:r>
-          </a:p>
-        </p:txBody>
-      </p:sp>
-      <p:sp>
-        <p:nvSpPr>
-          <p:cNvPr id="3" name="Content Placeholder 2">
-            <a:extLst>
-              <a:ext uri="{FF2B5EF4-FFF2-40B4-BE49-F238E27FC236}">
-                <a16:creationId xmlns:a16="http://schemas.microsoft.com/office/drawing/2014/main" id="{1EFA6A17-91E2-4822-AB0D-F168CEFE4C54}"/>
-              </a:ext>
-            </a:extLst>
-          </p:cNvPr>
-          <p:cNvSpPr>
-            <a:spLocks noGrp="1"/>
-          </p:cNvSpPr>
-          <p:nvPr>
-            <p:ph idx="1"/>
-          </p:nvPr>
-        </p:nvSpPr>
-        <p:spPr/>
-        <p:txBody>
-          <a:bodyPr>
-            <a:normAutofit/>
-          </a:bodyPr>
-          <a:lstStyle/>
-          <a:p>
-            <a:r>
-              <a:rPr lang="en-IN" dirty="0">
-                <a:hlinkClick r:id="rId2"/>
-              </a:rPr>
-              <a:t>https://docs.docker.com/engine/install/ubuntu/</a:t>
-            </a:r>
-            <a:endParaRPr lang="en-IN" dirty="0"/>
-          </a:p>
-          <a:p>
-            <a:r>
-              <a:rPr lang="en-IN" dirty="0"/>
-              <a:t>$ </a:t>
-            </a:r>
-            <a:r>
-              <a:rPr lang="en-IN" dirty="0" err="1"/>
-              <a:t>sudo</a:t>
-            </a:r>
-            <a:r>
-              <a:rPr lang="en-IN" dirty="0"/>
-              <a:t> apt-get update</a:t>
-            </a:r>
-          </a:p>
-          <a:p>
-            <a:r>
-              <a:rPr lang="en-IN" dirty="0"/>
-              <a:t>$ </a:t>
-            </a:r>
-            <a:r>
-              <a:rPr lang="en-US" dirty="0" err="1"/>
-              <a:t>sudo</a:t>
-            </a:r>
-            <a:r>
-              <a:rPr lang="en-US" dirty="0"/>
-              <a:t> apt-get install \</a:t>
-            </a:r>
-          </a:p>
-          <a:p>
-            <a:pPr marL="0" indent="0">
-              <a:buNone/>
-            </a:pPr>
-            <a:r>
-              <a:rPr lang="en-US" dirty="0"/>
-              <a:t>      ca-certificates \</a:t>
-            </a:r>
-          </a:p>
-          <a:p>
-            <a:pPr marL="0" indent="0">
-              <a:buNone/>
-            </a:pPr>
-            <a:r>
-              <a:rPr lang="en-US" dirty="0"/>
-              <a:t>      curl \</a:t>
-            </a:r>
-          </a:p>
-          <a:p>
-            <a:pPr marL="0" indent="0">
-              <a:buNone/>
-            </a:pPr>
-            <a:r>
-              <a:rPr lang="en-US" dirty="0"/>
-              <a:t>      </a:t>
-            </a:r>
-            <a:r>
-              <a:rPr lang="en-US" dirty="0" err="1"/>
-              <a:t>gnupg</a:t>
-            </a:r>
-            <a:r>
-              <a:rPr lang="en-US" dirty="0"/>
-              <a:t> \</a:t>
-            </a:r>
-          </a:p>
-          <a:p>
-            <a:pPr marL="0" indent="0">
-              <a:buNone/>
-            </a:pPr>
-            <a:r>
-              <a:rPr lang="en-US" dirty="0"/>
-              <a:t>      </a:t>
-            </a:r>
-            <a:r>
-              <a:rPr lang="en-US" dirty="0" err="1"/>
-              <a:t>lsb</a:t>
-            </a:r>
-            <a:r>
-              <a:rPr lang="en-US" dirty="0"/>
-              <a:t>-release</a:t>
-            </a:r>
-          </a:p>
-          <a:p>
-            <a:r>
-              <a:rPr lang="en-IN" dirty="0"/>
-              <a:t>$ curl -</a:t>
-            </a:r>
-            <a:r>
-              <a:rPr lang="en-IN" dirty="0" err="1"/>
-              <a:t>fsSL</a:t>
-            </a:r>
-            <a:r>
-              <a:rPr lang="en-IN" dirty="0"/>
-              <a:t> https://download.docker.com/linux/ubuntu/gpg | </a:t>
-            </a:r>
-            <a:r>
-              <a:rPr lang="en-IN" dirty="0" err="1"/>
-              <a:t>sudo</a:t>
-            </a:r>
-            <a:r>
-              <a:rPr lang="en-IN" dirty="0"/>
-              <a:t>  </a:t>
-            </a:r>
-            <a:r>
-              <a:rPr lang="en-IN" dirty="0" err="1"/>
-              <a:t>gpg</a:t>
-            </a:r>
-            <a:r>
-              <a:rPr lang="en-IN" dirty="0"/>
-              <a:t> --</a:t>
-            </a:r>
-            <a:r>
-              <a:rPr lang="en-IN" dirty="0" err="1"/>
-              <a:t>dearmor</a:t>
-            </a:r>
-            <a:r>
-              <a:rPr lang="en-IN" dirty="0"/>
-              <a:t> -o /</a:t>
-            </a:r>
-            <a:r>
-              <a:rPr lang="en-IN" dirty="0" err="1"/>
-              <a:t>usr</a:t>
-            </a:r>
-            <a:r>
-              <a:rPr lang="en-IN" dirty="0"/>
-              <a:t>/share/keyrings/docker-archive-</a:t>
-            </a:r>
-            <a:r>
-              <a:rPr lang="en-IN" dirty="0" err="1"/>
-              <a:t>keyring.gpg</a:t>
-            </a:r>
-            <a:endParaRPr lang="en-IN" dirty="0"/>
-          </a:p>
-        </p:txBody>
-      </p:sp>
-    </p:spTree>
-    <p:extLst>
-      <p:ext uri="{BB962C8B-B14F-4D97-AF65-F5344CB8AC3E}">
-        <p14:creationId xmlns:p14="http://schemas.microsoft.com/office/powerpoint/2010/main" val="2088182199"/>
-      </p:ext>
-    </p:extLst>
-  </p:cSld>
-  <p:clrMapOvr>
-    <a:masterClrMapping/>
-  </p:clrMapOvr>
-</p:sld>
-</file>
-
 <file path=ppt/slides/slide18.xml><?xml version="1.0" encoding="utf-8"?>
 <p:sld xmlns:a="http://schemas.openxmlformats.org/drawingml/2006/main" xmlns:r="http://schemas.openxmlformats.org/officeDocument/2006/relationships" xmlns:p="http://schemas.openxmlformats.org/presentationml/2006/main">
   <p:cSld>
@@ -5781,7 +5653,7 @@
           <p:cNvPr id="2" name="Title 1">
             <a:extLst>
               <a:ext uri="{FF2B5EF4-FFF2-40B4-BE49-F238E27FC236}">
-                <a16:creationId xmlns:a16="http://schemas.microsoft.com/office/drawing/2014/main" id="{00CDF85D-E912-44CE-A1AA-B5D0E759A891}"/>
+                <a16:creationId xmlns:a16="http://schemas.microsoft.com/office/drawing/2014/main" id="{7E087AE3-CD53-4D13-9C8C-5B8160983813}"/>
               </a:ext>
             </a:extLst>
           </p:cNvPr>
@@ -5799,13 +5671,8 @@
           <a:p>
             <a:r>
               <a:rPr lang="en-IN" dirty="0"/>
-              <a:t>Docker -</a:t>
-            </a:r>
-            <a:r>
-              <a:rPr lang="en-IN" dirty="0" err="1"/>
-              <a:t>contd</a:t>
-            </a:r>
-            <a:endParaRPr lang="en-IN" dirty="0"/>
+              <a:t>Install Docker Instance on EC2</a:t>
+            </a:r>
           </a:p>
         </p:txBody>
       </p:sp>
@@ -5814,7 +5681,7 @@
           <p:cNvPr id="3" name="Content Placeholder 2">
             <a:extLst>
               <a:ext uri="{FF2B5EF4-FFF2-40B4-BE49-F238E27FC236}">
-                <a16:creationId xmlns:a16="http://schemas.microsoft.com/office/drawing/2014/main" id="{0BD33A82-B9FB-45C2-AF26-D5B2728368B7}"/>
+                <a16:creationId xmlns:a16="http://schemas.microsoft.com/office/drawing/2014/main" id="{1EFA6A17-91E2-4822-AB0D-F168CEFE4C54}"/>
               </a:ext>
             </a:extLst>
           </p:cNvPr>
@@ -5833,8 +5700,39 @@
           <a:lstStyle/>
           <a:p>
             <a:r>
+              <a:rPr lang="en-IN" dirty="0">
+                <a:hlinkClick r:id="rId2"/>
+              </a:rPr>
+              <a:t>https://docs.docker.com/engine/install/ubuntu/</a:t>
+            </a:r>
+            <a:endParaRPr lang="en-IN" dirty="0"/>
+          </a:p>
+          <a:p>
+            <a:r>
               <a:rPr lang="en-IN" dirty="0"/>
-              <a:t>echo \</a:t>
+              <a:t>$ </a:t>
+            </a:r>
+            <a:r>
+              <a:rPr lang="en-IN" dirty="0" err="1"/>
+              <a:t>sudo</a:t>
+            </a:r>
+            <a:r>
+              <a:rPr lang="en-IN" dirty="0"/>
+              <a:t> apt-get update</a:t>
+            </a:r>
+          </a:p>
+          <a:p>
+            <a:r>
+              <a:rPr lang="en-IN" dirty="0"/>
+              <a:t>$ </a:t>
+            </a:r>
+            <a:r>
+              <a:rPr lang="en-US" dirty="0" err="1"/>
+              <a:t>sudo</a:t>
+            </a:r>
+            <a:r>
+              <a:rPr lang="en-US" dirty="0"/>
+              <a:t> apt-get install \</a:t>
             </a:r>
           </a:p>
           <a:p>
@@ -5842,32 +5740,8 @@
               <a:buNone/>
             </a:pPr>
             <a:r>
-              <a:rPr lang="en-IN" dirty="0"/>
-              <a:t>  "deb [arch=$(</a:t>
-            </a:r>
-            <a:r>
-              <a:rPr lang="en-IN" dirty="0" err="1"/>
-              <a:t>dpkg</a:t>
-            </a:r>
-            <a:r>
-              <a:rPr lang="en-IN" dirty="0"/>
-              <a:t> --print-architecture) signed-by=/</a:t>
-            </a:r>
-            <a:r>
-              <a:rPr lang="en-IN" dirty="0" err="1"/>
-              <a:t>usr</a:t>
-            </a:r>
-            <a:r>
-              <a:rPr lang="en-IN" dirty="0"/>
-              <a:t>/share/keyrings/docker-archive-</a:t>
-            </a:r>
-            <a:r>
-              <a:rPr lang="en-IN" dirty="0" err="1"/>
-              <a:t>keyring.gpg</a:t>
-            </a:r>
-            <a:r>
-              <a:rPr lang="en-IN" dirty="0"/>
-              <a:t>] https://download.docker.com/linux/ubuntu \</a:t>
+              <a:rPr lang="en-US" dirty="0"/>
+              <a:t>      ca-certificates \</a:t>
             </a:r>
           </a:p>
           <a:p>
@@ -5875,40 +5749,8 @@
               <a:buNone/>
             </a:pPr>
             <a:r>
-              <a:rPr lang="en-IN" dirty="0"/>
-              <a:t>  $(</a:t>
-            </a:r>
-            <a:r>
-              <a:rPr lang="en-IN" dirty="0" err="1"/>
-              <a:t>lsb_release</a:t>
-            </a:r>
-            <a:r>
-              <a:rPr lang="en-IN" dirty="0"/>
-              <a:t> -cs) stable" | </a:t>
-            </a:r>
-            <a:r>
-              <a:rPr lang="en-IN" dirty="0" err="1"/>
-              <a:t>sudo</a:t>
-            </a:r>
-            <a:r>
-              <a:rPr lang="en-IN" dirty="0"/>
-              <a:t> tee /etc/apt/</a:t>
-            </a:r>
-            <a:r>
-              <a:rPr lang="en-IN" dirty="0" err="1"/>
-              <a:t>sources.list.d</a:t>
-            </a:r>
-            <a:r>
-              <a:rPr lang="en-IN" dirty="0"/>
-              <a:t>/</a:t>
-            </a:r>
-            <a:r>
-              <a:rPr lang="en-IN" dirty="0" err="1"/>
-              <a:t>docker.list</a:t>
-            </a:r>
-            <a:r>
-              <a:rPr lang="en-IN" dirty="0"/>
-              <a:t> &gt; /dev/null</a:t>
+              <a:rPr lang="en-US" dirty="0"/>
+              <a:t>      curl \</a:t>
             </a:r>
           </a:p>
           <a:p>
@@ -5916,12 +5758,16 @@
               <a:buNone/>
             </a:pPr>
             <a:r>
-              <a:rPr lang="en-IN" dirty="0" err="1"/>
-              <a:t>sudo</a:t>
-            </a:r>
-            <a:r>
-              <a:rPr lang="en-IN" dirty="0"/>
-              <a:t> apt-get update</a:t>
+              <a:rPr lang="en-US" dirty="0"/>
+              <a:t>      </a:t>
+            </a:r>
+            <a:r>
+              <a:rPr lang="en-US" dirty="0" err="1"/>
+              <a:t>gnupg</a:t>
+            </a:r>
+            <a:r>
+              <a:rPr lang="en-US" dirty="0"/>
+              <a:t> \</a:t>
             </a:r>
           </a:p>
           <a:p>
@@ -5929,34 +5775,75 @@
               <a:buNone/>
             </a:pPr>
             <a:r>
-              <a:rPr lang="fr-FR" dirty="0" err="1"/>
+              <a:rPr lang="en-US" dirty="0"/>
+              <a:t>      </a:t>
+            </a:r>
+            <a:r>
+              <a:rPr lang="en-US" dirty="0" err="1"/>
+              <a:t>lsb</a:t>
+            </a:r>
+            <a:r>
+              <a:rPr lang="en-US" dirty="0"/>
+              <a:t>-release</a:t>
+            </a:r>
+          </a:p>
+          <a:p>
+            <a:r>
+              <a:rPr lang="en-IN" dirty="0"/>
+              <a:t>$ curl -</a:t>
+            </a:r>
+            <a:r>
+              <a:rPr lang="en-IN" dirty="0" err="1"/>
+              <a:t>fsSL</a:t>
+            </a:r>
+            <a:r>
+              <a:rPr lang="en-IN" dirty="0"/>
+              <a:t> https://download.docker.com/linux/ubuntu/gpg | </a:t>
+            </a:r>
+            <a:r>
+              <a:rPr lang="en-IN" dirty="0" err="1"/>
               <a:t>sudo</a:t>
             </a:r>
             <a:r>
-              <a:rPr lang="fr-FR" dirty="0"/>
-              <a:t> apt-get </a:t>
-            </a:r>
-            <a:r>
-              <a:rPr lang="fr-FR" dirty="0" err="1"/>
-              <a:t>install</a:t>
-            </a:r>
-            <a:r>
-              <a:rPr lang="fr-FR" dirty="0"/>
-              <a:t> docker-ce docker-ce-cli containerd.io</a:t>
-            </a:r>
-          </a:p>
-          <a:p>
-            <a:r>
               <a:rPr lang="en-IN" dirty="0"/>
-              <a:t>https://www.digitalocean.com/community/questions/how-to-fix-docker-got-permission-denied-while-trying-to-connect-to-the-docker-daemon-socket</a:t>
-            </a:r>
+              <a:t>  </a:t>
+            </a:r>
+            <a:r>
+              <a:rPr lang="en-IN" dirty="0" err="1"/>
+              <a:t>gpg</a:t>
+            </a:r>
+            <a:r>
+              <a:rPr lang="en-IN" dirty="0"/>
+              <a:t> --</a:t>
+            </a:r>
+            <a:r>
+              <a:rPr lang="en-IN" dirty="0" err="1"/>
+              <a:t>dearmor</a:t>
+            </a:r>
+            <a:r>
+              <a:rPr lang="en-IN" dirty="0"/>
+              <a:t> -o /</a:t>
+            </a:r>
+            <a:r>
+              <a:rPr lang="en-IN" dirty="0" err="1"/>
+              <a:t>usr</a:t>
+            </a:r>
+            <a:r>
+              <a:rPr lang="en-IN" dirty="0"/>
+              <a:t>/share/keyrings/docker-archive-</a:t>
+            </a:r>
+            <a:r>
+              <a:rPr lang="en-IN" dirty="0" err="1"/>
+              <a:t>keyring.gpg</a:t>
+            </a:r>
+            <a:endParaRPr lang="en-IN" dirty="0"/>
           </a:p>
         </p:txBody>
       </p:sp>
     </p:spTree>
     <p:extLst>
       <p:ext uri="{BB962C8B-B14F-4D97-AF65-F5344CB8AC3E}">
-        <p14:creationId xmlns:p14="http://schemas.microsoft.com/office/powerpoint/2010/main" val="3083704823"/>
+        <p14:creationId xmlns:p14="http://schemas.microsoft.com/office/powerpoint/2010/main" val="2088182199"/>
       </p:ext>
     </p:extLst>
   </p:cSld>
@@ -5988,7 +5875,7 @@
           <p:cNvPr id="2" name="Title 1">
             <a:extLst>
               <a:ext uri="{FF2B5EF4-FFF2-40B4-BE49-F238E27FC236}">
-                <a16:creationId xmlns:a16="http://schemas.microsoft.com/office/drawing/2014/main" id="{D6C809C2-B401-485A-8F0E-417537923180}"/>
+                <a16:creationId xmlns:a16="http://schemas.microsoft.com/office/drawing/2014/main" id="{00CDF85D-E912-44CE-A1AA-B5D0E759A891}"/>
               </a:ext>
             </a:extLst>
           </p:cNvPr>
@@ -6006,8 +5893,13 @@
           <a:p>
             <a:r>
               <a:rPr lang="en-IN" dirty="0"/>
-              <a:t>Install JDK</a:t>
-            </a:r>
+              <a:t>Docker -</a:t>
+            </a:r>
+            <a:r>
+              <a:rPr lang="en-IN" dirty="0" err="1"/>
+              <a:t>contd</a:t>
+            </a:r>
+            <a:endParaRPr lang="en-IN" dirty="0"/>
           </a:p>
         </p:txBody>
       </p:sp>
@@ -6016,7 +5908,7 @@
           <p:cNvPr id="3" name="Content Placeholder 2">
             <a:extLst>
               <a:ext uri="{FF2B5EF4-FFF2-40B4-BE49-F238E27FC236}">
-                <a16:creationId xmlns:a16="http://schemas.microsoft.com/office/drawing/2014/main" id="{1335C688-06F7-467F-AA2B-13997B7AF3DE}"/>
+                <a16:creationId xmlns:a16="http://schemas.microsoft.com/office/drawing/2014/main" id="{0BD33A82-B9FB-45C2-AF26-D5B2728368B7}"/>
               </a:ext>
             </a:extLst>
           </p:cNvPr>
@@ -6029,89 +5921,136 @@
         </p:nvSpPr>
         <p:spPr/>
         <p:txBody>
-          <a:bodyPr/>
-          <a:lstStyle/>
-          <a:p>
-            <a:r>
-              <a:rPr lang="en-US" b="0" i="0" dirty="0">
-                <a:effectLst/>
-                <a:latin typeface="Metropolis"/>
-              </a:rPr>
-              <a:t>Now before we do the JDK installation lets first update the package manager of the virtual machine –</a:t>
-            </a:r>
-          </a:p>
-          <a:p>
-            <a:r>
-              <a:rPr lang="en-IN" b="0" i="0" dirty="0" err="1">
-                <a:effectLst/>
-                <a:latin typeface="Monaco"/>
-              </a:rPr>
+          <a:bodyPr>
+            <a:normAutofit/>
+          </a:bodyPr>
+          <a:lstStyle/>
+          <a:p>
+            <a:r>
+              <a:rPr lang="en-IN" dirty="0"/>
+              <a:t>echo \</a:t>
+            </a:r>
+          </a:p>
+          <a:p>
+            <a:pPr marL="0" indent="0">
+              <a:buNone/>
+            </a:pPr>
+            <a:r>
+              <a:rPr lang="en-IN" dirty="0"/>
+              <a:t>  "deb [arch=$(</a:t>
+            </a:r>
+            <a:r>
+              <a:rPr lang="en-IN" dirty="0" err="1"/>
+              <a:t>dpkg</a:t>
+            </a:r>
+            <a:r>
+              <a:rPr lang="en-IN" dirty="0"/>
+              <a:t> --print-architecture) signed-by=/</a:t>
+            </a:r>
+            <a:r>
+              <a:rPr lang="en-IN" dirty="0" err="1"/>
+              <a:t>usr</a:t>
+            </a:r>
+            <a:r>
+              <a:rPr lang="en-IN" dirty="0"/>
+              <a:t>/share/keyrings/docker-archive-</a:t>
+            </a:r>
+            <a:r>
+              <a:rPr lang="en-IN" dirty="0" err="1"/>
+              <a:t>keyring.gpg</a:t>
+            </a:r>
+            <a:r>
+              <a:rPr lang="en-IN" dirty="0"/>
+              <a:t>] https://download.docker.com/linux/ubuntu \</a:t>
+            </a:r>
+          </a:p>
+          <a:p>
+            <a:pPr marL="0" indent="0">
+              <a:buNone/>
+            </a:pPr>
+            <a:r>
+              <a:rPr lang="en-IN" dirty="0"/>
+              <a:t>  $(</a:t>
+            </a:r>
+            <a:r>
+              <a:rPr lang="en-IN" dirty="0" err="1"/>
+              <a:t>lsb_release</a:t>
+            </a:r>
+            <a:r>
+              <a:rPr lang="en-IN" dirty="0"/>
+              <a:t> -cs) stable" | </a:t>
+            </a:r>
+            <a:r>
+              <a:rPr lang="en-IN" dirty="0" err="1"/>
               <a:t>sudo</a:t>
             </a:r>
             <a:r>
-              <a:rPr lang="en-IN" b="0" i="0" dirty="0">
-                <a:effectLst/>
-                <a:latin typeface="Monaco"/>
-              </a:rPr>
-              <a:t> apt-get update </a:t>
-            </a:r>
-            <a:endParaRPr lang="en-US" dirty="0">
-              <a:latin typeface="Metropolis"/>
-            </a:endParaRPr>
-          </a:p>
-          <a:p>
-            <a:r>
-              <a:rPr lang="en-US" b="0" i="0" dirty="0">
-                <a:effectLst/>
-                <a:latin typeface="Metropolis"/>
-              </a:rPr>
-              <a:t>Check if you have java already installed onto your EC2 machine by running the following command –</a:t>
-            </a:r>
-          </a:p>
-          <a:p>
-            <a:r>
-              <a:rPr lang="en-IN" b="0" i="0" dirty="0">
-                <a:effectLst/>
-                <a:latin typeface="Monaco"/>
-              </a:rPr>
-              <a:t>java -version </a:t>
-            </a:r>
-            <a:endParaRPr lang="en-US" dirty="0">
-              <a:latin typeface="Metropolis"/>
-            </a:endParaRPr>
-          </a:p>
-          <a:p>
-            <a:r>
-              <a:rPr lang="en-US" b="0" i="0" dirty="0">
-                <a:effectLst/>
-                <a:latin typeface="Metropolis"/>
-              </a:rPr>
-              <a:t>But you can install java by running the following command</a:t>
-            </a:r>
-          </a:p>
-          <a:p>
-            <a:r>
-              <a:rPr lang="en-IN" b="0" i="0" dirty="0" err="1">
-                <a:effectLst/>
-                <a:latin typeface="Monaco"/>
-              </a:rPr>
+              <a:rPr lang="en-IN" dirty="0"/>
+              <a:t> tee /etc/apt/</a:t>
+            </a:r>
+            <a:r>
+              <a:rPr lang="en-IN" dirty="0" err="1"/>
+              <a:t>sources.list.d</a:t>
+            </a:r>
+            <a:r>
+              <a:rPr lang="en-IN" dirty="0"/>
+              <a:t>/</a:t>
+            </a:r>
+            <a:r>
+              <a:rPr lang="en-IN" dirty="0" err="1"/>
+              <a:t>docker.list</a:t>
+            </a:r>
+            <a:r>
+              <a:rPr lang="en-IN" dirty="0"/>
+              <a:t> &gt; /dev/null</a:t>
+            </a:r>
+          </a:p>
+          <a:p>
+            <a:pPr marL="0" indent="0">
+              <a:buNone/>
+            </a:pPr>
+            <a:r>
+              <a:rPr lang="en-IN" dirty="0" err="1"/>
               <a:t>sudo</a:t>
             </a:r>
             <a:r>
-              <a:rPr lang="en-IN" b="0" i="0" dirty="0">
-                <a:effectLst/>
-                <a:latin typeface="Monaco"/>
-              </a:rPr>
-              <a:t> apt install openjdk-11-jre-headless</a:t>
-            </a:r>
-            <a:endParaRPr lang="en-IN" dirty="0"/>
+              <a:rPr lang="en-IN" dirty="0"/>
+              <a:t> apt-get update</a:t>
+            </a:r>
+          </a:p>
+          <a:p>
+            <a:pPr marL="0" indent="0">
+              <a:buNone/>
+            </a:pPr>
+            <a:r>
+              <a:rPr lang="fr-FR" dirty="0" err="1"/>
+              <a:t>sudo</a:t>
+            </a:r>
+            <a:r>
+              <a:rPr lang="fr-FR" dirty="0"/>
+              <a:t> apt-get </a:t>
+            </a:r>
+            <a:r>
+              <a:rPr lang="fr-FR" dirty="0" err="1"/>
+              <a:t>install</a:t>
+            </a:r>
+            <a:r>
+              <a:rPr lang="fr-FR" dirty="0"/>
+              <a:t> docker-ce docker-ce-cli containerd.io</a:t>
+            </a:r>
+          </a:p>
+          <a:p>
+            <a:r>
+              <a:rPr lang="en-IN" dirty="0"/>
+              <a:t>https://www.digitalocean.com/community/questions/how-to-fix-docker-got-permission-denied-while-trying-to-connect-to-the-docker-daemon-socket</a:t>
+            </a:r>
           </a:p>
         </p:txBody>
       </p:sp>
     </p:spTree>
     <p:extLst>
       <p:ext uri="{BB962C8B-B14F-4D97-AF65-F5344CB8AC3E}">
-        <p14:creationId xmlns:p14="http://schemas.microsoft.com/office/powerpoint/2010/main" val="1533906996"/>
+        <p14:creationId xmlns:p14="http://schemas.microsoft.com/office/powerpoint/2010/main" val="3083704823"/>
       </p:ext>
     </p:extLst>
   </p:cSld>
@@ -6143,7 +6082,7 @@
           <p:cNvPr id="2" name="Title 1">
             <a:extLst>
               <a:ext uri="{FF2B5EF4-FFF2-40B4-BE49-F238E27FC236}">
-                <a16:creationId xmlns:a16="http://schemas.microsoft.com/office/drawing/2014/main" id="{3EA9AC9C-E388-438A-B8E2-E586019872B5}"/>
+                <a16:creationId xmlns:a16="http://schemas.microsoft.com/office/drawing/2014/main" id="{ABCC474D-AD00-43D2-9F29-2D3DCC94256D}"/>
               </a:ext>
             </a:extLst>
           </p:cNvPr>
@@ -6160,15 +6099,8 @@
           <a:lstStyle/>
           <a:p>
             <a:r>
-              <a:rPr lang="en-US" sz="2800" b="1" i="0" dirty="0">
-                <a:solidFill>
-                  <a:srgbClr val="292929"/>
-                </a:solidFill>
-                <a:effectLst/>
-                <a:latin typeface="charter"/>
-                <a:cs typeface="Arial" panose="020B0604020202020204" pitchFamily="34" charset="0"/>
-              </a:rPr>
-              <a:t>Why Jenkins is becoming the CI/CD tool of choice for more and more DevOps</a:t>
+              <a:rPr lang="en-IN" dirty="0" err="1"/>
+              <a:t>LEarning</a:t>
             </a:r>
             <a:endParaRPr lang="en-IN" dirty="0"/>
           </a:p>
@@ -6176,116 +6108,10 @@
       </p:sp>
       <p:sp>
         <p:nvSpPr>
-          <p:cNvPr id="3" name="Content Placeholder 2">
+          <p:cNvPr id="4" name="Date Placeholder 3">
             <a:extLst>
               <a:ext uri="{FF2B5EF4-FFF2-40B4-BE49-F238E27FC236}">
-                <a16:creationId xmlns:a16="http://schemas.microsoft.com/office/drawing/2014/main" id="{F56E2829-CD5F-4394-BB86-018E8BE37E15}"/>
-              </a:ext>
-            </a:extLst>
-          </p:cNvPr>
-          <p:cNvSpPr>
-            <a:spLocks noGrp="1"/>
-          </p:cNvSpPr>
-          <p:nvPr>
-            <p:ph idx="1"/>
-          </p:nvPr>
-        </p:nvSpPr>
-        <p:spPr/>
-        <p:txBody>
-          <a:bodyPr/>
-          <a:lstStyle/>
-          <a:p>
-            <a:r>
-              <a:rPr lang="en-US" b="0" i="0" dirty="0">
-                <a:solidFill>
-                  <a:srgbClr val="292929"/>
-                </a:solidFill>
-                <a:effectLst/>
-                <a:latin typeface="charter"/>
-              </a:rPr>
-              <a:t>There are several reasons why Jenkins is gaining momentum. </a:t>
-            </a:r>
-          </a:p>
-          <a:p>
-            <a:pPr lvl="1"/>
-            <a:r>
-              <a:rPr lang="en-US" b="0" i="0" dirty="0">
-                <a:solidFill>
-                  <a:srgbClr val="292929"/>
-                </a:solidFill>
-                <a:effectLst/>
-                <a:latin typeface="charter"/>
-              </a:rPr>
-              <a:t>First, it is open source and free.</a:t>
-            </a:r>
-          </a:p>
-          <a:p>
-            <a:pPr lvl="1"/>
-            <a:r>
-              <a:rPr lang="en-US" b="0" i="0" dirty="0">
-                <a:solidFill>
-                  <a:srgbClr val="292929"/>
-                </a:solidFill>
-                <a:effectLst/>
-                <a:latin typeface="charter"/>
-              </a:rPr>
-              <a:t> Second, it is user-friendly, easy to install and does not require additional installations or components</a:t>
-            </a:r>
-            <a:endParaRPr lang="en-IN" b="0" i="0" dirty="0">
-              <a:solidFill>
-                <a:srgbClr val="292929"/>
-              </a:solidFill>
-              <a:effectLst/>
-              <a:latin typeface="charter"/>
-            </a:endParaRPr>
-          </a:p>
-          <a:p>
-            <a:r>
-              <a:rPr lang="en-US" b="0" i="0" dirty="0">
-                <a:solidFill>
-                  <a:srgbClr val="292929"/>
-                </a:solidFill>
-                <a:effectLst/>
-                <a:latin typeface="charter"/>
-              </a:rPr>
-              <a:t>Jenkins is also quite easy to configure, modify and extend. </a:t>
-            </a:r>
-          </a:p>
-          <a:p>
-            <a:pPr lvl="1"/>
-            <a:r>
-              <a:rPr lang="en-US" b="0" i="0" dirty="0">
-                <a:solidFill>
-                  <a:srgbClr val="292929"/>
-                </a:solidFill>
-                <a:effectLst/>
-                <a:latin typeface="charter"/>
-              </a:rPr>
-              <a:t>It deploys code instantly, generates test reports. </a:t>
-            </a:r>
-          </a:p>
-          <a:p>
-            <a:pPr lvl="1"/>
-            <a:r>
-              <a:rPr lang="en-US" b="0" i="0" dirty="0">
-                <a:solidFill>
-                  <a:srgbClr val="292929"/>
-                </a:solidFill>
-                <a:effectLst/>
-                <a:latin typeface="charter"/>
-              </a:rPr>
-              <a:t>Jenkins can be configured according to the requirements for continuous integrations and continuous delivery</a:t>
-            </a:r>
-            <a:endParaRPr lang="en-IN" dirty="0"/>
-          </a:p>
-        </p:txBody>
-      </p:sp>
-      <p:sp>
-        <p:nvSpPr>
-          <p:cNvPr id="4" name="Date Placeholder 3">
-            <a:extLst>
-              <a:ext uri="{FF2B5EF4-FFF2-40B4-BE49-F238E27FC236}">
-                <a16:creationId xmlns:a16="http://schemas.microsoft.com/office/drawing/2014/main" id="{7AB528B1-4855-41EA-B195-4FC0E423B44E}"/>
+                <a16:creationId xmlns:a16="http://schemas.microsoft.com/office/drawing/2014/main" id="{63868FE6-3266-4875-9D4C-63955148DF1D}"/>
               </a:ext>
             </a:extLst>
           </p:cNvPr>
@@ -6314,7 +6140,7 @@
           <p:cNvPr id="5" name="Footer Placeholder 4">
             <a:extLst>
               <a:ext uri="{FF2B5EF4-FFF2-40B4-BE49-F238E27FC236}">
-                <a16:creationId xmlns:a16="http://schemas.microsoft.com/office/drawing/2014/main" id="{F5929369-8A4E-46C8-8CDF-D8DCD09F04F8}"/>
+                <a16:creationId xmlns:a16="http://schemas.microsoft.com/office/drawing/2014/main" id="{DF3E9C3D-A34D-4CD9-8840-7F6D82FBA9E4}"/>
               </a:ext>
             </a:extLst>
           </p:cNvPr>
@@ -6343,7 +6169,7 @@
           <p:cNvPr id="6" name="Slide Number Placeholder 5">
             <a:extLst>
               <a:ext uri="{FF2B5EF4-FFF2-40B4-BE49-F238E27FC236}">
-                <a16:creationId xmlns:a16="http://schemas.microsoft.com/office/drawing/2014/main" id="{FE5AB4F7-3424-49EE-A4CE-6ED93A2232CF}"/>
+                <a16:creationId xmlns:a16="http://schemas.microsoft.com/office/drawing/2014/main" id="{5CB3A1B2-4C7E-4C9B-A69B-F1465D2D568F}"/>
               </a:ext>
             </a:extLst>
           </p:cNvPr>
@@ -6368,10 +6194,106 @@
           </a:p>
         </p:txBody>
       </p:sp>
+      <p:pic>
+        <p:nvPicPr>
+          <p:cNvPr id="1026" name="Picture 2">
+            <a:extLst>
+              <a:ext uri="{FF2B5EF4-FFF2-40B4-BE49-F238E27FC236}">
+                <a16:creationId xmlns:a16="http://schemas.microsoft.com/office/drawing/2014/main" id="{4BAD77E6-1F4F-4778-BE09-14358BB7B2C0}"/>
+              </a:ext>
+            </a:extLst>
+          </p:cNvPr>
+          <p:cNvPicPr>
+            <a:picLocks noGrp="1" noChangeAspect="1" noChangeArrowheads="1"/>
+          </p:cNvPicPr>
+          <p:nvPr>
+            <p:ph idx="1"/>
+          </p:nvPr>
+        </p:nvPicPr>
+        <p:blipFill>
+          <a:blip r:embed="rId2">
+            <a:extLst>
+              <a:ext uri="{28A0092B-C50C-407E-A947-70E740481C1C}">
+                <a14:useLocalDpi xmlns:a14="http://schemas.microsoft.com/office/drawing/2010/main" val="0"/>
+              </a:ext>
+            </a:extLst>
+          </a:blip>
+          <a:srcRect/>
+          <a:stretch>
+            <a:fillRect/>
+          </a:stretch>
+        </p:blipFill>
+        <p:spPr bwMode="auto">
+          <a:xfrm>
+            <a:off x="665212" y="2009629"/>
+            <a:ext cx="2857500" cy="2381250"/>
+          </a:xfrm>
+          <a:prstGeom prst="rect">
+            <a:avLst/>
+          </a:prstGeom>
+          <a:noFill/>
+          <a:extLst>
+            <a:ext uri="{909E8E84-426E-40DD-AFC4-6F175D3DCCD1}">
+              <a14:hiddenFill xmlns:a14="http://schemas.microsoft.com/office/drawing/2010/main">
+                <a:solidFill>
+                  <a:srgbClr val="FFFFFF"/>
+                </a:solidFill>
+              </a14:hiddenFill>
+            </a:ext>
+          </a:extLst>
+        </p:spPr>
+      </p:pic>
+      <p:pic>
+        <p:nvPicPr>
+          <p:cNvPr id="1028" name="Picture 4">
+            <a:extLst>
+              <a:ext uri="{FF2B5EF4-FFF2-40B4-BE49-F238E27FC236}">
+                <a16:creationId xmlns:a16="http://schemas.microsoft.com/office/drawing/2014/main" id="{5966DA8C-927A-43F9-A397-5C644967B732}"/>
+              </a:ext>
+            </a:extLst>
+          </p:cNvPr>
+          <p:cNvPicPr>
+            <a:picLocks noChangeAspect="1" noChangeArrowheads="1"/>
+          </p:cNvPicPr>
+          <p:nvPr/>
+        </p:nvPicPr>
+        <p:blipFill>
+          <a:blip r:embed="rId3">
+            <a:extLst>
+              <a:ext uri="{28A0092B-C50C-407E-A947-70E740481C1C}">
+                <a14:useLocalDpi xmlns:a14="http://schemas.microsoft.com/office/drawing/2010/main" val="0"/>
+              </a:ext>
+            </a:extLst>
+          </a:blip>
+          <a:srcRect/>
+          <a:stretch>
+            <a:fillRect/>
+          </a:stretch>
+        </p:blipFill>
+        <p:spPr bwMode="auto">
+          <a:xfrm>
+            <a:off x="3988284" y="1821112"/>
+            <a:ext cx="6667500" cy="3429000"/>
+          </a:xfrm>
+          <a:prstGeom prst="rect">
+            <a:avLst/>
+          </a:prstGeom>
+          <a:noFill/>
+          <a:extLst>
+            <a:ext uri="{909E8E84-426E-40DD-AFC4-6F175D3DCCD1}">
+              <a14:hiddenFill xmlns:a14="http://schemas.microsoft.com/office/drawing/2010/main">
+                <a:solidFill>
+                  <a:srgbClr val="FFFFFF"/>
+                </a:solidFill>
+              </a14:hiddenFill>
+            </a:ext>
+          </a:extLst>
+        </p:spPr>
+      </p:pic>
     </p:spTree>
     <p:extLst>
       <p:ext uri="{BB962C8B-B14F-4D97-AF65-F5344CB8AC3E}">
-        <p14:creationId xmlns:p14="http://schemas.microsoft.com/office/powerpoint/2010/main" val="1133965723"/>
+        <p14:creationId xmlns:p14="http://schemas.microsoft.com/office/powerpoint/2010/main" val="2594326197"/>
       </p:ext>
     </p:extLst>
   </p:cSld>
@@ -6403,6 +6325,161 @@
           <p:cNvPr id="2" name="Title 1">
             <a:extLst>
               <a:ext uri="{FF2B5EF4-FFF2-40B4-BE49-F238E27FC236}">
+                <a16:creationId xmlns:a16="http://schemas.microsoft.com/office/drawing/2014/main" id="{D6C809C2-B401-485A-8F0E-417537923180}"/>
+              </a:ext>
+            </a:extLst>
+          </p:cNvPr>
+          <p:cNvSpPr>
+            <a:spLocks noGrp="1"/>
+          </p:cNvSpPr>
+          <p:nvPr>
+            <p:ph type="title"/>
+          </p:nvPr>
+        </p:nvSpPr>
+        <p:spPr/>
+        <p:txBody>
+          <a:bodyPr/>
+          <a:lstStyle/>
+          <a:p>
+            <a:r>
+              <a:rPr lang="en-IN" dirty="0"/>
+              <a:t>Install JDK</a:t>
+            </a:r>
+          </a:p>
+        </p:txBody>
+      </p:sp>
+      <p:sp>
+        <p:nvSpPr>
+          <p:cNvPr id="3" name="Content Placeholder 2">
+            <a:extLst>
+              <a:ext uri="{FF2B5EF4-FFF2-40B4-BE49-F238E27FC236}">
+                <a16:creationId xmlns:a16="http://schemas.microsoft.com/office/drawing/2014/main" id="{1335C688-06F7-467F-AA2B-13997B7AF3DE}"/>
+              </a:ext>
+            </a:extLst>
+          </p:cNvPr>
+          <p:cNvSpPr>
+            <a:spLocks noGrp="1"/>
+          </p:cNvSpPr>
+          <p:nvPr>
+            <p:ph idx="1"/>
+          </p:nvPr>
+        </p:nvSpPr>
+        <p:spPr/>
+        <p:txBody>
+          <a:bodyPr/>
+          <a:lstStyle/>
+          <a:p>
+            <a:r>
+              <a:rPr lang="en-US" b="0" i="0" dirty="0">
+                <a:effectLst/>
+                <a:latin typeface="Metropolis"/>
+              </a:rPr>
+              <a:t>Now before we do the JDK installation lets first update the package manager of the virtual machine –</a:t>
+            </a:r>
+          </a:p>
+          <a:p>
+            <a:r>
+              <a:rPr lang="en-IN" b="0" i="0" dirty="0" err="1">
+                <a:effectLst/>
+                <a:latin typeface="Monaco"/>
+              </a:rPr>
+              <a:t>sudo</a:t>
+            </a:r>
+            <a:r>
+              <a:rPr lang="en-IN" b="0" i="0" dirty="0">
+                <a:effectLst/>
+                <a:latin typeface="Monaco"/>
+              </a:rPr>
+              <a:t> apt-get update </a:t>
+            </a:r>
+            <a:endParaRPr lang="en-US" dirty="0">
+              <a:latin typeface="Metropolis"/>
+            </a:endParaRPr>
+          </a:p>
+          <a:p>
+            <a:r>
+              <a:rPr lang="en-US" b="0" i="0" dirty="0">
+                <a:effectLst/>
+                <a:latin typeface="Metropolis"/>
+              </a:rPr>
+              <a:t>Check if you have java already installed onto your EC2 machine by running the following command –</a:t>
+            </a:r>
+          </a:p>
+          <a:p>
+            <a:r>
+              <a:rPr lang="en-IN" b="0" i="0" dirty="0">
+                <a:effectLst/>
+                <a:latin typeface="Monaco"/>
+              </a:rPr>
+              <a:t>java -version </a:t>
+            </a:r>
+            <a:endParaRPr lang="en-US" dirty="0">
+              <a:latin typeface="Metropolis"/>
+            </a:endParaRPr>
+          </a:p>
+          <a:p>
+            <a:r>
+              <a:rPr lang="en-US" b="0" i="0" dirty="0">
+                <a:effectLst/>
+                <a:latin typeface="Metropolis"/>
+              </a:rPr>
+              <a:t>But you can install java by running the following command</a:t>
+            </a:r>
+          </a:p>
+          <a:p>
+            <a:r>
+              <a:rPr lang="en-IN" b="0" i="0" dirty="0" err="1">
+                <a:effectLst/>
+                <a:latin typeface="Monaco"/>
+              </a:rPr>
+              <a:t>sudo</a:t>
+            </a:r>
+            <a:r>
+              <a:rPr lang="en-IN" b="0" i="0" dirty="0">
+                <a:effectLst/>
+                <a:latin typeface="Monaco"/>
+              </a:rPr>
+              <a:t> apt install openjdk-11-jre-headless</a:t>
+            </a:r>
+            <a:endParaRPr lang="en-IN" dirty="0"/>
+          </a:p>
+        </p:txBody>
+      </p:sp>
+    </p:spTree>
+    <p:extLst>
+      <p:ext uri="{BB962C8B-B14F-4D97-AF65-F5344CB8AC3E}">
+        <p14:creationId xmlns:p14="http://schemas.microsoft.com/office/powerpoint/2010/main" val="1533906996"/>
+      </p:ext>
+    </p:extLst>
+  </p:cSld>
+  <p:clrMapOvr>
+    <a:masterClrMapping/>
+  </p:clrMapOvr>
+</p:sld>
+</file>
+
+<file path=ppt/slides/slide21.xml><?xml version="1.0" encoding="utf-8"?>
+<p:sld xmlns:a="http://schemas.openxmlformats.org/drawingml/2006/main" xmlns:r="http://schemas.openxmlformats.org/officeDocument/2006/relationships" xmlns:p="http://schemas.openxmlformats.org/presentationml/2006/main">
+  <p:cSld>
+    <p:spTree>
+      <p:nvGrpSpPr>
+        <p:cNvPr id="1" name=""/>
+        <p:cNvGrpSpPr/>
+        <p:nvPr/>
+      </p:nvGrpSpPr>
+      <p:grpSpPr>
+        <a:xfrm>
+          <a:off x="0" y="0"/>
+          <a:ext cx="0" cy="0"/>
+          <a:chOff x="0" y="0"/>
+          <a:chExt cx="0" cy="0"/>
+        </a:xfrm>
+      </p:grpSpPr>
+      <p:sp>
+        <p:nvSpPr>
+          <p:cNvPr id="2" name="Title 1">
+            <a:extLst>
+              <a:ext uri="{FF2B5EF4-FFF2-40B4-BE49-F238E27FC236}">
                 <a16:creationId xmlns:a16="http://schemas.microsoft.com/office/drawing/2014/main" id="{6274E824-22D5-48A5-834B-0F8872EB8945}"/>
               </a:ext>
             </a:extLst>
@@ -6654,7 +6731,7 @@
 </p:sld>
 </file>
 
-<file path=ppt/slides/slide21.xml><?xml version="1.0" encoding="utf-8"?>
+<file path=ppt/slides/slide22.xml><?xml version="1.0" encoding="utf-8"?>
 <p:sld xmlns:a="http://schemas.openxmlformats.org/drawingml/2006/main" xmlns:r="http://schemas.openxmlformats.org/officeDocument/2006/relationships" xmlns:p="http://schemas.openxmlformats.org/presentationml/2006/main">
   <p:cSld>
     <p:spTree>
@@ -6776,7 +6853,7 @@
 </p:sld>
 </file>
 
-<file path=ppt/slides/slide22.xml><?xml version="1.0" encoding="utf-8"?>
+<file path=ppt/slides/slide23.xml><?xml version="1.0" encoding="utf-8"?>
 <p:sld xmlns:a="http://schemas.openxmlformats.org/drawingml/2006/main" xmlns:r="http://schemas.openxmlformats.org/officeDocument/2006/relationships" xmlns:p="http://schemas.openxmlformats.org/presentationml/2006/main">
   <p:cSld>
     <p:spTree>
@@ -6908,7 +6985,7 @@
 </p:sld>
 </file>
 
-<file path=ppt/slides/slide23.xml><?xml version="1.0" encoding="utf-8"?>
+<file path=ppt/slides/slide24.xml><?xml version="1.0" encoding="utf-8"?>
 <p:sld xmlns:a="http://schemas.openxmlformats.org/drawingml/2006/main" xmlns:r="http://schemas.openxmlformats.org/officeDocument/2006/relationships" xmlns:p="http://schemas.openxmlformats.org/presentationml/2006/main">
   <p:cSld>
     <p:spTree>
@@ -7038,7 +7115,7 @@
 </p:sld>
 </file>
 
-<file path=ppt/slides/slide24.xml><?xml version="1.0" encoding="utf-8"?>
+<file path=ppt/slides/slide25.xml><?xml version="1.0" encoding="utf-8"?>
 <p:sld xmlns:a="http://schemas.openxmlformats.org/drawingml/2006/main" xmlns:r="http://schemas.openxmlformats.org/officeDocument/2006/relationships" xmlns:p="http://schemas.openxmlformats.org/presentationml/2006/main">
   <p:cSld>
     <p:spTree>
@@ -7133,7 +7210,7 @@
 </p:sld>
 </file>
 
-<file path=ppt/slides/slide25.xml><?xml version="1.0" encoding="utf-8"?>
+<file path=ppt/slides/slide26.xml><?xml version="1.0" encoding="utf-8"?>
 <p:sld xmlns:a="http://schemas.openxmlformats.org/drawingml/2006/main" xmlns:r="http://schemas.openxmlformats.org/officeDocument/2006/relationships" xmlns:p="http://schemas.openxmlformats.org/presentationml/2006/main">
   <p:cSld>
     <p:spTree>
@@ -7234,7 +7311,7 @@
 </p:sld>
 </file>
 
-<file path=ppt/slides/slide26.xml><?xml version="1.0" encoding="utf-8"?>
+<file path=ppt/slides/slide27.xml><?xml version="1.0" encoding="utf-8"?>
 <p:sld xmlns:a="http://schemas.openxmlformats.org/drawingml/2006/main" xmlns:r="http://schemas.openxmlformats.org/officeDocument/2006/relationships" xmlns:p="http://schemas.openxmlformats.org/presentationml/2006/main">
   <p:cSld>
     <p:spTree>
@@ -7324,7 +7401,7 @@
 </p:sld>
 </file>
 
-<file path=ppt/slides/slide27.xml><?xml version="1.0" encoding="utf-8"?>
+<file path=ppt/slides/slide28.xml><?xml version="1.0" encoding="utf-8"?>
 <p:sld xmlns:a="http://schemas.openxmlformats.org/drawingml/2006/main" xmlns:r="http://schemas.openxmlformats.org/officeDocument/2006/relationships" xmlns:p="http://schemas.openxmlformats.org/presentationml/2006/main">
   <p:cSld>
     <p:spTree>
@@ -7469,183 +7546,6 @@
 </p:sld>
 </file>
 
-<file path=ppt/slides/slide28.xml><?xml version="1.0" encoding="utf-8"?>
-<p:sld xmlns:a="http://schemas.openxmlformats.org/drawingml/2006/main" xmlns:r="http://schemas.openxmlformats.org/officeDocument/2006/relationships" xmlns:p="http://schemas.openxmlformats.org/presentationml/2006/main">
-  <p:cSld>
-    <p:spTree>
-      <p:nvGrpSpPr>
-        <p:cNvPr id="1" name=""/>
-        <p:cNvGrpSpPr/>
-        <p:nvPr/>
-      </p:nvGrpSpPr>
-      <p:grpSpPr>
-        <a:xfrm>
-          <a:off x="0" y="0"/>
-          <a:ext cx="0" cy="0"/>
-          <a:chOff x="0" y="0"/>
-          <a:chExt cx="0" cy="0"/>
-        </a:xfrm>
-      </p:grpSpPr>
-      <p:sp>
-        <p:nvSpPr>
-          <p:cNvPr id="2" name="Title 1">
-            <a:extLst>
-              <a:ext uri="{FF2B5EF4-FFF2-40B4-BE49-F238E27FC236}">
-                <a16:creationId xmlns:a16="http://schemas.microsoft.com/office/drawing/2014/main" id="{46683F54-76DD-401C-8ED6-75140CDCDB74}"/>
-              </a:ext>
-            </a:extLst>
-          </p:cNvPr>
-          <p:cNvSpPr>
-            <a:spLocks noGrp="1"/>
-          </p:cNvSpPr>
-          <p:nvPr>
-            <p:ph type="title"/>
-          </p:nvPr>
-        </p:nvSpPr>
-        <p:spPr/>
-        <p:txBody>
-          <a:bodyPr>
-            <a:normAutofit/>
-          </a:bodyPr>
-          <a:lstStyle/>
-          <a:p>
-            <a:r>
-              <a:rPr lang="en-US" b="1" i="0" dirty="0">
-                <a:effectLst/>
-                <a:latin typeface="Metropolis"/>
-              </a:rPr>
-              <a:t>assign administration privileges to </a:t>
-            </a:r>
-            <a:r>
-              <a:rPr lang="en-US" b="1" i="0" dirty="0" err="1">
-                <a:effectLst/>
-                <a:latin typeface="Metropolis"/>
-              </a:rPr>
-              <a:t>jenkins</a:t>
-            </a:r>
-            <a:r>
-              <a:rPr lang="en-US" b="1" i="0" dirty="0">
-                <a:effectLst/>
-                <a:latin typeface="Metropolis"/>
-              </a:rPr>
-              <a:t> user</a:t>
-            </a:r>
-            <a:br>
-              <a:rPr lang="en-US" b="1" i="0" dirty="0">
-                <a:effectLst/>
-                <a:latin typeface="Metropolis"/>
-              </a:rPr>
-            </a:br>
-            <a:endParaRPr lang="en-IN" dirty="0"/>
-          </a:p>
-        </p:txBody>
-      </p:sp>
-      <p:sp>
-        <p:nvSpPr>
-          <p:cNvPr id="3" name="Content Placeholder 2">
-            <a:extLst>
-              <a:ext uri="{FF2B5EF4-FFF2-40B4-BE49-F238E27FC236}">
-                <a16:creationId xmlns:a16="http://schemas.microsoft.com/office/drawing/2014/main" id="{2DA73B63-DF8A-4247-A7B1-7D7DA747C638}"/>
-              </a:ext>
-            </a:extLst>
-          </p:cNvPr>
-          <p:cNvSpPr>
-            <a:spLocks noGrp="1"/>
-          </p:cNvSpPr>
-          <p:nvPr>
-            <p:ph idx="1"/>
-          </p:nvPr>
-        </p:nvSpPr>
-        <p:spPr/>
-        <p:txBody>
-          <a:bodyPr/>
-          <a:lstStyle/>
-          <a:p>
-            <a:r>
-              <a:rPr lang="en-US" dirty="0"/>
-              <a:t>Now we have installed the Jenkins on the EC2 instance. To interact with the Kubernetes cluster Jenkins will be executing the shell script with the Jenkins user, so the Jenkins user should have an administration(superuser) role assigned forehand.</a:t>
-            </a:r>
-          </a:p>
-          <a:p>
-            <a:r>
-              <a:rPr lang="en-US" dirty="0"/>
-              <a:t>Open the file /</a:t>
-            </a:r>
-            <a:r>
-              <a:rPr lang="en-US" dirty="0" err="1"/>
-              <a:t>etc</a:t>
-            </a:r>
-            <a:r>
-              <a:rPr lang="en-US" dirty="0"/>
-              <a:t>/</a:t>
-            </a:r>
-            <a:r>
-              <a:rPr lang="en-US" dirty="0" err="1"/>
-              <a:t>sudoers</a:t>
-            </a:r>
-            <a:r>
-              <a:rPr lang="en-US" dirty="0"/>
-              <a:t> in vi mode</a:t>
-            </a:r>
-          </a:p>
-          <a:p>
-            <a:r>
-              <a:rPr lang="en-US" dirty="0" err="1"/>
-              <a:t>sudo</a:t>
-            </a:r>
-            <a:r>
-              <a:rPr lang="en-US" dirty="0"/>
-              <a:t> vi /</a:t>
-            </a:r>
-            <a:r>
-              <a:rPr lang="en-US" dirty="0" err="1"/>
-              <a:t>etc</a:t>
-            </a:r>
-            <a:r>
-              <a:rPr lang="en-US" dirty="0"/>
-              <a:t>/</a:t>
-            </a:r>
-            <a:r>
-              <a:rPr lang="en-US" dirty="0" err="1"/>
-              <a:t>sudoers</a:t>
-            </a:r>
-            <a:r>
-              <a:rPr lang="en-US" dirty="0"/>
-              <a:t> </a:t>
-            </a:r>
-          </a:p>
-          <a:p>
-            <a:r>
-              <a:rPr lang="en-US" dirty="0"/>
-              <a:t>Add the following line at the end of the file</a:t>
-            </a:r>
-          </a:p>
-          <a:p>
-            <a:r>
-              <a:rPr lang="en-US" dirty="0" err="1"/>
-              <a:t>jenkins</a:t>
-            </a:r>
-            <a:r>
-              <a:rPr lang="en-US" dirty="0"/>
-              <a:t> ALL=(ALL) NOPASSWD: ALL </a:t>
-            </a:r>
-            <a:endParaRPr lang="en-IN" dirty="0"/>
-          </a:p>
-        </p:txBody>
-      </p:sp>
-    </p:spTree>
-    <p:extLst>
-      <p:ext uri="{BB962C8B-B14F-4D97-AF65-F5344CB8AC3E}">
-        <p14:creationId xmlns:p14="http://schemas.microsoft.com/office/powerpoint/2010/main" val="2590034231"/>
-      </p:ext>
-    </p:extLst>
-  </p:cSld>
-  <p:clrMapOvr>
-    <a:masterClrMapping/>
-  </p:clrMapOvr>
-</p:sld>
-</file>
-
 <file path=ppt/slides/slide29.xml><?xml version="1.0" encoding="utf-8"?>
 <p:sld xmlns:a="http://schemas.openxmlformats.org/drawingml/2006/main" xmlns:r="http://schemas.openxmlformats.org/officeDocument/2006/relationships" xmlns:p="http://schemas.openxmlformats.org/presentationml/2006/main">
   <p:cSld>
@@ -7668,7 +7568,7 @@
           <p:cNvPr id="2" name="Title 1">
             <a:extLst>
               <a:ext uri="{FF2B5EF4-FFF2-40B4-BE49-F238E27FC236}">
-                <a16:creationId xmlns:a16="http://schemas.microsoft.com/office/drawing/2014/main" id="{E35BEC26-7E0A-41BF-8E54-BCE614461561}"/>
+                <a16:creationId xmlns:a16="http://schemas.microsoft.com/office/drawing/2014/main" id="{46683F54-76DD-401C-8ED6-75140CDCDB74}"/>
               </a:ext>
             </a:extLst>
           </p:cNvPr>
@@ -7681,7 +7581,9 @@
         </p:nvSpPr>
         <p:spPr/>
         <p:txBody>
-          <a:bodyPr/>
+          <a:bodyPr>
+            <a:normAutofit/>
+          </a:bodyPr>
           <a:lstStyle/>
           <a:p>
             <a:r>
@@ -7689,7 +7591,21 @@
                 <a:effectLst/>
                 <a:latin typeface="Metropolis"/>
               </a:rPr>
-              <a:t>Install and Setup AWS CLI</a:t>
+              <a:t>assign administration privileges to </a:t>
+            </a:r>
+            <a:r>
+              <a:rPr lang="en-US" b="1" i="0" dirty="0" err="1">
+                <a:effectLst/>
+                <a:latin typeface="Metropolis"/>
+              </a:rPr>
+              <a:t>jenkins</a:t>
+            </a:r>
+            <a:r>
+              <a:rPr lang="en-US" b="1" i="0" dirty="0">
+                <a:effectLst/>
+                <a:latin typeface="Metropolis"/>
+              </a:rPr>
+              <a:t> user</a:t>
             </a:r>
             <a:br>
               <a:rPr lang="en-US" b="1" i="0" dirty="0">
@@ -7706,7 +7622,7 @@
           <p:cNvPr id="3" name="Content Placeholder 2">
             <a:extLst>
               <a:ext uri="{FF2B5EF4-FFF2-40B4-BE49-F238E27FC236}">
-                <a16:creationId xmlns:a16="http://schemas.microsoft.com/office/drawing/2014/main" id="{711DB8E5-0747-4FD7-ADE6-5D79194409D0}"/>
+                <a16:creationId xmlns:a16="http://schemas.microsoft.com/office/drawing/2014/main" id="{2DA73B63-DF8A-4247-A7B1-7D7DA747C638}"/>
               </a:ext>
             </a:extLst>
           </p:cNvPr>
@@ -7724,70 +7640,71 @@
           <a:p>
             <a:r>
               <a:rPr lang="en-US" dirty="0"/>
-              <a:t>Let us get the installation done for AWS CLI</a:t>
-            </a:r>
-          </a:p>
-          <a:p>
-            <a:r>
-              <a:rPr lang="en-IN" dirty="0" err="1"/>
+              <a:t>Now we have installed the Jenkins on the EC2 instance. To interact with the Kubernetes cluster Jenkins will be executing the shell script with the Jenkins user, so the Jenkins user should have an administration(superuser) role assigned forehand.</a:t>
+            </a:r>
+          </a:p>
+          <a:p>
+            <a:r>
+              <a:rPr lang="en-US" dirty="0"/>
+              <a:t>Open the file /</a:t>
+            </a:r>
+            <a:r>
+              <a:rPr lang="en-US" dirty="0" err="1"/>
+              <a:t>etc</a:t>
+            </a:r>
+            <a:r>
+              <a:rPr lang="en-US" dirty="0"/>
+              <a:t>/</a:t>
+            </a:r>
+            <a:r>
+              <a:rPr lang="en-US" dirty="0" err="1"/>
+              <a:t>sudoers</a:t>
+            </a:r>
+            <a:r>
+              <a:rPr lang="en-US" dirty="0"/>
+              <a:t> in vi mode</a:t>
+            </a:r>
+          </a:p>
+          <a:p>
+            <a:r>
+              <a:rPr lang="en-US" dirty="0" err="1"/>
               <a:t>sudo</a:t>
             </a:r>
             <a:r>
-              <a:rPr lang="en-IN" dirty="0"/>
-              <a:t> apt install </a:t>
-            </a:r>
-            <a:r>
-              <a:rPr lang="en-IN" dirty="0" err="1"/>
-              <a:t>awscli</a:t>
-            </a:r>
-            <a:r>
-              <a:rPr lang="en-IN" dirty="0"/>
+              <a:rPr lang="en-US" dirty="0"/>
+              <a:t> vi /</a:t>
+            </a:r>
+            <a:r>
+              <a:rPr lang="en-US" dirty="0" err="1"/>
+              <a:t>etc</a:t>
+            </a:r>
+            <a:r>
+              <a:rPr lang="en-US" dirty="0"/>
+              <a:t>/</a:t>
+            </a:r>
+            <a:r>
+              <a:rPr lang="en-US" dirty="0" err="1"/>
+              <a:t>sudoers</a:t>
+            </a:r>
+            <a:r>
+              <a:rPr lang="en-US" dirty="0"/>
               <a:t> </a:t>
             </a:r>
           </a:p>
           <a:p>
             <a:r>
               <a:rPr lang="en-US" dirty="0"/>
-              <a:t>Verify your AWS CLI installation by running the following command –</a:t>
-            </a:r>
-          </a:p>
-          <a:p>
-            <a:r>
-              <a:rPr lang="en-US" b="0" i="0" dirty="0">
-                <a:effectLst/>
-                <a:latin typeface="Metropolis"/>
-              </a:rPr>
-              <a:t>It should return you with the version of CLI</a:t>
-            </a:r>
-          </a:p>
-          <a:p>
-            <a:r>
-              <a:rPr lang="en-IN" b="0" i="0" dirty="0" err="1">
-                <a:effectLst/>
-                <a:latin typeface="Monaco"/>
-              </a:rPr>
-              <a:t>aws</a:t>
-            </a:r>
-            <a:r>
-              <a:rPr lang="en-IN" b="0" i="0" dirty="0">
-                <a:effectLst/>
-                <a:latin typeface="Monaco"/>
-              </a:rPr>
-              <a:t>-cli/1.18.69 Python/3.8.5 Linux/5.4.0-1045-aws </a:t>
-            </a:r>
-            <a:r>
-              <a:rPr lang="en-IN" b="0" i="0" dirty="0" err="1">
-                <a:effectLst/>
-                <a:latin typeface="Monaco"/>
-              </a:rPr>
-              <a:t>botocore</a:t>
-            </a:r>
-            <a:r>
-              <a:rPr lang="en-IN" b="0" i="0" dirty="0">
-                <a:effectLst/>
-                <a:latin typeface="Monaco"/>
-              </a:rPr>
-              <a:t>/1.16.19</a:t>
+              <a:t>Add the following line at the end of the file</a:t>
+            </a:r>
+          </a:p>
+          <a:p>
+            <a:r>
+              <a:rPr lang="en-US" dirty="0" err="1"/>
+              <a:t>jenkins</a:t>
+            </a:r>
+            <a:r>
+              <a:rPr lang="en-US" dirty="0"/>
+              <a:t> ALL=(ALL) NOPASSWD: ALL </a:t>
             </a:r>
             <a:endParaRPr lang="en-IN" dirty="0"/>
           </a:p>
@@ -7796,7 +7713,7 @@
     </p:spTree>
     <p:extLst>
       <p:ext uri="{BB962C8B-B14F-4D97-AF65-F5344CB8AC3E}">
-        <p14:creationId xmlns:p14="http://schemas.microsoft.com/office/powerpoint/2010/main" val="1017538181"/>
+        <p14:creationId xmlns:p14="http://schemas.microsoft.com/office/powerpoint/2010/main" val="2590034231"/>
       </p:ext>
     </p:extLst>
   </p:cSld>
@@ -7828,7 +7745,7 @@
           <p:cNvPr id="2" name="Title 1">
             <a:extLst>
               <a:ext uri="{FF2B5EF4-FFF2-40B4-BE49-F238E27FC236}">
-                <a16:creationId xmlns:a16="http://schemas.microsoft.com/office/drawing/2014/main" id="{E71523DB-9F1A-4308-95F9-3F631A35FB2D}"/>
+                <a16:creationId xmlns:a16="http://schemas.microsoft.com/office/drawing/2014/main" id="{3EA9AC9C-E388-438A-B8E2-E586019872B5}"/>
               </a:ext>
             </a:extLst>
           </p:cNvPr>
@@ -7845,50 +7762,41 @@
           <a:lstStyle/>
           <a:p>
             <a:r>
-              <a:rPr lang="en-IN" dirty="0"/>
-              <a:t>Jenkins For </a:t>
-            </a:r>
-            <a:r>
-              <a:rPr lang="en-IN"/>
-              <a:t>DeVOPS</a:t>
-            </a:r>
-          </a:p>
-        </p:txBody>
-      </p:sp>
-      <p:sp>
-        <p:nvSpPr>
-          <p:cNvPr id="3" name="Content Placeholder 2">
-            <a:extLst>
-              <a:ext uri="{FF2B5EF4-FFF2-40B4-BE49-F238E27FC236}">
-                <a16:creationId xmlns:a16="http://schemas.microsoft.com/office/drawing/2014/main" id="{0C9BF358-47DC-4A19-8D23-DF179765699D}"/>
-              </a:ext>
-            </a:extLst>
-          </p:cNvPr>
-          <p:cNvSpPr>
-            <a:spLocks noGrp="1"/>
-          </p:cNvSpPr>
-          <p:nvPr>
-            <p:ph idx="1"/>
-          </p:nvPr>
-        </p:nvSpPr>
-        <p:spPr/>
-        <p:txBody>
-          <a:bodyPr/>
-          <a:lstStyle/>
-          <a:p>
-            <a:r>
-              <a:rPr lang="en-US" sz="1800" b="0" i="0" dirty="0">
+              <a:rPr lang="en-US" sz="2800" b="1" i="0" dirty="0">
                 <a:solidFill>
                   <a:srgbClr val="292929"/>
                 </a:solidFill>
                 <a:effectLst/>
                 <a:latin typeface="charter"/>
-              </a:rPr>
-              <a:t>Jenkins is available for all platforms and different operating systems, whether it is OS X, Windows or Linux. </a:t>
-            </a:r>
-          </a:p>
-          <a:p>
-            <a:pPr lvl="1"/>
+                <a:cs typeface="Arial" panose="020B0604020202020204" pitchFamily="34" charset="0"/>
+              </a:rPr>
+              <a:t>Why Jenkins is becoming the CI/CD tool of choice for more and more DevOps</a:t>
+            </a:r>
+            <a:endParaRPr lang="en-IN" dirty="0"/>
+          </a:p>
+        </p:txBody>
+      </p:sp>
+      <p:sp>
+        <p:nvSpPr>
+          <p:cNvPr id="3" name="Content Placeholder 2">
+            <a:extLst>
+              <a:ext uri="{FF2B5EF4-FFF2-40B4-BE49-F238E27FC236}">
+                <a16:creationId xmlns:a16="http://schemas.microsoft.com/office/drawing/2014/main" id="{F56E2829-CD5F-4394-BB86-018E8BE37E15}"/>
+              </a:ext>
+            </a:extLst>
+          </p:cNvPr>
+          <p:cNvSpPr>
+            <a:spLocks noGrp="1"/>
+          </p:cNvSpPr>
+          <p:nvPr>
+            <p:ph idx="1"/>
+          </p:nvPr>
+        </p:nvSpPr>
+        <p:spPr/>
+        <p:txBody>
+          <a:bodyPr/>
+          <a:lstStyle/>
+          <a:p>
             <a:r>
               <a:rPr lang="en-US" b="0" i="0" dirty="0">
                 <a:solidFill>
@@ -7897,19 +7805,7 @@
                 <a:effectLst/>
                 <a:latin typeface="charter"/>
               </a:rPr>
-              <a:t>It also boasts rich plugin ecosystem. The extensive pool of plugins makes Jenkins flexible and allows building, deploying and automating across various platforms.</a:t>
-            </a:r>
-          </a:p>
-          <a:p>
-            <a:r>
-              <a:rPr lang="en-US" sz="1800" b="0" i="0" dirty="0">
-                <a:solidFill>
-                  <a:srgbClr val="292929"/>
-                </a:solidFill>
-                <a:effectLst/>
-                <a:latin typeface="charter"/>
-              </a:rPr>
-              <a:t>Since it is open source, there is no shortage of support from large online communities of agile teams.</a:t>
+              <a:t>There are several reasons why Jenkins is gaining momentum. </a:t>
             </a:r>
           </a:p>
           <a:p>
@@ -7922,7 +7818,7 @@
                 <a:effectLst/>
                 <a:latin typeface="charter"/>
               </a:rPr>
-              <a:t> Finally, most of the integration work is automated. Hence fewer integration issues.</a:t>
+              <a:t>First, it is open source and free.</a:t>
             </a:r>
           </a:p>
           <a:p>
@@ -7935,23 +7831,55 @@
                 <a:effectLst/>
                 <a:latin typeface="charter"/>
               </a:rPr>
-              <a:t> This saves both time and money over the lifespan of a project</a:t>
-            </a:r>
-            <a:r>
-              <a:rPr lang="en-US" sz="1000" b="0" i="0" dirty="0">
+              <a:t> Second, it is user-friendly, easy to install and does not require additional installations or components</a:t>
+            </a:r>
+            <a:endParaRPr lang="en-IN" b="0" i="0" dirty="0">
+              <a:solidFill>
+                <a:srgbClr val="292929"/>
+              </a:solidFill>
+              <a:effectLst/>
+              <a:latin typeface="charter"/>
+            </a:endParaRPr>
+          </a:p>
+          <a:p>
+            <a:r>
+              <a:rPr lang="en-US" b="0" i="0" dirty="0">
                 <a:solidFill>
                   <a:srgbClr val="292929"/>
                 </a:solidFill>
                 <a:effectLst/>
                 <a:latin typeface="charter"/>
               </a:rPr>
-              <a:t>.</a:t>
+              <a:t>Jenkins is also quite easy to configure, modify and extend. </a:t>
+            </a:r>
+          </a:p>
+          <a:p>
+            <a:pPr lvl="1"/>
+            <a:r>
+              <a:rPr lang="en-US" b="0" i="0" dirty="0">
+                <a:solidFill>
+                  <a:srgbClr val="292929"/>
+                </a:solidFill>
+                <a:effectLst/>
+                <a:latin typeface="charter"/>
+              </a:rPr>
+              <a:t>It deploys code instantly, generates test reports. </a:t>
+            </a:r>
+          </a:p>
+          <a:p>
+            <a:pPr lvl="1"/>
+            <a:r>
+              <a:rPr lang="en-US" b="0" i="0" dirty="0">
+                <a:solidFill>
+                  <a:srgbClr val="292929"/>
+                </a:solidFill>
+                <a:effectLst/>
+                <a:latin typeface="charter"/>
+              </a:rPr>
+              <a:t>Jenkins can be configured according to the requirements for continuous integrations and continuous delivery</a:t>
             </a:r>
             <a:endParaRPr lang="en-IN" dirty="0"/>
           </a:p>
-          <a:p>
-            <a:endParaRPr lang="en-IN" dirty="0"/>
-          </a:p>
         </p:txBody>
       </p:sp>
       <p:sp>
@@ -7959,7 +7887,7 @@
           <p:cNvPr id="4" name="Date Placeholder 3">
             <a:extLst>
               <a:ext uri="{FF2B5EF4-FFF2-40B4-BE49-F238E27FC236}">
-                <a16:creationId xmlns:a16="http://schemas.microsoft.com/office/drawing/2014/main" id="{E1D52327-10E5-4C7C-9979-16B3750DBD04}"/>
+                <a16:creationId xmlns:a16="http://schemas.microsoft.com/office/drawing/2014/main" id="{7AB528B1-4855-41EA-B195-4FC0E423B44E}"/>
               </a:ext>
             </a:extLst>
           </p:cNvPr>
@@ -7988,7 +7916,7 @@
           <p:cNvPr id="5" name="Footer Placeholder 4">
             <a:extLst>
               <a:ext uri="{FF2B5EF4-FFF2-40B4-BE49-F238E27FC236}">
-                <a16:creationId xmlns:a16="http://schemas.microsoft.com/office/drawing/2014/main" id="{B67EC95B-9FE5-4DC5-96A3-EFD2052E8C52}"/>
+                <a16:creationId xmlns:a16="http://schemas.microsoft.com/office/drawing/2014/main" id="{F5929369-8A4E-46C8-8CDF-D8DCD09F04F8}"/>
               </a:ext>
             </a:extLst>
           </p:cNvPr>
@@ -8017,7 +7945,7 @@
           <p:cNvPr id="6" name="Slide Number Placeholder 5">
             <a:extLst>
               <a:ext uri="{FF2B5EF4-FFF2-40B4-BE49-F238E27FC236}">
-                <a16:creationId xmlns:a16="http://schemas.microsoft.com/office/drawing/2014/main" id="{E7CC2BAC-32E0-4133-A626-1F96B28CDB8D}"/>
+                <a16:creationId xmlns:a16="http://schemas.microsoft.com/office/drawing/2014/main" id="{FE5AB4F7-3424-49EE-A4CE-6ED93A2232CF}"/>
               </a:ext>
             </a:extLst>
           </p:cNvPr>
@@ -8045,7 +7973,7 @@
     </p:spTree>
     <p:extLst>
       <p:ext uri="{BB962C8B-B14F-4D97-AF65-F5344CB8AC3E}">
-        <p14:creationId xmlns:p14="http://schemas.microsoft.com/office/powerpoint/2010/main" val="393481099"/>
+        <p14:creationId xmlns:p14="http://schemas.microsoft.com/office/powerpoint/2010/main" val="1133965723"/>
       </p:ext>
     </p:extLst>
   </p:cSld>
@@ -8077,7 +8005,7 @@
           <p:cNvPr id="2" name="Title 1">
             <a:extLst>
               <a:ext uri="{FF2B5EF4-FFF2-40B4-BE49-F238E27FC236}">
-                <a16:creationId xmlns:a16="http://schemas.microsoft.com/office/drawing/2014/main" id="{18F8C9CC-D169-457D-9851-FC2DF229BDB0}"/>
+                <a16:creationId xmlns:a16="http://schemas.microsoft.com/office/drawing/2014/main" id="{E35BEC26-7E0A-41BF-8E54-BCE614461561}"/>
               </a:ext>
             </a:extLst>
           </p:cNvPr>
@@ -8094,14 +8022,14 @@
           <a:lstStyle/>
           <a:p>
             <a:r>
-              <a:rPr lang="en-IN" b="1" i="0" dirty="0">
+              <a:rPr lang="en-US" b="1" i="0" dirty="0">
                 <a:effectLst/>
                 <a:latin typeface="Metropolis"/>
               </a:rPr>
-              <a:t>Configure AWS CLI</a:t>
+              <a:t>Install and Setup AWS CLI</a:t>
             </a:r>
             <a:br>
-              <a:rPr lang="en-IN" b="1" i="0" dirty="0">
+              <a:rPr lang="en-US" b="1" i="0" dirty="0">
                 <a:effectLst/>
                 <a:latin typeface="Metropolis"/>
               </a:rPr>
@@ -8115,7 +8043,7 @@
           <p:cNvPr id="3" name="Content Placeholder 2">
             <a:extLst>
               <a:ext uri="{FF2B5EF4-FFF2-40B4-BE49-F238E27FC236}">
-                <a16:creationId xmlns:a16="http://schemas.microsoft.com/office/drawing/2014/main" id="{3E05399C-4743-48FE-89ED-2700CA247E0F}"/>
+                <a16:creationId xmlns:a16="http://schemas.microsoft.com/office/drawing/2014/main" id="{711DB8E5-0747-4FD7-ADE6-5D79194409D0}"/>
               </a:ext>
             </a:extLst>
           </p:cNvPr>
@@ -8128,63 +8056,75 @@
         </p:nvSpPr>
         <p:spPr/>
         <p:txBody>
-          <a:bodyPr>
-            <a:normAutofit/>
-          </a:bodyPr>
-          <a:lstStyle/>
+          <a:bodyPr/>
+          <a:lstStyle/>
+          <a:p>
+            <a:r>
+              <a:rPr lang="en-US" dirty="0"/>
+              <a:t>Let us get the installation done for AWS CLI</a:t>
+            </a:r>
+          </a:p>
+          <a:p>
+            <a:r>
+              <a:rPr lang="en-IN" dirty="0" err="1"/>
+              <a:t>sudo</a:t>
+            </a:r>
+            <a:r>
+              <a:rPr lang="en-IN" dirty="0"/>
+              <a:t> apt install </a:t>
+            </a:r>
+            <a:r>
+              <a:rPr lang="en-IN" dirty="0" err="1"/>
+              <a:t>awscli</a:t>
+            </a:r>
+            <a:r>
+              <a:rPr lang="en-IN" dirty="0"/>
+              <a:t> </a:t>
+            </a:r>
+          </a:p>
+          <a:p>
+            <a:r>
+              <a:rPr lang="en-US" dirty="0"/>
+              <a:t>Verify your AWS CLI installation by running the following command –</a:t>
+            </a:r>
+          </a:p>
           <a:p>
             <a:r>
               <a:rPr lang="en-US" b="0" i="0" dirty="0">
                 <a:effectLst/>
                 <a:latin typeface="Metropolis"/>
               </a:rPr>
-              <a:t>To configure the AWS the first command we are going to run is –</a:t>
-            </a:r>
-          </a:p>
-          <a:p>
-            <a:r>
-              <a:rPr lang="en-IN" dirty="0" err="1"/>
+              <a:t>It should return you with the version of CLI</a:t>
+            </a:r>
+          </a:p>
+          <a:p>
+            <a:r>
+              <a:rPr lang="en-IN" b="0" i="0" dirty="0" err="1">
+                <a:effectLst/>
+                <a:latin typeface="Monaco"/>
+              </a:rPr>
               <a:t>aws</a:t>
             </a:r>
             <a:r>
-              <a:rPr lang="en-IN" dirty="0"/>
-              <a:t> configure </a:t>
-            </a:r>
-            <a:endParaRPr lang="en-US" dirty="0">
-              <a:latin typeface="Metropolis"/>
-            </a:endParaRPr>
-          </a:p>
-          <a:p>
-            <a:r>
-              <a:rPr lang="en-US" dirty="0"/>
-              <a:t>Once you execute the above command it will ask for the following information -</a:t>
-            </a:r>
-          </a:p>
-          <a:p>
-            <a:endParaRPr lang="en-US" dirty="0"/>
-          </a:p>
-          <a:p>
-            <a:r>
-              <a:rPr lang="en-US" dirty="0"/>
-              <a:t>AWS Access Key ID [None]:</a:t>
-            </a:r>
-          </a:p>
-          <a:p>
-            <a:r>
-              <a:rPr lang="en-US" dirty="0"/>
-              <a:t>AWS Secret Access Key [None]:</a:t>
-            </a:r>
-          </a:p>
-          <a:p>
-            <a:r>
-              <a:rPr lang="en-US" dirty="0"/>
-              <a:t>Default region name [None]:</a:t>
-            </a:r>
-          </a:p>
-          <a:p>
-            <a:r>
-              <a:rPr lang="en-US" dirty="0"/>
-              <a:t>Default output format [None]:</a:t>
+              <a:rPr lang="en-IN" b="0" i="0" dirty="0">
+                <a:effectLst/>
+                <a:latin typeface="Monaco"/>
+              </a:rPr>
+              <a:t>-cli/1.18.69 Python/3.8.5 Linux/5.4.0-1045-aws </a:t>
+            </a:r>
+            <a:r>
+              <a:rPr lang="en-IN" b="0" i="0" dirty="0" err="1">
+                <a:effectLst/>
+                <a:latin typeface="Monaco"/>
+              </a:rPr>
+              <a:t>botocore</a:t>
+            </a:r>
+            <a:r>
+              <a:rPr lang="en-IN" b="0" i="0" dirty="0">
+                <a:effectLst/>
+                <a:latin typeface="Monaco"/>
+              </a:rPr>
+              <a:t>/1.16.19</a:t>
             </a:r>
             <a:endParaRPr lang="en-IN" dirty="0"/>
           </a:p>
@@ -8193,7 +8133,7 @@
     </p:spTree>
     <p:extLst>
       <p:ext uri="{BB962C8B-B14F-4D97-AF65-F5344CB8AC3E}">
-        <p14:creationId xmlns:p14="http://schemas.microsoft.com/office/powerpoint/2010/main" val="852914661"/>
+        <p14:creationId xmlns:p14="http://schemas.microsoft.com/office/powerpoint/2010/main" val="1017538181"/>
       </p:ext>
     </p:extLst>
   </p:cSld>
@@ -8225,6 +8165,154 @@
           <p:cNvPr id="2" name="Title 1">
             <a:extLst>
               <a:ext uri="{FF2B5EF4-FFF2-40B4-BE49-F238E27FC236}">
+                <a16:creationId xmlns:a16="http://schemas.microsoft.com/office/drawing/2014/main" id="{18F8C9CC-D169-457D-9851-FC2DF229BDB0}"/>
+              </a:ext>
+            </a:extLst>
+          </p:cNvPr>
+          <p:cNvSpPr>
+            <a:spLocks noGrp="1"/>
+          </p:cNvSpPr>
+          <p:nvPr>
+            <p:ph type="title"/>
+          </p:nvPr>
+        </p:nvSpPr>
+        <p:spPr/>
+        <p:txBody>
+          <a:bodyPr/>
+          <a:lstStyle/>
+          <a:p>
+            <a:r>
+              <a:rPr lang="en-IN" b="1" i="0" dirty="0">
+                <a:effectLst/>
+                <a:latin typeface="Metropolis"/>
+              </a:rPr>
+              <a:t>Configure AWS CLI</a:t>
+            </a:r>
+            <a:br>
+              <a:rPr lang="en-IN" b="1" i="0" dirty="0">
+                <a:effectLst/>
+                <a:latin typeface="Metropolis"/>
+              </a:rPr>
+            </a:br>
+            <a:endParaRPr lang="en-IN" dirty="0"/>
+          </a:p>
+        </p:txBody>
+      </p:sp>
+      <p:sp>
+        <p:nvSpPr>
+          <p:cNvPr id="3" name="Content Placeholder 2">
+            <a:extLst>
+              <a:ext uri="{FF2B5EF4-FFF2-40B4-BE49-F238E27FC236}">
+                <a16:creationId xmlns:a16="http://schemas.microsoft.com/office/drawing/2014/main" id="{3E05399C-4743-48FE-89ED-2700CA247E0F}"/>
+              </a:ext>
+            </a:extLst>
+          </p:cNvPr>
+          <p:cNvSpPr>
+            <a:spLocks noGrp="1"/>
+          </p:cNvSpPr>
+          <p:nvPr>
+            <p:ph idx="1"/>
+          </p:nvPr>
+        </p:nvSpPr>
+        <p:spPr/>
+        <p:txBody>
+          <a:bodyPr>
+            <a:normAutofit/>
+          </a:bodyPr>
+          <a:lstStyle/>
+          <a:p>
+            <a:r>
+              <a:rPr lang="en-US" b="0" i="0" dirty="0">
+                <a:effectLst/>
+                <a:latin typeface="Metropolis"/>
+              </a:rPr>
+              <a:t>To configure the AWS the first command we are going to run is –</a:t>
+            </a:r>
+          </a:p>
+          <a:p>
+            <a:r>
+              <a:rPr lang="en-IN" dirty="0" err="1"/>
+              <a:t>aws</a:t>
+            </a:r>
+            <a:r>
+              <a:rPr lang="en-IN" dirty="0"/>
+              <a:t> configure </a:t>
+            </a:r>
+            <a:endParaRPr lang="en-US" dirty="0">
+              <a:latin typeface="Metropolis"/>
+            </a:endParaRPr>
+          </a:p>
+          <a:p>
+            <a:r>
+              <a:rPr lang="en-US" dirty="0"/>
+              <a:t>Once you execute the above command it will ask for the following information -</a:t>
+            </a:r>
+          </a:p>
+          <a:p>
+            <a:endParaRPr lang="en-US" dirty="0"/>
+          </a:p>
+          <a:p>
+            <a:r>
+              <a:rPr lang="en-US" dirty="0"/>
+              <a:t>AWS Access Key ID [None]:</a:t>
+            </a:r>
+          </a:p>
+          <a:p>
+            <a:r>
+              <a:rPr lang="en-US" dirty="0"/>
+              <a:t>AWS Secret Access Key [None]:</a:t>
+            </a:r>
+          </a:p>
+          <a:p>
+            <a:r>
+              <a:rPr lang="en-US" dirty="0"/>
+              <a:t>Default region name [None]:</a:t>
+            </a:r>
+          </a:p>
+          <a:p>
+            <a:r>
+              <a:rPr lang="en-US" dirty="0"/>
+              <a:t>Default output format [None]:</a:t>
+            </a:r>
+            <a:endParaRPr lang="en-IN" dirty="0"/>
+          </a:p>
+        </p:txBody>
+      </p:sp>
+    </p:spTree>
+    <p:extLst>
+      <p:ext uri="{BB962C8B-B14F-4D97-AF65-F5344CB8AC3E}">
+        <p14:creationId xmlns:p14="http://schemas.microsoft.com/office/powerpoint/2010/main" val="852914661"/>
+      </p:ext>
+    </p:extLst>
+  </p:cSld>
+  <p:clrMapOvr>
+    <a:masterClrMapping/>
+  </p:clrMapOvr>
+</p:sld>
+</file>
+
+<file path=ppt/slides/slide32.xml><?xml version="1.0" encoding="utf-8"?>
+<p:sld xmlns:a="http://schemas.openxmlformats.org/drawingml/2006/main" xmlns:r="http://schemas.openxmlformats.org/officeDocument/2006/relationships" xmlns:p="http://schemas.openxmlformats.org/presentationml/2006/main">
+  <p:cSld>
+    <p:spTree>
+      <p:nvGrpSpPr>
+        <p:cNvPr id="1" name=""/>
+        <p:cNvGrpSpPr/>
+        <p:nvPr/>
+      </p:nvGrpSpPr>
+      <p:grpSpPr>
+        <a:xfrm>
+          <a:off x="0" y="0"/>
+          <a:ext cx="0" cy="0"/>
+          <a:chOff x="0" y="0"/>
+          <a:chExt cx="0" cy="0"/>
+        </a:xfrm>
+      </p:grpSpPr>
+      <p:sp>
+        <p:nvSpPr>
+          <p:cNvPr id="2" name="Title 1">
+            <a:extLst>
+              <a:ext uri="{FF2B5EF4-FFF2-40B4-BE49-F238E27FC236}">
                 <a16:creationId xmlns:a16="http://schemas.microsoft.com/office/drawing/2014/main" id="{BA0C6FA7-5BFA-4E40-BB50-23B1F6A769E6}"/>
               </a:ext>
             </a:extLst>
@@ -8423,7 +8511,7 @@
 </p:sld>
 </file>
 
-<file path=ppt/slides/slide32.xml><?xml version="1.0" encoding="utf-8"?>
+<file path=ppt/slides/slide33.xml><?xml version="1.0" encoding="utf-8"?>
 <p:sld xmlns:a="http://schemas.openxmlformats.org/drawingml/2006/main" xmlns:r="http://schemas.openxmlformats.org/officeDocument/2006/relationships" xmlns:p="http://schemas.openxmlformats.org/presentationml/2006/main">
   <p:cSld>
     <p:spTree>
@@ -8575,7 +8663,7 @@
 </p:sld>
 </file>
 
-<file path=ppt/slides/slide33.xml><?xml version="1.0" encoding="utf-8"?>
+<file path=ppt/slides/slide34.xml><?xml version="1.0" encoding="utf-8"?>
 <p:sld xmlns:a="http://schemas.openxmlformats.org/drawingml/2006/main" xmlns:r="http://schemas.openxmlformats.org/officeDocument/2006/relationships" xmlns:p="http://schemas.openxmlformats.org/presentationml/2006/main">
   <p:cSld>
     <p:spTree>
@@ -8721,107 +8809,6 @@
 </p:sld>
 </file>
 
-<file path=ppt/slides/slide34.xml><?xml version="1.0" encoding="utf-8"?>
-<p:sld xmlns:a="http://schemas.openxmlformats.org/drawingml/2006/main" xmlns:r="http://schemas.openxmlformats.org/officeDocument/2006/relationships" xmlns:p="http://schemas.openxmlformats.org/presentationml/2006/main">
-  <p:cSld>
-    <p:spTree>
-      <p:nvGrpSpPr>
-        <p:cNvPr id="1" name=""/>
-        <p:cNvGrpSpPr/>
-        <p:nvPr/>
-      </p:nvGrpSpPr>
-      <p:grpSpPr>
-        <a:xfrm>
-          <a:off x="0" y="0"/>
-          <a:ext cx="0" cy="0"/>
-          <a:chOff x="0" y="0"/>
-          <a:chExt cx="0" cy="0"/>
-        </a:xfrm>
-      </p:grpSpPr>
-      <p:sp>
-        <p:nvSpPr>
-          <p:cNvPr id="2" name="Title 1">
-            <a:extLst>
-              <a:ext uri="{FF2B5EF4-FFF2-40B4-BE49-F238E27FC236}">
-                <a16:creationId xmlns:a16="http://schemas.microsoft.com/office/drawing/2014/main" id="{561A071A-FC47-42C9-A7B9-D195F8B96D54}"/>
-              </a:ext>
-            </a:extLst>
-          </p:cNvPr>
-          <p:cNvSpPr>
-            <a:spLocks noGrp="1"/>
-          </p:cNvSpPr>
-          <p:nvPr>
-            <p:ph type="title"/>
-          </p:nvPr>
-        </p:nvSpPr>
-        <p:spPr/>
-        <p:txBody>
-          <a:bodyPr/>
-          <a:lstStyle/>
-          <a:p>
-            <a:r>
-              <a:rPr lang="en-IN" dirty="0"/>
-              <a:t>Install </a:t>
-            </a:r>
-            <a:r>
-              <a:rPr lang="en-IN" dirty="0" err="1"/>
-              <a:t>aws</a:t>
-            </a:r>
-            <a:r>
-              <a:rPr lang="en-IN" dirty="0"/>
-              <a:t> credentials plugin</a:t>
-            </a:r>
-          </a:p>
-        </p:txBody>
-      </p:sp>
-      <p:pic>
-        <p:nvPicPr>
-          <p:cNvPr id="5" name="Content Placeholder 4">
-            <a:extLst>
-              <a:ext uri="{FF2B5EF4-FFF2-40B4-BE49-F238E27FC236}">
-                <a16:creationId xmlns:a16="http://schemas.microsoft.com/office/drawing/2014/main" id="{978C68F9-B909-4A07-BE87-6512695C13B8}"/>
-              </a:ext>
-            </a:extLst>
-          </p:cNvPr>
-          <p:cNvPicPr>
-            <a:picLocks noGrp="1" noChangeAspect="1"/>
-          </p:cNvPicPr>
-          <p:nvPr>
-            <p:ph idx="1"/>
-          </p:nvPr>
-        </p:nvPicPr>
-        <p:blipFill>
-          <a:blip r:embed="rId2">
-            <a:extLst>
-              <a:ext uri="{28A0092B-C50C-407E-A947-70E740481C1C}">
-                <a14:useLocalDpi xmlns:a14="http://schemas.microsoft.com/office/drawing/2010/main" val="0"/>
-              </a:ext>
-            </a:extLst>
-          </a:blip>
-          <a:stretch>
-            <a:fillRect/>
-          </a:stretch>
-        </p:blipFill>
-        <p:spPr>
-          <a:xfrm>
-            <a:off x="838200" y="2251760"/>
-            <a:ext cx="10515600" cy="3499067"/>
-          </a:xfrm>
-        </p:spPr>
-      </p:pic>
-    </p:spTree>
-    <p:extLst>
-      <p:ext uri="{BB962C8B-B14F-4D97-AF65-F5344CB8AC3E}">
-        <p14:creationId xmlns:p14="http://schemas.microsoft.com/office/powerpoint/2010/main" val="1374521056"/>
-      </p:ext>
-    </p:extLst>
-  </p:cSld>
-  <p:clrMapOvr>
-    <a:masterClrMapping/>
-  </p:clrMapOvr>
-</p:sld>
-</file>
-
 <file path=ppt/slides/slide35.xml><?xml version="1.0" encoding="utf-8"?>
 <p:sld xmlns:a="http://schemas.openxmlformats.org/drawingml/2006/main" xmlns:r="http://schemas.openxmlformats.org/officeDocument/2006/relationships" xmlns:p="http://schemas.openxmlformats.org/presentationml/2006/main">
   <p:cSld>
@@ -8844,7 +8831,7 @@
           <p:cNvPr id="2" name="Title 1">
             <a:extLst>
               <a:ext uri="{FF2B5EF4-FFF2-40B4-BE49-F238E27FC236}">
-                <a16:creationId xmlns:a16="http://schemas.microsoft.com/office/drawing/2014/main" id="{9A35DCFD-C8A6-4C03-A202-D84976D48491}"/>
+                <a16:creationId xmlns:a16="http://schemas.microsoft.com/office/drawing/2014/main" id="{561A071A-FC47-42C9-A7B9-D195F8B96D54}"/>
               </a:ext>
             </a:extLst>
           </p:cNvPr>
@@ -8862,7 +8849,7 @@
           <a:p>
             <a:r>
               <a:rPr lang="en-IN" dirty="0"/>
-              <a:t>Configure </a:t>
+              <a:t>Install </a:t>
             </a:r>
             <a:r>
               <a:rPr lang="en-IN" dirty="0" err="1"/>
@@ -8870,7 +8857,7 @@
             </a:r>
             <a:r>
               <a:rPr lang="en-IN" dirty="0"/>
-              <a:t> credentials</a:t>
+              <a:t> credentials plugin</a:t>
             </a:r>
           </a:p>
         </p:txBody>
@@ -8880,7 +8867,7 @@
           <p:cNvPr id="5" name="Content Placeholder 4">
             <a:extLst>
               <a:ext uri="{FF2B5EF4-FFF2-40B4-BE49-F238E27FC236}">
-                <a16:creationId xmlns:a16="http://schemas.microsoft.com/office/drawing/2014/main" id="{C81D187E-F7F7-4A8E-ABF0-E7F0F6DFBAB9}"/>
+                <a16:creationId xmlns:a16="http://schemas.microsoft.com/office/drawing/2014/main" id="{978C68F9-B909-4A07-BE87-6512695C13B8}"/>
               </a:ext>
             </a:extLst>
           </p:cNvPr>
@@ -8905,15 +8892,15 @@
         </p:blipFill>
         <p:spPr>
           <a:xfrm>
-            <a:off x="470479" y="2026547"/>
-            <a:ext cx="9061401" cy="4351338"/>
+            <a:off x="838200" y="2251760"/>
+            <a:ext cx="10515600" cy="3499067"/>
           </a:xfrm>
         </p:spPr>
       </p:pic>
     </p:spTree>
     <p:extLst>
       <p:ext uri="{BB962C8B-B14F-4D97-AF65-F5344CB8AC3E}">
-        <p14:creationId xmlns:p14="http://schemas.microsoft.com/office/powerpoint/2010/main" val="3130214862"/>
+        <p14:creationId xmlns:p14="http://schemas.microsoft.com/office/powerpoint/2010/main" val="1374521056"/>
       </p:ext>
     </p:extLst>
   </p:cSld>
@@ -8945,7 +8932,7 @@
           <p:cNvPr id="2" name="Title 1">
             <a:extLst>
               <a:ext uri="{FF2B5EF4-FFF2-40B4-BE49-F238E27FC236}">
-                <a16:creationId xmlns:a16="http://schemas.microsoft.com/office/drawing/2014/main" id="{7AF788E2-3815-431E-A6BA-67B1477FA988}"/>
+                <a16:creationId xmlns:a16="http://schemas.microsoft.com/office/drawing/2014/main" id="{9A35DCFD-C8A6-4C03-A202-D84976D48491}"/>
               </a:ext>
             </a:extLst>
           </p:cNvPr>
@@ -8963,7 +8950,7 @@
           <a:p>
             <a:r>
               <a:rPr lang="en-IN" dirty="0"/>
-              <a:t>Test </a:t>
+              <a:t>Configure </a:t>
             </a:r>
             <a:r>
               <a:rPr lang="en-IN" dirty="0" err="1"/>
@@ -8971,63 +8958,50 @@
             </a:r>
             <a:r>
               <a:rPr lang="en-IN" dirty="0"/>
-              <a:t> test pipeline</a:t>
-            </a:r>
-          </a:p>
-        </p:txBody>
-      </p:sp>
-      <p:sp>
-        <p:nvSpPr>
-          <p:cNvPr id="3" name="Content Placeholder 2">
+              <a:t> credentials</a:t>
+            </a:r>
+          </a:p>
+        </p:txBody>
+      </p:sp>
+      <p:pic>
+        <p:nvPicPr>
+          <p:cNvPr id="5" name="Content Placeholder 4">
             <a:extLst>
               <a:ext uri="{FF2B5EF4-FFF2-40B4-BE49-F238E27FC236}">
-                <a16:creationId xmlns:a16="http://schemas.microsoft.com/office/drawing/2014/main" id="{326B380F-906C-4C2F-B7E1-C071FA5E6DB9}"/>
+                <a16:creationId xmlns:a16="http://schemas.microsoft.com/office/drawing/2014/main" id="{C81D187E-F7F7-4A8E-ABF0-E7F0F6DFBAB9}"/>
               </a:ext>
             </a:extLst>
           </p:cNvPr>
-          <p:cNvSpPr>
-            <a:spLocks noGrp="1"/>
-          </p:cNvSpPr>
+          <p:cNvPicPr>
+            <a:picLocks noGrp="1" noChangeAspect="1"/>
+          </p:cNvPicPr>
           <p:nvPr>
             <p:ph idx="1"/>
           </p:nvPr>
-        </p:nvSpPr>
-        <p:spPr/>
-        <p:txBody>
-          <a:bodyPr/>
-          <a:lstStyle/>
-          <a:p>
-            <a:r>
-              <a:rPr lang="en-IN" dirty="0"/>
-              <a:t>Use the sample pipeline code to test the </a:t>
-            </a:r>
-            <a:r>
-              <a:rPr lang="en-IN" dirty="0" err="1"/>
-              <a:t>aws</a:t>
-            </a:r>
-            <a:r>
-              <a:rPr lang="en-IN" dirty="0"/>
-              <a:t> pipeline</a:t>
-            </a:r>
-          </a:p>
-          <a:p>
-            <a:r>
-              <a:rPr lang="en-IN" dirty="0">
-                <a:hlinkClick r:id="rId2"/>
-              </a:rPr>
-              <a:t>https://gist.github.com/darinpope/cbdc036cec4cd49ae2548a4d2d050abd</a:t>
-            </a:r>
-            <a:endParaRPr lang="en-IN" dirty="0"/>
-          </a:p>
-          <a:p>
-            <a:endParaRPr lang="en-IN" dirty="0"/>
-          </a:p>
-        </p:txBody>
-      </p:sp>
+        </p:nvPicPr>
+        <p:blipFill>
+          <a:blip r:embed="rId2">
+            <a:extLst>
+              <a:ext uri="{28A0092B-C50C-407E-A947-70E740481C1C}">
+                <a14:useLocalDpi xmlns:a14="http://schemas.microsoft.com/office/drawing/2010/main" val="0"/>
+              </a:ext>
+            </a:extLst>
+          </a:blip>
+          <a:stretch>
+            <a:fillRect/>
+          </a:stretch>
+        </p:blipFill>
+        <p:spPr>
+          <a:xfrm>
+            <a:off x="470479" y="2026547"/>
+            <a:ext cx="9061401" cy="4351338"/>
+          </a:xfrm>
+        </p:spPr>
+      </p:pic>
     </p:spTree>
     <p:extLst>
       <p:ext uri="{BB962C8B-B14F-4D97-AF65-F5344CB8AC3E}">
-        <p14:creationId xmlns:p14="http://schemas.microsoft.com/office/powerpoint/2010/main" val="199584640"/>
+        <p14:creationId xmlns:p14="http://schemas.microsoft.com/office/powerpoint/2010/main" val="3130214862"/>
       </p:ext>
     </p:extLst>
   </p:cSld>
@@ -9059,7 +9033,7 @@
           <p:cNvPr id="2" name="Title 1">
             <a:extLst>
               <a:ext uri="{FF2B5EF4-FFF2-40B4-BE49-F238E27FC236}">
-                <a16:creationId xmlns:a16="http://schemas.microsoft.com/office/drawing/2014/main" id="{EF359788-5D9D-41F4-B542-2E52329DF5FE}"/>
+                <a16:creationId xmlns:a16="http://schemas.microsoft.com/office/drawing/2014/main" id="{7AF788E2-3815-431E-A6BA-67B1477FA988}"/>
               </a:ext>
             </a:extLst>
           </p:cNvPr>
@@ -9085,7 +9059,7 @@
             </a:r>
             <a:r>
               <a:rPr lang="en-IN" dirty="0"/>
-              <a:t> test pipeline to run ec2 instances</a:t>
+              <a:t> test pipeline</a:t>
             </a:r>
           </a:p>
         </p:txBody>
@@ -9095,7 +9069,7 @@
           <p:cNvPr id="3" name="Content Placeholder 2">
             <a:extLst>
               <a:ext uri="{FF2B5EF4-FFF2-40B4-BE49-F238E27FC236}">
-                <a16:creationId xmlns:a16="http://schemas.microsoft.com/office/drawing/2014/main" id="{64674692-BD72-418F-9F0B-AD9A64A3DCFA}"/>
+                <a16:creationId xmlns:a16="http://schemas.microsoft.com/office/drawing/2014/main" id="{326B380F-906C-4C2F-B7E1-C071FA5E6DB9}"/>
               </a:ext>
             </a:extLst>
           </p:cNvPr>
@@ -9106,268 +9080,42 @@
             <p:ph idx="1"/>
           </p:nvPr>
         </p:nvSpPr>
-        <p:spPr>
-          <a:xfrm>
-            <a:off x="581192" y="2180496"/>
-            <a:ext cx="11219899" cy="4630349"/>
-          </a:xfrm>
-        </p:spPr>
-        <p:txBody>
-          <a:bodyPr>
-            <a:noAutofit/>
-          </a:bodyPr>
-          <a:lstStyle/>
-          <a:p>
-            <a:r>
-              <a:rPr lang="en-IN" sz="1200" dirty="0">
-                <a:latin typeface="Arial" panose="020B0604020202020204" pitchFamily="34" charset="0"/>
-                <a:cs typeface="Arial" panose="020B0604020202020204" pitchFamily="34" charset="0"/>
-              </a:rPr>
-              <a:t>pipeline {</a:t>
-            </a:r>
-          </a:p>
-          <a:p>
-            <a:pPr marL="0" indent="0">
-              <a:buNone/>
-            </a:pPr>
-            <a:r>
-              <a:rPr lang="en-IN" sz="1200" dirty="0">
-                <a:latin typeface="Arial" panose="020B0604020202020204" pitchFamily="34" charset="0"/>
-                <a:cs typeface="Arial" panose="020B0604020202020204" pitchFamily="34" charset="0"/>
-              </a:rPr>
-              <a:t>         agent { label "</a:t>
-            </a:r>
-            <a:r>
-              <a:rPr lang="en-IN" sz="1200" dirty="0" err="1">
-                <a:latin typeface="Arial" panose="020B0604020202020204" pitchFamily="34" charset="0"/>
-                <a:cs typeface="Arial" panose="020B0604020202020204" pitchFamily="34" charset="0"/>
-              </a:rPr>
-              <a:t>linux</a:t>
-            </a:r>
-            <a:r>
-              <a:rPr lang="en-IN" sz="1200" dirty="0">
-                <a:latin typeface="Arial" panose="020B0604020202020204" pitchFamily="34" charset="0"/>
-                <a:cs typeface="Arial" panose="020B0604020202020204" pitchFamily="34" charset="0"/>
-              </a:rPr>
-              <a:t>" }</a:t>
-            </a:r>
-          </a:p>
-          <a:p>
-            <a:pPr marL="0" indent="0">
-              <a:buNone/>
-            </a:pPr>
-            <a:r>
-              <a:rPr lang="en-IN" sz="1200" dirty="0">
-                <a:latin typeface="Arial" panose="020B0604020202020204" pitchFamily="34" charset="0"/>
-                <a:cs typeface="Arial" panose="020B0604020202020204" pitchFamily="34" charset="0"/>
-              </a:rPr>
-              <a:t>        environment {</a:t>
-            </a:r>
-          </a:p>
-          <a:p>
-            <a:pPr marL="0" indent="0">
-              <a:buNone/>
-            </a:pPr>
-            <a:r>
-              <a:rPr lang="en-IN" sz="1200" dirty="0">
-                <a:latin typeface="Arial" panose="020B0604020202020204" pitchFamily="34" charset="0"/>
-                <a:cs typeface="Arial" panose="020B0604020202020204" pitchFamily="34" charset="0"/>
-              </a:rPr>
-              <a:t>           AWS_DEFAULT_REGION="us-east-2"</a:t>
-            </a:r>
-          </a:p>
-          <a:p>
-            <a:pPr marL="0" indent="0">
-              <a:buNone/>
-            </a:pPr>
-            <a:r>
-              <a:rPr lang="en-IN" sz="1200" dirty="0">
-                <a:latin typeface="Arial" panose="020B0604020202020204" pitchFamily="34" charset="0"/>
-                <a:cs typeface="Arial" panose="020B0604020202020204" pitchFamily="34" charset="0"/>
-              </a:rPr>
-              <a:t>        }</a:t>
-            </a:r>
-          </a:p>
-          <a:p>
-            <a:pPr marL="0" indent="0">
-              <a:buNone/>
-            </a:pPr>
-            <a:r>
-              <a:rPr lang="en-IN" sz="1200" dirty="0">
-                <a:latin typeface="Arial" panose="020B0604020202020204" pitchFamily="34" charset="0"/>
-                <a:cs typeface="Arial" panose="020B0604020202020204" pitchFamily="34" charset="0"/>
-              </a:rPr>
-              <a:t>      stages {</a:t>
-            </a:r>
-          </a:p>
-          <a:p>
-            <a:pPr marL="0" indent="0">
-              <a:buNone/>
-            </a:pPr>
-            <a:r>
-              <a:rPr lang="en-IN" sz="1200" dirty="0">
-                <a:latin typeface="Arial" panose="020B0604020202020204" pitchFamily="34" charset="0"/>
-                <a:cs typeface="Arial" panose="020B0604020202020204" pitchFamily="34" charset="0"/>
-              </a:rPr>
-              <a:t>           stage('Hello') {</a:t>
-            </a:r>
-          </a:p>
-          <a:p>
-            <a:pPr marL="0" indent="0">
-              <a:buNone/>
-            </a:pPr>
-            <a:r>
-              <a:rPr lang="en-IN" sz="1200" dirty="0">
-                <a:latin typeface="Arial" panose="020B0604020202020204" pitchFamily="34" charset="0"/>
-                <a:cs typeface="Arial" panose="020B0604020202020204" pitchFamily="34" charset="0"/>
-              </a:rPr>
-              <a:t>            steps {</a:t>
-            </a:r>
-          </a:p>
-          <a:p>
-            <a:pPr marL="0" indent="0">
-              <a:buNone/>
-            </a:pPr>
-            <a:r>
-              <a:rPr lang="en-IN" sz="1200" dirty="0">
-                <a:latin typeface="Arial" panose="020B0604020202020204" pitchFamily="34" charset="0"/>
-                <a:cs typeface="Arial" panose="020B0604020202020204" pitchFamily="34" charset="0"/>
-              </a:rPr>
-              <a:t>               </a:t>
-            </a:r>
-            <a:r>
-              <a:rPr lang="en-IN" sz="1200" dirty="0" err="1">
-                <a:latin typeface="Arial" panose="020B0604020202020204" pitchFamily="34" charset="0"/>
-                <a:cs typeface="Arial" panose="020B0604020202020204" pitchFamily="34" charset="0"/>
-              </a:rPr>
-              <a:t>sh</a:t>
-            </a:r>
-            <a:r>
-              <a:rPr lang="en-IN" sz="1200" dirty="0">
-                <a:latin typeface="Arial" panose="020B0604020202020204" pitchFamily="34" charset="0"/>
-                <a:cs typeface="Arial" panose="020B0604020202020204" pitchFamily="34" charset="0"/>
-              </a:rPr>
-              <a:t> '''</a:t>
-            </a:r>
-          </a:p>
-          <a:p>
-            <a:pPr marL="0" indent="0">
-              <a:buNone/>
-            </a:pPr>
-            <a:r>
-              <a:rPr lang="en-IN" sz="1200" dirty="0">
-                <a:latin typeface="Arial" panose="020B0604020202020204" pitchFamily="34" charset="0"/>
-                <a:cs typeface="Arial" panose="020B0604020202020204" pitchFamily="34" charset="0"/>
-              </a:rPr>
-              <a:t>               </a:t>
-            </a:r>
-            <a:r>
-              <a:rPr lang="en-IN" sz="1200" dirty="0" err="1">
-                <a:latin typeface="Arial" panose="020B0604020202020204" pitchFamily="34" charset="0"/>
-                <a:cs typeface="Arial" panose="020B0604020202020204" pitchFamily="34" charset="0"/>
-              </a:rPr>
+        <p:spPr/>
+        <p:txBody>
+          <a:bodyPr/>
+          <a:lstStyle/>
+          <a:p>
+            <a:r>
+              <a:rPr lang="en-IN" dirty="0"/>
+              <a:t>Use the sample pipeline code to test the </a:t>
+            </a:r>
+            <a:r>
+              <a:rPr lang="en-IN" dirty="0" err="1"/>
               <a:t>aws</a:t>
             </a:r>
             <a:r>
-              <a:rPr lang="en-IN" sz="1200" dirty="0">
-                <a:latin typeface="Arial" panose="020B0604020202020204" pitchFamily="34" charset="0"/>
-                <a:cs typeface="Arial" panose="020B0604020202020204" pitchFamily="34" charset="0"/>
-              </a:rPr>
-              <a:t> --version</a:t>
-            </a:r>
-          </a:p>
-          <a:p>
-            <a:pPr marL="0" indent="0">
-              <a:buNone/>
-            </a:pPr>
-            <a:r>
-              <a:rPr lang="en-IN" sz="1200" dirty="0">
-                <a:latin typeface="Arial" panose="020B0604020202020204" pitchFamily="34" charset="0"/>
-                <a:cs typeface="Arial" panose="020B0604020202020204" pitchFamily="34" charset="0"/>
-              </a:rPr>
-              <a:t>               </a:t>
-            </a:r>
-            <a:r>
-              <a:rPr lang="en-IN" sz="1200" dirty="0" err="1">
-                <a:latin typeface="Arial" panose="020B0604020202020204" pitchFamily="34" charset="0"/>
-                <a:cs typeface="Arial" panose="020B0604020202020204" pitchFamily="34" charset="0"/>
-              </a:rPr>
-              <a:t>aws</a:t>
-            </a:r>
-            <a:r>
-              <a:rPr lang="en-IN" sz="1200" dirty="0">
-                <a:latin typeface="Arial" panose="020B0604020202020204" pitchFamily="34" charset="0"/>
-                <a:cs typeface="Arial" panose="020B0604020202020204" pitchFamily="34" charset="0"/>
-              </a:rPr>
-              <a:t> ec2 describe-instances</a:t>
-            </a:r>
-          </a:p>
-          <a:p>
-            <a:pPr marL="0" indent="0">
-              <a:buNone/>
-            </a:pPr>
-            <a:r>
-              <a:rPr lang="en-IN" sz="1200" dirty="0">
-                <a:latin typeface="Arial" panose="020B0604020202020204" pitchFamily="34" charset="0"/>
-                <a:cs typeface="Arial" panose="020B0604020202020204" pitchFamily="34" charset="0"/>
-              </a:rPr>
-              <a:t>                 '''</a:t>
-            </a:r>
-          </a:p>
-          <a:p>
-            <a:pPr marL="0" indent="0">
-              <a:buNone/>
-            </a:pPr>
-            <a:r>
-              <a:rPr lang="en-IN" sz="1200" dirty="0">
-                <a:latin typeface="Arial" panose="020B0604020202020204" pitchFamily="34" charset="0"/>
-                <a:cs typeface="Arial" panose="020B0604020202020204" pitchFamily="34" charset="0"/>
-              </a:rPr>
-              <a:t>                  }</a:t>
-            </a:r>
-          </a:p>
-          <a:p>
-            <a:pPr marL="0" indent="0">
-              <a:buNone/>
-            </a:pPr>
-            <a:r>
-              <a:rPr lang="en-IN" sz="1200" dirty="0">
-                <a:latin typeface="Arial" panose="020B0604020202020204" pitchFamily="34" charset="0"/>
-                <a:cs typeface="Arial" panose="020B0604020202020204" pitchFamily="34" charset="0"/>
-              </a:rPr>
-              <a:t>           }</a:t>
-            </a:r>
-          </a:p>
-          <a:p>
-            <a:pPr marL="0" indent="0">
-              <a:buNone/>
-            </a:pPr>
-            <a:r>
-              <a:rPr lang="en-IN" sz="1200" dirty="0">
-                <a:latin typeface="Arial" panose="020B0604020202020204" pitchFamily="34" charset="0"/>
-                <a:cs typeface="Arial" panose="020B0604020202020204" pitchFamily="34" charset="0"/>
-              </a:rPr>
-              <a:t>  }</a:t>
-            </a:r>
-          </a:p>
-          <a:p>
-            <a:pPr marL="0" indent="0">
-              <a:buNone/>
-            </a:pPr>
-            <a:r>
-              <a:rPr lang="en-IN" sz="1200" dirty="0">
-                <a:latin typeface="Arial" panose="020B0604020202020204" pitchFamily="34" charset="0"/>
-                <a:cs typeface="Arial" panose="020B0604020202020204" pitchFamily="34" charset="0"/>
-              </a:rPr>
-              <a:t>}</a:t>
-            </a:r>
+              <a:rPr lang="en-IN" dirty="0"/>
+              <a:t> pipeline</a:t>
+            </a:r>
+          </a:p>
+          <a:p>
+            <a:r>
+              <a:rPr lang="en-IN" dirty="0">
+                <a:hlinkClick r:id="rId2"/>
+              </a:rPr>
+              <a:t>https://gist.github.com/darinpope/cbdc036cec4cd49ae2548a4d2d050abd</a:t>
+            </a:r>
+            <a:endParaRPr lang="en-IN" dirty="0"/>
+          </a:p>
+          <a:p>
+            <a:endParaRPr lang="en-IN" dirty="0"/>
           </a:p>
         </p:txBody>
       </p:sp>
     </p:spTree>
     <p:extLst>
       <p:ext uri="{BB962C8B-B14F-4D97-AF65-F5344CB8AC3E}">
-        <p14:creationId xmlns:p14="http://schemas.microsoft.com/office/powerpoint/2010/main" val="3391837197"/>
+        <p14:creationId xmlns:p14="http://schemas.microsoft.com/office/powerpoint/2010/main" val="199584640"/>
       </p:ext>
     </p:extLst>
   </p:cSld>
@@ -9399,7 +9147,7 @@
           <p:cNvPr id="2" name="Title 1">
             <a:extLst>
               <a:ext uri="{FF2B5EF4-FFF2-40B4-BE49-F238E27FC236}">
-                <a16:creationId xmlns:a16="http://schemas.microsoft.com/office/drawing/2014/main" id="{5488108C-3646-4820-9FF9-8D6C8D15E6D2}"/>
+                <a16:creationId xmlns:a16="http://schemas.microsoft.com/office/drawing/2014/main" id="{EF359788-5D9D-41F4-B542-2E52329DF5FE}"/>
               </a:ext>
             </a:extLst>
           </p:cNvPr>
@@ -9417,7 +9165,15 @@
           <a:p>
             <a:r>
               <a:rPr lang="en-IN" dirty="0"/>
-              <a:t>K8s Deployment PIPELINE</a:t>
+              <a:t>Test </a:t>
+            </a:r>
+            <a:r>
+              <a:rPr lang="en-IN" dirty="0" err="1"/>
+              <a:t>aws</a:t>
+            </a:r>
+            <a:r>
+              <a:rPr lang="en-IN" dirty="0"/>
+              <a:t> test pipeline to run ec2 instances</a:t>
             </a:r>
           </a:p>
         </p:txBody>
@@ -9427,7 +9183,7 @@
           <p:cNvPr id="3" name="Content Placeholder 2">
             <a:extLst>
               <a:ext uri="{FF2B5EF4-FFF2-40B4-BE49-F238E27FC236}">
-                <a16:creationId xmlns:a16="http://schemas.microsoft.com/office/drawing/2014/main" id="{5CBFF0C6-B886-4F22-B275-7BF2A837EC99}"/>
+                <a16:creationId xmlns:a16="http://schemas.microsoft.com/office/drawing/2014/main" id="{64674692-BD72-418F-9F0B-AD9A64A3DCFA}"/>
               </a:ext>
             </a:extLst>
           </p:cNvPr>
@@ -9438,25 +9194,24 @@
             <p:ph idx="1"/>
           </p:nvPr>
         </p:nvSpPr>
-        <p:spPr/>
-        <p:txBody>
-          <a:bodyPr/>
-          <a:lstStyle/>
-          <a:p>
-            <a:r>
-              <a:rPr lang="en-IN" sz="1400" dirty="0">
+        <p:spPr>
+          <a:xfrm>
+            <a:off x="581192" y="2180496"/>
+            <a:ext cx="11219899" cy="4630349"/>
+          </a:xfrm>
+        </p:spPr>
+        <p:txBody>
+          <a:bodyPr>
+            <a:noAutofit/>
+          </a:bodyPr>
+          <a:lstStyle/>
+          <a:p>
+            <a:r>
+              <a:rPr lang="en-IN" sz="1200" dirty="0">
                 <a:latin typeface="Arial" panose="020B0604020202020204" pitchFamily="34" charset="0"/>
                 <a:cs typeface="Arial" panose="020B0604020202020204" pitchFamily="34" charset="0"/>
               </a:rPr>
-              <a:t>Step 1 add </a:t>
-            </a:r>
-            <a:r>
-              <a:rPr lang="en-IN" sz="1400" b="1" i="0" dirty="0">
-                <a:effectLst/>
-                <a:latin typeface="Arial" panose="020B0604020202020204" pitchFamily="34" charset="0"/>
-                <a:cs typeface="Arial" panose="020B0604020202020204" pitchFamily="34" charset="0"/>
-              </a:rPr>
-              <a:t>Checkout the GitHub Repository</a:t>
+              <a:t>pipeline {</a:t>
             </a:r>
           </a:p>
           <a:p>
@@ -9464,31 +9219,25 @@
               <a:buNone/>
             </a:pPr>
             <a:r>
-              <a:rPr lang="en-US" sz="1400" b="0" i="0" dirty="0">
-                <a:effectLst/>
+              <a:rPr lang="en-IN" sz="1200" dirty="0">
                 <a:latin typeface="Arial" panose="020B0604020202020204" pitchFamily="34" charset="0"/>
                 <a:cs typeface="Arial" panose="020B0604020202020204" pitchFamily="34" charset="0"/>
               </a:rPr>
-              <a:t>       stage(</a:t>
-            </a:r>
-            <a:r>
-              <a:rPr lang="en-US" sz="1400" b="0" i="0" dirty="0">
-                <a:solidFill>
-                  <a:srgbClr val="6AB825"/>
-                </a:solidFill>
-                <a:effectLst/>
+              <a:t>         agent { label "</a:t>
+            </a:r>
+            <a:r>
+              <a:rPr lang="en-IN" sz="1200" dirty="0" err="1">
                 <a:latin typeface="Arial" panose="020B0604020202020204" pitchFamily="34" charset="0"/>
                 <a:cs typeface="Arial" panose="020B0604020202020204" pitchFamily="34" charset="0"/>
               </a:rPr>
-              <a:t>"Git Clone"</a:t>
-            </a:r>
-            <a:r>
-              <a:rPr lang="en-US" sz="1400" b="0" i="0" dirty="0">
-                <a:effectLst/>
+              <a:t>linux</a:t>
+            </a:r>
+            <a:r>
+              <a:rPr lang="en-IN" sz="1200" dirty="0">
                 <a:latin typeface="Arial" panose="020B0604020202020204" pitchFamily="34" charset="0"/>
                 <a:cs typeface="Arial" panose="020B0604020202020204" pitchFamily="34" charset="0"/>
               </a:rPr>
-              <a:t>){</a:t>
+              <a:t>" }</a:t>
             </a:r>
           </a:p>
           <a:p>
@@ -9496,66 +9245,11 @@
               <a:buNone/>
             </a:pPr>
             <a:r>
-              <a:rPr lang="en-US" sz="1400" b="0" i="0" dirty="0">
-                <a:effectLst/>
+              <a:rPr lang="en-IN" sz="1200" dirty="0">
                 <a:latin typeface="Arial" panose="020B0604020202020204" pitchFamily="34" charset="0"/>
                 <a:cs typeface="Arial" panose="020B0604020202020204" pitchFamily="34" charset="0"/>
               </a:rPr>
-              <a:t>       git </a:t>
-            </a:r>
-            <a:r>
-              <a:rPr lang="en-US" sz="1400" b="0" i="0" dirty="0" err="1">
-                <a:effectLst/>
-                <a:latin typeface="Arial" panose="020B0604020202020204" pitchFamily="34" charset="0"/>
-                <a:cs typeface="Arial" panose="020B0604020202020204" pitchFamily="34" charset="0"/>
-              </a:rPr>
-              <a:t>credentialsId</a:t>
-            </a:r>
-            <a:r>
-              <a:rPr lang="en-US" sz="1400" b="0" i="0" dirty="0">
-                <a:effectLst/>
-                <a:latin typeface="Arial" panose="020B0604020202020204" pitchFamily="34" charset="0"/>
-                <a:cs typeface="Arial" panose="020B0604020202020204" pitchFamily="34" charset="0"/>
-              </a:rPr>
-              <a:t>: </a:t>
-            </a:r>
-            <a:r>
-              <a:rPr lang="en-US" sz="1400" b="0" i="0" dirty="0">
-                <a:solidFill>
-                  <a:srgbClr val="6AB825"/>
-                </a:solidFill>
-                <a:effectLst/>
-                <a:latin typeface="Arial" panose="020B0604020202020204" pitchFamily="34" charset="0"/>
-                <a:cs typeface="Arial" panose="020B0604020202020204" pitchFamily="34" charset="0"/>
-              </a:rPr>
-              <a:t>'GIT_HUB_CREDENTIALS'</a:t>
-            </a:r>
-            <a:r>
-              <a:rPr lang="en-US" sz="1400" b="0" i="0" dirty="0">
-                <a:effectLst/>
-                <a:latin typeface="Arial" panose="020B0604020202020204" pitchFamily="34" charset="0"/>
-                <a:cs typeface="Arial" panose="020B0604020202020204" pitchFamily="34" charset="0"/>
-              </a:rPr>
-              <a:t>, url: </a:t>
-            </a:r>
-            <a:r>
-              <a:rPr lang="en-US" sz="1400" b="0" i="0" dirty="0">
-                <a:solidFill>
-                  <a:srgbClr val="6AB825"/>
-                </a:solidFill>
-                <a:effectLst/>
-                <a:latin typeface="Arial" panose="020B0604020202020204" pitchFamily="34" charset="0"/>
-                <a:cs typeface="Arial" panose="020B0604020202020204" pitchFamily="34" charset="0"/>
-              </a:rPr>
-              <a:t>'https://github.com/thulsidk1/k8s-jenkins-aws’</a:t>
-            </a:r>
-            <a:r>
-              <a:rPr lang="en-US" sz="1400" b="0" i="0" dirty="0">
-                <a:effectLst/>
-                <a:latin typeface="Arial" panose="020B0604020202020204" pitchFamily="34" charset="0"/>
-                <a:cs typeface="Arial" panose="020B0604020202020204" pitchFamily="34" charset="0"/>
-              </a:rPr>
-              <a:t> </a:t>
+              <a:t>        environment {</a:t>
             </a:r>
           </a:p>
           <a:p>
@@ -9563,29 +9257,11 @@
               <a:buNone/>
             </a:pPr>
             <a:r>
-              <a:rPr lang="en-US" sz="1400" b="0" i="0" dirty="0">
-                <a:effectLst/>
+              <a:rPr lang="en-IN" sz="1200" dirty="0">
                 <a:latin typeface="Arial" panose="020B0604020202020204" pitchFamily="34" charset="0"/>
                 <a:cs typeface="Arial" panose="020B0604020202020204" pitchFamily="34" charset="0"/>
               </a:rPr>
-              <a:t>      }</a:t>
-            </a:r>
-          </a:p>
-          <a:p>
-            <a:r>
-              <a:rPr lang="en-US" sz="1400" dirty="0">
-                <a:latin typeface="Arial" panose="020B0604020202020204" pitchFamily="34" charset="0"/>
-                <a:cs typeface="Arial" panose="020B0604020202020204" pitchFamily="34" charset="0"/>
-              </a:rPr>
-              <a:t>Step2 </a:t>
-            </a:r>
-            <a:r>
-              <a:rPr lang="en-IN" sz="1400" b="1" i="0" dirty="0">
-                <a:effectLst/>
-                <a:latin typeface="Arial" panose="020B0604020202020204" pitchFamily="34" charset="0"/>
-                <a:cs typeface="Arial" panose="020B0604020202020204" pitchFamily="34" charset="0"/>
-              </a:rPr>
-              <a:t>Gradle compilation and build</a:t>
+              <a:t>           AWS_DEFAULT_REGION="us-east-2"</a:t>
             </a:r>
           </a:p>
           <a:p>
@@ -9593,12 +9269,11 @@
               <a:buNone/>
             </a:pPr>
             <a:r>
-              <a:rPr lang="en-US" sz="1400" b="0" i="0" dirty="0">
-                <a:effectLst/>
+              <a:rPr lang="en-IN" sz="1200" dirty="0">
                 <a:latin typeface="Arial" panose="020B0604020202020204" pitchFamily="34" charset="0"/>
                 <a:cs typeface="Arial" panose="020B0604020202020204" pitchFamily="34" charset="0"/>
               </a:rPr>
-              <a:t>      stage('Gradle Build') { </a:t>
+              <a:t>        }</a:t>
             </a:r>
           </a:p>
           <a:p>
@@ -9606,44 +9281,11 @@
               <a:buNone/>
             </a:pPr>
             <a:r>
-              <a:rPr lang="en-US" sz="1400" b="0" i="0" dirty="0">
-                <a:effectLst/>
+              <a:rPr lang="en-IN" sz="1200" dirty="0">
                 <a:latin typeface="Arial" panose="020B0604020202020204" pitchFamily="34" charset="0"/>
                 <a:cs typeface="Arial" panose="020B0604020202020204" pitchFamily="34" charset="0"/>
               </a:rPr>
-              <a:t>      </a:t>
-            </a:r>
-            <a:r>
-              <a:rPr lang="en-US" sz="1400" b="0" i="0" dirty="0" err="1">
-                <a:effectLst/>
-                <a:latin typeface="Arial" panose="020B0604020202020204" pitchFamily="34" charset="0"/>
-                <a:cs typeface="Arial" panose="020B0604020202020204" pitchFamily="34" charset="0"/>
-              </a:rPr>
-              <a:t>sh</a:t>
-            </a:r>
-            <a:r>
-              <a:rPr lang="en-US" sz="1400" b="0" i="0" dirty="0">
-                <a:effectLst/>
-                <a:latin typeface="Arial" panose="020B0604020202020204" pitchFamily="34" charset="0"/>
-                <a:cs typeface="Arial" panose="020B0604020202020204" pitchFamily="34" charset="0"/>
-              </a:rPr>
-              <a:t> './</a:t>
-            </a:r>
-            <a:r>
-              <a:rPr lang="en-US" sz="1400" b="0" i="0" dirty="0" err="1">
-                <a:effectLst/>
-                <a:latin typeface="Arial" panose="020B0604020202020204" pitchFamily="34" charset="0"/>
-                <a:cs typeface="Arial" panose="020B0604020202020204" pitchFamily="34" charset="0"/>
-              </a:rPr>
-              <a:t>gradlew</a:t>
-            </a:r>
-            <a:r>
-              <a:rPr lang="en-US" sz="1400" b="0" i="0" dirty="0">
-                <a:effectLst/>
-                <a:latin typeface="Arial" panose="020B0604020202020204" pitchFamily="34" charset="0"/>
-                <a:cs typeface="Arial" panose="020B0604020202020204" pitchFamily="34" charset="0"/>
-              </a:rPr>
-              <a:t> build’</a:t>
+              <a:t>      stages {</a:t>
             </a:r>
           </a:p>
           <a:p>
@@ -9651,115 +9293,169 @@
               <a:buNone/>
             </a:pPr>
             <a:r>
-              <a:rPr lang="en-US" sz="1400" b="0" i="0" dirty="0">
-                <a:effectLst/>
+              <a:rPr lang="en-IN" sz="1200" dirty="0">
                 <a:latin typeface="Arial" panose="020B0604020202020204" pitchFamily="34" charset="0"/>
                 <a:cs typeface="Arial" panose="020B0604020202020204" pitchFamily="34" charset="0"/>
               </a:rPr>
-              <a:t>     }</a:t>
-            </a:r>
-            <a:endParaRPr lang="en-IN" sz="1400" dirty="0">
-              <a:latin typeface="Arial" panose="020B0604020202020204" pitchFamily="34" charset="0"/>
-              <a:cs typeface="Arial" panose="020B0604020202020204" pitchFamily="34" charset="0"/>
-            </a:endParaRPr>
-          </a:p>
-          <a:p>
-            <a:endParaRPr lang="en-IN" dirty="0"/>
-          </a:p>
-        </p:txBody>
-      </p:sp>
-      <p:sp>
-        <p:nvSpPr>
-          <p:cNvPr id="4" name="Date Placeholder 3">
-            <a:extLst>
-              <a:ext uri="{FF2B5EF4-FFF2-40B4-BE49-F238E27FC236}">
-                <a16:creationId xmlns:a16="http://schemas.microsoft.com/office/drawing/2014/main" id="{D6926E31-21CE-47B6-B45F-55534D536814}"/>
-              </a:ext>
-            </a:extLst>
-          </p:cNvPr>
-          <p:cNvSpPr>
-            <a:spLocks noGrp="1"/>
-          </p:cNvSpPr>
-          <p:nvPr>
-            <p:ph type="dt" sz="half" idx="10"/>
-          </p:nvPr>
-        </p:nvSpPr>
-        <p:spPr/>
-        <p:txBody>
-          <a:bodyPr/>
-          <a:lstStyle/>
-          <a:p>
-            <a:fld id="{30982E46-163F-534D-B244-A5ED1410340B}" type="datetime1">
-              <a:rPr lang="nl-NL" smtClean="0"/>
-              <a:t>17-3-2022</a:t>
-            </a:fld>
-            <a:endParaRPr lang="en-US" dirty="0"/>
-          </a:p>
-        </p:txBody>
-      </p:sp>
-      <p:sp>
-        <p:nvSpPr>
-          <p:cNvPr id="5" name="Footer Placeholder 4">
-            <a:extLst>
-              <a:ext uri="{FF2B5EF4-FFF2-40B4-BE49-F238E27FC236}">
-                <a16:creationId xmlns:a16="http://schemas.microsoft.com/office/drawing/2014/main" id="{032A3A8C-D9F2-4936-AB73-9B0651937D89}"/>
-              </a:ext>
-            </a:extLst>
-          </p:cNvPr>
-          <p:cNvSpPr>
-            <a:spLocks noGrp="1"/>
-          </p:cNvSpPr>
-          <p:nvPr>
-            <p:ph type="ftr" sz="quarter" idx="11"/>
-          </p:nvPr>
-        </p:nvSpPr>
-        <p:spPr/>
-        <p:txBody>
-          <a:bodyPr/>
-          <a:lstStyle/>
-          <a:p>
-            <a:r>
-              <a:rPr lang="en-US"/>
-              <a:t>“Samen sterker, Beter en slimmer!”</a:t>
-            </a:r>
-            <a:endParaRPr lang="en-US" dirty="0"/>
-          </a:p>
-        </p:txBody>
-      </p:sp>
-      <p:sp>
-        <p:nvSpPr>
-          <p:cNvPr id="6" name="Slide Number Placeholder 5">
-            <a:extLst>
-              <a:ext uri="{FF2B5EF4-FFF2-40B4-BE49-F238E27FC236}">
-                <a16:creationId xmlns:a16="http://schemas.microsoft.com/office/drawing/2014/main" id="{70A795E4-5D7E-4052-B93D-AFB2DE7D2B7C}"/>
-              </a:ext>
-            </a:extLst>
-          </p:cNvPr>
-          <p:cNvSpPr>
-            <a:spLocks noGrp="1"/>
-          </p:cNvSpPr>
-          <p:nvPr>
-            <p:ph type="sldNum" sz="quarter" idx="12"/>
-          </p:nvPr>
-        </p:nvSpPr>
-        <p:spPr/>
-        <p:txBody>
-          <a:bodyPr/>
-          <a:lstStyle/>
-          <a:p>
-            <a:fld id="{D57F1E4F-1CFF-5643-939E-217C01CDF565}" type="slidenum">
-              <a:rPr lang="en-US" smtClean="0"/>
-              <a:pPr/>
-              <a:t>38</a:t>
-            </a:fld>
-            <a:endParaRPr lang="en-US" dirty="0"/>
+              <a:t>           stage('Hello') {</a:t>
+            </a:r>
+          </a:p>
+          <a:p>
+            <a:pPr marL="0" indent="0">
+              <a:buNone/>
+            </a:pPr>
+            <a:r>
+              <a:rPr lang="en-IN" sz="1200" dirty="0">
+                <a:latin typeface="Arial" panose="020B0604020202020204" pitchFamily="34" charset="0"/>
+                <a:cs typeface="Arial" panose="020B0604020202020204" pitchFamily="34" charset="0"/>
+              </a:rPr>
+              <a:t>            steps {</a:t>
+            </a:r>
+          </a:p>
+          <a:p>
+            <a:pPr marL="0" indent="0">
+              <a:buNone/>
+            </a:pPr>
+            <a:r>
+              <a:rPr lang="en-IN" sz="1200" dirty="0">
+                <a:latin typeface="Arial" panose="020B0604020202020204" pitchFamily="34" charset="0"/>
+                <a:cs typeface="Arial" panose="020B0604020202020204" pitchFamily="34" charset="0"/>
+              </a:rPr>
+              <a:t>               </a:t>
+            </a:r>
+            <a:r>
+              <a:rPr lang="en-IN" sz="1200" dirty="0" err="1">
+                <a:latin typeface="Arial" panose="020B0604020202020204" pitchFamily="34" charset="0"/>
+                <a:cs typeface="Arial" panose="020B0604020202020204" pitchFamily="34" charset="0"/>
+              </a:rPr>
+              <a:t>sh</a:t>
+            </a:r>
+            <a:r>
+              <a:rPr lang="en-IN" sz="1200" dirty="0">
+                <a:latin typeface="Arial" panose="020B0604020202020204" pitchFamily="34" charset="0"/>
+                <a:cs typeface="Arial" panose="020B0604020202020204" pitchFamily="34" charset="0"/>
+              </a:rPr>
+              <a:t> '''</a:t>
+            </a:r>
+          </a:p>
+          <a:p>
+            <a:pPr marL="0" indent="0">
+              <a:buNone/>
+            </a:pPr>
+            <a:r>
+              <a:rPr lang="en-IN" sz="1200" dirty="0">
+                <a:latin typeface="Arial" panose="020B0604020202020204" pitchFamily="34" charset="0"/>
+                <a:cs typeface="Arial" panose="020B0604020202020204" pitchFamily="34" charset="0"/>
+              </a:rPr>
+              <a:t>               </a:t>
+            </a:r>
+            <a:r>
+              <a:rPr lang="en-IN" sz="1200" dirty="0" err="1">
+                <a:latin typeface="Arial" panose="020B0604020202020204" pitchFamily="34" charset="0"/>
+                <a:cs typeface="Arial" panose="020B0604020202020204" pitchFamily="34" charset="0"/>
+              </a:rPr>
+              <a:t>aws</a:t>
+            </a:r>
+            <a:r>
+              <a:rPr lang="en-IN" sz="1200" dirty="0">
+                <a:latin typeface="Arial" panose="020B0604020202020204" pitchFamily="34" charset="0"/>
+                <a:cs typeface="Arial" panose="020B0604020202020204" pitchFamily="34" charset="0"/>
+              </a:rPr>
+              <a:t> --version</a:t>
+            </a:r>
+          </a:p>
+          <a:p>
+            <a:pPr marL="0" indent="0">
+              <a:buNone/>
+            </a:pPr>
+            <a:r>
+              <a:rPr lang="en-IN" sz="1200" dirty="0">
+                <a:latin typeface="Arial" panose="020B0604020202020204" pitchFamily="34" charset="0"/>
+                <a:cs typeface="Arial" panose="020B0604020202020204" pitchFamily="34" charset="0"/>
+              </a:rPr>
+              <a:t>               </a:t>
+            </a:r>
+            <a:r>
+              <a:rPr lang="en-IN" sz="1200" dirty="0" err="1">
+                <a:latin typeface="Arial" panose="020B0604020202020204" pitchFamily="34" charset="0"/>
+                <a:cs typeface="Arial" panose="020B0604020202020204" pitchFamily="34" charset="0"/>
+              </a:rPr>
+              <a:t>aws</a:t>
+            </a:r>
+            <a:r>
+              <a:rPr lang="en-IN" sz="1200" dirty="0">
+                <a:latin typeface="Arial" panose="020B0604020202020204" pitchFamily="34" charset="0"/>
+                <a:cs typeface="Arial" panose="020B0604020202020204" pitchFamily="34" charset="0"/>
+              </a:rPr>
+              <a:t> ec2 describe-instances</a:t>
+            </a:r>
+          </a:p>
+          <a:p>
+            <a:pPr marL="0" indent="0">
+              <a:buNone/>
+            </a:pPr>
+            <a:r>
+              <a:rPr lang="en-IN" sz="1200" dirty="0">
+                <a:latin typeface="Arial" panose="020B0604020202020204" pitchFamily="34" charset="0"/>
+                <a:cs typeface="Arial" panose="020B0604020202020204" pitchFamily="34" charset="0"/>
+              </a:rPr>
+              <a:t>                 '''</a:t>
+            </a:r>
+          </a:p>
+          <a:p>
+            <a:pPr marL="0" indent="0">
+              <a:buNone/>
+            </a:pPr>
+            <a:r>
+              <a:rPr lang="en-IN" sz="1200" dirty="0">
+                <a:latin typeface="Arial" panose="020B0604020202020204" pitchFamily="34" charset="0"/>
+                <a:cs typeface="Arial" panose="020B0604020202020204" pitchFamily="34" charset="0"/>
+              </a:rPr>
+              <a:t>                  }</a:t>
+            </a:r>
+          </a:p>
+          <a:p>
+            <a:pPr marL="0" indent="0">
+              <a:buNone/>
+            </a:pPr>
+            <a:r>
+              <a:rPr lang="en-IN" sz="1200" dirty="0">
+                <a:latin typeface="Arial" panose="020B0604020202020204" pitchFamily="34" charset="0"/>
+                <a:cs typeface="Arial" panose="020B0604020202020204" pitchFamily="34" charset="0"/>
+              </a:rPr>
+              <a:t>           }</a:t>
+            </a:r>
+          </a:p>
+          <a:p>
+            <a:pPr marL="0" indent="0">
+              <a:buNone/>
+            </a:pPr>
+            <a:r>
+              <a:rPr lang="en-IN" sz="1200" dirty="0">
+                <a:latin typeface="Arial" panose="020B0604020202020204" pitchFamily="34" charset="0"/>
+                <a:cs typeface="Arial" panose="020B0604020202020204" pitchFamily="34" charset="0"/>
+              </a:rPr>
+              <a:t>  }</a:t>
+            </a:r>
+          </a:p>
+          <a:p>
+            <a:pPr marL="0" indent="0">
+              <a:buNone/>
+            </a:pPr>
+            <a:r>
+              <a:rPr lang="en-IN" sz="1200" dirty="0">
+                <a:latin typeface="Arial" panose="020B0604020202020204" pitchFamily="34" charset="0"/>
+                <a:cs typeface="Arial" panose="020B0604020202020204" pitchFamily="34" charset="0"/>
+              </a:rPr>
+              <a:t>}</a:t>
+            </a:r>
           </a:p>
         </p:txBody>
       </p:sp>
     </p:spTree>
     <p:extLst>
       <p:ext uri="{BB962C8B-B14F-4D97-AF65-F5344CB8AC3E}">
-        <p14:creationId xmlns:p14="http://schemas.microsoft.com/office/powerpoint/2010/main" val="3129815881"/>
+        <p14:creationId xmlns:p14="http://schemas.microsoft.com/office/powerpoint/2010/main" val="3391837197"/>
       </p:ext>
     </p:extLst>
   </p:cSld>
@@ -9791,7 +9487,7 @@
           <p:cNvPr id="2" name="Title 1">
             <a:extLst>
               <a:ext uri="{FF2B5EF4-FFF2-40B4-BE49-F238E27FC236}">
-                <a16:creationId xmlns:a16="http://schemas.microsoft.com/office/drawing/2014/main" id="{063A88CB-3E97-4CE6-BD1B-B20DED7D5537}"/>
+                <a16:creationId xmlns:a16="http://schemas.microsoft.com/office/drawing/2014/main" id="{5488108C-3646-4820-9FF9-8D6C8D15E6D2}"/>
               </a:ext>
             </a:extLst>
           </p:cNvPr>
@@ -9819,7 +9515,7 @@
           <p:cNvPr id="3" name="Content Placeholder 2">
             <a:extLst>
               <a:ext uri="{FF2B5EF4-FFF2-40B4-BE49-F238E27FC236}">
-                <a16:creationId xmlns:a16="http://schemas.microsoft.com/office/drawing/2014/main" id="{DDD647A5-3ABE-43B4-A6C6-A43E75F71541}"/>
+                <a16:creationId xmlns:a16="http://schemas.microsoft.com/office/drawing/2014/main" id="{5CBFF0C6-B886-4F22-B275-7BF2A837EC99}"/>
               </a:ext>
             </a:extLst>
           </p:cNvPr>
@@ -9832,9 +9528,7 @@
         </p:nvSpPr>
         <p:spPr/>
         <p:txBody>
-          <a:bodyPr>
-            <a:normAutofit/>
-          </a:bodyPr>
+          <a:bodyPr/>
           <a:lstStyle/>
           <a:p>
             <a:r>
@@ -9842,15 +9536,15 @@
                 <a:latin typeface="Arial" panose="020B0604020202020204" pitchFamily="34" charset="0"/>
                 <a:cs typeface="Arial" panose="020B0604020202020204" pitchFamily="34" charset="0"/>
               </a:rPr>
-              <a:t>Step3 :</a:t>
-            </a:r>
-            <a:r>
-              <a:rPr lang="en-US" sz="1400" b="1" i="0" dirty="0">
+              <a:t>Step 1 add </a:t>
+            </a:r>
+            <a:r>
+              <a:rPr lang="en-IN" sz="1400" b="1" i="0" dirty="0">
                 <a:effectLst/>
                 <a:latin typeface="Arial" panose="020B0604020202020204" pitchFamily="34" charset="0"/>
                 <a:cs typeface="Arial" panose="020B0604020202020204" pitchFamily="34" charset="0"/>
               </a:rPr>
-              <a:t>Create Docker Container and push to Docker Hub</a:t>
+              <a:t>Checkout the GitHub Repository</a:t>
             </a:r>
           </a:p>
           <a:p>
@@ -9858,12 +9552,31 @@
               <a:buNone/>
             </a:pPr>
             <a:r>
-              <a:rPr lang="en-IN" sz="1400" b="0" i="0" dirty="0">
+              <a:rPr lang="en-US" sz="1400" b="0" i="0" dirty="0">
                 <a:effectLst/>
                 <a:latin typeface="Arial" panose="020B0604020202020204" pitchFamily="34" charset="0"/>
                 <a:cs typeface="Arial" panose="020B0604020202020204" pitchFamily="34" charset="0"/>
               </a:rPr>
-              <a:t>  stage("Docker build"){ </a:t>
+              <a:t>       stage(</a:t>
+            </a:r>
+            <a:r>
+              <a:rPr lang="en-US" sz="1400" b="0" i="0" dirty="0">
+                <a:solidFill>
+                  <a:srgbClr val="6AB825"/>
+                </a:solidFill>
+                <a:effectLst/>
+                <a:latin typeface="Arial" panose="020B0604020202020204" pitchFamily="34" charset="0"/>
+                <a:cs typeface="Arial" panose="020B0604020202020204" pitchFamily="34" charset="0"/>
+              </a:rPr>
+              <a:t>"Git Clone"</a:t>
+            </a:r>
+            <a:r>
+              <a:rPr lang="en-US" sz="1400" b="0" i="0" dirty="0">
+                <a:effectLst/>
+                <a:latin typeface="Arial" panose="020B0604020202020204" pitchFamily="34" charset="0"/>
+                <a:cs typeface="Arial" panose="020B0604020202020204" pitchFamily="34" charset="0"/>
+              </a:rPr>
+              <a:t>){</a:t>
             </a:r>
           </a:p>
           <a:p>
@@ -9871,44 +9584,66 @@
               <a:buNone/>
             </a:pPr>
             <a:r>
-              <a:rPr lang="en-IN" sz="1400" b="0" i="0" dirty="0">
+              <a:rPr lang="en-US" sz="1400" b="0" i="0" dirty="0">
                 <a:effectLst/>
                 <a:latin typeface="Arial" panose="020B0604020202020204" pitchFamily="34" charset="0"/>
                 <a:cs typeface="Arial" panose="020B0604020202020204" pitchFamily="34" charset="0"/>
               </a:rPr>
-              <a:t>       </a:t>
-            </a:r>
-            <a:r>
-              <a:rPr lang="en-IN" sz="1400" b="0" i="0" dirty="0" err="1">
+              <a:t>       git </a:t>
+            </a:r>
+            <a:r>
+              <a:rPr lang="en-US" sz="1400" b="0" i="0" dirty="0" err="1">
                 <a:effectLst/>
                 <a:latin typeface="Arial" panose="020B0604020202020204" pitchFamily="34" charset="0"/>
                 <a:cs typeface="Arial" panose="020B0604020202020204" pitchFamily="34" charset="0"/>
               </a:rPr>
-              <a:t>sh</a:t>
-            </a:r>
-            <a:r>
-              <a:rPr lang="en-IN" sz="1400" b="0" i="0" dirty="0">
+              <a:t>credentialsId</a:t>
+            </a:r>
+            <a:r>
+              <a:rPr lang="en-US" sz="1400" b="0" i="0" dirty="0">
                 <a:effectLst/>
                 <a:latin typeface="Arial" panose="020B0604020202020204" pitchFamily="34" charset="0"/>
                 <a:cs typeface="Arial" panose="020B0604020202020204" pitchFamily="34" charset="0"/>
               </a:rPr>
-              <a:t> 'docker build -t </a:t>
-            </a:r>
-            <a:r>
-              <a:rPr lang="en-IN" sz="1400" b="0" i="0" dirty="0" err="1">
+              <a:t>: </a:t>
+            </a:r>
+            <a:r>
+              <a:rPr lang="en-US" sz="1400" b="0" i="0" dirty="0">
+                <a:solidFill>
+                  <a:srgbClr val="6AB825"/>
+                </a:solidFill>
                 <a:effectLst/>
                 <a:latin typeface="Arial" panose="020B0604020202020204" pitchFamily="34" charset="0"/>
                 <a:cs typeface="Arial" panose="020B0604020202020204" pitchFamily="34" charset="0"/>
               </a:rPr>
-              <a:t>jhooq</a:t>
-            </a:r>
-            <a:r>
-              <a:rPr lang="en-IN" sz="1400" b="0" i="0" dirty="0">
+              <a:t>'GIT_HUB_CREDENTIALS'</a:t>
+            </a:r>
+            <a:r>
+              <a:rPr lang="en-US" sz="1400" b="0" i="0" dirty="0">
                 <a:effectLst/>
                 <a:latin typeface="Arial" panose="020B0604020202020204" pitchFamily="34" charset="0"/>
                 <a:cs typeface="Arial" panose="020B0604020202020204" pitchFamily="34" charset="0"/>
               </a:rPr>
-              <a:t>-docker-demo .’</a:t>
+              <a:t>, url: </a:t>
+            </a:r>
+            <a:r>
+              <a:rPr lang="en-US" sz="1400" b="0" i="0" dirty="0">
+                <a:solidFill>
+                  <a:srgbClr val="6AB825"/>
+                </a:solidFill>
+                <a:effectLst/>
+                <a:latin typeface="Arial" panose="020B0604020202020204" pitchFamily="34" charset="0"/>
+                <a:cs typeface="Arial" panose="020B0604020202020204" pitchFamily="34" charset="0"/>
+              </a:rPr>
+              <a:t>'https://github.com/thulsidk1/k8s-jenkins-aws’</a:t>
+            </a:r>
+            <a:r>
+              <a:rPr lang="en-US" sz="1400" b="0" i="0" dirty="0">
+                <a:effectLst/>
+                <a:latin typeface="Arial" panose="020B0604020202020204" pitchFamily="34" charset="0"/>
+                <a:cs typeface="Arial" panose="020B0604020202020204" pitchFamily="34" charset="0"/>
+              </a:rPr>
+              <a:t> </a:t>
             </a:r>
           </a:p>
           <a:p>
@@ -9916,60 +9651,87 @@
               <a:buNone/>
             </a:pPr>
             <a:r>
-              <a:rPr lang="en-IN" sz="1400" b="0" i="0" dirty="0">
+              <a:rPr lang="en-US" sz="1400" b="0" i="0" dirty="0">
                 <a:effectLst/>
                 <a:latin typeface="Arial" panose="020B0604020202020204" pitchFamily="34" charset="0"/>
                 <a:cs typeface="Arial" panose="020B0604020202020204" pitchFamily="34" charset="0"/>
               </a:rPr>
-              <a:t>      </a:t>
-            </a:r>
-            <a:r>
-              <a:rPr lang="en-IN" sz="1400" b="0" i="0" dirty="0" err="1">
+              <a:t>      }</a:t>
+            </a:r>
+          </a:p>
+          <a:p>
+            <a:r>
+              <a:rPr lang="en-US" sz="1400" dirty="0">
+                <a:latin typeface="Arial" panose="020B0604020202020204" pitchFamily="34" charset="0"/>
+                <a:cs typeface="Arial" panose="020B0604020202020204" pitchFamily="34" charset="0"/>
+              </a:rPr>
+              <a:t>Step2 </a:t>
+            </a:r>
+            <a:r>
+              <a:rPr lang="en-IN" sz="1400" b="1" i="0" dirty="0">
                 <a:effectLst/>
                 <a:latin typeface="Arial" panose="020B0604020202020204" pitchFamily="34" charset="0"/>
                 <a:cs typeface="Arial" panose="020B0604020202020204" pitchFamily="34" charset="0"/>
               </a:rPr>
-              <a:t>sh</a:t>
-            </a:r>
-            <a:r>
-              <a:rPr lang="en-IN" sz="1400" b="0" i="0" dirty="0">
+              <a:t>Gradle compilation and build</a:t>
+            </a:r>
+          </a:p>
+          <a:p>
+            <a:pPr marL="0" indent="0">
+              <a:buNone/>
+            </a:pPr>
+            <a:r>
+              <a:rPr lang="en-US" sz="1400" b="0" i="0" dirty="0">
                 <a:effectLst/>
                 <a:latin typeface="Arial" panose="020B0604020202020204" pitchFamily="34" charset="0"/>
                 <a:cs typeface="Arial" panose="020B0604020202020204" pitchFamily="34" charset="0"/>
               </a:rPr>
-              <a:t> 'docker tag </a:t>
-            </a:r>
-            <a:r>
-              <a:rPr lang="en-IN" sz="1400" b="0" i="0" dirty="0" err="1">
+              <a:t>      stage('Gradle Build') { </a:t>
+            </a:r>
+          </a:p>
+          <a:p>
+            <a:pPr marL="0" indent="0">
+              <a:buNone/>
+            </a:pPr>
+            <a:r>
+              <a:rPr lang="en-US" sz="1400" b="0" i="0" dirty="0">
                 <a:effectLst/>
                 <a:latin typeface="Arial" panose="020B0604020202020204" pitchFamily="34" charset="0"/>
                 <a:cs typeface="Arial" panose="020B0604020202020204" pitchFamily="34" charset="0"/>
               </a:rPr>
-              <a:t>jhooq</a:t>
-            </a:r>
-            <a:r>
-              <a:rPr lang="en-IN" sz="1400" b="0" i="0" dirty="0">
+              <a:t>      </a:t>
+            </a:r>
+            <a:r>
+              <a:rPr lang="en-US" sz="1400" b="0" i="0" dirty="0" err="1">
                 <a:effectLst/>
                 <a:latin typeface="Arial" panose="020B0604020202020204" pitchFamily="34" charset="0"/>
                 <a:cs typeface="Arial" panose="020B0604020202020204" pitchFamily="34" charset="0"/>
               </a:rPr>
-              <a:t>-docker-demo thulsidk1/</a:t>
-            </a:r>
-            <a:r>
-              <a:rPr lang="en-IN" sz="1400" b="0" i="0" dirty="0" err="1">
+              <a:t>sh</a:t>
+            </a:r>
+            <a:r>
+              <a:rPr lang="en-US" sz="1400" b="0" i="0" dirty="0">
                 <a:effectLst/>
                 <a:latin typeface="Arial" panose="020B0604020202020204" pitchFamily="34" charset="0"/>
                 <a:cs typeface="Arial" panose="020B0604020202020204" pitchFamily="34" charset="0"/>
               </a:rPr>
-              <a:t>jhooq-docker-demo:jhooq-docker-demo</a:t>
-            </a:r>
-            <a:r>
-              <a:rPr lang="en-IN" sz="1400" b="0" i="0" dirty="0">
+              <a:t> './</a:t>
+            </a:r>
+            <a:r>
+              <a:rPr lang="en-US" sz="1400" b="0" i="0" dirty="0" err="1">
                 <a:effectLst/>
                 <a:latin typeface="Arial" panose="020B0604020202020204" pitchFamily="34" charset="0"/>
                 <a:cs typeface="Arial" panose="020B0604020202020204" pitchFamily="34" charset="0"/>
               </a:rPr>
-              <a:t>’ </a:t>
+              <a:t>gradlew</a:t>
+            </a:r>
+            <a:r>
+              <a:rPr lang="en-US" sz="1400" b="0" i="0" dirty="0">
+                <a:effectLst/>
+                <a:latin typeface="Arial" panose="020B0604020202020204" pitchFamily="34" charset="0"/>
+                <a:cs typeface="Arial" panose="020B0604020202020204" pitchFamily="34" charset="0"/>
+              </a:rPr>
+              <a:t> build’</a:t>
             </a:r>
           </a:p>
           <a:p>
@@ -9977,18 +9739,21 @@
               <a:buNone/>
             </a:pPr>
             <a:r>
-              <a:rPr lang="en-IN" sz="1400" b="0" i="0" dirty="0">
+              <a:rPr lang="en-US" sz="1400" b="0" i="0" dirty="0">
                 <a:effectLst/>
                 <a:latin typeface="Arial" panose="020B0604020202020204" pitchFamily="34" charset="0"/>
                 <a:cs typeface="Arial" panose="020B0604020202020204" pitchFamily="34" charset="0"/>
               </a:rPr>
-              <a:t>   }</a:t>
+              <a:t>     }</a:t>
             </a:r>
             <a:endParaRPr lang="en-IN" sz="1400" dirty="0">
               <a:latin typeface="Arial" panose="020B0604020202020204" pitchFamily="34" charset="0"/>
               <a:cs typeface="Arial" panose="020B0604020202020204" pitchFamily="34" charset="0"/>
             </a:endParaRPr>
           </a:p>
+          <a:p>
+            <a:endParaRPr lang="en-IN" dirty="0"/>
+          </a:p>
         </p:txBody>
       </p:sp>
       <p:sp>
@@ -9996,7 +9761,7 @@
           <p:cNvPr id="4" name="Date Placeholder 3">
             <a:extLst>
               <a:ext uri="{FF2B5EF4-FFF2-40B4-BE49-F238E27FC236}">
-                <a16:creationId xmlns:a16="http://schemas.microsoft.com/office/drawing/2014/main" id="{42E49B11-F893-4EDE-AE6E-87FE6D37BD37}"/>
+                <a16:creationId xmlns:a16="http://schemas.microsoft.com/office/drawing/2014/main" id="{D6926E31-21CE-47B6-B45F-55534D536814}"/>
               </a:ext>
             </a:extLst>
           </p:cNvPr>
@@ -10025,7 +9790,7 @@
           <p:cNvPr id="5" name="Footer Placeholder 4">
             <a:extLst>
               <a:ext uri="{FF2B5EF4-FFF2-40B4-BE49-F238E27FC236}">
-                <a16:creationId xmlns:a16="http://schemas.microsoft.com/office/drawing/2014/main" id="{3F1705FD-C534-470B-B9CC-F5E6D3B28DBA}"/>
+                <a16:creationId xmlns:a16="http://schemas.microsoft.com/office/drawing/2014/main" id="{032A3A8C-D9F2-4936-AB73-9B0651937D89}"/>
               </a:ext>
             </a:extLst>
           </p:cNvPr>
@@ -10054,7 +9819,7 @@
           <p:cNvPr id="6" name="Slide Number Placeholder 5">
             <a:extLst>
               <a:ext uri="{FF2B5EF4-FFF2-40B4-BE49-F238E27FC236}">
-                <a16:creationId xmlns:a16="http://schemas.microsoft.com/office/drawing/2014/main" id="{C5E0FB03-5649-4F17-B6C7-A23A1DA6D51E}"/>
+                <a16:creationId xmlns:a16="http://schemas.microsoft.com/office/drawing/2014/main" id="{70A795E4-5D7E-4052-B93D-AFB2DE7D2B7C}"/>
               </a:ext>
             </a:extLst>
           </p:cNvPr>
@@ -10082,7 +9847,7 @@
     </p:spTree>
     <p:extLst>
       <p:ext uri="{BB962C8B-B14F-4D97-AF65-F5344CB8AC3E}">
-        <p14:creationId xmlns:p14="http://schemas.microsoft.com/office/powerpoint/2010/main" val="2489398041"/>
+        <p14:creationId xmlns:p14="http://schemas.microsoft.com/office/powerpoint/2010/main" val="3129815881"/>
       </p:ext>
     </p:extLst>
   </p:cSld>
@@ -10114,7 +9879,7 @@
           <p:cNvPr id="2" name="Title 1">
             <a:extLst>
               <a:ext uri="{FF2B5EF4-FFF2-40B4-BE49-F238E27FC236}">
-                <a16:creationId xmlns:a16="http://schemas.microsoft.com/office/drawing/2014/main" id="{4BD709D8-CF6A-4925-8212-82823E737483}"/>
+                <a16:creationId xmlns:a16="http://schemas.microsoft.com/office/drawing/2014/main" id="{E71523DB-9F1A-4308-95F9-3F631A35FB2D}"/>
               </a:ext>
             </a:extLst>
           </p:cNvPr>
@@ -10132,50 +9897,206 @@
           <a:p>
             <a:r>
               <a:rPr lang="en-IN" dirty="0"/>
-              <a:t>EKS-CLUSTER-STEP1</a:t>
-            </a:r>
-          </a:p>
-        </p:txBody>
-      </p:sp>
-      <p:pic>
-        <p:nvPicPr>
-          <p:cNvPr id="5" name="Content Placeholder 4">
+              <a:t>Jenkins For </a:t>
+            </a:r>
+            <a:r>
+              <a:rPr lang="en-IN"/>
+              <a:t>DeVOPS</a:t>
+            </a:r>
+          </a:p>
+        </p:txBody>
+      </p:sp>
+      <p:sp>
+        <p:nvSpPr>
+          <p:cNvPr id="3" name="Content Placeholder 2">
             <a:extLst>
               <a:ext uri="{FF2B5EF4-FFF2-40B4-BE49-F238E27FC236}">
-                <a16:creationId xmlns:a16="http://schemas.microsoft.com/office/drawing/2014/main" id="{0B082CE8-7695-4AB7-92B9-8D8CA6D21CD4}"/>
+                <a16:creationId xmlns:a16="http://schemas.microsoft.com/office/drawing/2014/main" id="{0C9BF358-47DC-4A19-8D23-DF179765699D}"/>
               </a:ext>
             </a:extLst>
           </p:cNvPr>
-          <p:cNvPicPr>
-            <a:picLocks noGrp="1" noChangeAspect="1"/>
-          </p:cNvPicPr>
+          <p:cNvSpPr>
+            <a:spLocks noGrp="1"/>
+          </p:cNvSpPr>
           <p:nvPr>
             <p:ph idx="1"/>
           </p:nvPr>
-        </p:nvPicPr>
-        <p:blipFill>
-          <a:blip r:embed="rId2">
-            <a:extLst>
-              <a:ext uri="{28A0092B-C50C-407E-A947-70E740481C1C}">
-                <a14:useLocalDpi xmlns:a14="http://schemas.microsoft.com/office/drawing/2010/main" val="0"/>
-              </a:ext>
-            </a:extLst>
-          </a:blip>
-          <a:stretch>
-            <a:fillRect/>
-          </a:stretch>
-        </p:blipFill>
-        <p:spPr>
-          <a:xfrm>
-            <a:off x="1446178" y="1825625"/>
-            <a:ext cx="9299644" cy="4351338"/>
-          </a:xfrm>
-        </p:spPr>
-      </p:pic>
+        </p:nvSpPr>
+        <p:spPr/>
+        <p:txBody>
+          <a:bodyPr/>
+          <a:lstStyle/>
+          <a:p>
+            <a:r>
+              <a:rPr lang="en-US" sz="1800" b="0" i="0" dirty="0">
+                <a:solidFill>
+                  <a:srgbClr val="292929"/>
+                </a:solidFill>
+                <a:effectLst/>
+                <a:latin typeface="charter"/>
+              </a:rPr>
+              <a:t>Jenkins is available for all platforms and different operating systems, whether it is OS X, Windows or Linux. </a:t>
+            </a:r>
+          </a:p>
+          <a:p>
+            <a:pPr lvl="1"/>
+            <a:r>
+              <a:rPr lang="en-US" b="0" i="0" dirty="0">
+                <a:solidFill>
+                  <a:srgbClr val="292929"/>
+                </a:solidFill>
+                <a:effectLst/>
+                <a:latin typeface="charter"/>
+              </a:rPr>
+              <a:t>It also boasts rich plugin ecosystem. The extensive pool of plugins makes Jenkins flexible and allows building, deploying and automating across various platforms.</a:t>
+            </a:r>
+          </a:p>
+          <a:p>
+            <a:r>
+              <a:rPr lang="en-US" sz="1800" b="0" i="0" dirty="0">
+                <a:solidFill>
+                  <a:srgbClr val="292929"/>
+                </a:solidFill>
+                <a:effectLst/>
+                <a:latin typeface="charter"/>
+              </a:rPr>
+              <a:t>Since it is open source, there is no shortage of support from large online communities of agile teams.</a:t>
+            </a:r>
+          </a:p>
+          <a:p>
+            <a:pPr lvl="1"/>
+            <a:r>
+              <a:rPr lang="en-US" b="0" i="0" dirty="0">
+                <a:solidFill>
+                  <a:srgbClr val="292929"/>
+                </a:solidFill>
+                <a:effectLst/>
+                <a:latin typeface="charter"/>
+              </a:rPr>
+              <a:t> Finally, most of the integration work is automated. Hence fewer integration issues.</a:t>
+            </a:r>
+          </a:p>
+          <a:p>
+            <a:pPr lvl="1"/>
+            <a:r>
+              <a:rPr lang="en-US" b="0" i="0" dirty="0">
+                <a:solidFill>
+                  <a:srgbClr val="292929"/>
+                </a:solidFill>
+                <a:effectLst/>
+                <a:latin typeface="charter"/>
+              </a:rPr>
+              <a:t> This saves both time and money over the lifespan of a project</a:t>
+            </a:r>
+            <a:r>
+              <a:rPr lang="en-US" sz="1000" b="0" i="0" dirty="0">
+                <a:solidFill>
+                  <a:srgbClr val="292929"/>
+                </a:solidFill>
+                <a:effectLst/>
+                <a:latin typeface="charter"/>
+              </a:rPr>
+              <a:t>.</a:t>
+            </a:r>
+            <a:endParaRPr lang="en-IN" dirty="0"/>
+          </a:p>
+          <a:p>
+            <a:endParaRPr lang="en-IN" dirty="0"/>
+          </a:p>
+        </p:txBody>
+      </p:sp>
+      <p:sp>
+        <p:nvSpPr>
+          <p:cNvPr id="4" name="Date Placeholder 3">
+            <a:extLst>
+              <a:ext uri="{FF2B5EF4-FFF2-40B4-BE49-F238E27FC236}">
+                <a16:creationId xmlns:a16="http://schemas.microsoft.com/office/drawing/2014/main" id="{E1D52327-10E5-4C7C-9979-16B3750DBD04}"/>
+              </a:ext>
+            </a:extLst>
+          </p:cNvPr>
+          <p:cNvSpPr>
+            <a:spLocks noGrp="1"/>
+          </p:cNvSpPr>
+          <p:nvPr>
+            <p:ph type="dt" sz="half" idx="10"/>
+          </p:nvPr>
+        </p:nvSpPr>
+        <p:spPr/>
+        <p:txBody>
+          <a:bodyPr/>
+          <a:lstStyle/>
+          <a:p>
+            <a:fld id="{30982E46-163F-534D-B244-A5ED1410340B}" type="datetime1">
+              <a:rPr lang="nl-NL" smtClean="0"/>
+              <a:t>17-3-2022</a:t>
+            </a:fld>
+            <a:endParaRPr lang="en-US" dirty="0"/>
+          </a:p>
+        </p:txBody>
+      </p:sp>
+      <p:sp>
+        <p:nvSpPr>
+          <p:cNvPr id="5" name="Footer Placeholder 4">
+            <a:extLst>
+              <a:ext uri="{FF2B5EF4-FFF2-40B4-BE49-F238E27FC236}">
+                <a16:creationId xmlns:a16="http://schemas.microsoft.com/office/drawing/2014/main" id="{B67EC95B-9FE5-4DC5-96A3-EFD2052E8C52}"/>
+              </a:ext>
+            </a:extLst>
+          </p:cNvPr>
+          <p:cNvSpPr>
+            <a:spLocks noGrp="1"/>
+          </p:cNvSpPr>
+          <p:nvPr>
+            <p:ph type="ftr" sz="quarter" idx="11"/>
+          </p:nvPr>
+        </p:nvSpPr>
+        <p:spPr/>
+        <p:txBody>
+          <a:bodyPr/>
+          <a:lstStyle/>
+          <a:p>
+            <a:r>
+              <a:rPr lang="en-US"/>
+              <a:t>“Samen sterker, Beter en slimmer!”</a:t>
+            </a:r>
+            <a:endParaRPr lang="en-US" dirty="0"/>
+          </a:p>
+        </p:txBody>
+      </p:sp>
+      <p:sp>
+        <p:nvSpPr>
+          <p:cNvPr id="6" name="Slide Number Placeholder 5">
+            <a:extLst>
+              <a:ext uri="{FF2B5EF4-FFF2-40B4-BE49-F238E27FC236}">
+                <a16:creationId xmlns:a16="http://schemas.microsoft.com/office/drawing/2014/main" id="{E7CC2BAC-32E0-4133-A626-1F96B28CDB8D}"/>
+              </a:ext>
+            </a:extLst>
+          </p:cNvPr>
+          <p:cNvSpPr>
+            <a:spLocks noGrp="1"/>
+          </p:cNvSpPr>
+          <p:nvPr>
+            <p:ph type="sldNum" sz="quarter" idx="12"/>
+          </p:nvPr>
+        </p:nvSpPr>
+        <p:spPr/>
+        <p:txBody>
+          <a:bodyPr/>
+          <a:lstStyle/>
+          <a:p>
+            <a:fld id="{D57F1E4F-1CFF-5643-939E-217C01CDF565}" type="slidenum">
+              <a:rPr lang="en-US" smtClean="0"/>
+              <a:pPr/>
+              <a:t>4</a:t>
+            </a:fld>
+            <a:endParaRPr lang="en-US" dirty="0"/>
+          </a:p>
+        </p:txBody>
+      </p:sp>
     </p:spTree>
     <p:extLst>
       <p:ext uri="{BB962C8B-B14F-4D97-AF65-F5344CB8AC3E}">
-        <p14:creationId xmlns:p14="http://schemas.microsoft.com/office/powerpoint/2010/main" val="1267157379"/>
+        <p14:creationId xmlns:p14="http://schemas.microsoft.com/office/powerpoint/2010/main" val="393481099"/>
       </p:ext>
     </p:extLst>
   </p:cSld>
@@ -10207,7 +10128,7 @@
           <p:cNvPr id="2" name="Title 1">
             <a:extLst>
               <a:ext uri="{FF2B5EF4-FFF2-40B4-BE49-F238E27FC236}">
-                <a16:creationId xmlns:a16="http://schemas.microsoft.com/office/drawing/2014/main" id="{FBC9A211-4C51-4602-A841-8C2BBE8403C5}"/>
+                <a16:creationId xmlns:a16="http://schemas.microsoft.com/office/drawing/2014/main" id="{063A88CB-3E97-4CE6-BD1B-B20DED7D5537}"/>
               </a:ext>
             </a:extLst>
           </p:cNvPr>
@@ -10235,7 +10156,7 @@
           <p:cNvPr id="3" name="Content Placeholder 2">
             <a:extLst>
               <a:ext uri="{FF2B5EF4-FFF2-40B4-BE49-F238E27FC236}">
-                <a16:creationId xmlns:a16="http://schemas.microsoft.com/office/drawing/2014/main" id="{B7173A59-F89C-4D08-92F1-2E2F30C17E63}"/>
+                <a16:creationId xmlns:a16="http://schemas.microsoft.com/office/drawing/2014/main" id="{DDD647A5-3ABE-43B4-A6C6-A43E75F71541}"/>
               </a:ext>
             </a:extLst>
           </p:cNvPr>
@@ -10258,15 +10179,15 @@
                 <a:latin typeface="Arial" panose="020B0604020202020204" pitchFamily="34" charset="0"/>
                 <a:cs typeface="Arial" panose="020B0604020202020204" pitchFamily="34" charset="0"/>
               </a:rPr>
-              <a:t>Step4 : </a:t>
-            </a:r>
-            <a:r>
-              <a:rPr lang="en-US" sz="1400" b="0" i="0" dirty="0">
+              <a:t>Step3 :</a:t>
+            </a:r>
+            <a:r>
+              <a:rPr lang="en-US" sz="1400" b="1" i="0" dirty="0">
                 <a:effectLst/>
                 <a:latin typeface="Arial" panose="020B0604020202020204" pitchFamily="34" charset="0"/>
                 <a:cs typeface="Arial" panose="020B0604020202020204" pitchFamily="34" charset="0"/>
               </a:rPr>
-              <a:t>Push Image to Docker Hub</a:t>
+              <a:t>Create Docker Container and push to Docker Hub</a:t>
             </a:r>
           </a:p>
           <a:p>
@@ -10279,7 +10200,7 @@
                 <a:latin typeface="Arial" panose="020B0604020202020204" pitchFamily="34" charset="0"/>
                 <a:cs typeface="Arial" panose="020B0604020202020204" pitchFamily="34" charset="0"/>
               </a:rPr>
-              <a:t>       stage("Push Image to Docker Hub"){</a:t>
+              <a:t>  stage("Docker build"){ </a:t>
             </a:r>
           </a:p>
           <a:p>
@@ -10308,20 +10229,23 @@
                 <a:latin typeface="Arial" panose="020B0604020202020204" pitchFamily="34" charset="0"/>
                 <a:cs typeface="Arial" panose="020B0604020202020204" pitchFamily="34" charset="0"/>
               </a:rPr>
-              <a:t> 'docker push thulsidk1/jhooq-docker-demo:version1.0’ </a:t>
-            </a:r>
-          </a:p>
-          <a:p>
-            <a:pPr marL="0" indent="0">
-              <a:buNone/>
-            </a:pPr>
+              <a:t> 'docker build -t </a:t>
+            </a:r>
+            <a:r>
+              <a:rPr lang="en-IN" sz="1400" b="0" i="0" dirty="0" err="1">
+                <a:effectLst/>
+                <a:latin typeface="Arial" panose="020B0604020202020204" pitchFamily="34" charset="0"/>
+                <a:cs typeface="Arial" panose="020B0604020202020204" pitchFamily="34" charset="0"/>
+              </a:rPr>
+              <a:t>jhooq</a:t>
+            </a:r>
             <a:r>
               <a:rPr lang="en-IN" sz="1400" b="0" i="0" dirty="0">
                 <a:effectLst/>
                 <a:latin typeface="Arial" panose="020B0604020202020204" pitchFamily="34" charset="0"/>
                 <a:cs typeface="Arial" panose="020B0604020202020204" pitchFamily="34" charset="0"/>
               </a:rPr>
-              <a:t>}</a:t>
+              <a:t>-docker-demo .’</a:t>
             </a:r>
           </a:p>
           <a:p>
@@ -10329,11 +10253,44 @@
               <a:buNone/>
             </a:pPr>
             <a:r>
-              <a:rPr lang="en-IN" sz="1400" dirty="0">
+              <a:rPr lang="en-IN" sz="1400" b="0" i="0" dirty="0">
+                <a:effectLst/>
                 <a:latin typeface="Arial" panose="020B0604020202020204" pitchFamily="34" charset="0"/>
                 <a:cs typeface="Arial" panose="020B0604020202020204" pitchFamily="34" charset="0"/>
               </a:rPr>
-              <a:t>Step5 : Login to docker</a:t>
+              <a:t>      </a:t>
+            </a:r>
+            <a:r>
+              <a:rPr lang="en-IN" sz="1400" b="0" i="0" dirty="0" err="1">
+                <a:effectLst/>
+                <a:latin typeface="Arial" panose="020B0604020202020204" pitchFamily="34" charset="0"/>
+                <a:cs typeface="Arial" panose="020B0604020202020204" pitchFamily="34" charset="0"/>
+              </a:rPr>
+              <a:t>sh</a:t>
+            </a:r>
+            <a:r>
+              <a:rPr lang="en-IN" sz="1400" b="0" i="0" dirty="0">
+                <a:effectLst/>
+                <a:latin typeface="Arial" panose="020B0604020202020204" pitchFamily="34" charset="0"/>
+                <a:cs typeface="Arial" panose="020B0604020202020204" pitchFamily="34" charset="0"/>
+              </a:rPr>
+              <a:t> 'docker tag </a:t>
+            </a:r>
+            <a:r>
+              <a:rPr lang="en-IN" sz="1400" b="0" i="0" dirty="0" err="1">
+                <a:effectLst/>
+                <a:latin typeface="Arial" panose="020B0604020202020204" pitchFamily="34" charset="0"/>
+                <a:cs typeface="Arial" panose="020B0604020202020204" pitchFamily="34" charset="0"/>
+              </a:rPr>
+              <a:t>jhooq</a:t>
+            </a:r>
+            <a:r>
+              <a:rPr lang="en-IN" sz="1400" b="0" i="0" dirty="0">
+                <a:effectLst/>
+                <a:latin typeface="Arial" panose="020B0604020202020204" pitchFamily="34" charset="0"/>
+                <a:cs typeface="Arial" panose="020B0604020202020204" pitchFamily="34" charset="0"/>
+              </a:rPr>
+              <a:t>-docker-demo thulsidk1/jhooq-docker-demo:version1.0’ </a:t>
             </a:r>
           </a:p>
           <a:p>
@@ -10341,92 +10298,17 @@
               <a:buNone/>
             </a:pPr>
             <a:r>
-              <a:rPr lang="en-IN" sz="1400" dirty="0">
+              <a:rPr lang="en-IN" sz="1400" b="0" i="0" dirty="0">
+                <a:effectLst/>
                 <a:latin typeface="Arial" panose="020B0604020202020204" pitchFamily="34" charset="0"/>
                 <a:cs typeface="Arial" panose="020B0604020202020204" pitchFamily="34" charset="0"/>
               </a:rPr>
-              <a:t>         </a:t>
-            </a:r>
-            <a:r>
-              <a:rPr lang="en-IN" sz="1400" dirty="0" err="1">
-                <a:latin typeface="Arial" panose="020B0604020202020204" pitchFamily="34" charset="0"/>
-                <a:cs typeface="Arial" panose="020B0604020202020204" pitchFamily="34" charset="0"/>
-              </a:rPr>
-              <a:t>withCredentials</a:t>
-            </a:r>
-            <a:r>
-              <a:rPr lang="en-IN" sz="1400" dirty="0">
-                <a:latin typeface="Arial" panose="020B0604020202020204" pitchFamily="34" charset="0"/>
-                <a:cs typeface="Arial" panose="020B0604020202020204" pitchFamily="34" charset="0"/>
-              </a:rPr>
-              <a:t>([string(</a:t>
-            </a:r>
-            <a:r>
-              <a:rPr lang="en-IN" sz="1400" dirty="0" err="1">
-                <a:latin typeface="Arial" panose="020B0604020202020204" pitchFamily="34" charset="0"/>
-                <a:cs typeface="Arial" panose="020B0604020202020204" pitchFamily="34" charset="0"/>
-              </a:rPr>
-              <a:t>credentialsId</a:t>
-            </a:r>
-            <a:r>
-              <a:rPr lang="en-IN" sz="1400" dirty="0">
-                <a:latin typeface="Arial" panose="020B0604020202020204" pitchFamily="34" charset="0"/>
-                <a:cs typeface="Arial" panose="020B0604020202020204" pitchFamily="34" charset="0"/>
-              </a:rPr>
-              <a:t>: 'DOCKER_HUB_PASSWORD', variable: 'PASSWORD')]) {</a:t>
-            </a:r>
-          </a:p>
-          <a:p>
-            <a:pPr marL="0" indent="0">
-              <a:buNone/>
-            </a:pPr>
-            <a:r>
-              <a:rPr lang="en-IN" sz="1400" dirty="0">
-                <a:latin typeface="Arial" panose="020B0604020202020204" pitchFamily="34" charset="0"/>
-                <a:cs typeface="Arial" panose="020B0604020202020204" pitchFamily="34" charset="0"/>
-              </a:rPr>
-              <a:t>        </a:t>
-            </a:r>
-            <a:r>
-              <a:rPr lang="en-IN" sz="1400" dirty="0" err="1">
-                <a:latin typeface="Arial" panose="020B0604020202020204" pitchFamily="34" charset="0"/>
-                <a:cs typeface="Arial" panose="020B0604020202020204" pitchFamily="34" charset="0"/>
-              </a:rPr>
-              <a:t>sh</a:t>
-            </a:r>
-            <a:r>
-              <a:rPr lang="en-IN" sz="1400" dirty="0">
-                <a:latin typeface="Arial" panose="020B0604020202020204" pitchFamily="34" charset="0"/>
-                <a:cs typeface="Arial" panose="020B0604020202020204" pitchFamily="34" charset="0"/>
-              </a:rPr>
-              <a:t> '</a:t>
-            </a:r>
-            <a:r>
-              <a:rPr lang="en-IN" sz="1400" dirty="0" err="1">
-                <a:latin typeface="Arial" panose="020B0604020202020204" pitchFamily="34" charset="0"/>
-                <a:cs typeface="Arial" panose="020B0604020202020204" pitchFamily="34" charset="0"/>
-              </a:rPr>
-              <a:t>sudo</a:t>
-            </a:r>
-            <a:r>
-              <a:rPr lang="en-IN" sz="1400" dirty="0">
-                <a:latin typeface="Arial" panose="020B0604020202020204" pitchFamily="34" charset="0"/>
-                <a:cs typeface="Arial" panose="020B0604020202020204" pitchFamily="34" charset="0"/>
-              </a:rPr>
-              <a:t> docker login -u thulsidk1 -p $PASSWORD’  </a:t>
-            </a:r>
-          </a:p>
-          <a:p>
-            <a:pPr marL="0" indent="0">
-              <a:buNone/>
-            </a:pPr>
-            <a:r>
-              <a:rPr lang="en-IN" sz="1400" dirty="0">
-                <a:latin typeface="Arial" panose="020B0604020202020204" pitchFamily="34" charset="0"/>
-                <a:cs typeface="Arial" panose="020B0604020202020204" pitchFamily="34" charset="0"/>
-              </a:rPr>
-              <a:t>  }</a:t>
-            </a:r>
+              <a:t>   }</a:t>
+            </a:r>
+            <a:endParaRPr lang="en-IN" sz="1400" dirty="0">
+              <a:latin typeface="Arial" panose="020B0604020202020204" pitchFamily="34" charset="0"/>
+              <a:cs typeface="Arial" panose="020B0604020202020204" pitchFamily="34" charset="0"/>
+            </a:endParaRPr>
           </a:p>
         </p:txBody>
       </p:sp>
@@ -10435,7 +10317,7 @@
           <p:cNvPr id="4" name="Date Placeholder 3">
             <a:extLst>
               <a:ext uri="{FF2B5EF4-FFF2-40B4-BE49-F238E27FC236}">
-                <a16:creationId xmlns:a16="http://schemas.microsoft.com/office/drawing/2014/main" id="{7D39ECF0-1907-4D08-8916-A1882330E1FD}"/>
+                <a16:creationId xmlns:a16="http://schemas.microsoft.com/office/drawing/2014/main" id="{42E49B11-F893-4EDE-AE6E-87FE6D37BD37}"/>
               </a:ext>
             </a:extLst>
           </p:cNvPr>
@@ -10464,7 +10346,7 @@
           <p:cNvPr id="5" name="Footer Placeholder 4">
             <a:extLst>
               <a:ext uri="{FF2B5EF4-FFF2-40B4-BE49-F238E27FC236}">
-                <a16:creationId xmlns:a16="http://schemas.microsoft.com/office/drawing/2014/main" id="{1685F1B7-0521-4630-90C5-4492D456A039}"/>
+                <a16:creationId xmlns:a16="http://schemas.microsoft.com/office/drawing/2014/main" id="{3F1705FD-C534-470B-B9CC-F5E6D3B28DBA}"/>
               </a:ext>
             </a:extLst>
           </p:cNvPr>
@@ -10493,7 +10375,7 @@
           <p:cNvPr id="6" name="Slide Number Placeholder 5">
             <a:extLst>
               <a:ext uri="{FF2B5EF4-FFF2-40B4-BE49-F238E27FC236}">
-                <a16:creationId xmlns:a16="http://schemas.microsoft.com/office/drawing/2014/main" id="{E455AF90-B4ED-4A51-9C04-0DDD9D66FDB8}"/>
+                <a16:creationId xmlns:a16="http://schemas.microsoft.com/office/drawing/2014/main" id="{C5E0FB03-5649-4F17-B6C7-A23A1DA6D51E}"/>
               </a:ext>
             </a:extLst>
           </p:cNvPr>
@@ -10521,7 +10403,7 @@
     </p:spTree>
     <p:extLst>
       <p:ext uri="{BB962C8B-B14F-4D97-AF65-F5344CB8AC3E}">
-        <p14:creationId xmlns:p14="http://schemas.microsoft.com/office/powerpoint/2010/main" val="4045254836"/>
+        <p14:creationId xmlns:p14="http://schemas.microsoft.com/office/powerpoint/2010/main" val="2489398041"/>
       </p:ext>
     </p:extLst>
   </p:cSld>
@@ -10553,7 +10435,7 @@
           <p:cNvPr id="2" name="Title 1">
             <a:extLst>
               <a:ext uri="{FF2B5EF4-FFF2-40B4-BE49-F238E27FC236}">
-                <a16:creationId xmlns:a16="http://schemas.microsoft.com/office/drawing/2014/main" id="{5546E2EF-4364-42A5-AE46-C5B9595A7B5F}"/>
+                <a16:creationId xmlns:a16="http://schemas.microsoft.com/office/drawing/2014/main" id="{FBC9A211-4C51-4602-A841-8C2BBE8403C5}"/>
               </a:ext>
             </a:extLst>
           </p:cNvPr>
@@ -10581,7 +10463,7 @@
           <p:cNvPr id="3" name="Content Placeholder 2">
             <a:extLst>
               <a:ext uri="{FF2B5EF4-FFF2-40B4-BE49-F238E27FC236}">
-                <a16:creationId xmlns:a16="http://schemas.microsoft.com/office/drawing/2014/main" id="{CD511E57-BB46-48A5-AF5A-53539DE4044B}"/>
+                <a16:creationId xmlns:a16="http://schemas.microsoft.com/office/drawing/2014/main" id="{B7173A59-F89C-4D08-92F1-2E2F30C17E63}"/>
               </a:ext>
             </a:extLst>
           </p:cNvPr>
@@ -10592,15 +10474,10 @@
             <p:ph idx="1"/>
           </p:nvPr>
         </p:nvSpPr>
-        <p:spPr>
-          <a:xfrm>
-            <a:off x="581192" y="2037924"/>
-            <a:ext cx="11457725" cy="3820876"/>
-          </a:xfrm>
-        </p:spPr>
+        <p:spPr/>
         <p:txBody>
           <a:bodyPr>
-            <a:noAutofit/>
+            <a:normAutofit/>
           </a:bodyPr>
           <a:lstStyle/>
           <a:p>
@@ -10609,7 +10486,15 @@
                 <a:latin typeface="Arial" panose="020B0604020202020204" pitchFamily="34" charset="0"/>
                 <a:cs typeface="Arial" panose="020B0604020202020204" pitchFamily="34" charset="0"/>
               </a:rPr>
-              <a:t>Step6 : Push image to Docker Hub</a:t>
+              <a:t>Step4 : </a:t>
+            </a:r>
+            <a:r>
+              <a:rPr lang="en-US" sz="1400" b="1" i="0" dirty="0">
+                <a:effectLst/>
+                <a:latin typeface="Arial" panose="020B0604020202020204" pitchFamily="34" charset="0"/>
+                <a:cs typeface="Arial" panose="020B0604020202020204" pitchFamily="34" charset="0"/>
+              </a:rPr>
+              <a:t>Push Image to Docker Hub</a:t>
             </a:r>
           </a:p>
           <a:p>
@@ -10617,11 +10502,73 @@
               <a:buNone/>
             </a:pPr>
             <a:r>
+              <a:rPr lang="en-IN" sz="1400" b="0" i="0" dirty="0">
+                <a:effectLst/>
+                <a:latin typeface="Arial" panose="020B0604020202020204" pitchFamily="34" charset="0"/>
+                <a:cs typeface="Arial" panose="020B0604020202020204" pitchFamily="34" charset="0"/>
+              </a:rPr>
+              <a:t>       stage("Push Image to Docker Hub"){</a:t>
+            </a:r>
+          </a:p>
+          <a:p>
+            <a:pPr marL="0" indent="0">
+              <a:buNone/>
+            </a:pPr>
+            <a:r>
+              <a:rPr lang="en-IN" sz="1400" b="0" i="0" dirty="0">
+                <a:effectLst/>
+                <a:latin typeface="Arial" panose="020B0604020202020204" pitchFamily="34" charset="0"/>
+                <a:cs typeface="Arial" panose="020B0604020202020204" pitchFamily="34" charset="0"/>
+              </a:rPr>
+              <a:t>       </a:t>
+            </a:r>
+            <a:r>
+              <a:rPr lang="en-IN" sz="1400" b="0" i="0" dirty="0" err="1">
+                <a:effectLst/>
+                <a:latin typeface="Arial" panose="020B0604020202020204" pitchFamily="34" charset="0"/>
+                <a:cs typeface="Arial" panose="020B0604020202020204" pitchFamily="34" charset="0"/>
+              </a:rPr>
+              <a:t>sh</a:t>
+            </a:r>
+            <a:r>
+              <a:rPr lang="en-IN" sz="1400" b="0" i="0" dirty="0">
+                <a:effectLst/>
+                <a:latin typeface="Arial" panose="020B0604020202020204" pitchFamily="34" charset="0"/>
+                <a:cs typeface="Arial" panose="020B0604020202020204" pitchFamily="34" charset="0"/>
+              </a:rPr>
+              <a:t> 'docker push thulsidk1/jhooq-docker-demo:version1.0’ </a:t>
+            </a:r>
+          </a:p>
+          <a:p>
+            <a:pPr marL="0" indent="0">
+              <a:buNone/>
+            </a:pPr>
+            <a:r>
+              <a:rPr lang="en-IN" sz="1400" b="0" i="0" dirty="0">
+                <a:effectLst/>
+                <a:latin typeface="Arial" panose="020B0604020202020204" pitchFamily="34" charset="0"/>
+                <a:cs typeface="Arial" panose="020B0604020202020204" pitchFamily="34" charset="0"/>
+              </a:rPr>
+              <a:t>}</a:t>
+            </a:r>
+          </a:p>
+          <a:p>
+            <a:pPr marL="0" indent="0">
+              <a:buNone/>
+            </a:pPr>
+            <a:r>
               <a:rPr lang="en-IN" sz="1400" dirty="0">
                 <a:latin typeface="Arial" panose="020B0604020202020204" pitchFamily="34" charset="0"/>
                 <a:cs typeface="Arial" panose="020B0604020202020204" pitchFamily="34" charset="0"/>
               </a:rPr>
-              <a:t>       stage("Push Image to Docker Hub"){     </a:t>
+              <a:t>Step5 : </a:t>
+            </a:r>
+            <a:r>
+              <a:rPr lang="en-IN" sz="1400" b="1" dirty="0">
+                <a:latin typeface="Arial" panose="020B0604020202020204" pitchFamily="34" charset="0"/>
+                <a:cs typeface="Arial" panose="020B0604020202020204" pitchFamily="34" charset="0"/>
+              </a:rPr>
+              <a:t>Login to docker</a:t>
             </a:r>
           </a:p>
           <a:p>
@@ -10633,35 +10580,35 @@
                 <a:latin typeface="Arial" panose="020B0604020202020204" pitchFamily="34" charset="0"/>
                 <a:cs typeface="Arial" panose="020B0604020202020204" pitchFamily="34" charset="0"/>
               </a:rPr>
-              <a:t>       </a:t>
+              <a:t>         </a:t>
             </a:r>
             <a:r>
               <a:rPr lang="en-IN" sz="1400" dirty="0" err="1">
                 <a:latin typeface="Arial" panose="020B0604020202020204" pitchFamily="34" charset="0"/>
                 <a:cs typeface="Arial" panose="020B0604020202020204" pitchFamily="34" charset="0"/>
               </a:rPr>
-              <a:t>sh</a:t>
+              <a:t>withCredentials</a:t>
             </a:r>
             <a:r>
               <a:rPr lang="en-IN" sz="1400" dirty="0">
                 <a:latin typeface="Arial" panose="020B0604020202020204" pitchFamily="34" charset="0"/>
                 <a:cs typeface="Arial" panose="020B0604020202020204" pitchFamily="34" charset="0"/>
               </a:rPr>
-              <a:t> '</a:t>
+              <a:t>([string(</a:t>
             </a:r>
             <a:r>
               <a:rPr lang="en-IN" sz="1400" dirty="0" err="1">
                 <a:latin typeface="Arial" panose="020B0604020202020204" pitchFamily="34" charset="0"/>
                 <a:cs typeface="Arial" panose="020B0604020202020204" pitchFamily="34" charset="0"/>
               </a:rPr>
-              <a:t>sudo</a:t>
+              <a:t>credentialsId</a:t>
             </a:r>
             <a:r>
               <a:rPr lang="en-IN" sz="1400" dirty="0">
                 <a:latin typeface="Arial" panose="020B0604020202020204" pitchFamily="34" charset="0"/>
                 <a:cs typeface="Arial" panose="020B0604020202020204" pitchFamily="34" charset="0"/>
               </a:rPr>
-              <a:t> docker push  thulsidk1/jhooq-docker-demo:version2.0'    </a:t>
+              <a:t>: 'DOCKER_HUB_PASSWORD', variable: 'PASSWORD')]) {</a:t>
             </a:r>
           </a:p>
           <a:p>
@@ -10673,16 +10620,35 @@
                 <a:latin typeface="Arial" panose="020B0604020202020204" pitchFamily="34" charset="0"/>
                 <a:cs typeface="Arial" panose="020B0604020202020204" pitchFamily="34" charset="0"/>
               </a:rPr>
-              <a:t>} </a:t>
-            </a:r>
-          </a:p>
-          <a:p>
+              <a:t>        </a:t>
+            </a:r>
+            <a:r>
+              <a:rPr lang="en-IN" sz="1400" dirty="0" err="1">
+                <a:latin typeface="Arial" panose="020B0604020202020204" pitchFamily="34" charset="0"/>
+                <a:cs typeface="Arial" panose="020B0604020202020204" pitchFamily="34" charset="0"/>
+              </a:rPr>
+              <a:t>sh</a:t>
+            </a:r>
             <a:r>
               <a:rPr lang="en-IN" sz="1400" dirty="0">
                 <a:latin typeface="Arial" panose="020B0604020202020204" pitchFamily="34" charset="0"/>
                 <a:cs typeface="Arial" panose="020B0604020202020204" pitchFamily="34" charset="0"/>
               </a:rPr>
-              <a:t>Step7 :  Kubernetes Deployment</a:t>
+              <a:t> '</a:t>
+            </a:r>
+            <a:r>
+              <a:rPr lang="en-IN" sz="1400" dirty="0" err="1">
+                <a:latin typeface="Arial" panose="020B0604020202020204" pitchFamily="34" charset="0"/>
+                <a:cs typeface="Arial" panose="020B0604020202020204" pitchFamily="34" charset="0"/>
+              </a:rPr>
+              <a:t>sudo</a:t>
+            </a:r>
+            <a:r>
+              <a:rPr lang="en-IN" sz="1400" dirty="0">
+                <a:latin typeface="Arial" panose="020B0604020202020204" pitchFamily="34" charset="0"/>
+                <a:cs typeface="Arial" panose="020B0604020202020204" pitchFamily="34" charset="0"/>
+              </a:rPr>
+              <a:t> docker login -u thulsidk1 -p $PASSWORD’  </a:t>
             </a:r>
           </a:p>
           <a:p>
@@ -10694,235 +10660,7 @@
                 <a:latin typeface="Arial" panose="020B0604020202020204" pitchFamily="34" charset="0"/>
                 <a:cs typeface="Arial" panose="020B0604020202020204" pitchFamily="34" charset="0"/>
               </a:rPr>
-              <a:t>stage("</a:t>
-            </a:r>
-            <a:r>
-              <a:rPr lang="en-IN" sz="1400" dirty="0" err="1">
-                <a:latin typeface="Arial" panose="020B0604020202020204" pitchFamily="34" charset="0"/>
-                <a:cs typeface="Arial" panose="020B0604020202020204" pitchFamily="34" charset="0"/>
-              </a:rPr>
-              <a:t>kubernetes</a:t>
-            </a:r>
-            <a:r>
-              <a:rPr lang="en-IN" sz="1400" dirty="0">
-                <a:latin typeface="Arial" panose="020B0604020202020204" pitchFamily="34" charset="0"/>
-                <a:cs typeface="Arial" panose="020B0604020202020204" pitchFamily="34" charset="0"/>
-              </a:rPr>
-              <a:t> deployment"){  </a:t>
-            </a:r>
-          </a:p>
-          <a:p>
-            <a:pPr marL="0" indent="0">
-              <a:buNone/>
-            </a:pPr>
-            <a:r>
-              <a:rPr lang="en-IN" sz="1400" dirty="0">
-                <a:latin typeface="Arial" panose="020B0604020202020204" pitchFamily="34" charset="0"/>
-                <a:cs typeface="Arial" panose="020B0604020202020204" pitchFamily="34" charset="0"/>
-              </a:rPr>
-              <a:t> </a:t>
-            </a:r>
-            <a:r>
-              <a:rPr lang="en-IN" sz="1200" dirty="0" err="1">
-                <a:latin typeface="Arial" panose="020B0604020202020204" pitchFamily="34" charset="0"/>
-                <a:cs typeface="Arial" panose="020B0604020202020204" pitchFamily="34" charset="0"/>
-              </a:rPr>
-              <a:t>withCredentials</a:t>
-            </a:r>
-            <a:r>
-              <a:rPr lang="en-IN" sz="1200" dirty="0">
-                <a:latin typeface="Arial" panose="020B0604020202020204" pitchFamily="34" charset="0"/>
-                <a:cs typeface="Arial" panose="020B0604020202020204" pitchFamily="34" charset="0"/>
-              </a:rPr>
-              <a:t>([</a:t>
-            </a:r>
-            <a:r>
-              <a:rPr lang="en-IN" sz="1200" dirty="0" err="1">
-                <a:latin typeface="Arial" panose="020B0604020202020204" pitchFamily="34" charset="0"/>
-                <a:cs typeface="Arial" panose="020B0604020202020204" pitchFamily="34" charset="0"/>
-              </a:rPr>
-              <a:t>aws</a:t>
-            </a:r>
-            <a:r>
-              <a:rPr lang="en-IN" sz="1200" dirty="0">
-                <a:latin typeface="Arial" panose="020B0604020202020204" pitchFamily="34" charset="0"/>
-                <a:cs typeface="Arial" panose="020B0604020202020204" pitchFamily="34" charset="0"/>
-              </a:rPr>
-              <a:t>(accessKeyVariable:'AWS_ACCESS_KEY_ID',credentialsId:'jenkins-aws-creds’,KeyVariable:'AWS_SECRET_ACCESS_KEY')]){ </a:t>
-            </a:r>
-          </a:p>
-          <a:p>
-            <a:pPr marL="0" indent="0">
-              <a:buNone/>
-            </a:pPr>
-            <a:r>
-              <a:rPr lang="en-IN" sz="1200" dirty="0">
-                <a:latin typeface="Arial" panose="020B0604020202020204" pitchFamily="34" charset="0"/>
-                <a:cs typeface="Arial" panose="020B0604020202020204" pitchFamily="34" charset="0"/>
-              </a:rPr>
-              <a:t>        </a:t>
-            </a:r>
-            <a:r>
-              <a:rPr lang="en-IN" sz="1200" dirty="0" err="1">
-                <a:latin typeface="Arial" panose="020B0604020202020204" pitchFamily="34" charset="0"/>
-                <a:cs typeface="Arial" panose="020B0604020202020204" pitchFamily="34" charset="0"/>
-              </a:rPr>
-              <a:t>sh</a:t>
-            </a:r>
-            <a:r>
-              <a:rPr lang="en-IN" sz="1200" dirty="0">
-                <a:latin typeface="Arial" panose="020B0604020202020204" pitchFamily="34" charset="0"/>
-                <a:cs typeface="Arial" panose="020B0604020202020204" pitchFamily="34" charset="0"/>
-              </a:rPr>
-              <a:t> '</a:t>
-            </a:r>
-            <a:r>
-              <a:rPr lang="en-IN" sz="1200" dirty="0" err="1">
-                <a:latin typeface="Arial" panose="020B0604020202020204" pitchFamily="34" charset="0"/>
-                <a:cs typeface="Arial" panose="020B0604020202020204" pitchFamily="34" charset="0"/>
-              </a:rPr>
-              <a:t>aws</a:t>
-            </a:r>
-            <a:r>
-              <a:rPr lang="en-IN" sz="1200" dirty="0">
-                <a:latin typeface="Arial" panose="020B0604020202020204" pitchFamily="34" charset="0"/>
-                <a:cs typeface="Arial" panose="020B0604020202020204" pitchFamily="34" charset="0"/>
-              </a:rPr>
-              <a:t> --version'           </a:t>
-            </a:r>
-          </a:p>
-          <a:p>
-            <a:pPr marL="0" indent="0">
-              <a:buNone/>
-            </a:pPr>
-            <a:r>
-              <a:rPr lang="en-IN" sz="1200" dirty="0">
-                <a:latin typeface="Arial" panose="020B0604020202020204" pitchFamily="34" charset="0"/>
-                <a:cs typeface="Arial" panose="020B0604020202020204" pitchFamily="34" charset="0"/>
-              </a:rPr>
-              <a:t>        </a:t>
-            </a:r>
-            <a:r>
-              <a:rPr lang="en-IN" sz="1200" dirty="0" err="1">
-                <a:latin typeface="Arial" panose="020B0604020202020204" pitchFamily="34" charset="0"/>
-                <a:cs typeface="Arial" panose="020B0604020202020204" pitchFamily="34" charset="0"/>
-              </a:rPr>
-              <a:t>sh</a:t>
-            </a:r>
-            <a:r>
-              <a:rPr lang="en-IN" sz="1200" dirty="0">
-                <a:latin typeface="Arial" panose="020B0604020202020204" pitchFamily="34" charset="0"/>
-                <a:cs typeface="Arial" panose="020B0604020202020204" pitchFamily="34" charset="0"/>
-              </a:rPr>
-              <a:t> '</a:t>
-            </a:r>
-            <a:r>
-              <a:rPr lang="en-IN" sz="1200" dirty="0" err="1">
-                <a:latin typeface="Arial" panose="020B0604020202020204" pitchFamily="34" charset="0"/>
-                <a:cs typeface="Arial" panose="020B0604020202020204" pitchFamily="34" charset="0"/>
-              </a:rPr>
-              <a:t>aws</a:t>
-            </a:r>
-            <a:r>
-              <a:rPr lang="en-IN" sz="1200" dirty="0">
-                <a:latin typeface="Arial" panose="020B0604020202020204" pitchFamily="34" charset="0"/>
-                <a:cs typeface="Arial" panose="020B0604020202020204" pitchFamily="34" charset="0"/>
-              </a:rPr>
-              <a:t> </a:t>
-            </a:r>
-            <a:r>
-              <a:rPr lang="en-IN" sz="1200" dirty="0" err="1">
-                <a:latin typeface="Arial" panose="020B0604020202020204" pitchFamily="34" charset="0"/>
-                <a:cs typeface="Arial" panose="020B0604020202020204" pitchFamily="34" charset="0"/>
-              </a:rPr>
-              <a:t>eks</a:t>
-            </a:r>
-            <a:r>
-              <a:rPr lang="en-IN" sz="1200" dirty="0">
-                <a:latin typeface="Arial" panose="020B0604020202020204" pitchFamily="34" charset="0"/>
-                <a:cs typeface="Arial" panose="020B0604020202020204" pitchFamily="34" charset="0"/>
-              </a:rPr>
-              <a:t> --region us-east-2 update-</a:t>
-            </a:r>
-            <a:r>
-              <a:rPr lang="en-IN" sz="1200" dirty="0" err="1">
-                <a:latin typeface="Arial" panose="020B0604020202020204" pitchFamily="34" charset="0"/>
-                <a:cs typeface="Arial" panose="020B0604020202020204" pitchFamily="34" charset="0"/>
-              </a:rPr>
-              <a:t>kubeconfig</a:t>
-            </a:r>
-            <a:r>
-              <a:rPr lang="en-IN" sz="1200" dirty="0">
-                <a:latin typeface="Arial" panose="020B0604020202020204" pitchFamily="34" charset="0"/>
-                <a:cs typeface="Arial" panose="020B0604020202020204" pitchFamily="34" charset="0"/>
-              </a:rPr>
-              <a:t> --name </a:t>
-            </a:r>
-            <a:r>
-              <a:rPr lang="en-IN" sz="1200" dirty="0" err="1">
-                <a:latin typeface="Arial" panose="020B0604020202020204" pitchFamily="34" charset="0"/>
-                <a:cs typeface="Arial" panose="020B0604020202020204" pitchFamily="34" charset="0"/>
-              </a:rPr>
-              <a:t>Ragavendra</a:t>
-            </a:r>
-            <a:r>
-              <a:rPr lang="en-IN" sz="1200" dirty="0">
-                <a:latin typeface="Arial" panose="020B0604020202020204" pitchFamily="34" charset="0"/>
-                <a:cs typeface="Arial" panose="020B0604020202020204" pitchFamily="34" charset="0"/>
-              </a:rPr>
-              <a:t>'       </a:t>
-            </a:r>
-          </a:p>
-          <a:p>
-            <a:pPr marL="0" indent="0">
-              <a:buNone/>
-            </a:pPr>
-            <a:r>
-              <a:rPr lang="en-IN" sz="1200" dirty="0">
-                <a:latin typeface="Arial" panose="020B0604020202020204" pitchFamily="34" charset="0"/>
-                <a:cs typeface="Arial" panose="020B0604020202020204" pitchFamily="34" charset="0"/>
-              </a:rPr>
-              <a:t>        </a:t>
-            </a:r>
-            <a:r>
-              <a:rPr lang="en-IN" sz="1200" dirty="0" err="1">
-                <a:latin typeface="Arial" panose="020B0604020202020204" pitchFamily="34" charset="0"/>
-                <a:cs typeface="Arial" panose="020B0604020202020204" pitchFamily="34" charset="0"/>
-              </a:rPr>
-              <a:t>sh</a:t>
-            </a:r>
-            <a:r>
-              <a:rPr lang="en-IN" sz="1200" dirty="0">
-                <a:latin typeface="Arial" panose="020B0604020202020204" pitchFamily="34" charset="0"/>
-                <a:cs typeface="Arial" panose="020B0604020202020204" pitchFamily="34" charset="0"/>
-              </a:rPr>
-              <a:t> '</a:t>
-            </a:r>
-            <a:r>
-              <a:rPr lang="en-IN" sz="1200" dirty="0" err="1">
-                <a:latin typeface="Arial" panose="020B0604020202020204" pitchFamily="34" charset="0"/>
-                <a:cs typeface="Arial" panose="020B0604020202020204" pitchFamily="34" charset="0"/>
-              </a:rPr>
-              <a:t>kubectl</a:t>
-            </a:r>
-            <a:r>
-              <a:rPr lang="en-IN" sz="1200" dirty="0">
-                <a:latin typeface="Arial" panose="020B0604020202020204" pitchFamily="34" charset="0"/>
-                <a:cs typeface="Arial" panose="020B0604020202020204" pitchFamily="34" charset="0"/>
-              </a:rPr>
-              <a:t> apply -f k8s-spring-boot-deployment.yml'     </a:t>
-            </a:r>
-          </a:p>
-          <a:p>
-            <a:pPr marL="0" indent="0">
-              <a:buNone/>
-            </a:pPr>
-            <a:r>
-              <a:rPr lang="en-IN" sz="1200" dirty="0">
-                <a:latin typeface="Arial" panose="020B0604020202020204" pitchFamily="34" charset="0"/>
-                <a:cs typeface="Arial" panose="020B0604020202020204" pitchFamily="34" charset="0"/>
-              </a:rPr>
-              <a:t>   } </a:t>
+              <a:t>  }</a:t>
             </a:r>
           </a:p>
         </p:txBody>
@@ -10932,7 +10670,7 @@
           <p:cNvPr id="4" name="Date Placeholder 3">
             <a:extLst>
               <a:ext uri="{FF2B5EF4-FFF2-40B4-BE49-F238E27FC236}">
-                <a16:creationId xmlns:a16="http://schemas.microsoft.com/office/drawing/2014/main" id="{23D7C42F-0D2B-4895-B1A3-486B17796AE2}"/>
+                <a16:creationId xmlns:a16="http://schemas.microsoft.com/office/drawing/2014/main" id="{7D39ECF0-1907-4D08-8916-A1882330E1FD}"/>
               </a:ext>
             </a:extLst>
           </p:cNvPr>
@@ -10961,7 +10699,7 @@
           <p:cNvPr id="5" name="Footer Placeholder 4">
             <a:extLst>
               <a:ext uri="{FF2B5EF4-FFF2-40B4-BE49-F238E27FC236}">
-                <a16:creationId xmlns:a16="http://schemas.microsoft.com/office/drawing/2014/main" id="{C8DEFD47-A6B8-4E62-BAAE-C37C02820412}"/>
+                <a16:creationId xmlns:a16="http://schemas.microsoft.com/office/drawing/2014/main" id="{1685F1B7-0521-4630-90C5-4492D456A039}"/>
               </a:ext>
             </a:extLst>
           </p:cNvPr>
@@ -10990,7 +10728,7 @@
           <p:cNvPr id="6" name="Slide Number Placeholder 5">
             <a:extLst>
               <a:ext uri="{FF2B5EF4-FFF2-40B4-BE49-F238E27FC236}">
-                <a16:creationId xmlns:a16="http://schemas.microsoft.com/office/drawing/2014/main" id="{E86B3E2C-B722-4F16-8BCB-B405C0DA1283}"/>
+                <a16:creationId xmlns:a16="http://schemas.microsoft.com/office/drawing/2014/main" id="{E455AF90-B4ED-4A51-9C04-0DDD9D66FDB8}"/>
               </a:ext>
             </a:extLst>
           </p:cNvPr>
@@ -11018,7 +10756,7 @@
     </p:spTree>
     <p:extLst>
       <p:ext uri="{BB962C8B-B14F-4D97-AF65-F5344CB8AC3E}">
-        <p14:creationId xmlns:p14="http://schemas.microsoft.com/office/powerpoint/2010/main" val="687937828"/>
+        <p14:creationId xmlns:p14="http://schemas.microsoft.com/office/powerpoint/2010/main" val="4045254836"/>
       </p:ext>
     </p:extLst>
   </p:cSld>
@@ -11050,7 +10788,7 @@
           <p:cNvPr id="2" name="Title 1">
             <a:extLst>
               <a:ext uri="{FF2B5EF4-FFF2-40B4-BE49-F238E27FC236}">
-                <a16:creationId xmlns:a16="http://schemas.microsoft.com/office/drawing/2014/main" id="{76E03738-9553-4E40-90E0-5015AE991CC4}"/>
+                <a16:creationId xmlns:a16="http://schemas.microsoft.com/office/drawing/2014/main" id="{5546E2EF-4364-42A5-AE46-C5B9595A7B5F}"/>
               </a:ext>
             </a:extLst>
           </p:cNvPr>
@@ -11067,10 +10805,9 @@
           <a:lstStyle/>
           <a:p>
             <a:r>
-              <a:rPr lang="en-IN" dirty="0" err="1"/>
-              <a:t>ReFERENCES</a:t>
-            </a:r>
-            <a:endParaRPr lang="en-IN" dirty="0"/>
+              <a:rPr lang="en-IN" dirty="0"/>
+              <a:t>K8s Deployment PIPELINE</a:t>
+            </a:r>
           </a:p>
         </p:txBody>
       </p:sp>
@@ -11079,7 +10816,7 @@
           <p:cNvPr id="3" name="Content Placeholder 2">
             <a:extLst>
               <a:ext uri="{FF2B5EF4-FFF2-40B4-BE49-F238E27FC236}">
-                <a16:creationId xmlns:a16="http://schemas.microsoft.com/office/drawing/2014/main" id="{A8F1C959-E20F-40E2-993B-DB1FDE0E147C}"/>
+                <a16:creationId xmlns:a16="http://schemas.microsoft.com/office/drawing/2014/main" id="{CD511E57-BB46-48A5-AF5A-53539DE4044B}"/>
               </a:ext>
             </a:extLst>
           </p:cNvPr>
@@ -11090,33 +10827,352 @@
             <p:ph idx="1"/>
           </p:nvPr>
         </p:nvSpPr>
-        <p:spPr/>
-        <p:txBody>
-          <a:bodyPr/>
-          <a:lstStyle/>
-          <a:p>
-            <a:r>
-              <a:rPr lang="en-IN" dirty="0">
-                <a:hlinkClick r:id="rId2"/>
-              </a:rPr>
-              <a:t>https://jhooq.com/aws-kubernetes-jenkins-pipeline/</a:t>
-            </a:r>
-            <a:endParaRPr lang="en-IN" dirty="0"/>
-          </a:p>
-          <a:p>
-            <a:r>
-              <a:rPr lang="en-IN" dirty="0">
-                <a:hlinkClick r:id="rId3"/>
-              </a:rPr>
-              <a:t>https://www.youtube.com/watch?v=iiF2iQV-3eM</a:t>
-            </a:r>
-            <a:r>
-              <a:rPr lang="en-IN" dirty="0"/>
-              <a:t> Darin Pope</a:t>
-            </a:r>
-          </a:p>
-          <a:p>
-            <a:endParaRPr lang="en-IN" dirty="0"/>
+        <p:spPr>
+          <a:xfrm>
+            <a:off x="581192" y="2037924"/>
+            <a:ext cx="11457725" cy="3820876"/>
+          </a:xfrm>
+        </p:spPr>
+        <p:txBody>
+          <a:bodyPr>
+            <a:noAutofit/>
+          </a:bodyPr>
+          <a:lstStyle/>
+          <a:p>
+            <a:r>
+              <a:rPr lang="en-IN" sz="1400" dirty="0">
+                <a:latin typeface="Arial" panose="020B0604020202020204" pitchFamily="34" charset="0"/>
+                <a:cs typeface="Arial" panose="020B0604020202020204" pitchFamily="34" charset="0"/>
+              </a:rPr>
+              <a:t>Step6 : </a:t>
+            </a:r>
+            <a:r>
+              <a:rPr lang="en-IN" sz="1400" b="1" dirty="0">
+                <a:latin typeface="Arial" panose="020B0604020202020204" pitchFamily="34" charset="0"/>
+                <a:cs typeface="Arial" panose="020B0604020202020204" pitchFamily="34" charset="0"/>
+              </a:rPr>
+              <a:t>Push image to Docker Hub</a:t>
+            </a:r>
+          </a:p>
+          <a:p>
+            <a:pPr marL="0" indent="0">
+              <a:buNone/>
+            </a:pPr>
+            <a:r>
+              <a:rPr lang="en-IN" sz="1400" dirty="0">
+                <a:latin typeface="Arial" panose="020B0604020202020204" pitchFamily="34" charset="0"/>
+                <a:cs typeface="Arial" panose="020B0604020202020204" pitchFamily="34" charset="0"/>
+              </a:rPr>
+              <a:t>       stage("Push Image to Docker Hub"){     </a:t>
+            </a:r>
+          </a:p>
+          <a:p>
+            <a:pPr marL="0" indent="0">
+              <a:buNone/>
+            </a:pPr>
+            <a:r>
+              <a:rPr lang="en-IN" sz="1400" dirty="0">
+                <a:latin typeface="Arial" panose="020B0604020202020204" pitchFamily="34" charset="0"/>
+                <a:cs typeface="Arial" panose="020B0604020202020204" pitchFamily="34" charset="0"/>
+              </a:rPr>
+              <a:t>       </a:t>
+            </a:r>
+            <a:r>
+              <a:rPr lang="en-IN" sz="1400" dirty="0" err="1">
+                <a:latin typeface="Arial" panose="020B0604020202020204" pitchFamily="34" charset="0"/>
+                <a:cs typeface="Arial" panose="020B0604020202020204" pitchFamily="34" charset="0"/>
+              </a:rPr>
+              <a:t>sh</a:t>
+            </a:r>
+            <a:r>
+              <a:rPr lang="en-IN" sz="1400" dirty="0">
+                <a:latin typeface="Arial" panose="020B0604020202020204" pitchFamily="34" charset="0"/>
+                <a:cs typeface="Arial" panose="020B0604020202020204" pitchFamily="34" charset="0"/>
+              </a:rPr>
+              <a:t> '</a:t>
+            </a:r>
+            <a:r>
+              <a:rPr lang="en-IN" sz="1400" dirty="0" err="1">
+                <a:latin typeface="Arial" panose="020B0604020202020204" pitchFamily="34" charset="0"/>
+                <a:cs typeface="Arial" panose="020B0604020202020204" pitchFamily="34" charset="0"/>
+              </a:rPr>
+              <a:t>sudo</a:t>
+            </a:r>
+            <a:r>
+              <a:rPr lang="en-IN" sz="1400" dirty="0">
+                <a:latin typeface="Arial" panose="020B0604020202020204" pitchFamily="34" charset="0"/>
+                <a:cs typeface="Arial" panose="020B0604020202020204" pitchFamily="34" charset="0"/>
+              </a:rPr>
+              <a:t> docker push  thulsidk1/jhooq-docker-demo:version1.0'    </a:t>
+            </a:r>
+          </a:p>
+          <a:p>
+            <a:pPr marL="0" indent="0">
+              <a:buNone/>
+            </a:pPr>
+            <a:r>
+              <a:rPr lang="en-IN" sz="1400" dirty="0">
+                <a:latin typeface="Arial" panose="020B0604020202020204" pitchFamily="34" charset="0"/>
+                <a:cs typeface="Arial" panose="020B0604020202020204" pitchFamily="34" charset="0"/>
+              </a:rPr>
+              <a:t>} </a:t>
+            </a:r>
+          </a:p>
+          <a:p>
+            <a:r>
+              <a:rPr lang="en-IN" sz="1400" dirty="0">
+                <a:latin typeface="Arial" panose="020B0604020202020204" pitchFamily="34" charset="0"/>
+                <a:cs typeface="Arial" panose="020B0604020202020204" pitchFamily="34" charset="0"/>
+              </a:rPr>
+              <a:t>Step7 :  </a:t>
+            </a:r>
+            <a:r>
+              <a:rPr lang="en-IN" sz="1400" b="1" dirty="0">
+                <a:latin typeface="Arial" panose="020B0604020202020204" pitchFamily="34" charset="0"/>
+                <a:cs typeface="Arial" panose="020B0604020202020204" pitchFamily="34" charset="0"/>
+              </a:rPr>
+              <a:t>Kubernetes Deployment</a:t>
+            </a:r>
+          </a:p>
+          <a:p>
+            <a:pPr marL="0" indent="0">
+              <a:buNone/>
+            </a:pPr>
+            <a:r>
+              <a:rPr lang="en-IN" sz="1400" dirty="0">
+                <a:latin typeface="Arial" panose="020B0604020202020204" pitchFamily="34" charset="0"/>
+                <a:cs typeface="Arial" panose="020B0604020202020204" pitchFamily="34" charset="0"/>
+              </a:rPr>
+              <a:t>stage("</a:t>
+            </a:r>
+            <a:r>
+              <a:rPr lang="en-IN" sz="1400" dirty="0" err="1">
+                <a:latin typeface="Arial" panose="020B0604020202020204" pitchFamily="34" charset="0"/>
+                <a:cs typeface="Arial" panose="020B0604020202020204" pitchFamily="34" charset="0"/>
+              </a:rPr>
+              <a:t>kubernetes</a:t>
+            </a:r>
+            <a:r>
+              <a:rPr lang="en-IN" sz="1400" dirty="0">
+                <a:latin typeface="Arial" panose="020B0604020202020204" pitchFamily="34" charset="0"/>
+                <a:cs typeface="Arial" panose="020B0604020202020204" pitchFamily="34" charset="0"/>
+              </a:rPr>
+              <a:t> deployment"){  </a:t>
+            </a:r>
+          </a:p>
+          <a:p>
+            <a:pPr marL="0" indent="0">
+              <a:buNone/>
+            </a:pPr>
+            <a:r>
+              <a:rPr lang="en-IN" sz="1400" dirty="0">
+                <a:latin typeface="Arial" panose="020B0604020202020204" pitchFamily="34" charset="0"/>
+                <a:cs typeface="Arial" panose="020B0604020202020204" pitchFamily="34" charset="0"/>
+              </a:rPr>
+              <a:t> </a:t>
+            </a:r>
+            <a:r>
+              <a:rPr lang="en-IN" sz="1200" dirty="0" err="1">
+                <a:latin typeface="Arial" panose="020B0604020202020204" pitchFamily="34" charset="0"/>
+                <a:cs typeface="Arial" panose="020B0604020202020204" pitchFamily="34" charset="0"/>
+              </a:rPr>
+              <a:t>withCredentials</a:t>
+            </a:r>
+            <a:r>
+              <a:rPr lang="en-IN" sz="1200" dirty="0">
+                <a:latin typeface="Arial" panose="020B0604020202020204" pitchFamily="34" charset="0"/>
+                <a:cs typeface="Arial" panose="020B0604020202020204" pitchFamily="34" charset="0"/>
+              </a:rPr>
+              <a:t>([</a:t>
+            </a:r>
+            <a:r>
+              <a:rPr lang="en-IN" sz="1200" dirty="0" err="1">
+                <a:latin typeface="Arial" panose="020B0604020202020204" pitchFamily="34" charset="0"/>
+                <a:cs typeface="Arial" panose="020B0604020202020204" pitchFamily="34" charset="0"/>
+              </a:rPr>
+              <a:t>aws</a:t>
+            </a:r>
+            <a:r>
+              <a:rPr lang="en-IN" sz="1200" dirty="0">
+                <a:latin typeface="Arial" panose="020B0604020202020204" pitchFamily="34" charset="0"/>
+                <a:cs typeface="Arial" panose="020B0604020202020204" pitchFamily="34" charset="0"/>
+              </a:rPr>
+              <a:t>(accessKeyVariable:'AWS_ACCESS_KEY_ID',credentialsId:'jenkins-aws-creds’,KeyVariable:'AWS_SECRET_ACCESS_KEY')]){ </a:t>
+            </a:r>
+          </a:p>
+          <a:p>
+            <a:pPr marL="0" indent="0">
+              <a:buNone/>
+            </a:pPr>
+            <a:r>
+              <a:rPr lang="en-IN" sz="1200" dirty="0">
+                <a:latin typeface="Arial" panose="020B0604020202020204" pitchFamily="34" charset="0"/>
+                <a:cs typeface="Arial" panose="020B0604020202020204" pitchFamily="34" charset="0"/>
+              </a:rPr>
+              <a:t>        </a:t>
+            </a:r>
+            <a:r>
+              <a:rPr lang="en-IN" sz="1200" dirty="0" err="1">
+                <a:latin typeface="Arial" panose="020B0604020202020204" pitchFamily="34" charset="0"/>
+                <a:cs typeface="Arial" panose="020B0604020202020204" pitchFamily="34" charset="0"/>
+              </a:rPr>
+              <a:t>sh</a:t>
+            </a:r>
+            <a:r>
+              <a:rPr lang="en-IN" sz="1200" dirty="0">
+                <a:latin typeface="Arial" panose="020B0604020202020204" pitchFamily="34" charset="0"/>
+                <a:cs typeface="Arial" panose="020B0604020202020204" pitchFamily="34" charset="0"/>
+              </a:rPr>
+              <a:t> '</a:t>
+            </a:r>
+            <a:r>
+              <a:rPr lang="en-IN" sz="1200" dirty="0" err="1">
+                <a:latin typeface="Arial" panose="020B0604020202020204" pitchFamily="34" charset="0"/>
+                <a:cs typeface="Arial" panose="020B0604020202020204" pitchFamily="34" charset="0"/>
+              </a:rPr>
+              <a:t>aws</a:t>
+            </a:r>
+            <a:r>
+              <a:rPr lang="en-IN" sz="1200" dirty="0">
+                <a:latin typeface="Arial" panose="020B0604020202020204" pitchFamily="34" charset="0"/>
+                <a:cs typeface="Arial" panose="020B0604020202020204" pitchFamily="34" charset="0"/>
+              </a:rPr>
+              <a:t> --version'           </a:t>
+            </a:r>
+          </a:p>
+          <a:p>
+            <a:pPr marL="0" indent="0">
+              <a:buNone/>
+            </a:pPr>
+            <a:r>
+              <a:rPr lang="en-IN" sz="1200" dirty="0">
+                <a:latin typeface="Arial" panose="020B0604020202020204" pitchFamily="34" charset="0"/>
+                <a:cs typeface="Arial" panose="020B0604020202020204" pitchFamily="34" charset="0"/>
+              </a:rPr>
+              <a:t>        </a:t>
+            </a:r>
+            <a:r>
+              <a:rPr lang="en-IN" sz="1200" dirty="0" err="1">
+                <a:latin typeface="Arial" panose="020B0604020202020204" pitchFamily="34" charset="0"/>
+                <a:cs typeface="Arial" panose="020B0604020202020204" pitchFamily="34" charset="0"/>
+              </a:rPr>
+              <a:t>sh</a:t>
+            </a:r>
+            <a:r>
+              <a:rPr lang="en-IN" sz="1200" dirty="0">
+                <a:latin typeface="Arial" panose="020B0604020202020204" pitchFamily="34" charset="0"/>
+                <a:cs typeface="Arial" panose="020B0604020202020204" pitchFamily="34" charset="0"/>
+              </a:rPr>
+              <a:t> '</a:t>
+            </a:r>
+            <a:r>
+              <a:rPr lang="en-IN" sz="1200" dirty="0" err="1">
+                <a:latin typeface="Arial" panose="020B0604020202020204" pitchFamily="34" charset="0"/>
+                <a:cs typeface="Arial" panose="020B0604020202020204" pitchFamily="34" charset="0"/>
+              </a:rPr>
+              <a:t>aws</a:t>
+            </a:r>
+            <a:r>
+              <a:rPr lang="en-IN" sz="1200" dirty="0">
+                <a:latin typeface="Arial" panose="020B0604020202020204" pitchFamily="34" charset="0"/>
+                <a:cs typeface="Arial" panose="020B0604020202020204" pitchFamily="34" charset="0"/>
+              </a:rPr>
+              <a:t> </a:t>
+            </a:r>
+            <a:r>
+              <a:rPr lang="en-IN" sz="1200" dirty="0" err="1">
+                <a:latin typeface="Arial" panose="020B0604020202020204" pitchFamily="34" charset="0"/>
+                <a:cs typeface="Arial" panose="020B0604020202020204" pitchFamily="34" charset="0"/>
+              </a:rPr>
+              <a:t>eks</a:t>
+            </a:r>
+            <a:r>
+              <a:rPr lang="en-IN" sz="1200" dirty="0">
+                <a:latin typeface="Arial" panose="020B0604020202020204" pitchFamily="34" charset="0"/>
+                <a:cs typeface="Arial" panose="020B0604020202020204" pitchFamily="34" charset="0"/>
+              </a:rPr>
+              <a:t> --region us-east-2 update-</a:t>
+            </a:r>
+            <a:r>
+              <a:rPr lang="en-IN" sz="1200" dirty="0" err="1">
+                <a:latin typeface="Arial" panose="020B0604020202020204" pitchFamily="34" charset="0"/>
+                <a:cs typeface="Arial" panose="020B0604020202020204" pitchFamily="34" charset="0"/>
+              </a:rPr>
+              <a:t>kubeconfig</a:t>
+            </a:r>
+            <a:r>
+              <a:rPr lang="en-IN" sz="1200" dirty="0">
+                <a:latin typeface="Arial" panose="020B0604020202020204" pitchFamily="34" charset="0"/>
+                <a:cs typeface="Arial" panose="020B0604020202020204" pitchFamily="34" charset="0"/>
+              </a:rPr>
+              <a:t> --name </a:t>
+            </a:r>
+            <a:r>
+              <a:rPr lang="en-IN" sz="1200" dirty="0" err="1">
+                <a:latin typeface="Arial" panose="020B0604020202020204" pitchFamily="34" charset="0"/>
+                <a:cs typeface="Arial" panose="020B0604020202020204" pitchFamily="34" charset="0"/>
+              </a:rPr>
+              <a:t>Ragavendra</a:t>
+            </a:r>
+            <a:r>
+              <a:rPr lang="en-IN" sz="1200" dirty="0">
+                <a:latin typeface="Arial" panose="020B0604020202020204" pitchFamily="34" charset="0"/>
+                <a:cs typeface="Arial" panose="020B0604020202020204" pitchFamily="34" charset="0"/>
+              </a:rPr>
+              <a:t>'       </a:t>
+            </a:r>
+          </a:p>
+          <a:p>
+            <a:pPr marL="0" indent="0">
+              <a:buNone/>
+            </a:pPr>
+            <a:r>
+              <a:rPr lang="en-IN" sz="1200" dirty="0">
+                <a:latin typeface="Arial" panose="020B0604020202020204" pitchFamily="34" charset="0"/>
+                <a:cs typeface="Arial" panose="020B0604020202020204" pitchFamily="34" charset="0"/>
+              </a:rPr>
+              <a:t>        </a:t>
+            </a:r>
+            <a:r>
+              <a:rPr lang="en-IN" sz="1200" dirty="0" err="1">
+                <a:latin typeface="Arial" panose="020B0604020202020204" pitchFamily="34" charset="0"/>
+                <a:cs typeface="Arial" panose="020B0604020202020204" pitchFamily="34" charset="0"/>
+              </a:rPr>
+              <a:t>sh</a:t>
+            </a:r>
+            <a:r>
+              <a:rPr lang="en-IN" sz="1200" dirty="0">
+                <a:latin typeface="Arial" panose="020B0604020202020204" pitchFamily="34" charset="0"/>
+                <a:cs typeface="Arial" panose="020B0604020202020204" pitchFamily="34" charset="0"/>
+              </a:rPr>
+              <a:t> '</a:t>
+            </a:r>
+            <a:r>
+              <a:rPr lang="en-IN" sz="1200" dirty="0" err="1">
+                <a:latin typeface="Arial" panose="020B0604020202020204" pitchFamily="34" charset="0"/>
+                <a:cs typeface="Arial" panose="020B0604020202020204" pitchFamily="34" charset="0"/>
+              </a:rPr>
+              <a:t>kubectl</a:t>
+            </a:r>
+            <a:r>
+              <a:rPr lang="en-IN" sz="1200" dirty="0">
+                <a:latin typeface="Arial" panose="020B0604020202020204" pitchFamily="34" charset="0"/>
+                <a:cs typeface="Arial" panose="020B0604020202020204" pitchFamily="34" charset="0"/>
+              </a:rPr>
+              <a:t> apply -f k8s-spring-boot-deployment.yml'     </a:t>
+            </a:r>
+          </a:p>
+          <a:p>
+            <a:pPr marL="0" indent="0">
+              <a:buNone/>
+            </a:pPr>
+            <a:r>
+              <a:rPr lang="en-IN" sz="1200" dirty="0">
+                <a:latin typeface="Arial" panose="020B0604020202020204" pitchFamily="34" charset="0"/>
+                <a:cs typeface="Arial" panose="020B0604020202020204" pitchFamily="34" charset="0"/>
+              </a:rPr>
+              <a:t>   } </a:t>
+            </a:r>
           </a:p>
         </p:txBody>
       </p:sp>
@@ -11125,7 +11181,7 @@
           <p:cNvPr id="4" name="Date Placeholder 3">
             <a:extLst>
               <a:ext uri="{FF2B5EF4-FFF2-40B4-BE49-F238E27FC236}">
-                <a16:creationId xmlns:a16="http://schemas.microsoft.com/office/drawing/2014/main" id="{B049030A-4A5F-4647-BBC8-597B73830F58}"/>
+                <a16:creationId xmlns:a16="http://schemas.microsoft.com/office/drawing/2014/main" id="{23D7C42F-0D2B-4895-B1A3-486B17796AE2}"/>
               </a:ext>
             </a:extLst>
           </p:cNvPr>
@@ -11154,7 +11210,7 @@
           <p:cNvPr id="5" name="Footer Placeholder 4">
             <a:extLst>
               <a:ext uri="{FF2B5EF4-FFF2-40B4-BE49-F238E27FC236}">
-                <a16:creationId xmlns:a16="http://schemas.microsoft.com/office/drawing/2014/main" id="{F5ED2FA2-82CC-4480-A03D-E93860022EB4}"/>
+                <a16:creationId xmlns:a16="http://schemas.microsoft.com/office/drawing/2014/main" id="{C8DEFD47-A6B8-4E62-BAAE-C37C02820412}"/>
               </a:ext>
             </a:extLst>
           </p:cNvPr>
@@ -11183,7 +11239,7 @@
           <p:cNvPr id="6" name="Slide Number Placeholder 5">
             <a:extLst>
               <a:ext uri="{FF2B5EF4-FFF2-40B4-BE49-F238E27FC236}">
-                <a16:creationId xmlns:a16="http://schemas.microsoft.com/office/drawing/2014/main" id="{DF9B13B1-003F-4656-B99D-B97562430366}"/>
+                <a16:creationId xmlns:a16="http://schemas.microsoft.com/office/drawing/2014/main" id="{E86B3E2C-B722-4F16-8BCB-B405C0DA1283}"/>
               </a:ext>
             </a:extLst>
           </p:cNvPr>
@@ -11211,7 +11267,7 @@
     </p:spTree>
     <p:extLst>
       <p:ext uri="{BB962C8B-B14F-4D97-AF65-F5344CB8AC3E}">
-        <p14:creationId xmlns:p14="http://schemas.microsoft.com/office/powerpoint/2010/main" val="652963773"/>
+        <p14:creationId xmlns:p14="http://schemas.microsoft.com/office/powerpoint/2010/main" val="687937828"/>
       </p:ext>
     </p:extLst>
   </p:cSld>
@@ -11243,6 +11299,223 @@
           <p:cNvPr id="2" name="Title 1">
             <a:extLst>
               <a:ext uri="{FF2B5EF4-FFF2-40B4-BE49-F238E27FC236}">
+                <a16:creationId xmlns:a16="http://schemas.microsoft.com/office/drawing/2014/main" id="{76E03738-9553-4E40-90E0-5015AE991CC4}"/>
+              </a:ext>
+            </a:extLst>
+          </p:cNvPr>
+          <p:cNvSpPr>
+            <a:spLocks noGrp="1"/>
+          </p:cNvSpPr>
+          <p:nvPr>
+            <p:ph type="title"/>
+          </p:nvPr>
+        </p:nvSpPr>
+        <p:spPr/>
+        <p:txBody>
+          <a:bodyPr/>
+          <a:lstStyle/>
+          <a:p>
+            <a:r>
+              <a:rPr lang="en-IN" dirty="0" err="1"/>
+              <a:t>ReFERENCES</a:t>
+            </a:r>
+            <a:endParaRPr lang="en-IN" dirty="0"/>
+          </a:p>
+        </p:txBody>
+      </p:sp>
+      <p:sp>
+        <p:nvSpPr>
+          <p:cNvPr id="3" name="Content Placeholder 2">
+            <a:extLst>
+              <a:ext uri="{FF2B5EF4-FFF2-40B4-BE49-F238E27FC236}">
+                <a16:creationId xmlns:a16="http://schemas.microsoft.com/office/drawing/2014/main" id="{A8F1C959-E20F-40E2-993B-DB1FDE0E147C}"/>
+              </a:ext>
+            </a:extLst>
+          </p:cNvPr>
+          <p:cNvSpPr>
+            <a:spLocks noGrp="1"/>
+          </p:cNvSpPr>
+          <p:nvPr>
+            <p:ph idx="1"/>
+          </p:nvPr>
+        </p:nvSpPr>
+        <p:spPr/>
+        <p:txBody>
+          <a:bodyPr/>
+          <a:lstStyle/>
+          <a:p>
+            <a:r>
+              <a:rPr lang="en-IN" dirty="0">
+                <a:hlinkClick r:id="rId2"/>
+              </a:rPr>
+              <a:t>https://jhooq.com/aws-kubernetes-jenkins-pipeline/</a:t>
+            </a:r>
+            <a:r>
+              <a:rPr lang="en-IN" dirty="0"/>
+              <a:t> Inspiration , cloned the sample app from Author</a:t>
+            </a:r>
+          </a:p>
+          <a:p>
+            <a:r>
+              <a:rPr lang="en-IN" dirty="0">
+                <a:hlinkClick r:id="rId3"/>
+              </a:rPr>
+              <a:t>https://www.youtube.com/watch?v=iiF2iQV-3eM</a:t>
+            </a:r>
+            <a:r>
+              <a:rPr lang="en-IN" dirty="0"/>
+              <a:t> Darin Pope Cloud Bees (*****)</a:t>
+            </a:r>
+          </a:p>
+          <a:p>
+            <a:r>
+              <a:rPr lang="en-IN" dirty="0">
+                <a:hlinkClick r:id="rId4"/>
+              </a:rPr>
+              <a:t>https://docs.docker.com/engine/install/ubuntu/</a:t>
+            </a:r>
+            <a:endParaRPr lang="en-IN" dirty="0"/>
+          </a:p>
+          <a:p>
+            <a:r>
+              <a:rPr lang="en-IN" dirty="0">
+                <a:hlinkClick r:id="rId5"/>
+              </a:rPr>
+              <a:t>https://www.digitalocean.com/community/questions/how-to-fix-docker-got-permission-denied-while-trying-to-connect-to-the-docker-daemon-socket</a:t>
+            </a:r>
+            <a:endParaRPr lang="en-IN" dirty="0"/>
+          </a:p>
+          <a:p>
+            <a:endParaRPr lang="en-IN" dirty="0"/>
+          </a:p>
+          <a:p>
+            <a:endParaRPr lang="en-IN" dirty="0"/>
+          </a:p>
+        </p:txBody>
+      </p:sp>
+      <p:sp>
+        <p:nvSpPr>
+          <p:cNvPr id="4" name="Date Placeholder 3">
+            <a:extLst>
+              <a:ext uri="{FF2B5EF4-FFF2-40B4-BE49-F238E27FC236}">
+                <a16:creationId xmlns:a16="http://schemas.microsoft.com/office/drawing/2014/main" id="{B049030A-4A5F-4647-BBC8-597B73830F58}"/>
+              </a:ext>
+            </a:extLst>
+          </p:cNvPr>
+          <p:cNvSpPr>
+            <a:spLocks noGrp="1"/>
+          </p:cNvSpPr>
+          <p:nvPr>
+            <p:ph type="dt" sz="half" idx="10"/>
+          </p:nvPr>
+        </p:nvSpPr>
+        <p:spPr/>
+        <p:txBody>
+          <a:bodyPr/>
+          <a:lstStyle/>
+          <a:p>
+            <a:fld id="{30982E46-163F-534D-B244-A5ED1410340B}" type="datetime1">
+              <a:rPr lang="nl-NL" smtClean="0"/>
+              <a:t>17-3-2022</a:t>
+            </a:fld>
+            <a:endParaRPr lang="en-US" dirty="0"/>
+          </a:p>
+        </p:txBody>
+      </p:sp>
+      <p:sp>
+        <p:nvSpPr>
+          <p:cNvPr id="5" name="Footer Placeholder 4">
+            <a:extLst>
+              <a:ext uri="{FF2B5EF4-FFF2-40B4-BE49-F238E27FC236}">
+                <a16:creationId xmlns:a16="http://schemas.microsoft.com/office/drawing/2014/main" id="{F5ED2FA2-82CC-4480-A03D-E93860022EB4}"/>
+              </a:ext>
+            </a:extLst>
+          </p:cNvPr>
+          <p:cNvSpPr>
+            <a:spLocks noGrp="1"/>
+          </p:cNvSpPr>
+          <p:nvPr>
+            <p:ph type="ftr" sz="quarter" idx="11"/>
+          </p:nvPr>
+        </p:nvSpPr>
+        <p:spPr/>
+        <p:txBody>
+          <a:bodyPr/>
+          <a:lstStyle/>
+          <a:p>
+            <a:r>
+              <a:rPr lang="en-US"/>
+              <a:t>“Samen sterker, Beter en slimmer!”</a:t>
+            </a:r>
+            <a:endParaRPr lang="en-US" dirty="0"/>
+          </a:p>
+        </p:txBody>
+      </p:sp>
+      <p:sp>
+        <p:nvSpPr>
+          <p:cNvPr id="6" name="Slide Number Placeholder 5">
+            <a:extLst>
+              <a:ext uri="{FF2B5EF4-FFF2-40B4-BE49-F238E27FC236}">
+                <a16:creationId xmlns:a16="http://schemas.microsoft.com/office/drawing/2014/main" id="{DF9B13B1-003F-4656-B99D-B97562430366}"/>
+              </a:ext>
+            </a:extLst>
+          </p:cNvPr>
+          <p:cNvSpPr>
+            <a:spLocks noGrp="1"/>
+          </p:cNvSpPr>
+          <p:nvPr>
+            <p:ph type="sldNum" sz="quarter" idx="12"/>
+          </p:nvPr>
+        </p:nvSpPr>
+        <p:spPr/>
+        <p:txBody>
+          <a:bodyPr/>
+          <a:lstStyle/>
+          <a:p>
+            <a:fld id="{D57F1E4F-1CFF-5643-939E-217C01CDF565}" type="slidenum">
+              <a:rPr lang="en-US" smtClean="0"/>
+              <a:pPr/>
+              <a:t>43</a:t>
+            </a:fld>
+            <a:endParaRPr lang="en-US" dirty="0"/>
+          </a:p>
+        </p:txBody>
+      </p:sp>
+    </p:spTree>
+    <p:extLst>
+      <p:ext uri="{BB962C8B-B14F-4D97-AF65-F5344CB8AC3E}">
+        <p14:creationId xmlns:p14="http://schemas.microsoft.com/office/powerpoint/2010/main" val="652963773"/>
+      </p:ext>
+    </p:extLst>
+  </p:cSld>
+  <p:clrMapOvr>
+    <a:masterClrMapping/>
+  </p:clrMapOvr>
+</p:sld>
+</file>
+
+<file path=ppt/slides/slide44.xml><?xml version="1.0" encoding="utf-8"?>
+<p:sld xmlns:a="http://schemas.openxmlformats.org/drawingml/2006/main" xmlns:r="http://schemas.openxmlformats.org/officeDocument/2006/relationships" xmlns:p="http://schemas.openxmlformats.org/presentationml/2006/main">
+  <p:cSld>
+    <p:spTree>
+      <p:nvGrpSpPr>
+        <p:cNvPr id="1" name=""/>
+        <p:cNvGrpSpPr/>
+        <p:nvPr/>
+      </p:nvGrpSpPr>
+      <p:grpSpPr>
+        <a:xfrm>
+          <a:off x="0" y="0"/>
+          <a:ext cx="0" cy="0"/>
+          <a:chOff x="0" y="0"/>
+          <a:chExt cx="0" cy="0"/>
+        </a:xfrm>
+      </p:grpSpPr>
+      <p:sp>
+        <p:nvSpPr>
+          <p:cNvPr id="2" name="Title 1">
+            <a:extLst>
+              <a:ext uri="{FF2B5EF4-FFF2-40B4-BE49-F238E27FC236}">
                 <a16:creationId xmlns:a16="http://schemas.microsoft.com/office/drawing/2014/main" id="{C4668B4A-0DD3-B14C-AE25-656EE263B696}"/>
               </a:ext>
             </a:extLst>
@@ -11382,7 +11655,7 @@
             <a:fld id="{D57F1E4F-1CFF-5643-939E-217C01CDF565}" type="slidenum">
               <a:rPr lang="en-US" smtClean="0"/>
               <a:pPr/>
-              <a:t>43</a:t>
+              <a:t>44</a:t>
             </a:fld>
             <a:endParaRPr lang="en-US" dirty="0"/>
           </a:p>
@@ -11423,7 +11696,7 @@
           <p:cNvPr id="2" name="Title 1">
             <a:extLst>
               <a:ext uri="{FF2B5EF4-FFF2-40B4-BE49-F238E27FC236}">
-                <a16:creationId xmlns:a16="http://schemas.microsoft.com/office/drawing/2014/main" id="{596807D5-4408-46DF-8ED3-D7DCBDE3C513}"/>
+                <a16:creationId xmlns:a16="http://schemas.microsoft.com/office/drawing/2014/main" id="{4BD709D8-CF6A-4925-8212-82823E737483}"/>
               </a:ext>
             </a:extLst>
           </p:cNvPr>
@@ -11441,7 +11714,7 @@
           <a:p>
             <a:r>
               <a:rPr lang="en-IN" dirty="0"/>
-              <a:t>EKS-CLUSTER-STEP2</a:t>
+              <a:t>EKS-CLUSTER-STEP1</a:t>
             </a:r>
           </a:p>
         </p:txBody>
@@ -11451,7 +11724,7 @@
           <p:cNvPr id="5" name="Content Placeholder 4">
             <a:extLst>
               <a:ext uri="{FF2B5EF4-FFF2-40B4-BE49-F238E27FC236}">
-                <a16:creationId xmlns:a16="http://schemas.microsoft.com/office/drawing/2014/main" id="{67CFF89A-77CC-43ED-9149-79012A27F8AD}"/>
+                <a16:creationId xmlns:a16="http://schemas.microsoft.com/office/drawing/2014/main" id="{0B082CE8-7695-4AB7-92B9-8D8CA6D21CD4}"/>
               </a:ext>
             </a:extLst>
           </p:cNvPr>
@@ -11476,15 +11749,15 @@
         </p:blipFill>
         <p:spPr>
           <a:xfrm>
-            <a:off x="626288" y="1919010"/>
-            <a:ext cx="5286554" cy="4768786"/>
+            <a:off x="1446178" y="1825625"/>
+            <a:ext cx="9299644" cy="4351338"/>
           </a:xfrm>
         </p:spPr>
       </p:pic>
     </p:spTree>
     <p:extLst>
       <p:ext uri="{BB962C8B-B14F-4D97-AF65-F5344CB8AC3E}">
-        <p14:creationId xmlns:p14="http://schemas.microsoft.com/office/powerpoint/2010/main" val="352489279"/>
+        <p14:creationId xmlns:p14="http://schemas.microsoft.com/office/powerpoint/2010/main" val="1267157379"/>
       </p:ext>
     </p:extLst>
   </p:cSld>
@@ -11516,7 +11789,7 @@
           <p:cNvPr id="2" name="Title 1">
             <a:extLst>
               <a:ext uri="{FF2B5EF4-FFF2-40B4-BE49-F238E27FC236}">
-                <a16:creationId xmlns:a16="http://schemas.microsoft.com/office/drawing/2014/main" id="{D26B3BC4-A242-4F8D-8096-93C4D1DAFDB8}"/>
+                <a16:creationId xmlns:a16="http://schemas.microsoft.com/office/drawing/2014/main" id="{596807D5-4408-46DF-8ED3-D7DCBDE3C513}"/>
               </a:ext>
             </a:extLst>
           </p:cNvPr>
@@ -11534,7 +11807,7 @@
           <a:p>
             <a:r>
               <a:rPr lang="en-IN" dirty="0"/>
-              <a:t>EKS-CLUSTER-STEP3</a:t>
+              <a:t>EKS-CLUSTER-STEP2</a:t>
             </a:r>
           </a:p>
         </p:txBody>
@@ -11544,7 +11817,7 @@
           <p:cNvPr id="5" name="Content Placeholder 4">
             <a:extLst>
               <a:ext uri="{FF2B5EF4-FFF2-40B4-BE49-F238E27FC236}">
-                <a16:creationId xmlns:a16="http://schemas.microsoft.com/office/drawing/2014/main" id="{F81C3BB2-FE82-48DB-9436-6931CA9B7D20}"/>
+                <a16:creationId xmlns:a16="http://schemas.microsoft.com/office/drawing/2014/main" id="{67CFF89A-77CC-43ED-9149-79012A27F8AD}"/>
               </a:ext>
             </a:extLst>
           </p:cNvPr>
@@ -11569,15 +11842,15 @@
         </p:blipFill>
         <p:spPr>
           <a:xfrm>
-            <a:off x="838200" y="2118060"/>
-            <a:ext cx="10515600" cy="3766468"/>
+            <a:off x="626287" y="1919010"/>
+            <a:ext cx="5922679" cy="4768786"/>
           </a:xfrm>
         </p:spPr>
       </p:pic>
     </p:spTree>
     <p:extLst>
       <p:ext uri="{BB962C8B-B14F-4D97-AF65-F5344CB8AC3E}">
-        <p14:creationId xmlns:p14="http://schemas.microsoft.com/office/powerpoint/2010/main" val="1735511372"/>
+        <p14:creationId xmlns:p14="http://schemas.microsoft.com/office/powerpoint/2010/main" val="352489279"/>
       </p:ext>
     </p:extLst>
   </p:cSld>
@@ -11609,7 +11882,7 @@
           <p:cNvPr id="2" name="Title 1">
             <a:extLst>
               <a:ext uri="{FF2B5EF4-FFF2-40B4-BE49-F238E27FC236}">
-                <a16:creationId xmlns:a16="http://schemas.microsoft.com/office/drawing/2014/main" id="{8D972BFC-5706-4547-8F2E-2C980537BAEF}"/>
+                <a16:creationId xmlns:a16="http://schemas.microsoft.com/office/drawing/2014/main" id="{D26B3BC4-A242-4F8D-8096-93C4D1DAFDB8}"/>
               </a:ext>
             </a:extLst>
           </p:cNvPr>
@@ -11627,7 +11900,7 @@
           <a:p>
             <a:r>
               <a:rPr lang="en-IN" dirty="0"/>
-              <a:t>EKS-CLUSTER-STEP4</a:t>
+              <a:t>EKS-CLUSTER-STEP3</a:t>
             </a:r>
           </a:p>
         </p:txBody>
@@ -11637,7 +11910,7 @@
           <p:cNvPr id="5" name="Content Placeholder 4">
             <a:extLst>
               <a:ext uri="{FF2B5EF4-FFF2-40B4-BE49-F238E27FC236}">
-                <a16:creationId xmlns:a16="http://schemas.microsoft.com/office/drawing/2014/main" id="{62FA153F-C8CC-46FB-A3C9-1FBEC0023CBC}"/>
+                <a16:creationId xmlns:a16="http://schemas.microsoft.com/office/drawing/2014/main" id="{F81C3BB2-FE82-48DB-9436-6931CA9B7D20}"/>
               </a:ext>
             </a:extLst>
           </p:cNvPr>
@@ -11662,15 +11935,15 @@
         </p:blipFill>
         <p:spPr>
           <a:xfrm>
-            <a:off x="412509" y="1931305"/>
-            <a:ext cx="5775068" cy="4692784"/>
+            <a:off x="838200" y="2118060"/>
+            <a:ext cx="10515600" cy="3766468"/>
           </a:xfrm>
         </p:spPr>
       </p:pic>
     </p:spTree>
     <p:extLst>
       <p:ext uri="{BB962C8B-B14F-4D97-AF65-F5344CB8AC3E}">
-        <p14:creationId xmlns:p14="http://schemas.microsoft.com/office/powerpoint/2010/main" val="1934431482"/>
+        <p14:creationId xmlns:p14="http://schemas.microsoft.com/office/powerpoint/2010/main" val="1735511372"/>
       </p:ext>
     </p:extLst>
   </p:cSld>
@@ -11702,7 +11975,7 @@
           <p:cNvPr id="2" name="Title 1">
             <a:extLst>
               <a:ext uri="{FF2B5EF4-FFF2-40B4-BE49-F238E27FC236}">
-                <a16:creationId xmlns:a16="http://schemas.microsoft.com/office/drawing/2014/main" id="{B90E9A80-6CD1-409E-A085-9BAE6A43D12C}"/>
+                <a16:creationId xmlns:a16="http://schemas.microsoft.com/office/drawing/2014/main" id="{8D972BFC-5706-4547-8F2E-2C980537BAEF}"/>
               </a:ext>
             </a:extLst>
           </p:cNvPr>
@@ -11720,7 +11993,7 @@
           <a:p>
             <a:r>
               <a:rPr lang="en-IN" dirty="0"/>
-              <a:t>EKS-CLUSTER-STEP5</a:t>
+              <a:t>EKS-CLUSTER-STEP4</a:t>
             </a:r>
           </a:p>
         </p:txBody>
@@ -11730,7 +12003,7 @@
           <p:cNvPr id="5" name="Content Placeholder 4">
             <a:extLst>
               <a:ext uri="{FF2B5EF4-FFF2-40B4-BE49-F238E27FC236}">
-                <a16:creationId xmlns:a16="http://schemas.microsoft.com/office/drawing/2014/main" id="{4FB3E627-50CC-4EB8-B1F1-468983595A35}"/>
+                <a16:creationId xmlns:a16="http://schemas.microsoft.com/office/drawing/2014/main" id="{62FA153F-C8CC-46FB-A3C9-1FBEC0023CBC}"/>
               </a:ext>
             </a:extLst>
           </p:cNvPr>
@@ -11755,15 +12028,15 @@
         </p:blipFill>
         <p:spPr>
           <a:xfrm>
-            <a:off x="379874" y="1974543"/>
-            <a:ext cx="6336661" cy="4579837"/>
+            <a:off x="412509" y="1931305"/>
+            <a:ext cx="5775068" cy="4692784"/>
           </a:xfrm>
         </p:spPr>
       </p:pic>
     </p:spTree>
     <p:extLst>
       <p:ext uri="{BB962C8B-B14F-4D97-AF65-F5344CB8AC3E}">
-        <p14:creationId xmlns:p14="http://schemas.microsoft.com/office/powerpoint/2010/main" val="1633703017"/>
+        <p14:creationId xmlns:p14="http://schemas.microsoft.com/office/powerpoint/2010/main" val="1934431482"/>
       </p:ext>
     </p:extLst>
   </p:cSld>
@@ -11795,7 +12068,7 @@
           <p:cNvPr id="2" name="Title 1">
             <a:extLst>
               <a:ext uri="{FF2B5EF4-FFF2-40B4-BE49-F238E27FC236}">
-                <a16:creationId xmlns:a16="http://schemas.microsoft.com/office/drawing/2014/main" id="{31617490-8DFF-4EEB-89F4-AB207C4C846E}"/>
+                <a16:creationId xmlns:a16="http://schemas.microsoft.com/office/drawing/2014/main" id="{B90E9A80-6CD1-409E-A085-9BAE6A43D12C}"/>
               </a:ext>
             </a:extLst>
           </p:cNvPr>
@@ -11813,7 +12086,7 @@
           <a:p>
             <a:r>
               <a:rPr lang="en-IN" dirty="0"/>
-              <a:t>EKS-CLUSTER-STEP6</a:t>
+              <a:t>EKS-CLUSTER-STEP5</a:t>
             </a:r>
           </a:p>
         </p:txBody>
@@ -11823,7 +12096,7 @@
           <p:cNvPr id="5" name="Content Placeholder 4">
             <a:extLst>
               <a:ext uri="{FF2B5EF4-FFF2-40B4-BE49-F238E27FC236}">
-                <a16:creationId xmlns:a16="http://schemas.microsoft.com/office/drawing/2014/main" id="{B73EF184-7248-4F32-B5CB-F8B6B6539814}"/>
+                <a16:creationId xmlns:a16="http://schemas.microsoft.com/office/drawing/2014/main" id="{4FB3E627-50CC-4EB8-B1F1-468983595A35}"/>
               </a:ext>
             </a:extLst>
           </p:cNvPr>
@@ -11848,15 +12121,15 @@
         </p:blipFill>
         <p:spPr>
           <a:xfrm>
-            <a:off x="471115" y="1948638"/>
-            <a:ext cx="7346143" cy="4351338"/>
+            <a:off x="379874" y="1974543"/>
+            <a:ext cx="6336661" cy="4579837"/>
           </a:xfrm>
         </p:spPr>
       </p:pic>
     </p:spTree>
     <p:extLst>
       <p:ext uri="{BB962C8B-B14F-4D97-AF65-F5344CB8AC3E}">
-        <p14:creationId xmlns:p14="http://schemas.microsoft.com/office/powerpoint/2010/main" val="1597998136"/>
+        <p14:creationId xmlns:p14="http://schemas.microsoft.com/office/powerpoint/2010/main" val="1633703017"/>
       </p:ext>
     </p:extLst>
   </p:cSld>

--- a/Jenkins-Deploy-toK8S.pptx
+++ b/Jenkins-Deploy-toK8S.pptx
@@ -5,53 +5,54 @@
     <p:sldMasterId id="2147483648" r:id="rId1"/>
   </p:sldMasterIdLst>
   <p:notesMasterIdLst>
-    <p:notesMasterId r:id="rId46"/>
+    <p:notesMasterId r:id="rId47"/>
   </p:notesMasterIdLst>
   <p:sldIdLst>
     <p:sldId id="256" r:id="rId2"/>
     <p:sldId id="308" r:id="rId3"/>
-    <p:sldId id="279" r:id="rId4"/>
-    <p:sldId id="280" r:id="rId5"/>
-    <p:sldId id="265" r:id="rId6"/>
-    <p:sldId id="266" r:id="rId7"/>
-    <p:sldId id="267" r:id="rId8"/>
-    <p:sldId id="268" r:id="rId9"/>
-    <p:sldId id="269" r:id="rId10"/>
-    <p:sldId id="270" r:id="rId11"/>
-    <p:sldId id="271" r:id="rId12"/>
-    <p:sldId id="272" r:id="rId13"/>
-    <p:sldId id="273" r:id="rId14"/>
-    <p:sldId id="274" r:id="rId15"/>
-    <p:sldId id="275" r:id="rId16"/>
-    <p:sldId id="276" r:id="rId17"/>
-    <p:sldId id="277" r:id="rId18"/>
-    <p:sldId id="283" r:id="rId19"/>
-    <p:sldId id="284" r:id="rId20"/>
-    <p:sldId id="285" r:id="rId21"/>
-    <p:sldId id="286" r:id="rId22"/>
-    <p:sldId id="287" r:id="rId23"/>
-    <p:sldId id="288" r:id="rId24"/>
-    <p:sldId id="289" r:id="rId25"/>
-    <p:sldId id="290" r:id="rId26"/>
-    <p:sldId id="291" r:id="rId27"/>
-    <p:sldId id="292" r:id="rId28"/>
-    <p:sldId id="293" r:id="rId29"/>
-    <p:sldId id="294" r:id="rId30"/>
-    <p:sldId id="295" r:id="rId31"/>
-    <p:sldId id="296" r:id="rId32"/>
-    <p:sldId id="297" r:id="rId33"/>
-    <p:sldId id="298" r:id="rId34"/>
-    <p:sldId id="299" r:id="rId35"/>
-    <p:sldId id="300" r:id="rId36"/>
-    <p:sldId id="303" r:id="rId37"/>
-    <p:sldId id="301" r:id="rId38"/>
-    <p:sldId id="302" r:id="rId39"/>
-    <p:sldId id="282" r:id="rId40"/>
-    <p:sldId id="304" r:id="rId41"/>
-    <p:sldId id="305" r:id="rId42"/>
-    <p:sldId id="306" r:id="rId43"/>
-    <p:sldId id="307" r:id="rId44"/>
-    <p:sldId id="278" r:id="rId45"/>
+    <p:sldId id="309" r:id="rId4"/>
+    <p:sldId id="279" r:id="rId5"/>
+    <p:sldId id="280" r:id="rId6"/>
+    <p:sldId id="265" r:id="rId7"/>
+    <p:sldId id="266" r:id="rId8"/>
+    <p:sldId id="267" r:id="rId9"/>
+    <p:sldId id="268" r:id="rId10"/>
+    <p:sldId id="269" r:id="rId11"/>
+    <p:sldId id="270" r:id="rId12"/>
+    <p:sldId id="271" r:id="rId13"/>
+    <p:sldId id="272" r:id="rId14"/>
+    <p:sldId id="273" r:id="rId15"/>
+    <p:sldId id="274" r:id="rId16"/>
+    <p:sldId id="275" r:id="rId17"/>
+    <p:sldId id="276" r:id="rId18"/>
+    <p:sldId id="277" r:id="rId19"/>
+    <p:sldId id="283" r:id="rId20"/>
+    <p:sldId id="284" r:id="rId21"/>
+    <p:sldId id="285" r:id="rId22"/>
+    <p:sldId id="286" r:id="rId23"/>
+    <p:sldId id="287" r:id="rId24"/>
+    <p:sldId id="288" r:id="rId25"/>
+    <p:sldId id="289" r:id="rId26"/>
+    <p:sldId id="290" r:id="rId27"/>
+    <p:sldId id="291" r:id="rId28"/>
+    <p:sldId id="292" r:id="rId29"/>
+    <p:sldId id="293" r:id="rId30"/>
+    <p:sldId id="294" r:id="rId31"/>
+    <p:sldId id="295" r:id="rId32"/>
+    <p:sldId id="296" r:id="rId33"/>
+    <p:sldId id="297" r:id="rId34"/>
+    <p:sldId id="298" r:id="rId35"/>
+    <p:sldId id="299" r:id="rId36"/>
+    <p:sldId id="300" r:id="rId37"/>
+    <p:sldId id="303" r:id="rId38"/>
+    <p:sldId id="301" r:id="rId39"/>
+    <p:sldId id="302" r:id="rId40"/>
+    <p:sldId id="282" r:id="rId41"/>
+    <p:sldId id="304" r:id="rId42"/>
+    <p:sldId id="305" r:id="rId43"/>
+    <p:sldId id="306" r:id="rId44"/>
+    <p:sldId id="307" r:id="rId45"/>
+    <p:sldId id="278" r:id="rId46"/>
   </p:sldIdLst>
   <p:sldSz cx="12192000" cy="6858000"/>
   <p:notesSz cx="6858000" cy="9144000"/>
@@ -4773,7 +4774,7 @@
           <p:cNvPr id="2" name="Title 1">
             <a:extLst>
               <a:ext uri="{FF2B5EF4-FFF2-40B4-BE49-F238E27FC236}">
-                <a16:creationId xmlns:a16="http://schemas.microsoft.com/office/drawing/2014/main" id="{31617490-8DFF-4EEB-89F4-AB207C4C846E}"/>
+                <a16:creationId xmlns:a16="http://schemas.microsoft.com/office/drawing/2014/main" id="{B90E9A80-6CD1-409E-A085-9BAE6A43D12C}"/>
               </a:ext>
             </a:extLst>
           </p:cNvPr>
@@ -4791,7 +4792,7 @@
           <a:p>
             <a:r>
               <a:rPr lang="en-IN" dirty="0"/>
-              <a:t>EKS-CLUSTER-STEP6</a:t>
+              <a:t>EKS-CLUSTER-STEP5</a:t>
             </a:r>
           </a:p>
         </p:txBody>
@@ -4801,7 +4802,7 @@
           <p:cNvPr id="5" name="Content Placeholder 4">
             <a:extLst>
               <a:ext uri="{FF2B5EF4-FFF2-40B4-BE49-F238E27FC236}">
-                <a16:creationId xmlns:a16="http://schemas.microsoft.com/office/drawing/2014/main" id="{B73EF184-7248-4F32-B5CB-F8B6B6539814}"/>
+                <a16:creationId xmlns:a16="http://schemas.microsoft.com/office/drawing/2014/main" id="{4FB3E627-50CC-4EB8-B1F1-468983595A35}"/>
               </a:ext>
             </a:extLst>
           </p:cNvPr>
@@ -4826,15 +4827,15 @@
         </p:blipFill>
         <p:spPr>
           <a:xfrm>
-            <a:off x="471115" y="1948638"/>
-            <a:ext cx="7346143" cy="4351338"/>
+            <a:off x="379874" y="1974543"/>
+            <a:ext cx="6336661" cy="4579837"/>
           </a:xfrm>
         </p:spPr>
       </p:pic>
     </p:spTree>
     <p:extLst>
       <p:ext uri="{BB962C8B-B14F-4D97-AF65-F5344CB8AC3E}">
-        <p14:creationId xmlns:p14="http://schemas.microsoft.com/office/powerpoint/2010/main" val="1597998136"/>
+        <p14:creationId xmlns:p14="http://schemas.microsoft.com/office/powerpoint/2010/main" val="1633703017"/>
       </p:ext>
     </p:extLst>
   </p:cSld>
@@ -4866,7 +4867,7 @@
           <p:cNvPr id="2" name="Title 1">
             <a:extLst>
               <a:ext uri="{FF2B5EF4-FFF2-40B4-BE49-F238E27FC236}">
-                <a16:creationId xmlns:a16="http://schemas.microsoft.com/office/drawing/2014/main" id="{65952848-6E98-477D-B37B-4BA455CB52FE}"/>
+                <a16:creationId xmlns:a16="http://schemas.microsoft.com/office/drawing/2014/main" id="{31617490-8DFF-4EEB-89F4-AB207C4C846E}"/>
               </a:ext>
             </a:extLst>
           </p:cNvPr>
@@ -4884,7 +4885,7 @@
           <a:p>
             <a:r>
               <a:rPr lang="en-IN" dirty="0"/>
-              <a:t>EKS-CLUSTER-STEP7</a:t>
+              <a:t>EKS-CLUSTER-STEP6</a:t>
             </a:r>
           </a:p>
         </p:txBody>
@@ -4894,7 +4895,7 @@
           <p:cNvPr id="5" name="Content Placeholder 4">
             <a:extLst>
               <a:ext uri="{FF2B5EF4-FFF2-40B4-BE49-F238E27FC236}">
-                <a16:creationId xmlns:a16="http://schemas.microsoft.com/office/drawing/2014/main" id="{A8E5C27A-1AD4-44A6-AA8D-F2DE89211799}"/>
+                <a16:creationId xmlns:a16="http://schemas.microsoft.com/office/drawing/2014/main" id="{B73EF184-7248-4F32-B5CB-F8B6B6539814}"/>
               </a:ext>
             </a:extLst>
           </p:cNvPr>
@@ -4919,15 +4920,15 @@
         </p:blipFill>
         <p:spPr>
           <a:xfrm>
-            <a:off x="476912" y="1940438"/>
-            <a:ext cx="7892210" cy="4351338"/>
+            <a:off x="471115" y="1948638"/>
+            <a:ext cx="7346143" cy="4351338"/>
           </a:xfrm>
         </p:spPr>
       </p:pic>
     </p:spTree>
     <p:extLst>
       <p:ext uri="{BB962C8B-B14F-4D97-AF65-F5344CB8AC3E}">
-        <p14:creationId xmlns:p14="http://schemas.microsoft.com/office/powerpoint/2010/main" val="1971223167"/>
+        <p14:creationId xmlns:p14="http://schemas.microsoft.com/office/powerpoint/2010/main" val="1597998136"/>
       </p:ext>
     </p:extLst>
   </p:cSld>
@@ -4959,7 +4960,7 @@
           <p:cNvPr id="2" name="Title 1">
             <a:extLst>
               <a:ext uri="{FF2B5EF4-FFF2-40B4-BE49-F238E27FC236}">
-                <a16:creationId xmlns:a16="http://schemas.microsoft.com/office/drawing/2014/main" id="{07284A46-939F-4201-B5B1-D7D62A00126C}"/>
+                <a16:creationId xmlns:a16="http://schemas.microsoft.com/office/drawing/2014/main" id="{65952848-6E98-477D-B37B-4BA455CB52FE}"/>
               </a:ext>
             </a:extLst>
           </p:cNvPr>
@@ -4977,7 +4978,7 @@
           <a:p>
             <a:r>
               <a:rPr lang="en-IN" dirty="0"/>
-              <a:t>EKS-CLUSTER-STEP8</a:t>
+              <a:t>EKS-CLUSTER-STEP7</a:t>
             </a:r>
           </a:p>
         </p:txBody>
@@ -4987,7 +4988,7 @@
           <p:cNvPr id="5" name="Content Placeholder 4">
             <a:extLst>
               <a:ext uri="{FF2B5EF4-FFF2-40B4-BE49-F238E27FC236}">
-                <a16:creationId xmlns:a16="http://schemas.microsoft.com/office/drawing/2014/main" id="{FE52AAA0-9AC6-4E0A-8288-7387D22E9D84}"/>
+                <a16:creationId xmlns:a16="http://schemas.microsoft.com/office/drawing/2014/main" id="{A8E5C27A-1AD4-44A6-AA8D-F2DE89211799}"/>
               </a:ext>
             </a:extLst>
           </p:cNvPr>
@@ -5012,15 +5013,15 @@
         </p:blipFill>
         <p:spPr>
           <a:xfrm>
-            <a:off x="477360" y="1891017"/>
-            <a:ext cx="7375480" cy="4814550"/>
+            <a:off x="476912" y="1940438"/>
+            <a:ext cx="7892210" cy="4351338"/>
           </a:xfrm>
         </p:spPr>
       </p:pic>
     </p:spTree>
     <p:extLst>
       <p:ext uri="{BB962C8B-B14F-4D97-AF65-F5344CB8AC3E}">
-        <p14:creationId xmlns:p14="http://schemas.microsoft.com/office/powerpoint/2010/main" val="577068044"/>
+        <p14:creationId xmlns:p14="http://schemas.microsoft.com/office/powerpoint/2010/main" val="1971223167"/>
       </p:ext>
     </p:extLst>
   </p:cSld>
@@ -5052,7 +5053,7 @@
           <p:cNvPr id="2" name="Title 1">
             <a:extLst>
               <a:ext uri="{FF2B5EF4-FFF2-40B4-BE49-F238E27FC236}">
-                <a16:creationId xmlns:a16="http://schemas.microsoft.com/office/drawing/2014/main" id="{BA84232C-03B7-40F8-A6C7-76B6ABE6E9C9}"/>
+                <a16:creationId xmlns:a16="http://schemas.microsoft.com/office/drawing/2014/main" id="{07284A46-939F-4201-B5B1-D7D62A00126C}"/>
               </a:ext>
             </a:extLst>
           </p:cNvPr>
@@ -5070,7 +5071,7 @@
           <a:p>
             <a:r>
               <a:rPr lang="en-IN" dirty="0"/>
-              <a:t>EKS-CLUSTER-STEP9</a:t>
+              <a:t>EKS-CLUSTER-STEP8</a:t>
             </a:r>
           </a:p>
         </p:txBody>
@@ -5080,7 +5081,7 @@
           <p:cNvPr id="5" name="Content Placeholder 4">
             <a:extLst>
               <a:ext uri="{FF2B5EF4-FFF2-40B4-BE49-F238E27FC236}">
-                <a16:creationId xmlns:a16="http://schemas.microsoft.com/office/drawing/2014/main" id="{A50392B4-0127-4E57-A969-9C03729118DC}"/>
+                <a16:creationId xmlns:a16="http://schemas.microsoft.com/office/drawing/2014/main" id="{FE52AAA0-9AC6-4E0A-8288-7387D22E9D84}"/>
               </a:ext>
             </a:extLst>
           </p:cNvPr>
@@ -5105,15 +5106,15 @@
         </p:blipFill>
         <p:spPr>
           <a:xfrm>
-            <a:off x="469577" y="1997844"/>
-            <a:ext cx="9342037" cy="4351338"/>
+            <a:off x="477360" y="1891017"/>
+            <a:ext cx="7375480" cy="4814550"/>
           </a:xfrm>
         </p:spPr>
       </p:pic>
     </p:spTree>
     <p:extLst>
       <p:ext uri="{BB962C8B-B14F-4D97-AF65-F5344CB8AC3E}">
-        <p14:creationId xmlns:p14="http://schemas.microsoft.com/office/powerpoint/2010/main" val="3090898803"/>
+        <p14:creationId xmlns:p14="http://schemas.microsoft.com/office/powerpoint/2010/main" val="577068044"/>
       </p:ext>
     </p:extLst>
   </p:cSld>
@@ -5145,7 +5146,7 @@
           <p:cNvPr id="2" name="Title 1">
             <a:extLst>
               <a:ext uri="{FF2B5EF4-FFF2-40B4-BE49-F238E27FC236}">
-                <a16:creationId xmlns:a16="http://schemas.microsoft.com/office/drawing/2014/main" id="{1DC6F493-E4F1-4C84-8CED-DAE2F6001911}"/>
+                <a16:creationId xmlns:a16="http://schemas.microsoft.com/office/drawing/2014/main" id="{BA84232C-03B7-40F8-A6C7-76B6ABE6E9C9}"/>
               </a:ext>
             </a:extLst>
           </p:cNvPr>
@@ -5163,7 +5164,7 @@
           <a:p>
             <a:r>
               <a:rPr lang="en-IN" dirty="0"/>
-              <a:t>EKS-CLUSTER-STEP10</a:t>
+              <a:t>EKS-CLUSTER-STEP9</a:t>
             </a:r>
           </a:p>
         </p:txBody>
@@ -5173,7 +5174,7 @@
           <p:cNvPr id="5" name="Content Placeholder 4">
             <a:extLst>
               <a:ext uri="{FF2B5EF4-FFF2-40B4-BE49-F238E27FC236}">
-                <a16:creationId xmlns:a16="http://schemas.microsoft.com/office/drawing/2014/main" id="{DB985E5E-036B-48BB-BC12-6CDF33BA089A}"/>
+                <a16:creationId xmlns:a16="http://schemas.microsoft.com/office/drawing/2014/main" id="{A50392B4-0127-4E57-A969-9C03729118DC}"/>
               </a:ext>
             </a:extLst>
           </p:cNvPr>
@@ -5198,15 +5199,15 @@
         </p:blipFill>
         <p:spPr>
           <a:xfrm>
-            <a:off x="428155" y="1907391"/>
-            <a:ext cx="10515600" cy="3999186"/>
+            <a:off x="469577" y="1997844"/>
+            <a:ext cx="9342037" cy="4351338"/>
           </a:xfrm>
         </p:spPr>
       </p:pic>
     </p:spTree>
     <p:extLst>
       <p:ext uri="{BB962C8B-B14F-4D97-AF65-F5344CB8AC3E}">
-        <p14:creationId xmlns:p14="http://schemas.microsoft.com/office/powerpoint/2010/main" val="506232370"/>
+        <p14:creationId xmlns:p14="http://schemas.microsoft.com/office/powerpoint/2010/main" val="3090898803"/>
       </p:ext>
     </p:extLst>
   </p:cSld>
@@ -5238,6 +5239,99 @@
           <p:cNvPr id="2" name="Title 1">
             <a:extLst>
               <a:ext uri="{FF2B5EF4-FFF2-40B4-BE49-F238E27FC236}">
+                <a16:creationId xmlns:a16="http://schemas.microsoft.com/office/drawing/2014/main" id="{1DC6F493-E4F1-4C84-8CED-DAE2F6001911}"/>
+              </a:ext>
+            </a:extLst>
+          </p:cNvPr>
+          <p:cNvSpPr>
+            <a:spLocks noGrp="1"/>
+          </p:cNvSpPr>
+          <p:nvPr>
+            <p:ph type="title"/>
+          </p:nvPr>
+        </p:nvSpPr>
+        <p:spPr/>
+        <p:txBody>
+          <a:bodyPr/>
+          <a:lstStyle/>
+          <a:p>
+            <a:r>
+              <a:rPr lang="en-IN" dirty="0"/>
+              <a:t>EKS-CLUSTER-STEP10</a:t>
+            </a:r>
+          </a:p>
+        </p:txBody>
+      </p:sp>
+      <p:pic>
+        <p:nvPicPr>
+          <p:cNvPr id="5" name="Content Placeholder 4">
+            <a:extLst>
+              <a:ext uri="{FF2B5EF4-FFF2-40B4-BE49-F238E27FC236}">
+                <a16:creationId xmlns:a16="http://schemas.microsoft.com/office/drawing/2014/main" id="{DB985E5E-036B-48BB-BC12-6CDF33BA089A}"/>
+              </a:ext>
+            </a:extLst>
+          </p:cNvPr>
+          <p:cNvPicPr>
+            <a:picLocks noGrp="1" noChangeAspect="1"/>
+          </p:cNvPicPr>
+          <p:nvPr>
+            <p:ph idx="1"/>
+          </p:nvPr>
+        </p:nvPicPr>
+        <p:blipFill>
+          <a:blip r:embed="rId2">
+            <a:extLst>
+              <a:ext uri="{28A0092B-C50C-407E-A947-70E740481C1C}">
+                <a14:useLocalDpi xmlns:a14="http://schemas.microsoft.com/office/drawing/2010/main" val="0"/>
+              </a:ext>
+            </a:extLst>
+          </a:blip>
+          <a:stretch>
+            <a:fillRect/>
+          </a:stretch>
+        </p:blipFill>
+        <p:spPr>
+          <a:xfrm>
+            <a:off x="428155" y="1907391"/>
+            <a:ext cx="10515600" cy="3999186"/>
+          </a:xfrm>
+        </p:spPr>
+      </p:pic>
+    </p:spTree>
+    <p:extLst>
+      <p:ext uri="{BB962C8B-B14F-4D97-AF65-F5344CB8AC3E}">
+        <p14:creationId xmlns:p14="http://schemas.microsoft.com/office/powerpoint/2010/main" val="506232370"/>
+      </p:ext>
+    </p:extLst>
+  </p:cSld>
+  <p:clrMapOvr>
+    <a:masterClrMapping/>
+  </p:clrMapOvr>
+</p:sld>
+</file>
+
+<file path=ppt/slides/slide16.xml><?xml version="1.0" encoding="utf-8"?>
+<p:sld xmlns:a="http://schemas.openxmlformats.org/drawingml/2006/main" xmlns:r="http://schemas.openxmlformats.org/officeDocument/2006/relationships" xmlns:p="http://schemas.openxmlformats.org/presentationml/2006/main">
+  <p:cSld>
+    <p:spTree>
+      <p:nvGrpSpPr>
+        <p:cNvPr id="1" name=""/>
+        <p:cNvGrpSpPr/>
+        <p:nvPr/>
+      </p:nvGrpSpPr>
+      <p:grpSpPr>
+        <a:xfrm>
+          <a:off x="0" y="0"/>
+          <a:ext cx="0" cy="0"/>
+          <a:chOff x="0" y="0"/>
+          <a:chExt cx="0" cy="0"/>
+        </a:xfrm>
+      </p:grpSpPr>
+      <p:sp>
+        <p:nvSpPr>
+          <p:cNvPr id="2" name="Title 1">
+            <a:extLst>
+              <a:ext uri="{FF2B5EF4-FFF2-40B4-BE49-F238E27FC236}">
                 <a16:creationId xmlns:a16="http://schemas.microsoft.com/office/drawing/2014/main" id="{75486AD1-DF72-4EFE-9F05-8CE9F6CF5CCF}"/>
               </a:ext>
             </a:extLst>
@@ -5309,7 +5403,7 @@
 </p:sld>
 </file>
 
-<file path=ppt/slides/slide16.xml><?xml version="1.0" encoding="utf-8"?>
+<file path=ppt/slides/slide17.xml><?xml version="1.0" encoding="utf-8"?>
 <p:sld xmlns:a="http://schemas.openxmlformats.org/drawingml/2006/main" xmlns:r="http://schemas.openxmlformats.org/officeDocument/2006/relationships" xmlns:p="http://schemas.openxmlformats.org/presentationml/2006/main">
   <p:cSld>
     <p:spTree>
@@ -5452,7 +5546,7 @@
 </p:sld>
 </file>
 
-<file path=ppt/slides/slide17.xml><?xml version="1.0" encoding="utf-8"?>
+<file path=ppt/slides/slide18.xml><?xml version="1.0" encoding="utf-8"?>
 <p:sld xmlns:a="http://schemas.openxmlformats.org/drawingml/2006/main" xmlns:r="http://schemas.openxmlformats.org/officeDocument/2006/relationships" xmlns:p="http://schemas.openxmlformats.org/presentationml/2006/main">
   <p:cSld>
     <p:spTree>
@@ -5631,228 +5725,6 @@
 </p:sld>
 </file>
 
-<file path=ppt/slides/slide18.xml><?xml version="1.0" encoding="utf-8"?>
-<p:sld xmlns:a="http://schemas.openxmlformats.org/drawingml/2006/main" xmlns:r="http://schemas.openxmlformats.org/officeDocument/2006/relationships" xmlns:p="http://schemas.openxmlformats.org/presentationml/2006/main">
-  <p:cSld>
-    <p:spTree>
-      <p:nvGrpSpPr>
-        <p:cNvPr id="1" name=""/>
-        <p:cNvGrpSpPr/>
-        <p:nvPr/>
-      </p:nvGrpSpPr>
-      <p:grpSpPr>
-        <a:xfrm>
-          <a:off x="0" y="0"/>
-          <a:ext cx="0" cy="0"/>
-          <a:chOff x="0" y="0"/>
-          <a:chExt cx="0" cy="0"/>
-        </a:xfrm>
-      </p:grpSpPr>
-      <p:sp>
-        <p:nvSpPr>
-          <p:cNvPr id="2" name="Title 1">
-            <a:extLst>
-              <a:ext uri="{FF2B5EF4-FFF2-40B4-BE49-F238E27FC236}">
-                <a16:creationId xmlns:a16="http://schemas.microsoft.com/office/drawing/2014/main" id="{7E087AE3-CD53-4D13-9C8C-5B8160983813}"/>
-              </a:ext>
-            </a:extLst>
-          </p:cNvPr>
-          <p:cNvSpPr>
-            <a:spLocks noGrp="1"/>
-          </p:cNvSpPr>
-          <p:nvPr>
-            <p:ph type="title"/>
-          </p:nvPr>
-        </p:nvSpPr>
-        <p:spPr/>
-        <p:txBody>
-          <a:bodyPr/>
-          <a:lstStyle/>
-          <a:p>
-            <a:r>
-              <a:rPr lang="en-IN" dirty="0"/>
-              <a:t>Install Docker Instance on EC2</a:t>
-            </a:r>
-          </a:p>
-        </p:txBody>
-      </p:sp>
-      <p:sp>
-        <p:nvSpPr>
-          <p:cNvPr id="3" name="Content Placeholder 2">
-            <a:extLst>
-              <a:ext uri="{FF2B5EF4-FFF2-40B4-BE49-F238E27FC236}">
-                <a16:creationId xmlns:a16="http://schemas.microsoft.com/office/drawing/2014/main" id="{1EFA6A17-91E2-4822-AB0D-F168CEFE4C54}"/>
-              </a:ext>
-            </a:extLst>
-          </p:cNvPr>
-          <p:cNvSpPr>
-            <a:spLocks noGrp="1"/>
-          </p:cNvSpPr>
-          <p:nvPr>
-            <p:ph idx="1"/>
-          </p:nvPr>
-        </p:nvSpPr>
-        <p:spPr/>
-        <p:txBody>
-          <a:bodyPr>
-            <a:normAutofit/>
-          </a:bodyPr>
-          <a:lstStyle/>
-          <a:p>
-            <a:r>
-              <a:rPr lang="en-IN" dirty="0">
-                <a:hlinkClick r:id="rId2"/>
-              </a:rPr>
-              <a:t>https://docs.docker.com/engine/install/ubuntu/</a:t>
-            </a:r>
-            <a:endParaRPr lang="en-IN" dirty="0"/>
-          </a:p>
-          <a:p>
-            <a:r>
-              <a:rPr lang="en-IN" dirty="0"/>
-              <a:t>$ </a:t>
-            </a:r>
-            <a:r>
-              <a:rPr lang="en-IN" dirty="0" err="1"/>
-              <a:t>sudo</a:t>
-            </a:r>
-            <a:r>
-              <a:rPr lang="en-IN" dirty="0"/>
-              <a:t> apt-get update</a:t>
-            </a:r>
-          </a:p>
-          <a:p>
-            <a:r>
-              <a:rPr lang="en-IN" dirty="0"/>
-              <a:t>$ </a:t>
-            </a:r>
-            <a:r>
-              <a:rPr lang="en-US" dirty="0" err="1"/>
-              <a:t>sudo</a:t>
-            </a:r>
-            <a:r>
-              <a:rPr lang="en-US" dirty="0"/>
-              <a:t> apt-get install \</a:t>
-            </a:r>
-          </a:p>
-          <a:p>
-            <a:pPr marL="0" indent="0">
-              <a:buNone/>
-            </a:pPr>
-            <a:r>
-              <a:rPr lang="en-US" dirty="0"/>
-              <a:t>      ca-certificates \</a:t>
-            </a:r>
-          </a:p>
-          <a:p>
-            <a:pPr marL="0" indent="0">
-              <a:buNone/>
-            </a:pPr>
-            <a:r>
-              <a:rPr lang="en-US" dirty="0"/>
-              <a:t>      curl \</a:t>
-            </a:r>
-          </a:p>
-          <a:p>
-            <a:pPr marL="0" indent="0">
-              <a:buNone/>
-            </a:pPr>
-            <a:r>
-              <a:rPr lang="en-US" dirty="0"/>
-              <a:t>      </a:t>
-            </a:r>
-            <a:r>
-              <a:rPr lang="en-US" dirty="0" err="1"/>
-              <a:t>gnupg</a:t>
-            </a:r>
-            <a:r>
-              <a:rPr lang="en-US" dirty="0"/>
-              <a:t> \</a:t>
-            </a:r>
-          </a:p>
-          <a:p>
-            <a:pPr marL="0" indent="0">
-              <a:buNone/>
-            </a:pPr>
-            <a:r>
-              <a:rPr lang="en-US" dirty="0"/>
-              <a:t>      </a:t>
-            </a:r>
-            <a:r>
-              <a:rPr lang="en-US" dirty="0" err="1"/>
-              <a:t>lsb</a:t>
-            </a:r>
-            <a:r>
-              <a:rPr lang="en-US" dirty="0"/>
-              <a:t>-release</a:t>
-            </a:r>
-          </a:p>
-          <a:p>
-            <a:r>
-              <a:rPr lang="en-IN" dirty="0"/>
-              <a:t>$ curl -</a:t>
-            </a:r>
-            <a:r>
-              <a:rPr lang="en-IN" dirty="0" err="1"/>
-              <a:t>fsSL</a:t>
-            </a:r>
-            <a:r>
-              <a:rPr lang="en-IN" dirty="0"/>
-              <a:t> https://download.docker.com/linux/ubuntu/gpg | </a:t>
-            </a:r>
-            <a:r>
-              <a:rPr lang="en-IN" dirty="0" err="1"/>
-              <a:t>sudo</a:t>
-            </a:r>
-            <a:r>
-              <a:rPr lang="en-IN" dirty="0"/>
-              <a:t>  </a:t>
-            </a:r>
-            <a:r>
-              <a:rPr lang="en-IN" dirty="0" err="1"/>
-              <a:t>gpg</a:t>
-            </a:r>
-            <a:r>
-              <a:rPr lang="en-IN" dirty="0"/>
-              <a:t> --</a:t>
-            </a:r>
-            <a:r>
-              <a:rPr lang="en-IN" dirty="0" err="1"/>
-              <a:t>dearmor</a:t>
-            </a:r>
-            <a:r>
-              <a:rPr lang="en-IN" dirty="0"/>
-              <a:t> -o /</a:t>
-            </a:r>
-            <a:r>
-              <a:rPr lang="en-IN" dirty="0" err="1"/>
-              <a:t>usr</a:t>
-            </a:r>
-            <a:r>
-              <a:rPr lang="en-IN" dirty="0"/>
-              <a:t>/share/keyrings/docker-archive-</a:t>
-            </a:r>
-            <a:r>
-              <a:rPr lang="en-IN" dirty="0" err="1"/>
-              <a:t>keyring.gpg</a:t>
-            </a:r>
-            <a:endParaRPr lang="en-IN" dirty="0"/>
-          </a:p>
-        </p:txBody>
-      </p:sp>
-    </p:spTree>
-    <p:extLst>
-      <p:ext uri="{BB962C8B-B14F-4D97-AF65-F5344CB8AC3E}">
-        <p14:creationId xmlns:p14="http://schemas.microsoft.com/office/powerpoint/2010/main" val="2088182199"/>
-      </p:ext>
-    </p:extLst>
-  </p:cSld>
-  <p:clrMapOvr>
-    <a:masterClrMapping/>
-  </p:clrMapOvr>
-</p:sld>
-</file>
-
 <file path=ppt/slides/slide19.xml><?xml version="1.0" encoding="utf-8"?>
 <p:sld xmlns:a="http://schemas.openxmlformats.org/drawingml/2006/main" xmlns:r="http://schemas.openxmlformats.org/officeDocument/2006/relationships" xmlns:p="http://schemas.openxmlformats.org/presentationml/2006/main">
   <p:cSld>
@@ -5875,7 +5747,7 @@
           <p:cNvPr id="2" name="Title 1">
             <a:extLst>
               <a:ext uri="{FF2B5EF4-FFF2-40B4-BE49-F238E27FC236}">
-                <a16:creationId xmlns:a16="http://schemas.microsoft.com/office/drawing/2014/main" id="{00CDF85D-E912-44CE-A1AA-B5D0E759A891}"/>
+                <a16:creationId xmlns:a16="http://schemas.microsoft.com/office/drawing/2014/main" id="{7E087AE3-CD53-4D13-9C8C-5B8160983813}"/>
               </a:ext>
             </a:extLst>
           </p:cNvPr>
@@ -5893,13 +5765,8 @@
           <a:p>
             <a:r>
               <a:rPr lang="en-IN" dirty="0"/>
-              <a:t>Docker -</a:t>
-            </a:r>
-            <a:r>
-              <a:rPr lang="en-IN" dirty="0" err="1"/>
-              <a:t>contd</a:t>
-            </a:r>
-            <a:endParaRPr lang="en-IN" dirty="0"/>
+              <a:t>Install Docker Instance on EC2</a:t>
+            </a:r>
           </a:p>
         </p:txBody>
       </p:sp>
@@ -5908,7 +5775,7 @@
           <p:cNvPr id="3" name="Content Placeholder 2">
             <a:extLst>
               <a:ext uri="{FF2B5EF4-FFF2-40B4-BE49-F238E27FC236}">
-                <a16:creationId xmlns:a16="http://schemas.microsoft.com/office/drawing/2014/main" id="{0BD33A82-B9FB-45C2-AF26-D5B2728368B7}"/>
+                <a16:creationId xmlns:a16="http://schemas.microsoft.com/office/drawing/2014/main" id="{1EFA6A17-91E2-4822-AB0D-F168CEFE4C54}"/>
               </a:ext>
             </a:extLst>
           </p:cNvPr>
@@ -5927,8 +5794,39 @@
           <a:lstStyle/>
           <a:p>
             <a:r>
+              <a:rPr lang="en-IN" dirty="0">
+                <a:hlinkClick r:id="rId2"/>
+              </a:rPr>
+              <a:t>https://docs.docker.com/engine/install/ubuntu/</a:t>
+            </a:r>
+            <a:endParaRPr lang="en-IN" dirty="0"/>
+          </a:p>
+          <a:p>
+            <a:r>
               <a:rPr lang="en-IN" dirty="0"/>
-              <a:t>echo \</a:t>
+              <a:t>$ </a:t>
+            </a:r>
+            <a:r>
+              <a:rPr lang="en-IN" dirty="0" err="1"/>
+              <a:t>sudo</a:t>
+            </a:r>
+            <a:r>
+              <a:rPr lang="en-IN" dirty="0"/>
+              <a:t> apt-get update</a:t>
+            </a:r>
+          </a:p>
+          <a:p>
+            <a:r>
+              <a:rPr lang="en-IN" dirty="0"/>
+              <a:t>$ </a:t>
+            </a:r>
+            <a:r>
+              <a:rPr lang="en-US" dirty="0" err="1"/>
+              <a:t>sudo</a:t>
+            </a:r>
+            <a:r>
+              <a:rPr lang="en-US" dirty="0"/>
+              <a:t> apt-get install \</a:t>
             </a:r>
           </a:p>
           <a:p>
@@ -5936,32 +5834,8 @@
               <a:buNone/>
             </a:pPr>
             <a:r>
-              <a:rPr lang="en-IN" dirty="0"/>
-              <a:t>  "deb [arch=$(</a:t>
-            </a:r>
-            <a:r>
-              <a:rPr lang="en-IN" dirty="0" err="1"/>
-              <a:t>dpkg</a:t>
-            </a:r>
-            <a:r>
-              <a:rPr lang="en-IN" dirty="0"/>
-              <a:t> --print-architecture) signed-by=/</a:t>
-            </a:r>
-            <a:r>
-              <a:rPr lang="en-IN" dirty="0" err="1"/>
-              <a:t>usr</a:t>
-            </a:r>
-            <a:r>
-              <a:rPr lang="en-IN" dirty="0"/>
-              <a:t>/share/keyrings/docker-archive-</a:t>
-            </a:r>
-            <a:r>
-              <a:rPr lang="en-IN" dirty="0" err="1"/>
-              <a:t>keyring.gpg</a:t>
-            </a:r>
-            <a:r>
-              <a:rPr lang="en-IN" dirty="0"/>
-              <a:t>] https://download.docker.com/linux/ubuntu \</a:t>
+              <a:rPr lang="en-US" dirty="0"/>
+              <a:t>      ca-certificates \</a:t>
             </a:r>
           </a:p>
           <a:p>
@@ -5969,40 +5843,8 @@
               <a:buNone/>
             </a:pPr>
             <a:r>
-              <a:rPr lang="en-IN" dirty="0"/>
-              <a:t>  $(</a:t>
-            </a:r>
-            <a:r>
-              <a:rPr lang="en-IN" dirty="0" err="1"/>
-              <a:t>lsb_release</a:t>
-            </a:r>
-            <a:r>
-              <a:rPr lang="en-IN" dirty="0"/>
-              <a:t> -cs) stable" | </a:t>
-            </a:r>
-            <a:r>
-              <a:rPr lang="en-IN" dirty="0" err="1"/>
-              <a:t>sudo</a:t>
-            </a:r>
-            <a:r>
-              <a:rPr lang="en-IN" dirty="0"/>
-              <a:t> tee /etc/apt/</a:t>
-            </a:r>
-            <a:r>
-              <a:rPr lang="en-IN" dirty="0" err="1"/>
-              <a:t>sources.list.d</a:t>
-            </a:r>
-            <a:r>
-              <a:rPr lang="en-IN" dirty="0"/>
-              <a:t>/</a:t>
-            </a:r>
-            <a:r>
-              <a:rPr lang="en-IN" dirty="0" err="1"/>
-              <a:t>docker.list</a:t>
-            </a:r>
-            <a:r>
-              <a:rPr lang="en-IN" dirty="0"/>
-              <a:t> &gt; /dev/null</a:t>
+              <a:rPr lang="en-US" dirty="0"/>
+              <a:t>      curl \</a:t>
             </a:r>
           </a:p>
           <a:p>
@@ -6010,12 +5852,16 @@
               <a:buNone/>
             </a:pPr>
             <a:r>
-              <a:rPr lang="en-IN" dirty="0" err="1"/>
-              <a:t>sudo</a:t>
-            </a:r>
-            <a:r>
-              <a:rPr lang="en-IN" dirty="0"/>
-              <a:t> apt-get update</a:t>
+              <a:rPr lang="en-US" dirty="0"/>
+              <a:t>      </a:t>
+            </a:r>
+            <a:r>
+              <a:rPr lang="en-US" dirty="0" err="1"/>
+              <a:t>gnupg</a:t>
+            </a:r>
+            <a:r>
+              <a:rPr lang="en-US" dirty="0"/>
+              <a:t> \</a:t>
             </a:r>
           </a:p>
           <a:p>
@@ -6023,34 +5869,75 @@
               <a:buNone/>
             </a:pPr>
             <a:r>
-              <a:rPr lang="fr-FR" dirty="0" err="1"/>
+              <a:rPr lang="en-US" dirty="0"/>
+              <a:t>      </a:t>
+            </a:r>
+            <a:r>
+              <a:rPr lang="en-US" dirty="0" err="1"/>
+              <a:t>lsb</a:t>
+            </a:r>
+            <a:r>
+              <a:rPr lang="en-US" dirty="0"/>
+              <a:t>-release</a:t>
+            </a:r>
+          </a:p>
+          <a:p>
+            <a:r>
+              <a:rPr lang="en-IN" dirty="0"/>
+              <a:t>$ curl -</a:t>
+            </a:r>
+            <a:r>
+              <a:rPr lang="en-IN" dirty="0" err="1"/>
+              <a:t>fsSL</a:t>
+            </a:r>
+            <a:r>
+              <a:rPr lang="en-IN" dirty="0"/>
+              <a:t> https://download.docker.com/linux/ubuntu/gpg | </a:t>
+            </a:r>
+            <a:r>
+              <a:rPr lang="en-IN" dirty="0" err="1"/>
               <a:t>sudo</a:t>
             </a:r>
             <a:r>
-              <a:rPr lang="fr-FR" dirty="0"/>
-              <a:t> apt-get </a:t>
-            </a:r>
-            <a:r>
-              <a:rPr lang="fr-FR" dirty="0" err="1"/>
-              <a:t>install</a:t>
-            </a:r>
-            <a:r>
-              <a:rPr lang="fr-FR" dirty="0"/>
-              <a:t> docker-ce docker-ce-cli containerd.io</a:t>
-            </a:r>
-          </a:p>
-          <a:p>
-            <a:r>
               <a:rPr lang="en-IN" dirty="0"/>
-              <a:t>https://www.digitalocean.com/community/questions/how-to-fix-docker-got-permission-denied-while-trying-to-connect-to-the-docker-daemon-socket</a:t>
-            </a:r>
+              <a:t>  </a:t>
+            </a:r>
+            <a:r>
+              <a:rPr lang="en-IN" dirty="0" err="1"/>
+              <a:t>gpg</a:t>
+            </a:r>
+            <a:r>
+              <a:rPr lang="en-IN" dirty="0"/>
+              <a:t> --</a:t>
+            </a:r>
+            <a:r>
+              <a:rPr lang="en-IN" dirty="0" err="1"/>
+              <a:t>dearmor</a:t>
+            </a:r>
+            <a:r>
+              <a:rPr lang="en-IN" dirty="0"/>
+              <a:t> -o /</a:t>
+            </a:r>
+            <a:r>
+              <a:rPr lang="en-IN" dirty="0" err="1"/>
+              <a:t>usr</a:t>
+            </a:r>
+            <a:r>
+              <a:rPr lang="en-IN" dirty="0"/>
+              <a:t>/share/keyrings/docker-archive-</a:t>
+            </a:r>
+            <a:r>
+              <a:rPr lang="en-IN" dirty="0" err="1"/>
+              <a:t>keyring.gpg</a:t>
+            </a:r>
+            <a:endParaRPr lang="en-IN" dirty="0"/>
           </a:p>
         </p:txBody>
       </p:sp>
     </p:spTree>
     <p:extLst>
       <p:ext uri="{BB962C8B-B14F-4D97-AF65-F5344CB8AC3E}">
-        <p14:creationId xmlns:p14="http://schemas.microsoft.com/office/powerpoint/2010/main" val="3083704823"/>
+        <p14:creationId xmlns:p14="http://schemas.microsoft.com/office/powerpoint/2010/main" val="2088182199"/>
       </p:ext>
     </p:extLst>
   </p:cSld>
@@ -6325,7 +6212,7 @@
           <p:cNvPr id="2" name="Title 1">
             <a:extLst>
               <a:ext uri="{FF2B5EF4-FFF2-40B4-BE49-F238E27FC236}">
-                <a16:creationId xmlns:a16="http://schemas.microsoft.com/office/drawing/2014/main" id="{D6C809C2-B401-485A-8F0E-417537923180}"/>
+                <a16:creationId xmlns:a16="http://schemas.microsoft.com/office/drawing/2014/main" id="{00CDF85D-E912-44CE-A1AA-B5D0E759A891}"/>
               </a:ext>
             </a:extLst>
           </p:cNvPr>
@@ -6343,8 +6230,13 @@
           <a:p>
             <a:r>
               <a:rPr lang="en-IN" dirty="0"/>
-              <a:t>Install JDK</a:t>
-            </a:r>
+              <a:t>Docker -</a:t>
+            </a:r>
+            <a:r>
+              <a:rPr lang="en-IN" dirty="0" err="1"/>
+              <a:t>contd</a:t>
+            </a:r>
+            <a:endParaRPr lang="en-IN" dirty="0"/>
           </a:p>
         </p:txBody>
       </p:sp>
@@ -6353,7 +6245,7 @@
           <p:cNvPr id="3" name="Content Placeholder 2">
             <a:extLst>
               <a:ext uri="{FF2B5EF4-FFF2-40B4-BE49-F238E27FC236}">
-                <a16:creationId xmlns:a16="http://schemas.microsoft.com/office/drawing/2014/main" id="{1335C688-06F7-467F-AA2B-13997B7AF3DE}"/>
+                <a16:creationId xmlns:a16="http://schemas.microsoft.com/office/drawing/2014/main" id="{0BD33A82-B9FB-45C2-AF26-D5B2728368B7}"/>
               </a:ext>
             </a:extLst>
           </p:cNvPr>
@@ -6366,89 +6258,136 @@
         </p:nvSpPr>
         <p:spPr/>
         <p:txBody>
-          <a:bodyPr/>
-          <a:lstStyle/>
-          <a:p>
-            <a:r>
-              <a:rPr lang="en-US" b="0" i="0" dirty="0">
-                <a:effectLst/>
-                <a:latin typeface="Metropolis"/>
-              </a:rPr>
-              <a:t>Now before we do the JDK installation lets first update the package manager of the virtual machine –</a:t>
-            </a:r>
-          </a:p>
-          <a:p>
-            <a:r>
-              <a:rPr lang="en-IN" b="0" i="0" dirty="0" err="1">
-                <a:effectLst/>
-                <a:latin typeface="Monaco"/>
-              </a:rPr>
+          <a:bodyPr>
+            <a:normAutofit/>
+          </a:bodyPr>
+          <a:lstStyle/>
+          <a:p>
+            <a:r>
+              <a:rPr lang="en-IN" dirty="0"/>
+              <a:t>echo \</a:t>
+            </a:r>
+          </a:p>
+          <a:p>
+            <a:pPr marL="0" indent="0">
+              <a:buNone/>
+            </a:pPr>
+            <a:r>
+              <a:rPr lang="en-IN" dirty="0"/>
+              <a:t>  "deb [arch=$(</a:t>
+            </a:r>
+            <a:r>
+              <a:rPr lang="en-IN" dirty="0" err="1"/>
+              <a:t>dpkg</a:t>
+            </a:r>
+            <a:r>
+              <a:rPr lang="en-IN" dirty="0"/>
+              <a:t> --print-architecture) signed-by=/</a:t>
+            </a:r>
+            <a:r>
+              <a:rPr lang="en-IN" dirty="0" err="1"/>
+              <a:t>usr</a:t>
+            </a:r>
+            <a:r>
+              <a:rPr lang="en-IN" dirty="0"/>
+              <a:t>/share/keyrings/docker-archive-</a:t>
+            </a:r>
+            <a:r>
+              <a:rPr lang="en-IN" dirty="0" err="1"/>
+              <a:t>keyring.gpg</a:t>
+            </a:r>
+            <a:r>
+              <a:rPr lang="en-IN" dirty="0"/>
+              <a:t>] https://download.docker.com/linux/ubuntu \</a:t>
+            </a:r>
+          </a:p>
+          <a:p>
+            <a:pPr marL="0" indent="0">
+              <a:buNone/>
+            </a:pPr>
+            <a:r>
+              <a:rPr lang="en-IN" dirty="0"/>
+              <a:t>  $(</a:t>
+            </a:r>
+            <a:r>
+              <a:rPr lang="en-IN" dirty="0" err="1"/>
+              <a:t>lsb_release</a:t>
+            </a:r>
+            <a:r>
+              <a:rPr lang="en-IN" dirty="0"/>
+              <a:t> -cs) stable" | </a:t>
+            </a:r>
+            <a:r>
+              <a:rPr lang="en-IN" dirty="0" err="1"/>
               <a:t>sudo</a:t>
             </a:r>
             <a:r>
-              <a:rPr lang="en-IN" b="0" i="0" dirty="0">
-                <a:effectLst/>
-                <a:latin typeface="Monaco"/>
-              </a:rPr>
-              <a:t> apt-get update </a:t>
-            </a:r>
-            <a:endParaRPr lang="en-US" dirty="0">
-              <a:latin typeface="Metropolis"/>
-            </a:endParaRPr>
-          </a:p>
-          <a:p>
-            <a:r>
-              <a:rPr lang="en-US" b="0" i="0" dirty="0">
-                <a:effectLst/>
-                <a:latin typeface="Metropolis"/>
-              </a:rPr>
-              <a:t>Check if you have java already installed onto your EC2 machine by running the following command –</a:t>
-            </a:r>
-          </a:p>
-          <a:p>
-            <a:r>
-              <a:rPr lang="en-IN" b="0" i="0" dirty="0">
-                <a:effectLst/>
-                <a:latin typeface="Monaco"/>
-              </a:rPr>
-              <a:t>java -version </a:t>
-            </a:r>
-            <a:endParaRPr lang="en-US" dirty="0">
-              <a:latin typeface="Metropolis"/>
-            </a:endParaRPr>
-          </a:p>
-          <a:p>
-            <a:r>
-              <a:rPr lang="en-US" b="0" i="0" dirty="0">
-                <a:effectLst/>
-                <a:latin typeface="Metropolis"/>
-              </a:rPr>
-              <a:t>But you can install java by running the following command</a:t>
-            </a:r>
-          </a:p>
-          <a:p>
-            <a:r>
-              <a:rPr lang="en-IN" b="0" i="0" dirty="0" err="1">
-                <a:effectLst/>
-                <a:latin typeface="Monaco"/>
-              </a:rPr>
+              <a:rPr lang="en-IN" dirty="0"/>
+              <a:t> tee /etc/apt/</a:t>
+            </a:r>
+            <a:r>
+              <a:rPr lang="en-IN" dirty="0" err="1"/>
+              <a:t>sources.list.d</a:t>
+            </a:r>
+            <a:r>
+              <a:rPr lang="en-IN" dirty="0"/>
+              <a:t>/</a:t>
+            </a:r>
+            <a:r>
+              <a:rPr lang="en-IN" dirty="0" err="1"/>
+              <a:t>docker.list</a:t>
+            </a:r>
+            <a:r>
+              <a:rPr lang="en-IN" dirty="0"/>
+              <a:t> &gt; /dev/null</a:t>
+            </a:r>
+          </a:p>
+          <a:p>
+            <a:pPr marL="0" indent="0">
+              <a:buNone/>
+            </a:pPr>
+            <a:r>
+              <a:rPr lang="en-IN" dirty="0" err="1"/>
               <a:t>sudo</a:t>
             </a:r>
             <a:r>
-              <a:rPr lang="en-IN" b="0" i="0" dirty="0">
-                <a:effectLst/>
-                <a:latin typeface="Monaco"/>
-              </a:rPr>
-              <a:t> apt install openjdk-11-jre-headless</a:t>
-            </a:r>
-            <a:endParaRPr lang="en-IN" dirty="0"/>
+              <a:rPr lang="en-IN" dirty="0"/>
+              <a:t> apt-get update</a:t>
+            </a:r>
+          </a:p>
+          <a:p>
+            <a:pPr marL="0" indent="0">
+              <a:buNone/>
+            </a:pPr>
+            <a:r>
+              <a:rPr lang="fr-FR" dirty="0" err="1"/>
+              <a:t>sudo</a:t>
+            </a:r>
+            <a:r>
+              <a:rPr lang="fr-FR" dirty="0"/>
+              <a:t> apt-get </a:t>
+            </a:r>
+            <a:r>
+              <a:rPr lang="fr-FR" dirty="0" err="1"/>
+              <a:t>install</a:t>
+            </a:r>
+            <a:r>
+              <a:rPr lang="fr-FR" dirty="0"/>
+              <a:t> docker-ce docker-ce-cli containerd.io</a:t>
+            </a:r>
+          </a:p>
+          <a:p>
+            <a:r>
+              <a:rPr lang="en-IN" dirty="0"/>
+              <a:t>https://www.digitalocean.com/community/questions/how-to-fix-docker-got-permission-denied-while-trying-to-connect-to-the-docker-daemon-socket</a:t>
+            </a:r>
           </a:p>
         </p:txBody>
       </p:sp>
     </p:spTree>
     <p:extLst>
       <p:ext uri="{BB962C8B-B14F-4D97-AF65-F5344CB8AC3E}">
-        <p14:creationId xmlns:p14="http://schemas.microsoft.com/office/powerpoint/2010/main" val="1533906996"/>
+        <p14:creationId xmlns:p14="http://schemas.microsoft.com/office/powerpoint/2010/main" val="3083704823"/>
       </p:ext>
     </p:extLst>
   </p:cSld>
@@ -6480,6 +6419,161 @@
           <p:cNvPr id="2" name="Title 1">
             <a:extLst>
               <a:ext uri="{FF2B5EF4-FFF2-40B4-BE49-F238E27FC236}">
+                <a16:creationId xmlns:a16="http://schemas.microsoft.com/office/drawing/2014/main" id="{D6C809C2-B401-485A-8F0E-417537923180}"/>
+              </a:ext>
+            </a:extLst>
+          </p:cNvPr>
+          <p:cNvSpPr>
+            <a:spLocks noGrp="1"/>
+          </p:cNvSpPr>
+          <p:nvPr>
+            <p:ph type="title"/>
+          </p:nvPr>
+        </p:nvSpPr>
+        <p:spPr/>
+        <p:txBody>
+          <a:bodyPr/>
+          <a:lstStyle/>
+          <a:p>
+            <a:r>
+              <a:rPr lang="en-IN" dirty="0"/>
+              <a:t>Install JDK</a:t>
+            </a:r>
+          </a:p>
+        </p:txBody>
+      </p:sp>
+      <p:sp>
+        <p:nvSpPr>
+          <p:cNvPr id="3" name="Content Placeholder 2">
+            <a:extLst>
+              <a:ext uri="{FF2B5EF4-FFF2-40B4-BE49-F238E27FC236}">
+                <a16:creationId xmlns:a16="http://schemas.microsoft.com/office/drawing/2014/main" id="{1335C688-06F7-467F-AA2B-13997B7AF3DE}"/>
+              </a:ext>
+            </a:extLst>
+          </p:cNvPr>
+          <p:cNvSpPr>
+            <a:spLocks noGrp="1"/>
+          </p:cNvSpPr>
+          <p:nvPr>
+            <p:ph idx="1"/>
+          </p:nvPr>
+        </p:nvSpPr>
+        <p:spPr/>
+        <p:txBody>
+          <a:bodyPr/>
+          <a:lstStyle/>
+          <a:p>
+            <a:r>
+              <a:rPr lang="en-US" b="0" i="0" dirty="0">
+                <a:effectLst/>
+                <a:latin typeface="Metropolis"/>
+              </a:rPr>
+              <a:t>Now before we do the JDK installation lets first update the package manager of the virtual machine –</a:t>
+            </a:r>
+          </a:p>
+          <a:p>
+            <a:r>
+              <a:rPr lang="en-IN" b="0" i="0" dirty="0" err="1">
+                <a:effectLst/>
+                <a:latin typeface="Monaco"/>
+              </a:rPr>
+              <a:t>sudo</a:t>
+            </a:r>
+            <a:r>
+              <a:rPr lang="en-IN" b="0" i="0" dirty="0">
+                <a:effectLst/>
+                <a:latin typeface="Monaco"/>
+              </a:rPr>
+              <a:t> apt-get update </a:t>
+            </a:r>
+            <a:endParaRPr lang="en-US" dirty="0">
+              <a:latin typeface="Metropolis"/>
+            </a:endParaRPr>
+          </a:p>
+          <a:p>
+            <a:r>
+              <a:rPr lang="en-US" b="0" i="0" dirty="0">
+                <a:effectLst/>
+                <a:latin typeface="Metropolis"/>
+              </a:rPr>
+              <a:t>Check if you have java already installed onto your EC2 machine by running the following command –</a:t>
+            </a:r>
+          </a:p>
+          <a:p>
+            <a:r>
+              <a:rPr lang="en-IN" b="0" i="0" dirty="0">
+                <a:effectLst/>
+                <a:latin typeface="Monaco"/>
+              </a:rPr>
+              <a:t>java -version </a:t>
+            </a:r>
+            <a:endParaRPr lang="en-US" dirty="0">
+              <a:latin typeface="Metropolis"/>
+            </a:endParaRPr>
+          </a:p>
+          <a:p>
+            <a:r>
+              <a:rPr lang="en-US" b="0" i="0" dirty="0">
+                <a:effectLst/>
+                <a:latin typeface="Metropolis"/>
+              </a:rPr>
+              <a:t>But you can install java by running the following command</a:t>
+            </a:r>
+          </a:p>
+          <a:p>
+            <a:r>
+              <a:rPr lang="en-IN" b="0" i="0" dirty="0" err="1">
+                <a:effectLst/>
+                <a:latin typeface="Monaco"/>
+              </a:rPr>
+              <a:t>sudo</a:t>
+            </a:r>
+            <a:r>
+              <a:rPr lang="en-IN" b="0" i="0" dirty="0">
+                <a:effectLst/>
+                <a:latin typeface="Monaco"/>
+              </a:rPr>
+              <a:t> apt install openjdk-11-jre-headless</a:t>
+            </a:r>
+            <a:endParaRPr lang="en-IN" dirty="0"/>
+          </a:p>
+        </p:txBody>
+      </p:sp>
+    </p:spTree>
+    <p:extLst>
+      <p:ext uri="{BB962C8B-B14F-4D97-AF65-F5344CB8AC3E}">
+        <p14:creationId xmlns:p14="http://schemas.microsoft.com/office/powerpoint/2010/main" val="1533906996"/>
+      </p:ext>
+    </p:extLst>
+  </p:cSld>
+  <p:clrMapOvr>
+    <a:masterClrMapping/>
+  </p:clrMapOvr>
+</p:sld>
+</file>
+
+<file path=ppt/slides/slide22.xml><?xml version="1.0" encoding="utf-8"?>
+<p:sld xmlns:a="http://schemas.openxmlformats.org/drawingml/2006/main" xmlns:r="http://schemas.openxmlformats.org/officeDocument/2006/relationships" xmlns:p="http://schemas.openxmlformats.org/presentationml/2006/main">
+  <p:cSld>
+    <p:spTree>
+      <p:nvGrpSpPr>
+        <p:cNvPr id="1" name=""/>
+        <p:cNvGrpSpPr/>
+        <p:nvPr/>
+      </p:nvGrpSpPr>
+      <p:grpSpPr>
+        <a:xfrm>
+          <a:off x="0" y="0"/>
+          <a:ext cx="0" cy="0"/>
+          <a:chOff x="0" y="0"/>
+          <a:chExt cx="0" cy="0"/>
+        </a:xfrm>
+      </p:grpSpPr>
+      <p:sp>
+        <p:nvSpPr>
+          <p:cNvPr id="2" name="Title 1">
+            <a:extLst>
+              <a:ext uri="{FF2B5EF4-FFF2-40B4-BE49-F238E27FC236}">
                 <a16:creationId xmlns:a16="http://schemas.microsoft.com/office/drawing/2014/main" id="{6274E824-22D5-48A5-834B-0F8872EB8945}"/>
               </a:ext>
             </a:extLst>
@@ -6731,7 +6825,7 @@
 </p:sld>
 </file>
 
-<file path=ppt/slides/slide22.xml><?xml version="1.0" encoding="utf-8"?>
+<file path=ppt/slides/slide23.xml><?xml version="1.0" encoding="utf-8"?>
 <p:sld xmlns:a="http://schemas.openxmlformats.org/drawingml/2006/main" xmlns:r="http://schemas.openxmlformats.org/officeDocument/2006/relationships" xmlns:p="http://schemas.openxmlformats.org/presentationml/2006/main">
   <p:cSld>
     <p:spTree>
@@ -6853,7 +6947,7 @@
 </p:sld>
 </file>
 
-<file path=ppt/slides/slide23.xml><?xml version="1.0" encoding="utf-8"?>
+<file path=ppt/slides/slide24.xml><?xml version="1.0" encoding="utf-8"?>
 <p:sld xmlns:a="http://schemas.openxmlformats.org/drawingml/2006/main" xmlns:r="http://schemas.openxmlformats.org/officeDocument/2006/relationships" xmlns:p="http://schemas.openxmlformats.org/presentationml/2006/main">
   <p:cSld>
     <p:spTree>
@@ -6985,7 +7079,7 @@
 </p:sld>
 </file>
 
-<file path=ppt/slides/slide24.xml><?xml version="1.0" encoding="utf-8"?>
+<file path=ppt/slides/slide25.xml><?xml version="1.0" encoding="utf-8"?>
 <p:sld xmlns:a="http://schemas.openxmlformats.org/drawingml/2006/main" xmlns:r="http://schemas.openxmlformats.org/officeDocument/2006/relationships" xmlns:p="http://schemas.openxmlformats.org/presentationml/2006/main">
   <p:cSld>
     <p:spTree>
@@ -7115,7 +7209,7 @@
 </p:sld>
 </file>
 
-<file path=ppt/slides/slide25.xml><?xml version="1.0" encoding="utf-8"?>
+<file path=ppt/slides/slide26.xml><?xml version="1.0" encoding="utf-8"?>
 <p:sld xmlns:a="http://schemas.openxmlformats.org/drawingml/2006/main" xmlns:r="http://schemas.openxmlformats.org/officeDocument/2006/relationships" xmlns:p="http://schemas.openxmlformats.org/presentationml/2006/main">
   <p:cSld>
     <p:spTree>
@@ -7210,7 +7304,7 @@
 </p:sld>
 </file>
 
-<file path=ppt/slides/slide26.xml><?xml version="1.0" encoding="utf-8"?>
+<file path=ppt/slides/slide27.xml><?xml version="1.0" encoding="utf-8"?>
 <p:sld xmlns:a="http://schemas.openxmlformats.org/drawingml/2006/main" xmlns:r="http://schemas.openxmlformats.org/officeDocument/2006/relationships" xmlns:p="http://schemas.openxmlformats.org/presentationml/2006/main">
   <p:cSld>
     <p:spTree>
@@ -7311,7 +7405,7 @@
 </p:sld>
 </file>
 
-<file path=ppt/slides/slide27.xml><?xml version="1.0" encoding="utf-8"?>
+<file path=ppt/slides/slide28.xml><?xml version="1.0" encoding="utf-8"?>
 <p:sld xmlns:a="http://schemas.openxmlformats.org/drawingml/2006/main" xmlns:r="http://schemas.openxmlformats.org/officeDocument/2006/relationships" xmlns:p="http://schemas.openxmlformats.org/presentationml/2006/main">
   <p:cSld>
     <p:spTree>
@@ -7401,7 +7495,7 @@
 </p:sld>
 </file>
 
-<file path=ppt/slides/slide28.xml><?xml version="1.0" encoding="utf-8"?>
+<file path=ppt/slides/slide29.xml><?xml version="1.0" encoding="utf-8"?>
 <p:sld xmlns:a="http://schemas.openxmlformats.org/drawingml/2006/main" xmlns:r="http://schemas.openxmlformats.org/officeDocument/2006/relationships" xmlns:p="http://schemas.openxmlformats.org/presentationml/2006/main">
   <p:cSld>
     <p:spTree>
@@ -7546,183 +7640,6 @@
 </p:sld>
 </file>
 
-<file path=ppt/slides/slide29.xml><?xml version="1.0" encoding="utf-8"?>
-<p:sld xmlns:a="http://schemas.openxmlformats.org/drawingml/2006/main" xmlns:r="http://schemas.openxmlformats.org/officeDocument/2006/relationships" xmlns:p="http://schemas.openxmlformats.org/presentationml/2006/main">
-  <p:cSld>
-    <p:spTree>
-      <p:nvGrpSpPr>
-        <p:cNvPr id="1" name=""/>
-        <p:cNvGrpSpPr/>
-        <p:nvPr/>
-      </p:nvGrpSpPr>
-      <p:grpSpPr>
-        <a:xfrm>
-          <a:off x="0" y="0"/>
-          <a:ext cx="0" cy="0"/>
-          <a:chOff x="0" y="0"/>
-          <a:chExt cx="0" cy="0"/>
-        </a:xfrm>
-      </p:grpSpPr>
-      <p:sp>
-        <p:nvSpPr>
-          <p:cNvPr id="2" name="Title 1">
-            <a:extLst>
-              <a:ext uri="{FF2B5EF4-FFF2-40B4-BE49-F238E27FC236}">
-                <a16:creationId xmlns:a16="http://schemas.microsoft.com/office/drawing/2014/main" id="{46683F54-76DD-401C-8ED6-75140CDCDB74}"/>
-              </a:ext>
-            </a:extLst>
-          </p:cNvPr>
-          <p:cNvSpPr>
-            <a:spLocks noGrp="1"/>
-          </p:cNvSpPr>
-          <p:nvPr>
-            <p:ph type="title"/>
-          </p:nvPr>
-        </p:nvSpPr>
-        <p:spPr/>
-        <p:txBody>
-          <a:bodyPr>
-            <a:normAutofit/>
-          </a:bodyPr>
-          <a:lstStyle/>
-          <a:p>
-            <a:r>
-              <a:rPr lang="en-US" b="1" i="0" dirty="0">
-                <a:effectLst/>
-                <a:latin typeface="Metropolis"/>
-              </a:rPr>
-              <a:t>assign administration privileges to </a:t>
-            </a:r>
-            <a:r>
-              <a:rPr lang="en-US" b="1" i="0" dirty="0" err="1">
-                <a:effectLst/>
-                <a:latin typeface="Metropolis"/>
-              </a:rPr>
-              <a:t>jenkins</a:t>
-            </a:r>
-            <a:r>
-              <a:rPr lang="en-US" b="1" i="0" dirty="0">
-                <a:effectLst/>
-                <a:latin typeface="Metropolis"/>
-              </a:rPr>
-              <a:t> user</a:t>
-            </a:r>
-            <a:br>
-              <a:rPr lang="en-US" b="1" i="0" dirty="0">
-                <a:effectLst/>
-                <a:latin typeface="Metropolis"/>
-              </a:rPr>
-            </a:br>
-            <a:endParaRPr lang="en-IN" dirty="0"/>
-          </a:p>
-        </p:txBody>
-      </p:sp>
-      <p:sp>
-        <p:nvSpPr>
-          <p:cNvPr id="3" name="Content Placeholder 2">
-            <a:extLst>
-              <a:ext uri="{FF2B5EF4-FFF2-40B4-BE49-F238E27FC236}">
-                <a16:creationId xmlns:a16="http://schemas.microsoft.com/office/drawing/2014/main" id="{2DA73B63-DF8A-4247-A7B1-7D7DA747C638}"/>
-              </a:ext>
-            </a:extLst>
-          </p:cNvPr>
-          <p:cNvSpPr>
-            <a:spLocks noGrp="1"/>
-          </p:cNvSpPr>
-          <p:nvPr>
-            <p:ph idx="1"/>
-          </p:nvPr>
-        </p:nvSpPr>
-        <p:spPr/>
-        <p:txBody>
-          <a:bodyPr/>
-          <a:lstStyle/>
-          <a:p>
-            <a:r>
-              <a:rPr lang="en-US" dirty="0"/>
-              <a:t>Now we have installed the Jenkins on the EC2 instance. To interact with the Kubernetes cluster Jenkins will be executing the shell script with the Jenkins user, so the Jenkins user should have an administration(superuser) role assigned forehand.</a:t>
-            </a:r>
-          </a:p>
-          <a:p>
-            <a:r>
-              <a:rPr lang="en-US" dirty="0"/>
-              <a:t>Open the file /</a:t>
-            </a:r>
-            <a:r>
-              <a:rPr lang="en-US" dirty="0" err="1"/>
-              <a:t>etc</a:t>
-            </a:r>
-            <a:r>
-              <a:rPr lang="en-US" dirty="0"/>
-              <a:t>/</a:t>
-            </a:r>
-            <a:r>
-              <a:rPr lang="en-US" dirty="0" err="1"/>
-              <a:t>sudoers</a:t>
-            </a:r>
-            <a:r>
-              <a:rPr lang="en-US" dirty="0"/>
-              <a:t> in vi mode</a:t>
-            </a:r>
-          </a:p>
-          <a:p>
-            <a:r>
-              <a:rPr lang="en-US" dirty="0" err="1"/>
-              <a:t>sudo</a:t>
-            </a:r>
-            <a:r>
-              <a:rPr lang="en-US" dirty="0"/>
-              <a:t> vi /</a:t>
-            </a:r>
-            <a:r>
-              <a:rPr lang="en-US" dirty="0" err="1"/>
-              <a:t>etc</a:t>
-            </a:r>
-            <a:r>
-              <a:rPr lang="en-US" dirty="0"/>
-              <a:t>/</a:t>
-            </a:r>
-            <a:r>
-              <a:rPr lang="en-US" dirty="0" err="1"/>
-              <a:t>sudoers</a:t>
-            </a:r>
-            <a:r>
-              <a:rPr lang="en-US" dirty="0"/>
-              <a:t> </a:t>
-            </a:r>
-          </a:p>
-          <a:p>
-            <a:r>
-              <a:rPr lang="en-US" dirty="0"/>
-              <a:t>Add the following line at the end of the file</a:t>
-            </a:r>
-          </a:p>
-          <a:p>
-            <a:r>
-              <a:rPr lang="en-US" dirty="0" err="1"/>
-              <a:t>jenkins</a:t>
-            </a:r>
-            <a:r>
-              <a:rPr lang="en-US" dirty="0"/>
-              <a:t> ALL=(ALL) NOPASSWD: ALL </a:t>
-            </a:r>
-            <a:endParaRPr lang="en-IN" dirty="0"/>
-          </a:p>
-        </p:txBody>
-      </p:sp>
-    </p:spTree>
-    <p:extLst>
-      <p:ext uri="{BB962C8B-B14F-4D97-AF65-F5344CB8AC3E}">
-        <p14:creationId xmlns:p14="http://schemas.microsoft.com/office/powerpoint/2010/main" val="2590034231"/>
-      </p:ext>
-    </p:extLst>
-  </p:cSld>
-  <p:clrMapOvr>
-    <a:masterClrMapping/>
-  </p:clrMapOvr>
-</p:sld>
-</file>
-
 <file path=ppt/slides/slide3.xml><?xml version="1.0" encoding="utf-8"?>
 <p:sld xmlns:a="http://schemas.openxmlformats.org/drawingml/2006/main" xmlns:r="http://schemas.openxmlformats.org/officeDocument/2006/relationships" xmlns:p="http://schemas.openxmlformats.org/presentationml/2006/main">
   <p:cSld>
@@ -7745,7 +7662,7 @@
           <p:cNvPr id="2" name="Title 1">
             <a:extLst>
               <a:ext uri="{FF2B5EF4-FFF2-40B4-BE49-F238E27FC236}">
-                <a16:creationId xmlns:a16="http://schemas.microsoft.com/office/drawing/2014/main" id="{3EA9AC9C-E388-438A-B8E2-E586019872B5}"/>
+                <a16:creationId xmlns:a16="http://schemas.microsoft.com/office/drawing/2014/main" id="{5677E599-B7F5-45F9-89CF-B1860810B3BA}"/>
               </a:ext>
             </a:extLst>
           </p:cNvPr>
@@ -7762,132 +7679,47 @@
           <a:lstStyle/>
           <a:p>
             <a:r>
-              <a:rPr lang="en-US" sz="2800" b="1" i="0" dirty="0">
-                <a:solidFill>
-                  <a:srgbClr val="292929"/>
-                </a:solidFill>
-                <a:effectLst/>
-                <a:latin typeface="charter"/>
-                <a:cs typeface="Arial" panose="020B0604020202020204" pitchFamily="34" charset="0"/>
-              </a:rPr>
-              <a:t>Why Jenkins is becoming the CI/CD tool of choice for more and more DevOps</a:t>
-            </a:r>
-            <a:endParaRPr lang="en-IN" dirty="0"/>
-          </a:p>
-        </p:txBody>
-      </p:sp>
-      <p:sp>
-        <p:nvSpPr>
-          <p:cNvPr id="3" name="Content Placeholder 2">
+              <a:rPr lang="en-IN" dirty="0"/>
+              <a:t>AWS Infra DIAGRAM</a:t>
+            </a:r>
+          </a:p>
+        </p:txBody>
+      </p:sp>
+      <p:pic>
+        <p:nvPicPr>
+          <p:cNvPr id="8" name="Content Placeholder 7">
             <a:extLst>
               <a:ext uri="{FF2B5EF4-FFF2-40B4-BE49-F238E27FC236}">
-                <a16:creationId xmlns:a16="http://schemas.microsoft.com/office/drawing/2014/main" id="{F56E2829-CD5F-4394-BB86-018E8BE37E15}"/>
+                <a16:creationId xmlns:a16="http://schemas.microsoft.com/office/drawing/2014/main" id="{C67E82D3-BCBD-424D-8192-72F9187F3BEE}"/>
               </a:ext>
             </a:extLst>
           </p:cNvPr>
-          <p:cNvSpPr>
-            <a:spLocks noGrp="1"/>
-          </p:cNvSpPr>
+          <p:cNvPicPr>
+            <a:picLocks noGrp="1" noChangeAspect="1"/>
+          </p:cNvPicPr>
           <p:nvPr>
             <p:ph idx="1"/>
           </p:nvPr>
-        </p:nvSpPr>
-        <p:spPr/>
-        <p:txBody>
-          <a:bodyPr/>
-          <a:lstStyle/>
-          <a:p>
-            <a:r>
-              <a:rPr lang="en-US" b="0" i="0" dirty="0">
-                <a:solidFill>
-                  <a:srgbClr val="292929"/>
-                </a:solidFill>
-                <a:effectLst/>
-                <a:latin typeface="charter"/>
-              </a:rPr>
-              <a:t>There are several reasons why Jenkins is gaining momentum. </a:t>
-            </a:r>
-          </a:p>
-          <a:p>
-            <a:pPr lvl="1"/>
-            <a:r>
-              <a:rPr lang="en-US" b="0" i="0" dirty="0">
-                <a:solidFill>
-                  <a:srgbClr val="292929"/>
-                </a:solidFill>
-                <a:effectLst/>
-                <a:latin typeface="charter"/>
-              </a:rPr>
-              <a:t>First, it is open source and free.</a:t>
-            </a:r>
-          </a:p>
-          <a:p>
-            <a:pPr lvl="1"/>
-            <a:r>
-              <a:rPr lang="en-US" b="0" i="0" dirty="0">
-                <a:solidFill>
-                  <a:srgbClr val="292929"/>
-                </a:solidFill>
-                <a:effectLst/>
-                <a:latin typeface="charter"/>
-              </a:rPr>
-              <a:t> Second, it is user-friendly, easy to install and does not require additional installations or components</a:t>
-            </a:r>
-            <a:endParaRPr lang="en-IN" b="0" i="0" dirty="0">
-              <a:solidFill>
-                <a:srgbClr val="292929"/>
-              </a:solidFill>
-              <a:effectLst/>
-              <a:latin typeface="charter"/>
-            </a:endParaRPr>
-          </a:p>
-          <a:p>
-            <a:r>
-              <a:rPr lang="en-US" b="0" i="0" dirty="0">
-                <a:solidFill>
-                  <a:srgbClr val="292929"/>
-                </a:solidFill>
-                <a:effectLst/>
-                <a:latin typeface="charter"/>
-              </a:rPr>
-              <a:t>Jenkins is also quite easy to configure, modify and extend. </a:t>
-            </a:r>
-          </a:p>
-          <a:p>
-            <a:pPr lvl="1"/>
-            <a:r>
-              <a:rPr lang="en-US" b="0" i="0" dirty="0">
-                <a:solidFill>
-                  <a:srgbClr val="292929"/>
-                </a:solidFill>
-                <a:effectLst/>
-                <a:latin typeface="charter"/>
-              </a:rPr>
-              <a:t>It deploys code instantly, generates test reports. </a:t>
-            </a:r>
-          </a:p>
-          <a:p>
-            <a:pPr lvl="1"/>
-            <a:r>
-              <a:rPr lang="en-US" b="0" i="0" dirty="0">
-                <a:solidFill>
-                  <a:srgbClr val="292929"/>
-                </a:solidFill>
-                <a:effectLst/>
-                <a:latin typeface="charter"/>
-              </a:rPr>
-              <a:t>Jenkins can be configured according to the requirements for continuous integrations and continuous delivery</a:t>
-            </a:r>
-            <a:endParaRPr lang="en-IN" dirty="0"/>
-          </a:p>
-        </p:txBody>
-      </p:sp>
+        </p:nvPicPr>
+        <p:blipFill>
+          <a:blip r:embed="rId2"/>
+          <a:stretch>
+            <a:fillRect/>
+          </a:stretch>
+        </p:blipFill>
+        <p:spPr>
+          <a:xfrm>
+            <a:off x="1740885" y="2181225"/>
+            <a:ext cx="6841353" cy="3678238"/>
+          </a:xfrm>
+        </p:spPr>
+      </p:pic>
       <p:sp>
         <p:nvSpPr>
           <p:cNvPr id="4" name="Date Placeholder 3">
             <a:extLst>
               <a:ext uri="{FF2B5EF4-FFF2-40B4-BE49-F238E27FC236}">
-                <a16:creationId xmlns:a16="http://schemas.microsoft.com/office/drawing/2014/main" id="{7AB528B1-4855-41EA-B195-4FC0E423B44E}"/>
+                <a16:creationId xmlns:a16="http://schemas.microsoft.com/office/drawing/2014/main" id="{EF2DD8E4-5538-4B75-9848-F443EB79C063}"/>
               </a:ext>
             </a:extLst>
           </p:cNvPr>
@@ -7916,7 +7748,7 @@
           <p:cNvPr id="5" name="Footer Placeholder 4">
             <a:extLst>
               <a:ext uri="{FF2B5EF4-FFF2-40B4-BE49-F238E27FC236}">
-                <a16:creationId xmlns:a16="http://schemas.microsoft.com/office/drawing/2014/main" id="{F5929369-8A4E-46C8-8CDF-D8DCD09F04F8}"/>
+                <a16:creationId xmlns:a16="http://schemas.microsoft.com/office/drawing/2014/main" id="{6C19AF84-5C90-4F9C-85AF-1E3C668D9D60}"/>
               </a:ext>
             </a:extLst>
           </p:cNvPr>
@@ -7945,7 +7777,7 @@
           <p:cNvPr id="6" name="Slide Number Placeholder 5">
             <a:extLst>
               <a:ext uri="{FF2B5EF4-FFF2-40B4-BE49-F238E27FC236}">
-                <a16:creationId xmlns:a16="http://schemas.microsoft.com/office/drawing/2014/main" id="{FE5AB4F7-3424-49EE-A4CE-6ED93A2232CF}"/>
+                <a16:creationId xmlns:a16="http://schemas.microsoft.com/office/drawing/2014/main" id="{CD41A049-779D-4162-9C06-9DC7F30A2931}"/>
               </a:ext>
             </a:extLst>
           </p:cNvPr>
@@ -7973,7 +7805,7 @@
     </p:spTree>
     <p:extLst>
       <p:ext uri="{BB962C8B-B14F-4D97-AF65-F5344CB8AC3E}">
-        <p14:creationId xmlns:p14="http://schemas.microsoft.com/office/powerpoint/2010/main" val="1133965723"/>
+        <p14:creationId xmlns:p14="http://schemas.microsoft.com/office/powerpoint/2010/main" val="2335135527"/>
       </p:ext>
     </p:extLst>
   </p:cSld>
@@ -8005,7 +7837,7 @@
           <p:cNvPr id="2" name="Title 1">
             <a:extLst>
               <a:ext uri="{FF2B5EF4-FFF2-40B4-BE49-F238E27FC236}">
-                <a16:creationId xmlns:a16="http://schemas.microsoft.com/office/drawing/2014/main" id="{E35BEC26-7E0A-41BF-8E54-BCE614461561}"/>
+                <a16:creationId xmlns:a16="http://schemas.microsoft.com/office/drawing/2014/main" id="{46683F54-76DD-401C-8ED6-75140CDCDB74}"/>
               </a:ext>
             </a:extLst>
           </p:cNvPr>
@@ -8018,7 +7850,9 @@
         </p:nvSpPr>
         <p:spPr/>
         <p:txBody>
-          <a:bodyPr/>
+          <a:bodyPr>
+            <a:normAutofit/>
+          </a:bodyPr>
           <a:lstStyle/>
           <a:p>
             <a:r>
@@ -8026,7 +7860,21 @@
                 <a:effectLst/>
                 <a:latin typeface="Metropolis"/>
               </a:rPr>
-              <a:t>Install and Setup AWS CLI</a:t>
+              <a:t>assign administration privileges to </a:t>
+            </a:r>
+            <a:r>
+              <a:rPr lang="en-US" b="1" i="0" dirty="0" err="1">
+                <a:effectLst/>
+                <a:latin typeface="Metropolis"/>
+              </a:rPr>
+              <a:t>jenkins</a:t>
+            </a:r>
+            <a:r>
+              <a:rPr lang="en-US" b="1" i="0" dirty="0">
+                <a:effectLst/>
+                <a:latin typeface="Metropolis"/>
+              </a:rPr>
+              <a:t> user</a:t>
             </a:r>
             <a:br>
               <a:rPr lang="en-US" b="1" i="0" dirty="0">
@@ -8043,7 +7891,7 @@
           <p:cNvPr id="3" name="Content Placeholder 2">
             <a:extLst>
               <a:ext uri="{FF2B5EF4-FFF2-40B4-BE49-F238E27FC236}">
-                <a16:creationId xmlns:a16="http://schemas.microsoft.com/office/drawing/2014/main" id="{711DB8E5-0747-4FD7-ADE6-5D79194409D0}"/>
+                <a16:creationId xmlns:a16="http://schemas.microsoft.com/office/drawing/2014/main" id="{2DA73B63-DF8A-4247-A7B1-7D7DA747C638}"/>
               </a:ext>
             </a:extLst>
           </p:cNvPr>
@@ -8061,70 +7909,71 @@
           <a:p>
             <a:r>
               <a:rPr lang="en-US" dirty="0"/>
-              <a:t>Let us get the installation done for AWS CLI</a:t>
-            </a:r>
-          </a:p>
-          <a:p>
-            <a:r>
-              <a:rPr lang="en-IN" dirty="0" err="1"/>
+              <a:t>Now we have installed the Jenkins on the EC2 instance. To interact with the Kubernetes cluster Jenkins will be executing the shell script with the Jenkins user, so the Jenkins user should have an administration(superuser) role assigned forehand.</a:t>
+            </a:r>
+          </a:p>
+          <a:p>
+            <a:r>
+              <a:rPr lang="en-US" dirty="0"/>
+              <a:t>Open the file /</a:t>
+            </a:r>
+            <a:r>
+              <a:rPr lang="en-US" dirty="0" err="1"/>
+              <a:t>etc</a:t>
+            </a:r>
+            <a:r>
+              <a:rPr lang="en-US" dirty="0"/>
+              <a:t>/</a:t>
+            </a:r>
+            <a:r>
+              <a:rPr lang="en-US" dirty="0" err="1"/>
+              <a:t>sudoers</a:t>
+            </a:r>
+            <a:r>
+              <a:rPr lang="en-US" dirty="0"/>
+              <a:t> in vi mode</a:t>
+            </a:r>
+          </a:p>
+          <a:p>
+            <a:r>
+              <a:rPr lang="en-US" dirty="0" err="1"/>
               <a:t>sudo</a:t>
             </a:r>
             <a:r>
-              <a:rPr lang="en-IN" dirty="0"/>
-              <a:t> apt install </a:t>
-            </a:r>
-            <a:r>
-              <a:rPr lang="en-IN" dirty="0" err="1"/>
-              <a:t>awscli</a:t>
-            </a:r>
-            <a:r>
-              <a:rPr lang="en-IN" dirty="0"/>
+              <a:rPr lang="en-US" dirty="0"/>
+              <a:t> vi /</a:t>
+            </a:r>
+            <a:r>
+              <a:rPr lang="en-US" dirty="0" err="1"/>
+              <a:t>etc</a:t>
+            </a:r>
+            <a:r>
+              <a:rPr lang="en-US" dirty="0"/>
+              <a:t>/</a:t>
+            </a:r>
+            <a:r>
+              <a:rPr lang="en-US" dirty="0" err="1"/>
+              <a:t>sudoers</a:t>
+            </a:r>
+            <a:r>
+              <a:rPr lang="en-US" dirty="0"/>
               <a:t> </a:t>
             </a:r>
           </a:p>
           <a:p>
             <a:r>
               <a:rPr lang="en-US" dirty="0"/>
-              <a:t>Verify your AWS CLI installation by running the following command –</a:t>
-            </a:r>
-          </a:p>
-          <a:p>
-            <a:r>
-              <a:rPr lang="en-US" b="0" i="0" dirty="0">
-                <a:effectLst/>
-                <a:latin typeface="Metropolis"/>
-              </a:rPr>
-              <a:t>It should return you with the version of CLI</a:t>
-            </a:r>
-          </a:p>
-          <a:p>
-            <a:r>
-              <a:rPr lang="en-IN" b="0" i="0" dirty="0" err="1">
-                <a:effectLst/>
-                <a:latin typeface="Monaco"/>
-              </a:rPr>
-              <a:t>aws</a:t>
-            </a:r>
-            <a:r>
-              <a:rPr lang="en-IN" b="0" i="0" dirty="0">
-                <a:effectLst/>
-                <a:latin typeface="Monaco"/>
-              </a:rPr>
-              <a:t>-cli/1.18.69 Python/3.8.5 Linux/5.4.0-1045-aws </a:t>
-            </a:r>
-            <a:r>
-              <a:rPr lang="en-IN" b="0" i="0" dirty="0" err="1">
-                <a:effectLst/>
-                <a:latin typeface="Monaco"/>
-              </a:rPr>
-              <a:t>botocore</a:t>
-            </a:r>
-            <a:r>
-              <a:rPr lang="en-IN" b="0" i="0" dirty="0">
-                <a:effectLst/>
-                <a:latin typeface="Monaco"/>
-              </a:rPr>
-              <a:t>/1.16.19</a:t>
+              <a:t>Add the following line at the end of the file</a:t>
+            </a:r>
+          </a:p>
+          <a:p>
+            <a:r>
+              <a:rPr lang="en-US" dirty="0" err="1"/>
+              <a:t>jenkins</a:t>
+            </a:r>
+            <a:r>
+              <a:rPr lang="en-US" dirty="0"/>
+              <a:t> ALL=(ALL) NOPASSWD: ALL </a:t>
             </a:r>
             <a:endParaRPr lang="en-IN" dirty="0"/>
           </a:p>
@@ -8133,7 +7982,7 @@
     </p:spTree>
     <p:extLst>
       <p:ext uri="{BB962C8B-B14F-4D97-AF65-F5344CB8AC3E}">
-        <p14:creationId xmlns:p14="http://schemas.microsoft.com/office/powerpoint/2010/main" val="1017538181"/>
+        <p14:creationId xmlns:p14="http://schemas.microsoft.com/office/powerpoint/2010/main" val="2590034231"/>
       </p:ext>
     </p:extLst>
   </p:cSld>
@@ -8165,7 +8014,7 @@
           <p:cNvPr id="2" name="Title 1">
             <a:extLst>
               <a:ext uri="{FF2B5EF4-FFF2-40B4-BE49-F238E27FC236}">
-                <a16:creationId xmlns:a16="http://schemas.microsoft.com/office/drawing/2014/main" id="{18F8C9CC-D169-457D-9851-FC2DF229BDB0}"/>
+                <a16:creationId xmlns:a16="http://schemas.microsoft.com/office/drawing/2014/main" id="{E35BEC26-7E0A-41BF-8E54-BCE614461561}"/>
               </a:ext>
             </a:extLst>
           </p:cNvPr>
@@ -8182,14 +8031,14 @@
           <a:lstStyle/>
           <a:p>
             <a:r>
-              <a:rPr lang="en-IN" b="1" i="0" dirty="0">
+              <a:rPr lang="en-US" b="1" i="0" dirty="0">
                 <a:effectLst/>
                 <a:latin typeface="Metropolis"/>
               </a:rPr>
-              <a:t>Configure AWS CLI</a:t>
+              <a:t>Install and Setup AWS CLI</a:t>
             </a:r>
             <a:br>
-              <a:rPr lang="en-IN" b="1" i="0" dirty="0">
+              <a:rPr lang="en-US" b="1" i="0" dirty="0">
                 <a:effectLst/>
                 <a:latin typeface="Metropolis"/>
               </a:rPr>
@@ -8203,7 +8052,7 @@
           <p:cNvPr id="3" name="Content Placeholder 2">
             <a:extLst>
               <a:ext uri="{FF2B5EF4-FFF2-40B4-BE49-F238E27FC236}">
-                <a16:creationId xmlns:a16="http://schemas.microsoft.com/office/drawing/2014/main" id="{3E05399C-4743-48FE-89ED-2700CA247E0F}"/>
+                <a16:creationId xmlns:a16="http://schemas.microsoft.com/office/drawing/2014/main" id="{711DB8E5-0747-4FD7-ADE6-5D79194409D0}"/>
               </a:ext>
             </a:extLst>
           </p:cNvPr>
@@ -8216,63 +8065,75 @@
         </p:nvSpPr>
         <p:spPr/>
         <p:txBody>
-          <a:bodyPr>
-            <a:normAutofit/>
-          </a:bodyPr>
-          <a:lstStyle/>
+          <a:bodyPr/>
+          <a:lstStyle/>
+          <a:p>
+            <a:r>
+              <a:rPr lang="en-US" dirty="0"/>
+              <a:t>Let us get the installation done for AWS CLI</a:t>
+            </a:r>
+          </a:p>
+          <a:p>
+            <a:r>
+              <a:rPr lang="en-IN" dirty="0" err="1"/>
+              <a:t>sudo</a:t>
+            </a:r>
+            <a:r>
+              <a:rPr lang="en-IN" dirty="0"/>
+              <a:t> apt install </a:t>
+            </a:r>
+            <a:r>
+              <a:rPr lang="en-IN" dirty="0" err="1"/>
+              <a:t>awscli</a:t>
+            </a:r>
+            <a:r>
+              <a:rPr lang="en-IN" dirty="0"/>
+              <a:t> </a:t>
+            </a:r>
+          </a:p>
+          <a:p>
+            <a:r>
+              <a:rPr lang="en-US" dirty="0"/>
+              <a:t>Verify your AWS CLI installation by running the following command –</a:t>
+            </a:r>
+          </a:p>
           <a:p>
             <a:r>
               <a:rPr lang="en-US" b="0" i="0" dirty="0">
                 <a:effectLst/>
                 <a:latin typeface="Metropolis"/>
               </a:rPr>
-              <a:t>To configure the AWS the first command we are going to run is –</a:t>
-            </a:r>
-          </a:p>
-          <a:p>
-            <a:r>
-              <a:rPr lang="en-IN" dirty="0" err="1"/>
+              <a:t>It should return you with the version of CLI</a:t>
+            </a:r>
+          </a:p>
+          <a:p>
+            <a:r>
+              <a:rPr lang="en-IN" b="0" i="0" dirty="0" err="1">
+                <a:effectLst/>
+                <a:latin typeface="Monaco"/>
+              </a:rPr>
               <a:t>aws</a:t>
             </a:r>
             <a:r>
-              <a:rPr lang="en-IN" dirty="0"/>
-              <a:t> configure </a:t>
-            </a:r>
-            <a:endParaRPr lang="en-US" dirty="0">
-              <a:latin typeface="Metropolis"/>
-            </a:endParaRPr>
-          </a:p>
-          <a:p>
-            <a:r>
-              <a:rPr lang="en-US" dirty="0"/>
-              <a:t>Once you execute the above command it will ask for the following information -</a:t>
-            </a:r>
-          </a:p>
-          <a:p>
-            <a:endParaRPr lang="en-US" dirty="0"/>
-          </a:p>
-          <a:p>
-            <a:r>
-              <a:rPr lang="en-US" dirty="0"/>
-              <a:t>AWS Access Key ID [None]:</a:t>
-            </a:r>
-          </a:p>
-          <a:p>
-            <a:r>
-              <a:rPr lang="en-US" dirty="0"/>
-              <a:t>AWS Secret Access Key [None]:</a:t>
-            </a:r>
-          </a:p>
-          <a:p>
-            <a:r>
-              <a:rPr lang="en-US" dirty="0"/>
-              <a:t>Default region name [None]:</a:t>
-            </a:r>
-          </a:p>
-          <a:p>
-            <a:r>
-              <a:rPr lang="en-US" dirty="0"/>
-              <a:t>Default output format [None]:</a:t>
+              <a:rPr lang="en-IN" b="0" i="0" dirty="0">
+                <a:effectLst/>
+                <a:latin typeface="Monaco"/>
+              </a:rPr>
+              <a:t>-cli/1.18.69 Python/3.8.5 Linux/5.4.0-1045-aws </a:t>
+            </a:r>
+            <a:r>
+              <a:rPr lang="en-IN" b="0" i="0" dirty="0" err="1">
+                <a:effectLst/>
+                <a:latin typeface="Monaco"/>
+              </a:rPr>
+              <a:t>botocore</a:t>
+            </a:r>
+            <a:r>
+              <a:rPr lang="en-IN" b="0" i="0" dirty="0">
+                <a:effectLst/>
+                <a:latin typeface="Monaco"/>
+              </a:rPr>
+              <a:t>/1.16.19</a:t>
             </a:r>
             <a:endParaRPr lang="en-IN" dirty="0"/>
           </a:p>
@@ -8281,7 +8142,7 @@
     </p:spTree>
     <p:extLst>
       <p:ext uri="{BB962C8B-B14F-4D97-AF65-F5344CB8AC3E}">
-        <p14:creationId xmlns:p14="http://schemas.microsoft.com/office/powerpoint/2010/main" val="852914661"/>
+        <p14:creationId xmlns:p14="http://schemas.microsoft.com/office/powerpoint/2010/main" val="1017538181"/>
       </p:ext>
     </p:extLst>
   </p:cSld>
@@ -8313,6 +8174,154 @@
           <p:cNvPr id="2" name="Title 1">
             <a:extLst>
               <a:ext uri="{FF2B5EF4-FFF2-40B4-BE49-F238E27FC236}">
+                <a16:creationId xmlns:a16="http://schemas.microsoft.com/office/drawing/2014/main" id="{18F8C9CC-D169-457D-9851-FC2DF229BDB0}"/>
+              </a:ext>
+            </a:extLst>
+          </p:cNvPr>
+          <p:cNvSpPr>
+            <a:spLocks noGrp="1"/>
+          </p:cNvSpPr>
+          <p:nvPr>
+            <p:ph type="title"/>
+          </p:nvPr>
+        </p:nvSpPr>
+        <p:spPr/>
+        <p:txBody>
+          <a:bodyPr/>
+          <a:lstStyle/>
+          <a:p>
+            <a:r>
+              <a:rPr lang="en-IN" b="1" i="0" dirty="0">
+                <a:effectLst/>
+                <a:latin typeface="Metropolis"/>
+              </a:rPr>
+              <a:t>Configure AWS CLI</a:t>
+            </a:r>
+            <a:br>
+              <a:rPr lang="en-IN" b="1" i="0" dirty="0">
+                <a:effectLst/>
+                <a:latin typeface="Metropolis"/>
+              </a:rPr>
+            </a:br>
+            <a:endParaRPr lang="en-IN" dirty="0"/>
+          </a:p>
+        </p:txBody>
+      </p:sp>
+      <p:sp>
+        <p:nvSpPr>
+          <p:cNvPr id="3" name="Content Placeholder 2">
+            <a:extLst>
+              <a:ext uri="{FF2B5EF4-FFF2-40B4-BE49-F238E27FC236}">
+                <a16:creationId xmlns:a16="http://schemas.microsoft.com/office/drawing/2014/main" id="{3E05399C-4743-48FE-89ED-2700CA247E0F}"/>
+              </a:ext>
+            </a:extLst>
+          </p:cNvPr>
+          <p:cNvSpPr>
+            <a:spLocks noGrp="1"/>
+          </p:cNvSpPr>
+          <p:nvPr>
+            <p:ph idx="1"/>
+          </p:nvPr>
+        </p:nvSpPr>
+        <p:spPr/>
+        <p:txBody>
+          <a:bodyPr>
+            <a:normAutofit/>
+          </a:bodyPr>
+          <a:lstStyle/>
+          <a:p>
+            <a:r>
+              <a:rPr lang="en-US" b="0" i="0" dirty="0">
+                <a:effectLst/>
+                <a:latin typeface="Metropolis"/>
+              </a:rPr>
+              <a:t>To configure the AWS the first command we are going to run is –</a:t>
+            </a:r>
+          </a:p>
+          <a:p>
+            <a:r>
+              <a:rPr lang="en-IN" dirty="0" err="1"/>
+              <a:t>aws</a:t>
+            </a:r>
+            <a:r>
+              <a:rPr lang="en-IN" dirty="0"/>
+              <a:t> configure </a:t>
+            </a:r>
+            <a:endParaRPr lang="en-US" dirty="0">
+              <a:latin typeface="Metropolis"/>
+            </a:endParaRPr>
+          </a:p>
+          <a:p>
+            <a:r>
+              <a:rPr lang="en-US" dirty="0"/>
+              <a:t>Once you execute the above command it will ask for the following information -</a:t>
+            </a:r>
+          </a:p>
+          <a:p>
+            <a:endParaRPr lang="en-US" dirty="0"/>
+          </a:p>
+          <a:p>
+            <a:r>
+              <a:rPr lang="en-US" dirty="0"/>
+              <a:t>AWS Access Key ID [None]:</a:t>
+            </a:r>
+          </a:p>
+          <a:p>
+            <a:r>
+              <a:rPr lang="en-US" dirty="0"/>
+              <a:t>AWS Secret Access Key [None]:</a:t>
+            </a:r>
+          </a:p>
+          <a:p>
+            <a:r>
+              <a:rPr lang="en-US" dirty="0"/>
+              <a:t>Default region name [None]:</a:t>
+            </a:r>
+          </a:p>
+          <a:p>
+            <a:r>
+              <a:rPr lang="en-US" dirty="0"/>
+              <a:t>Default output format [None]:</a:t>
+            </a:r>
+            <a:endParaRPr lang="en-IN" dirty="0"/>
+          </a:p>
+        </p:txBody>
+      </p:sp>
+    </p:spTree>
+    <p:extLst>
+      <p:ext uri="{BB962C8B-B14F-4D97-AF65-F5344CB8AC3E}">
+        <p14:creationId xmlns:p14="http://schemas.microsoft.com/office/powerpoint/2010/main" val="852914661"/>
+      </p:ext>
+    </p:extLst>
+  </p:cSld>
+  <p:clrMapOvr>
+    <a:masterClrMapping/>
+  </p:clrMapOvr>
+</p:sld>
+</file>
+
+<file path=ppt/slides/slide33.xml><?xml version="1.0" encoding="utf-8"?>
+<p:sld xmlns:a="http://schemas.openxmlformats.org/drawingml/2006/main" xmlns:r="http://schemas.openxmlformats.org/officeDocument/2006/relationships" xmlns:p="http://schemas.openxmlformats.org/presentationml/2006/main">
+  <p:cSld>
+    <p:spTree>
+      <p:nvGrpSpPr>
+        <p:cNvPr id="1" name=""/>
+        <p:cNvGrpSpPr/>
+        <p:nvPr/>
+      </p:nvGrpSpPr>
+      <p:grpSpPr>
+        <a:xfrm>
+          <a:off x="0" y="0"/>
+          <a:ext cx="0" cy="0"/>
+          <a:chOff x="0" y="0"/>
+          <a:chExt cx="0" cy="0"/>
+        </a:xfrm>
+      </p:grpSpPr>
+      <p:sp>
+        <p:nvSpPr>
+          <p:cNvPr id="2" name="Title 1">
+            <a:extLst>
+              <a:ext uri="{FF2B5EF4-FFF2-40B4-BE49-F238E27FC236}">
                 <a16:creationId xmlns:a16="http://schemas.microsoft.com/office/drawing/2014/main" id="{BA0C6FA7-5BFA-4E40-BB50-23B1F6A769E6}"/>
               </a:ext>
             </a:extLst>
@@ -8511,7 +8520,7 @@
 </p:sld>
 </file>
 
-<file path=ppt/slides/slide33.xml><?xml version="1.0" encoding="utf-8"?>
+<file path=ppt/slides/slide34.xml><?xml version="1.0" encoding="utf-8"?>
 <p:sld xmlns:a="http://schemas.openxmlformats.org/drawingml/2006/main" xmlns:r="http://schemas.openxmlformats.org/officeDocument/2006/relationships" xmlns:p="http://schemas.openxmlformats.org/presentationml/2006/main">
   <p:cSld>
     <p:spTree>
@@ -8663,7 +8672,7 @@
 </p:sld>
 </file>
 
-<file path=ppt/slides/slide34.xml><?xml version="1.0" encoding="utf-8"?>
+<file path=ppt/slides/slide35.xml><?xml version="1.0" encoding="utf-8"?>
 <p:sld xmlns:a="http://schemas.openxmlformats.org/drawingml/2006/main" xmlns:r="http://schemas.openxmlformats.org/officeDocument/2006/relationships" xmlns:p="http://schemas.openxmlformats.org/presentationml/2006/main">
   <p:cSld>
     <p:spTree>
@@ -8809,107 +8818,6 @@
 </p:sld>
 </file>
 
-<file path=ppt/slides/slide35.xml><?xml version="1.0" encoding="utf-8"?>
-<p:sld xmlns:a="http://schemas.openxmlformats.org/drawingml/2006/main" xmlns:r="http://schemas.openxmlformats.org/officeDocument/2006/relationships" xmlns:p="http://schemas.openxmlformats.org/presentationml/2006/main">
-  <p:cSld>
-    <p:spTree>
-      <p:nvGrpSpPr>
-        <p:cNvPr id="1" name=""/>
-        <p:cNvGrpSpPr/>
-        <p:nvPr/>
-      </p:nvGrpSpPr>
-      <p:grpSpPr>
-        <a:xfrm>
-          <a:off x="0" y="0"/>
-          <a:ext cx="0" cy="0"/>
-          <a:chOff x="0" y="0"/>
-          <a:chExt cx="0" cy="0"/>
-        </a:xfrm>
-      </p:grpSpPr>
-      <p:sp>
-        <p:nvSpPr>
-          <p:cNvPr id="2" name="Title 1">
-            <a:extLst>
-              <a:ext uri="{FF2B5EF4-FFF2-40B4-BE49-F238E27FC236}">
-                <a16:creationId xmlns:a16="http://schemas.microsoft.com/office/drawing/2014/main" id="{561A071A-FC47-42C9-A7B9-D195F8B96D54}"/>
-              </a:ext>
-            </a:extLst>
-          </p:cNvPr>
-          <p:cNvSpPr>
-            <a:spLocks noGrp="1"/>
-          </p:cNvSpPr>
-          <p:nvPr>
-            <p:ph type="title"/>
-          </p:nvPr>
-        </p:nvSpPr>
-        <p:spPr/>
-        <p:txBody>
-          <a:bodyPr/>
-          <a:lstStyle/>
-          <a:p>
-            <a:r>
-              <a:rPr lang="en-IN" dirty="0"/>
-              <a:t>Install </a:t>
-            </a:r>
-            <a:r>
-              <a:rPr lang="en-IN" dirty="0" err="1"/>
-              <a:t>aws</a:t>
-            </a:r>
-            <a:r>
-              <a:rPr lang="en-IN" dirty="0"/>
-              <a:t> credentials plugin</a:t>
-            </a:r>
-          </a:p>
-        </p:txBody>
-      </p:sp>
-      <p:pic>
-        <p:nvPicPr>
-          <p:cNvPr id="5" name="Content Placeholder 4">
-            <a:extLst>
-              <a:ext uri="{FF2B5EF4-FFF2-40B4-BE49-F238E27FC236}">
-                <a16:creationId xmlns:a16="http://schemas.microsoft.com/office/drawing/2014/main" id="{978C68F9-B909-4A07-BE87-6512695C13B8}"/>
-              </a:ext>
-            </a:extLst>
-          </p:cNvPr>
-          <p:cNvPicPr>
-            <a:picLocks noGrp="1" noChangeAspect="1"/>
-          </p:cNvPicPr>
-          <p:nvPr>
-            <p:ph idx="1"/>
-          </p:nvPr>
-        </p:nvPicPr>
-        <p:blipFill>
-          <a:blip r:embed="rId2">
-            <a:extLst>
-              <a:ext uri="{28A0092B-C50C-407E-A947-70E740481C1C}">
-                <a14:useLocalDpi xmlns:a14="http://schemas.microsoft.com/office/drawing/2010/main" val="0"/>
-              </a:ext>
-            </a:extLst>
-          </a:blip>
-          <a:stretch>
-            <a:fillRect/>
-          </a:stretch>
-        </p:blipFill>
-        <p:spPr>
-          <a:xfrm>
-            <a:off x="838200" y="2251760"/>
-            <a:ext cx="10515600" cy="3499067"/>
-          </a:xfrm>
-        </p:spPr>
-      </p:pic>
-    </p:spTree>
-    <p:extLst>
-      <p:ext uri="{BB962C8B-B14F-4D97-AF65-F5344CB8AC3E}">
-        <p14:creationId xmlns:p14="http://schemas.microsoft.com/office/powerpoint/2010/main" val="1374521056"/>
-      </p:ext>
-    </p:extLst>
-  </p:cSld>
-  <p:clrMapOvr>
-    <a:masterClrMapping/>
-  </p:clrMapOvr>
-</p:sld>
-</file>
-
 <file path=ppt/slides/slide36.xml><?xml version="1.0" encoding="utf-8"?>
 <p:sld xmlns:a="http://schemas.openxmlformats.org/drawingml/2006/main" xmlns:r="http://schemas.openxmlformats.org/officeDocument/2006/relationships" xmlns:p="http://schemas.openxmlformats.org/presentationml/2006/main">
   <p:cSld>
@@ -8932,7 +8840,7 @@
           <p:cNvPr id="2" name="Title 1">
             <a:extLst>
               <a:ext uri="{FF2B5EF4-FFF2-40B4-BE49-F238E27FC236}">
-                <a16:creationId xmlns:a16="http://schemas.microsoft.com/office/drawing/2014/main" id="{9A35DCFD-C8A6-4C03-A202-D84976D48491}"/>
+                <a16:creationId xmlns:a16="http://schemas.microsoft.com/office/drawing/2014/main" id="{561A071A-FC47-42C9-A7B9-D195F8B96D54}"/>
               </a:ext>
             </a:extLst>
           </p:cNvPr>
@@ -8950,7 +8858,7 @@
           <a:p>
             <a:r>
               <a:rPr lang="en-IN" dirty="0"/>
-              <a:t>Configure </a:t>
+              <a:t>Install </a:t>
             </a:r>
             <a:r>
               <a:rPr lang="en-IN" dirty="0" err="1"/>
@@ -8958,7 +8866,7 @@
             </a:r>
             <a:r>
               <a:rPr lang="en-IN" dirty="0"/>
-              <a:t> credentials</a:t>
+              <a:t> credentials plugin</a:t>
             </a:r>
           </a:p>
         </p:txBody>
@@ -8968,7 +8876,7 @@
           <p:cNvPr id="5" name="Content Placeholder 4">
             <a:extLst>
               <a:ext uri="{FF2B5EF4-FFF2-40B4-BE49-F238E27FC236}">
-                <a16:creationId xmlns:a16="http://schemas.microsoft.com/office/drawing/2014/main" id="{C81D187E-F7F7-4A8E-ABF0-E7F0F6DFBAB9}"/>
+                <a16:creationId xmlns:a16="http://schemas.microsoft.com/office/drawing/2014/main" id="{978C68F9-B909-4A07-BE87-6512695C13B8}"/>
               </a:ext>
             </a:extLst>
           </p:cNvPr>
@@ -8993,15 +8901,15 @@
         </p:blipFill>
         <p:spPr>
           <a:xfrm>
-            <a:off x="470479" y="2026547"/>
-            <a:ext cx="9061401" cy="4351338"/>
+            <a:off x="838200" y="2251760"/>
+            <a:ext cx="10515600" cy="3499067"/>
           </a:xfrm>
         </p:spPr>
       </p:pic>
     </p:spTree>
     <p:extLst>
       <p:ext uri="{BB962C8B-B14F-4D97-AF65-F5344CB8AC3E}">
-        <p14:creationId xmlns:p14="http://schemas.microsoft.com/office/powerpoint/2010/main" val="3130214862"/>
+        <p14:creationId xmlns:p14="http://schemas.microsoft.com/office/powerpoint/2010/main" val="1374521056"/>
       </p:ext>
     </p:extLst>
   </p:cSld>
@@ -9033,7 +8941,7 @@
           <p:cNvPr id="2" name="Title 1">
             <a:extLst>
               <a:ext uri="{FF2B5EF4-FFF2-40B4-BE49-F238E27FC236}">
-                <a16:creationId xmlns:a16="http://schemas.microsoft.com/office/drawing/2014/main" id="{7AF788E2-3815-431E-A6BA-67B1477FA988}"/>
+                <a16:creationId xmlns:a16="http://schemas.microsoft.com/office/drawing/2014/main" id="{9A35DCFD-C8A6-4C03-A202-D84976D48491}"/>
               </a:ext>
             </a:extLst>
           </p:cNvPr>
@@ -9051,7 +8959,7 @@
           <a:p>
             <a:r>
               <a:rPr lang="en-IN" dirty="0"/>
-              <a:t>Test </a:t>
+              <a:t>Configure </a:t>
             </a:r>
             <a:r>
               <a:rPr lang="en-IN" dirty="0" err="1"/>
@@ -9059,63 +8967,50 @@
             </a:r>
             <a:r>
               <a:rPr lang="en-IN" dirty="0"/>
-              <a:t> test pipeline</a:t>
-            </a:r>
-          </a:p>
-        </p:txBody>
-      </p:sp>
-      <p:sp>
-        <p:nvSpPr>
-          <p:cNvPr id="3" name="Content Placeholder 2">
+              <a:t> credentials</a:t>
+            </a:r>
+          </a:p>
+        </p:txBody>
+      </p:sp>
+      <p:pic>
+        <p:nvPicPr>
+          <p:cNvPr id="5" name="Content Placeholder 4">
             <a:extLst>
               <a:ext uri="{FF2B5EF4-FFF2-40B4-BE49-F238E27FC236}">
-                <a16:creationId xmlns:a16="http://schemas.microsoft.com/office/drawing/2014/main" id="{326B380F-906C-4C2F-B7E1-C071FA5E6DB9}"/>
+                <a16:creationId xmlns:a16="http://schemas.microsoft.com/office/drawing/2014/main" id="{C81D187E-F7F7-4A8E-ABF0-E7F0F6DFBAB9}"/>
               </a:ext>
             </a:extLst>
           </p:cNvPr>
-          <p:cNvSpPr>
-            <a:spLocks noGrp="1"/>
-          </p:cNvSpPr>
+          <p:cNvPicPr>
+            <a:picLocks noGrp="1" noChangeAspect="1"/>
+          </p:cNvPicPr>
           <p:nvPr>
             <p:ph idx="1"/>
           </p:nvPr>
-        </p:nvSpPr>
-        <p:spPr/>
-        <p:txBody>
-          <a:bodyPr/>
-          <a:lstStyle/>
-          <a:p>
-            <a:r>
-              <a:rPr lang="en-IN" dirty="0"/>
-              <a:t>Use the sample pipeline code to test the </a:t>
-            </a:r>
-            <a:r>
-              <a:rPr lang="en-IN" dirty="0" err="1"/>
-              <a:t>aws</a:t>
-            </a:r>
-            <a:r>
-              <a:rPr lang="en-IN" dirty="0"/>
-              <a:t> pipeline</a:t>
-            </a:r>
-          </a:p>
-          <a:p>
-            <a:r>
-              <a:rPr lang="en-IN" dirty="0">
-                <a:hlinkClick r:id="rId2"/>
-              </a:rPr>
-              <a:t>https://gist.github.com/darinpope/cbdc036cec4cd49ae2548a4d2d050abd</a:t>
-            </a:r>
-            <a:endParaRPr lang="en-IN" dirty="0"/>
-          </a:p>
-          <a:p>
-            <a:endParaRPr lang="en-IN" dirty="0"/>
-          </a:p>
-        </p:txBody>
-      </p:sp>
+        </p:nvPicPr>
+        <p:blipFill>
+          <a:blip r:embed="rId2">
+            <a:extLst>
+              <a:ext uri="{28A0092B-C50C-407E-A947-70E740481C1C}">
+                <a14:useLocalDpi xmlns:a14="http://schemas.microsoft.com/office/drawing/2010/main" val="0"/>
+              </a:ext>
+            </a:extLst>
+          </a:blip>
+          <a:stretch>
+            <a:fillRect/>
+          </a:stretch>
+        </p:blipFill>
+        <p:spPr>
+          <a:xfrm>
+            <a:off x="470479" y="2026547"/>
+            <a:ext cx="9061401" cy="4351338"/>
+          </a:xfrm>
+        </p:spPr>
+      </p:pic>
     </p:spTree>
     <p:extLst>
       <p:ext uri="{BB962C8B-B14F-4D97-AF65-F5344CB8AC3E}">
-        <p14:creationId xmlns:p14="http://schemas.microsoft.com/office/powerpoint/2010/main" val="199584640"/>
+        <p14:creationId xmlns:p14="http://schemas.microsoft.com/office/powerpoint/2010/main" val="3130214862"/>
       </p:ext>
     </p:extLst>
   </p:cSld>
@@ -9147,7 +9042,7 @@
           <p:cNvPr id="2" name="Title 1">
             <a:extLst>
               <a:ext uri="{FF2B5EF4-FFF2-40B4-BE49-F238E27FC236}">
-                <a16:creationId xmlns:a16="http://schemas.microsoft.com/office/drawing/2014/main" id="{EF359788-5D9D-41F4-B542-2E52329DF5FE}"/>
+                <a16:creationId xmlns:a16="http://schemas.microsoft.com/office/drawing/2014/main" id="{7AF788E2-3815-431E-A6BA-67B1477FA988}"/>
               </a:ext>
             </a:extLst>
           </p:cNvPr>
@@ -9173,7 +9068,7 @@
             </a:r>
             <a:r>
               <a:rPr lang="en-IN" dirty="0"/>
-              <a:t> test pipeline to run ec2 instances</a:t>
+              <a:t> test pipeline</a:t>
             </a:r>
           </a:p>
         </p:txBody>
@@ -9183,7 +9078,7 @@
           <p:cNvPr id="3" name="Content Placeholder 2">
             <a:extLst>
               <a:ext uri="{FF2B5EF4-FFF2-40B4-BE49-F238E27FC236}">
-                <a16:creationId xmlns:a16="http://schemas.microsoft.com/office/drawing/2014/main" id="{64674692-BD72-418F-9F0B-AD9A64A3DCFA}"/>
+                <a16:creationId xmlns:a16="http://schemas.microsoft.com/office/drawing/2014/main" id="{326B380F-906C-4C2F-B7E1-C071FA5E6DB9}"/>
               </a:ext>
             </a:extLst>
           </p:cNvPr>
@@ -9194,268 +9089,42 @@
             <p:ph idx="1"/>
           </p:nvPr>
         </p:nvSpPr>
-        <p:spPr>
-          <a:xfrm>
-            <a:off x="581192" y="2180496"/>
-            <a:ext cx="11219899" cy="4630349"/>
-          </a:xfrm>
-        </p:spPr>
-        <p:txBody>
-          <a:bodyPr>
-            <a:noAutofit/>
-          </a:bodyPr>
-          <a:lstStyle/>
-          <a:p>
-            <a:r>
-              <a:rPr lang="en-IN" sz="1200" dirty="0">
-                <a:latin typeface="Arial" panose="020B0604020202020204" pitchFamily="34" charset="0"/>
-                <a:cs typeface="Arial" panose="020B0604020202020204" pitchFamily="34" charset="0"/>
-              </a:rPr>
-              <a:t>pipeline {</a:t>
-            </a:r>
-          </a:p>
-          <a:p>
-            <a:pPr marL="0" indent="0">
-              <a:buNone/>
-            </a:pPr>
-            <a:r>
-              <a:rPr lang="en-IN" sz="1200" dirty="0">
-                <a:latin typeface="Arial" panose="020B0604020202020204" pitchFamily="34" charset="0"/>
-                <a:cs typeface="Arial" panose="020B0604020202020204" pitchFamily="34" charset="0"/>
-              </a:rPr>
-              <a:t>         agent { label "</a:t>
-            </a:r>
-            <a:r>
-              <a:rPr lang="en-IN" sz="1200" dirty="0" err="1">
-                <a:latin typeface="Arial" panose="020B0604020202020204" pitchFamily="34" charset="0"/>
-                <a:cs typeface="Arial" panose="020B0604020202020204" pitchFamily="34" charset="0"/>
-              </a:rPr>
-              <a:t>linux</a:t>
-            </a:r>
-            <a:r>
-              <a:rPr lang="en-IN" sz="1200" dirty="0">
-                <a:latin typeface="Arial" panose="020B0604020202020204" pitchFamily="34" charset="0"/>
-                <a:cs typeface="Arial" panose="020B0604020202020204" pitchFamily="34" charset="0"/>
-              </a:rPr>
-              <a:t>" }</a:t>
-            </a:r>
-          </a:p>
-          <a:p>
-            <a:pPr marL="0" indent="0">
-              <a:buNone/>
-            </a:pPr>
-            <a:r>
-              <a:rPr lang="en-IN" sz="1200" dirty="0">
-                <a:latin typeface="Arial" panose="020B0604020202020204" pitchFamily="34" charset="0"/>
-                <a:cs typeface="Arial" panose="020B0604020202020204" pitchFamily="34" charset="0"/>
-              </a:rPr>
-              <a:t>        environment {</a:t>
-            </a:r>
-          </a:p>
-          <a:p>
-            <a:pPr marL="0" indent="0">
-              <a:buNone/>
-            </a:pPr>
-            <a:r>
-              <a:rPr lang="en-IN" sz="1200" dirty="0">
-                <a:latin typeface="Arial" panose="020B0604020202020204" pitchFamily="34" charset="0"/>
-                <a:cs typeface="Arial" panose="020B0604020202020204" pitchFamily="34" charset="0"/>
-              </a:rPr>
-              <a:t>           AWS_DEFAULT_REGION="us-east-2"</a:t>
-            </a:r>
-          </a:p>
-          <a:p>
-            <a:pPr marL="0" indent="0">
-              <a:buNone/>
-            </a:pPr>
-            <a:r>
-              <a:rPr lang="en-IN" sz="1200" dirty="0">
-                <a:latin typeface="Arial" panose="020B0604020202020204" pitchFamily="34" charset="0"/>
-                <a:cs typeface="Arial" panose="020B0604020202020204" pitchFamily="34" charset="0"/>
-              </a:rPr>
-              <a:t>        }</a:t>
-            </a:r>
-          </a:p>
-          <a:p>
-            <a:pPr marL="0" indent="0">
-              <a:buNone/>
-            </a:pPr>
-            <a:r>
-              <a:rPr lang="en-IN" sz="1200" dirty="0">
-                <a:latin typeface="Arial" panose="020B0604020202020204" pitchFamily="34" charset="0"/>
-                <a:cs typeface="Arial" panose="020B0604020202020204" pitchFamily="34" charset="0"/>
-              </a:rPr>
-              <a:t>      stages {</a:t>
-            </a:r>
-          </a:p>
-          <a:p>
-            <a:pPr marL="0" indent="0">
-              <a:buNone/>
-            </a:pPr>
-            <a:r>
-              <a:rPr lang="en-IN" sz="1200" dirty="0">
-                <a:latin typeface="Arial" panose="020B0604020202020204" pitchFamily="34" charset="0"/>
-                <a:cs typeface="Arial" panose="020B0604020202020204" pitchFamily="34" charset="0"/>
-              </a:rPr>
-              <a:t>           stage('Hello') {</a:t>
-            </a:r>
-          </a:p>
-          <a:p>
-            <a:pPr marL="0" indent="0">
-              <a:buNone/>
-            </a:pPr>
-            <a:r>
-              <a:rPr lang="en-IN" sz="1200" dirty="0">
-                <a:latin typeface="Arial" panose="020B0604020202020204" pitchFamily="34" charset="0"/>
-                <a:cs typeface="Arial" panose="020B0604020202020204" pitchFamily="34" charset="0"/>
-              </a:rPr>
-              <a:t>            steps {</a:t>
-            </a:r>
-          </a:p>
-          <a:p>
-            <a:pPr marL="0" indent="0">
-              <a:buNone/>
-            </a:pPr>
-            <a:r>
-              <a:rPr lang="en-IN" sz="1200" dirty="0">
-                <a:latin typeface="Arial" panose="020B0604020202020204" pitchFamily="34" charset="0"/>
-                <a:cs typeface="Arial" panose="020B0604020202020204" pitchFamily="34" charset="0"/>
-              </a:rPr>
-              <a:t>               </a:t>
-            </a:r>
-            <a:r>
-              <a:rPr lang="en-IN" sz="1200" dirty="0" err="1">
-                <a:latin typeface="Arial" panose="020B0604020202020204" pitchFamily="34" charset="0"/>
-                <a:cs typeface="Arial" panose="020B0604020202020204" pitchFamily="34" charset="0"/>
-              </a:rPr>
-              <a:t>sh</a:t>
-            </a:r>
-            <a:r>
-              <a:rPr lang="en-IN" sz="1200" dirty="0">
-                <a:latin typeface="Arial" panose="020B0604020202020204" pitchFamily="34" charset="0"/>
-                <a:cs typeface="Arial" panose="020B0604020202020204" pitchFamily="34" charset="0"/>
-              </a:rPr>
-              <a:t> '''</a:t>
-            </a:r>
-          </a:p>
-          <a:p>
-            <a:pPr marL="0" indent="0">
-              <a:buNone/>
-            </a:pPr>
-            <a:r>
-              <a:rPr lang="en-IN" sz="1200" dirty="0">
-                <a:latin typeface="Arial" panose="020B0604020202020204" pitchFamily="34" charset="0"/>
-                <a:cs typeface="Arial" panose="020B0604020202020204" pitchFamily="34" charset="0"/>
-              </a:rPr>
-              <a:t>               </a:t>
-            </a:r>
-            <a:r>
-              <a:rPr lang="en-IN" sz="1200" dirty="0" err="1">
-                <a:latin typeface="Arial" panose="020B0604020202020204" pitchFamily="34" charset="0"/>
-                <a:cs typeface="Arial" panose="020B0604020202020204" pitchFamily="34" charset="0"/>
-              </a:rPr>
+        <p:spPr/>
+        <p:txBody>
+          <a:bodyPr/>
+          <a:lstStyle/>
+          <a:p>
+            <a:r>
+              <a:rPr lang="en-IN" dirty="0"/>
+              <a:t>Use the sample pipeline code to test the </a:t>
+            </a:r>
+            <a:r>
+              <a:rPr lang="en-IN" dirty="0" err="1"/>
               <a:t>aws</a:t>
             </a:r>
             <a:r>
-              <a:rPr lang="en-IN" sz="1200" dirty="0">
-                <a:latin typeface="Arial" panose="020B0604020202020204" pitchFamily="34" charset="0"/>
-                <a:cs typeface="Arial" panose="020B0604020202020204" pitchFamily="34" charset="0"/>
-              </a:rPr>
-              <a:t> --version</a:t>
-            </a:r>
-          </a:p>
-          <a:p>
-            <a:pPr marL="0" indent="0">
-              <a:buNone/>
-            </a:pPr>
-            <a:r>
-              <a:rPr lang="en-IN" sz="1200" dirty="0">
-                <a:latin typeface="Arial" panose="020B0604020202020204" pitchFamily="34" charset="0"/>
-                <a:cs typeface="Arial" panose="020B0604020202020204" pitchFamily="34" charset="0"/>
-              </a:rPr>
-              <a:t>               </a:t>
-            </a:r>
-            <a:r>
-              <a:rPr lang="en-IN" sz="1200" dirty="0" err="1">
-                <a:latin typeface="Arial" panose="020B0604020202020204" pitchFamily="34" charset="0"/>
-                <a:cs typeface="Arial" panose="020B0604020202020204" pitchFamily="34" charset="0"/>
-              </a:rPr>
-              <a:t>aws</a:t>
-            </a:r>
-            <a:r>
-              <a:rPr lang="en-IN" sz="1200" dirty="0">
-                <a:latin typeface="Arial" panose="020B0604020202020204" pitchFamily="34" charset="0"/>
-                <a:cs typeface="Arial" panose="020B0604020202020204" pitchFamily="34" charset="0"/>
-              </a:rPr>
-              <a:t> ec2 describe-instances</a:t>
-            </a:r>
-          </a:p>
-          <a:p>
-            <a:pPr marL="0" indent="0">
-              <a:buNone/>
-            </a:pPr>
-            <a:r>
-              <a:rPr lang="en-IN" sz="1200" dirty="0">
-                <a:latin typeface="Arial" panose="020B0604020202020204" pitchFamily="34" charset="0"/>
-                <a:cs typeface="Arial" panose="020B0604020202020204" pitchFamily="34" charset="0"/>
-              </a:rPr>
-              <a:t>                 '''</a:t>
-            </a:r>
-          </a:p>
-          <a:p>
-            <a:pPr marL="0" indent="0">
-              <a:buNone/>
-            </a:pPr>
-            <a:r>
-              <a:rPr lang="en-IN" sz="1200" dirty="0">
-                <a:latin typeface="Arial" panose="020B0604020202020204" pitchFamily="34" charset="0"/>
-                <a:cs typeface="Arial" panose="020B0604020202020204" pitchFamily="34" charset="0"/>
-              </a:rPr>
-              <a:t>                  }</a:t>
-            </a:r>
-          </a:p>
-          <a:p>
-            <a:pPr marL="0" indent="0">
-              <a:buNone/>
-            </a:pPr>
-            <a:r>
-              <a:rPr lang="en-IN" sz="1200" dirty="0">
-                <a:latin typeface="Arial" panose="020B0604020202020204" pitchFamily="34" charset="0"/>
-                <a:cs typeface="Arial" panose="020B0604020202020204" pitchFamily="34" charset="0"/>
-              </a:rPr>
-              <a:t>           }</a:t>
-            </a:r>
-          </a:p>
-          <a:p>
-            <a:pPr marL="0" indent="0">
-              <a:buNone/>
-            </a:pPr>
-            <a:r>
-              <a:rPr lang="en-IN" sz="1200" dirty="0">
-                <a:latin typeface="Arial" panose="020B0604020202020204" pitchFamily="34" charset="0"/>
-                <a:cs typeface="Arial" panose="020B0604020202020204" pitchFamily="34" charset="0"/>
-              </a:rPr>
-              <a:t>  }</a:t>
-            </a:r>
-          </a:p>
-          <a:p>
-            <a:pPr marL="0" indent="0">
-              <a:buNone/>
-            </a:pPr>
-            <a:r>
-              <a:rPr lang="en-IN" sz="1200" dirty="0">
-                <a:latin typeface="Arial" panose="020B0604020202020204" pitchFamily="34" charset="0"/>
-                <a:cs typeface="Arial" panose="020B0604020202020204" pitchFamily="34" charset="0"/>
-              </a:rPr>
-              <a:t>}</a:t>
-            </a:r>
+              <a:rPr lang="en-IN" dirty="0"/>
+              <a:t> pipeline</a:t>
+            </a:r>
+          </a:p>
+          <a:p>
+            <a:r>
+              <a:rPr lang="en-IN" dirty="0">
+                <a:hlinkClick r:id="rId2"/>
+              </a:rPr>
+              <a:t>https://gist.github.com/darinpope/cbdc036cec4cd49ae2548a4d2d050abd</a:t>
+            </a:r>
+            <a:endParaRPr lang="en-IN" dirty="0"/>
+          </a:p>
+          <a:p>
+            <a:endParaRPr lang="en-IN" dirty="0"/>
           </a:p>
         </p:txBody>
       </p:sp>
     </p:spTree>
     <p:extLst>
       <p:ext uri="{BB962C8B-B14F-4D97-AF65-F5344CB8AC3E}">
-        <p14:creationId xmlns:p14="http://schemas.microsoft.com/office/powerpoint/2010/main" val="3391837197"/>
+        <p14:creationId xmlns:p14="http://schemas.microsoft.com/office/powerpoint/2010/main" val="199584640"/>
       </p:ext>
     </p:extLst>
   </p:cSld>
@@ -9487,7 +9156,7 @@
           <p:cNvPr id="2" name="Title 1">
             <a:extLst>
               <a:ext uri="{FF2B5EF4-FFF2-40B4-BE49-F238E27FC236}">
-                <a16:creationId xmlns:a16="http://schemas.microsoft.com/office/drawing/2014/main" id="{5488108C-3646-4820-9FF9-8D6C8D15E6D2}"/>
+                <a16:creationId xmlns:a16="http://schemas.microsoft.com/office/drawing/2014/main" id="{EF359788-5D9D-41F4-B542-2E52329DF5FE}"/>
               </a:ext>
             </a:extLst>
           </p:cNvPr>
@@ -9505,7 +9174,15 @@
           <a:p>
             <a:r>
               <a:rPr lang="en-IN" dirty="0"/>
-              <a:t>K8s Deployment PIPELINE</a:t>
+              <a:t>Test </a:t>
+            </a:r>
+            <a:r>
+              <a:rPr lang="en-IN" dirty="0" err="1"/>
+              <a:t>aws</a:t>
+            </a:r>
+            <a:r>
+              <a:rPr lang="en-IN" dirty="0"/>
+              <a:t> test pipeline to run ec2 instances</a:t>
             </a:r>
           </a:p>
         </p:txBody>
@@ -9515,7 +9192,7 @@
           <p:cNvPr id="3" name="Content Placeholder 2">
             <a:extLst>
               <a:ext uri="{FF2B5EF4-FFF2-40B4-BE49-F238E27FC236}">
-                <a16:creationId xmlns:a16="http://schemas.microsoft.com/office/drawing/2014/main" id="{5CBFF0C6-B886-4F22-B275-7BF2A837EC99}"/>
+                <a16:creationId xmlns:a16="http://schemas.microsoft.com/office/drawing/2014/main" id="{64674692-BD72-418F-9F0B-AD9A64A3DCFA}"/>
               </a:ext>
             </a:extLst>
           </p:cNvPr>
@@ -9526,25 +9203,24 @@
             <p:ph idx="1"/>
           </p:nvPr>
         </p:nvSpPr>
-        <p:spPr/>
-        <p:txBody>
-          <a:bodyPr/>
-          <a:lstStyle/>
-          <a:p>
-            <a:r>
-              <a:rPr lang="en-IN" sz="1400" dirty="0">
+        <p:spPr>
+          <a:xfrm>
+            <a:off x="581192" y="2180496"/>
+            <a:ext cx="11219899" cy="4630349"/>
+          </a:xfrm>
+        </p:spPr>
+        <p:txBody>
+          <a:bodyPr>
+            <a:noAutofit/>
+          </a:bodyPr>
+          <a:lstStyle/>
+          <a:p>
+            <a:r>
+              <a:rPr lang="en-IN" sz="1200" dirty="0">
                 <a:latin typeface="Arial" panose="020B0604020202020204" pitchFamily="34" charset="0"/>
                 <a:cs typeface="Arial" panose="020B0604020202020204" pitchFamily="34" charset="0"/>
               </a:rPr>
-              <a:t>Step 1 add </a:t>
-            </a:r>
-            <a:r>
-              <a:rPr lang="en-IN" sz="1400" b="1" i="0" dirty="0">
-                <a:effectLst/>
-                <a:latin typeface="Arial" panose="020B0604020202020204" pitchFamily="34" charset="0"/>
-                <a:cs typeface="Arial" panose="020B0604020202020204" pitchFamily="34" charset="0"/>
-              </a:rPr>
-              <a:t>Checkout the GitHub Repository</a:t>
+              <a:t>pipeline {</a:t>
             </a:r>
           </a:p>
           <a:p>
@@ -9552,31 +9228,25 @@
               <a:buNone/>
             </a:pPr>
             <a:r>
-              <a:rPr lang="en-US" sz="1400" b="0" i="0" dirty="0">
-                <a:effectLst/>
+              <a:rPr lang="en-IN" sz="1200" dirty="0">
                 <a:latin typeface="Arial" panose="020B0604020202020204" pitchFamily="34" charset="0"/>
                 <a:cs typeface="Arial" panose="020B0604020202020204" pitchFamily="34" charset="0"/>
               </a:rPr>
-              <a:t>       stage(</a:t>
-            </a:r>
-            <a:r>
-              <a:rPr lang="en-US" sz="1400" b="0" i="0" dirty="0">
-                <a:solidFill>
-                  <a:srgbClr val="6AB825"/>
-                </a:solidFill>
-                <a:effectLst/>
+              <a:t>         agent { label "</a:t>
+            </a:r>
+            <a:r>
+              <a:rPr lang="en-IN" sz="1200" dirty="0" err="1">
                 <a:latin typeface="Arial" panose="020B0604020202020204" pitchFamily="34" charset="0"/>
                 <a:cs typeface="Arial" panose="020B0604020202020204" pitchFamily="34" charset="0"/>
               </a:rPr>
-              <a:t>"Git Clone"</a:t>
-            </a:r>
-            <a:r>
-              <a:rPr lang="en-US" sz="1400" b="0" i="0" dirty="0">
-                <a:effectLst/>
+              <a:t>linux</a:t>
+            </a:r>
+            <a:r>
+              <a:rPr lang="en-IN" sz="1200" dirty="0">
                 <a:latin typeface="Arial" panose="020B0604020202020204" pitchFamily="34" charset="0"/>
                 <a:cs typeface="Arial" panose="020B0604020202020204" pitchFamily="34" charset="0"/>
               </a:rPr>
-              <a:t>){</a:t>
+              <a:t>" }</a:t>
             </a:r>
           </a:p>
           <a:p>
@@ -9584,66 +9254,11 @@
               <a:buNone/>
             </a:pPr>
             <a:r>
-              <a:rPr lang="en-US" sz="1400" b="0" i="0" dirty="0">
-                <a:effectLst/>
+              <a:rPr lang="en-IN" sz="1200" dirty="0">
                 <a:latin typeface="Arial" panose="020B0604020202020204" pitchFamily="34" charset="0"/>
                 <a:cs typeface="Arial" panose="020B0604020202020204" pitchFamily="34" charset="0"/>
               </a:rPr>
-              <a:t>       git </a:t>
-            </a:r>
-            <a:r>
-              <a:rPr lang="en-US" sz="1400" b="0" i="0" dirty="0" err="1">
-                <a:effectLst/>
-                <a:latin typeface="Arial" panose="020B0604020202020204" pitchFamily="34" charset="0"/>
-                <a:cs typeface="Arial" panose="020B0604020202020204" pitchFamily="34" charset="0"/>
-              </a:rPr>
-              <a:t>credentialsId</a:t>
-            </a:r>
-            <a:r>
-              <a:rPr lang="en-US" sz="1400" b="0" i="0" dirty="0">
-                <a:effectLst/>
-                <a:latin typeface="Arial" panose="020B0604020202020204" pitchFamily="34" charset="0"/>
-                <a:cs typeface="Arial" panose="020B0604020202020204" pitchFamily="34" charset="0"/>
-              </a:rPr>
-              <a:t>: </a:t>
-            </a:r>
-            <a:r>
-              <a:rPr lang="en-US" sz="1400" b="0" i="0" dirty="0">
-                <a:solidFill>
-                  <a:srgbClr val="6AB825"/>
-                </a:solidFill>
-                <a:effectLst/>
-                <a:latin typeface="Arial" panose="020B0604020202020204" pitchFamily="34" charset="0"/>
-                <a:cs typeface="Arial" panose="020B0604020202020204" pitchFamily="34" charset="0"/>
-              </a:rPr>
-              <a:t>'GIT_HUB_CREDENTIALS'</a:t>
-            </a:r>
-            <a:r>
-              <a:rPr lang="en-US" sz="1400" b="0" i="0" dirty="0">
-                <a:effectLst/>
-                <a:latin typeface="Arial" panose="020B0604020202020204" pitchFamily="34" charset="0"/>
-                <a:cs typeface="Arial" panose="020B0604020202020204" pitchFamily="34" charset="0"/>
-              </a:rPr>
-              <a:t>, url: </a:t>
-            </a:r>
-            <a:r>
-              <a:rPr lang="en-US" sz="1400" b="0" i="0" dirty="0">
-                <a:solidFill>
-                  <a:srgbClr val="6AB825"/>
-                </a:solidFill>
-                <a:effectLst/>
-                <a:latin typeface="Arial" panose="020B0604020202020204" pitchFamily="34" charset="0"/>
-                <a:cs typeface="Arial" panose="020B0604020202020204" pitchFamily="34" charset="0"/>
-              </a:rPr>
-              <a:t>'https://github.com/thulsidk1/k8s-jenkins-aws’</a:t>
-            </a:r>
-            <a:r>
-              <a:rPr lang="en-US" sz="1400" b="0" i="0" dirty="0">
-                <a:effectLst/>
-                <a:latin typeface="Arial" panose="020B0604020202020204" pitchFamily="34" charset="0"/>
-                <a:cs typeface="Arial" panose="020B0604020202020204" pitchFamily="34" charset="0"/>
-              </a:rPr>
-              <a:t> </a:t>
+              <a:t>        environment {</a:t>
             </a:r>
           </a:p>
           <a:p>
@@ -9651,29 +9266,11 @@
               <a:buNone/>
             </a:pPr>
             <a:r>
-              <a:rPr lang="en-US" sz="1400" b="0" i="0" dirty="0">
-                <a:effectLst/>
+              <a:rPr lang="en-IN" sz="1200" dirty="0">
                 <a:latin typeface="Arial" panose="020B0604020202020204" pitchFamily="34" charset="0"/>
                 <a:cs typeface="Arial" panose="020B0604020202020204" pitchFamily="34" charset="0"/>
               </a:rPr>
-              <a:t>      }</a:t>
-            </a:r>
-          </a:p>
-          <a:p>
-            <a:r>
-              <a:rPr lang="en-US" sz="1400" dirty="0">
-                <a:latin typeface="Arial" panose="020B0604020202020204" pitchFamily="34" charset="0"/>
-                <a:cs typeface="Arial" panose="020B0604020202020204" pitchFamily="34" charset="0"/>
-              </a:rPr>
-              <a:t>Step2 </a:t>
-            </a:r>
-            <a:r>
-              <a:rPr lang="en-IN" sz="1400" b="1" i="0" dirty="0">
-                <a:effectLst/>
-                <a:latin typeface="Arial" panose="020B0604020202020204" pitchFamily="34" charset="0"/>
-                <a:cs typeface="Arial" panose="020B0604020202020204" pitchFamily="34" charset="0"/>
-              </a:rPr>
-              <a:t>Gradle compilation and build</a:t>
+              <a:t>           AWS_DEFAULT_REGION="us-east-2"</a:t>
             </a:r>
           </a:p>
           <a:p>
@@ -9681,12 +9278,11 @@
               <a:buNone/>
             </a:pPr>
             <a:r>
-              <a:rPr lang="en-US" sz="1400" b="0" i="0" dirty="0">
-                <a:effectLst/>
+              <a:rPr lang="en-IN" sz="1200" dirty="0">
                 <a:latin typeface="Arial" panose="020B0604020202020204" pitchFamily="34" charset="0"/>
                 <a:cs typeface="Arial" panose="020B0604020202020204" pitchFamily="34" charset="0"/>
               </a:rPr>
-              <a:t>      stage('Gradle Build') { </a:t>
+              <a:t>        }</a:t>
             </a:r>
           </a:p>
           <a:p>
@@ -9694,44 +9290,11 @@
               <a:buNone/>
             </a:pPr>
             <a:r>
-              <a:rPr lang="en-US" sz="1400" b="0" i="0" dirty="0">
-                <a:effectLst/>
+              <a:rPr lang="en-IN" sz="1200" dirty="0">
                 <a:latin typeface="Arial" panose="020B0604020202020204" pitchFamily="34" charset="0"/>
                 <a:cs typeface="Arial" panose="020B0604020202020204" pitchFamily="34" charset="0"/>
               </a:rPr>
-              <a:t>      </a:t>
-            </a:r>
-            <a:r>
-              <a:rPr lang="en-US" sz="1400" b="0" i="0" dirty="0" err="1">
-                <a:effectLst/>
-                <a:latin typeface="Arial" panose="020B0604020202020204" pitchFamily="34" charset="0"/>
-                <a:cs typeface="Arial" panose="020B0604020202020204" pitchFamily="34" charset="0"/>
-              </a:rPr>
-              <a:t>sh</a:t>
-            </a:r>
-            <a:r>
-              <a:rPr lang="en-US" sz="1400" b="0" i="0" dirty="0">
-                <a:effectLst/>
-                <a:latin typeface="Arial" panose="020B0604020202020204" pitchFamily="34" charset="0"/>
-                <a:cs typeface="Arial" panose="020B0604020202020204" pitchFamily="34" charset="0"/>
-              </a:rPr>
-              <a:t> './</a:t>
-            </a:r>
-            <a:r>
-              <a:rPr lang="en-US" sz="1400" b="0" i="0" dirty="0" err="1">
-                <a:effectLst/>
-                <a:latin typeface="Arial" panose="020B0604020202020204" pitchFamily="34" charset="0"/>
-                <a:cs typeface="Arial" panose="020B0604020202020204" pitchFamily="34" charset="0"/>
-              </a:rPr>
-              <a:t>gradlew</a:t>
-            </a:r>
-            <a:r>
-              <a:rPr lang="en-US" sz="1400" b="0" i="0" dirty="0">
-                <a:effectLst/>
-                <a:latin typeface="Arial" panose="020B0604020202020204" pitchFamily="34" charset="0"/>
-                <a:cs typeface="Arial" panose="020B0604020202020204" pitchFamily="34" charset="0"/>
-              </a:rPr>
-              <a:t> build’</a:t>
+              <a:t>      stages {</a:t>
             </a:r>
           </a:p>
           <a:p>
@@ -9739,115 +9302,169 @@
               <a:buNone/>
             </a:pPr>
             <a:r>
-              <a:rPr lang="en-US" sz="1400" b="0" i="0" dirty="0">
-                <a:effectLst/>
+              <a:rPr lang="en-IN" sz="1200" dirty="0">
                 <a:latin typeface="Arial" panose="020B0604020202020204" pitchFamily="34" charset="0"/>
                 <a:cs typeface="Arial" panose="020B0604020202020204" pitchFamily="34" charset="0"/>
               </a:rPr>
-              <a:t>     }</a:t>
-            </a:r>
-            <a:endParaRPr lang="en-IN" sz="1400" dirty="0">
-              <a:latin typeface="Arial" panose="020B0604020202020204" pitchFamily="34" charset="0"/>
-              <a:cs typeface="Arial" panose="020B0604020202020204" pitchFamily="34" charset="0"/>
-            </a:endParaRPr>
-          </a:p>
-          <a:p>
-            <a:endParaRPr lang="en-IN" dirty="0"/>
-          </a:p>
-        </p:txBody>
-      </p:sp>
-      <p:sp>
-        <p:nvSpPr>
-          <p:cNvPr id="4" name="Date Placeholder 3">
-            <a:extLst>
-              <a:ext uri="{FF2B5EF4-FFF2-40B4-BE49-F238E27FC236}">
-                <a16:creationId xmlns:a16="http://schemas.microsoft.com/office/drawing/2014/main" id="{D6926E31-21CE-47B6-B45F-55534D536814}"/>
-              </a:ext>
-            </a:extLst>
-          </p:cNvPr>
-          <p:cNvSpPr>
-            <a:spLocks noGrp="1"/>
-          </p:cNvSpPr>
-          <p:nvPr>
-            <p:ph type="dt" sz="half" idx="10"/>
-          </p:nvPr>
-        </p:nvSpPr>
-        <p:spPr/>
-        <p:txBody>
-          <a:bodyPr/>
-          <a:lstStyle/>
-          <a:p>
-            <a:fld id="{30982E46-163F-534D-B244-A5ED1410340B}" type="datetime1">
-              <a:rPr lang="nl-NL" smtClean="0"/>
-              <a:t>17-3-2022</a:t>
-            </a:fld>
-            <a:endParaRPr lang="en-US" dirty="0"/>
-          </a:p>
-        </p:txBody>
-      </p:sp>
-      <p:sp>
-        <p:nvSpPr>
-          <p:cNvPr id="5" name="Footer Placeholder 4">
-            <a:extLst>
-              <a:ext uri="{FF2B5EF4-FFF2-40B4-BE49-F238E27FC236}">
-                <a16:creationId xmlns:a16="http://schemas.microsoft.com/office/drawing/2014/main" id="{032A3A8C-D9F2-4936-AB73-9B0651937D89}"/>
-              </a:ext>
-            </a:extLst>
-          </p:cNvPr>
-          <p:cNvSpPr>
-            <a:spLocks noGrp="1"/>
-          </p:cNvSpPr>
-          <p:nvPr>
-            <p:ph type="ftr" sz="quarter" idx="11"/>
-          </p:nvPr>
-        </p:nvSpPr>
-        <p:spPr/>
-        <p:txBody>
-          <a:bodyPr/>
-          <a:lstStyle/>
-          <a:p>
-            <a:r>
-              <a:rPr lang="en-US"/>
-              <a:t>“Samen sterker, Beter en slimmer!”</a:t>
-            </a:r>
-            <a:endParaRPr lang="en-US" dirty="0"/>
-          </a:p>
-        </p:txBody>
-      </p:sp>
-      <p:sp>
-        <p:nvSpPr>
-          <p:cNvPr id="6" name="Slide Number Placeholder 5">
-            <a:extLst>
-              <a:ext uri="{FF2B5EF4-FFF2-40B4-BE49-F238E27FC236}">
-                <a16:creationId xmlns:a16="http://schemas.microsoft.com/office/drawing/2014/main" id="{70A795E4-5D7E-4052-B93D-AFB2DE7D2B7C}"/>
-              </a:ext>
-            </a:extLst>
-          </p:cNvPr>
-          <p:cNvSpPr>
-            <a:spLocks noGrp="1"/>
-          </p:cNvSpPr>
-          <p:nvPr>
-            <p:ph type="sldNum" sz="quarter" idx="12"/>
-          </p:nvPr>
-        </p:nvSpPr>
-        <p:spPr/>
-        <p:txBody>
-          <a:bodyPr/>
-          <a:lstStyle/>
-          <a:p>
-            <a:fld id="{D57F1E4F-1CFF-5643-939E-217C01CDF565}" type="slidenum">
-              <a:rPr lang="en-US" smtClean="0"/>
-              <a:pPr/>
-              <a:t>39</a:t>
-            </a:fld>
-            <a:endParaRPr lang="en-US" dirty="0"/>
+              <a:t>           stage('Hello') {</a:t>
+            </a:r>
+          </a:p>
+          <a:p>
+            <a:pPr marL="0" indent="0">
+              <a:buNone/>
+            </a:pPr>
+            <a:r>
+              <a:rPr lang="en-IN" sz="1200" dirty="0">
+                <a:latin typeface="Arial" panose="020B0604020202020204" pitchFamily="34" charset="0"/>
+                <a:cs typeface="Arial" panose="020B0604020202020204" pitchFamily="34" charset="0"/>
+              </a:rPr>
+              <a:t>            steps {</a:t>
+            </a:r>
+          </a:p>
+          <a:p>
+            <a:pPr marL="0" indent="0">
+              <a:buNone/>
+            </a:pPr>
+            <a:r>
+              <a:rPr lang="en-IN" sz="1200" dirty="0">
+                <a:latin typeface="Arial" panose="020B0604020202020204" pitchFamily="34" charset="0"/>
+                <a:cs typeface="Arial" panose="020B0604020202020204" pitchFamily="34" charset="0"/>
+              </a:rPr>
+              <a:t>               </a:t>
+            </a:r>
+            <a:r>
+              <a:rPr lang="en-IN" sz="1200" dirty="0" err="1">
+                <a:latin typeface="Arial" panose="020B0604020202020204" pitchFamily="34" charset="0"/>
+                <a:cs typeface="Arial" panose="020B0604020202020204" pitchFamily="34" charset="0"/>
+              </a:rPr>
+              <a:t>sh</a:t>
+            </a:r>
+            <a:r>
+              <a:rPr lang="en-IN" sz="1200" dirty="0">
+                <a:latin typeface="Arial" panose="020B0604020202020204" pitchFamily="34" charset="0"/>
+                <a:cs typeface="Arial" panose="020B0604020202020204" pitchFamily="34" charset="0"/>
+              </a:rPr>
+              <a:t> '''</a:t>
+            </a:r>
+          </a:p>
+          <a:p>
+            <a:pPr marL="0" indent="0">
+              <a:buNone/>
+            </a:pPr>
+            <a:r>
+              <a:rPr lang="en-IN" sz="1200" dirty="0">
+                <a:latin typeface="Arial" panose="020B0604020202020204" pitchFamily="34" charset="0"/>
+                <a:cs typeface="Arial" panose="020B0604020202020204" pitchFamily="34" charset="0"/>
+              </a:rPr>
+              <a:t>               </a:t>
+            </a:r>
+            <a:r>
+              <a:rPr lang="en-IN" sz="1200" dirty="0" err="1">
+                <a:latin typeface="Arial" panose="020B0604020202020204" pitchFamily="34" charset="0"/>
+                <a:cs typeface="Arial" panose="020B0604020202020204" pitchFamily="34" charset="0"/>
+              </a:rPr>
+              <a:t>aws</a:t>
+            </a:r>
+            <a:r>
+              <a:rPr lang="en-IN" sz="1200" dirty="0">
+                <a:latin typeface="Arial" panose="020B0604020202020204" pitchFamily="34" charset="0"/>
+                <a:cs typeface="Arial" panose="020B0604020202020204" pitchFamily="34" charset="0"/>
+              </a:rPr>
+              <a:t> --version</a:t>
+            </a:r>
+          </a:p>
+          <a:p>
+            <a:pPr marL="0" indent="0">
+              <a:buNone/>
+            </a:pPr>
+            <a:r>
+              <a:rPr lang="en-IN" sz="1200" dirty="0">
+                <a:latin typeface="Arial" panose="020B0604020202020204" pitchFamily="34" charset="0"/>
+                <a:cs typeface="Arial" panose="020B0604020202020204" pitchFamily="34" charset="0"/>
+              </a:rPr>
+              <a:t>               </a:t>
+            </a:r>
+            <a:r>
+              <a:rPr lang="en-IN" sz="1200" dirty="0" err="1">
+                <a:latin typeface="Arial" panose="020B0604020202020204" pitchFamily="34" charset="0"/>
+                <a:cs typeface="Arial" panose="020B0604020202020204" pitchFamily="34" charset="0"/>
+              </a:rPr>
+              <a:t>aws</a:t>
+            </a:r>
+            <a:r>
+              <a:rPr lang="en-IN" sz="1200" dirty="0">
+                <a:latin typeface="Arial" panose="020B0604020202020204" pitchFamily="34" charset="0"/>
+                <a:cs typeface="Arial" panose="020B0604020202020204" pitchFamily="34" charset="0"/>
+              </a:rPr>
+              <a:t> ec2 describe-instances</a:t>
+            </a:r>
+          </a:p>
+          <a:p>
+            <a:pPr marL="0" indent="0">
+              <a:buNone/>
+            </a:pPr>
+            <a:r>
+              <a:rPr lang="en-IN" sz="1200" dirty="0">
+                <a:latin typeface="Arial" panose="020B0604020202020204" pitchFamily="34" charset="0"/>
+                <a:cs typeface="Arial" panose="020B0604020202020204" pitchFamily="34" charset="0"/>
+              </a:rPr>
+              <a:t>                 '''</a:t>
+            </a:r>
+          </a:p>
+          <a:p>
+            <a:pPr marL="0" indent="0">
+              <a:buNone/>
+            </a:pPr>
+            <a:r>
+              <a:rPr lang="en-IN" sz="1200" dirty="0">
+                <a:latin typeface="Arial" panose="020B0604020202020204" pitchFamily="34" charset="0"/>
+                <a:cs typeface="Arial" panose="020B0604020202020204" pitchFamily="34" charset="0"/>
+              </a:rPr>
+              <a:t>                  }</a:t>
+            </a:r>
+          </a:p>
+          <a:p>
+            <a:pPr marL="0" indent="0">
+              <a:buNone/>
+            </a:pPr>
+            <a:r>
+              <a:rPr lang="en-IN" sz="1200" dirty="0">
+                <a:latin typeface="Arial" panose="020B0604020202020204" pitchFamily="34" charset="0"/>
+                <a:cs typeface="Arial" panose="020B0604020202020204" pitchFamily="34" charset="0"/>
+              </a:rPr>
+              <a:t>           }</a:t>
+            </a:r>
+          </a:p>
+          <a:p>
+            <a:pPr marL="0" indent="0">
+              <a:buNone/>
+            </a:pPr>
+            <a:r>
+              <a:rPr lang="en-IN" sz="1200" dirty="0">
+                <a:latin typeface="Arial" panose="020B0604020202020204" pitchFamily="34" charset="0"/>
+                <a:cs typeface="Arial" panose="020B0604020202020204" pitchFamily="34" charset="0"/>
+              </a:rPr>
+              <a:t>  }</a:t>
+            </a:r>
+          </a:p>
+          <a:p>
+            <a:pPr marL="0" indent="0">
+              <a:buNone/>
+            </a:pPr>
+            <a:r>
+              <a:rPr lang="en-IN" sz="1200" dirty="0">
+                <a:latin typeface="Arial" panose="020B0604020202020204" pitchFamily="34" charset="0"/>
+                <a:cs typeface="Arial" panose="020B0604020202020204" pitchFamily="34" charset="0"/>
+              </a:rPr>
+              <a:t>}</a:t>
+            </a:r>
           </a:p>
         </p:txBody>
       </p:sp>
     </p:spTree>
     <p:extLst>
       <p:ext uri="{BB962C8B-B14F-4D97-AF65-F5344CB8AC3E}">
-        <p14:creationId xmlns:p14="http://schemas.microsoft.com/office/powerpoint/2010/main" val="3129815881"/>
+        <p14:creationId xmlns:p14="http://schemas.microsoft.com/office/powerpoint/2010/main" val="3391837197"/>
       </p:ext>
     </p:extLst>
   </p:cSld>
@@ -9879,7 +9496,7 @@
           <p:cNvPr id="2" name="Title 1">
             <a:extLst>
               <a:ext uri="{FF2B5EF4-FFF2-40B4-BE49-F238E27FC236}">
-                <a16:creationId xmlns:a16="http://schemas.microsoft.com/office/drawing/2014/main" id="{E71523DB-9F1A-4308-95F9-3F631A35FB2D}"/>
+                <a16:creationId xmlns:a16="http://schemas.microsoft.com/office/drawing/2014/main" id="{3EA9AC9C-E388-438A-B8E2-E586019872B5}"/>
               </a:ext>
             </a:extLst>
           </p:cNvPr>
@@ -9896,50 +9513,41 @@
           <a:lstStyle/>
           <a:p>
             <a:r>
-              <a:rPr lang="en-IN" dirty="0"/>
-              <a:t>Jenkins For </a:t>
-            </a:r>
-            <a:r>
-              <a:rPr lang="en-IN"/>
-              <a:t>DeVOPS</a:t>
-            </a:r>
-          </a:p>
-        </p:txBody>
-      </p:sp>
-      <p:sp>
-        <p:nvSpPr>
-          <p:cNvPr id="3" name="Content Placeholder 2">
-            <a:extLst>
-              <a:ext uri="{FF2B5EF4-FFF2-40B4-BE49-F238E27FC236}">
-                <a16:creationId xmlns:a16="http://schemas.microsoft.com/office/drawing/2014/main" id="{0C9BF358-47DC-4A19-8D23-DF179765699D}"/>
-              </a:ext>
-            </a:extLst>
-          </p:cNvPr>
-          <p:cNvSpPr>
-            <a:spLocks noGrp="1"/>
-          </p:cNvSpPr>
-          <p:nvPr>
-            <p:ph idx="1"/>
-          </p:nvPr>
-        </p:nvSpPr>
-        <p:spPr/>
-        <p:txBody>
-          <a:bodyPr/>
-          <a:lstStyle/>
-          <a:p>
-            <a:r>
-              <a:rPr lang="en-US" sz="1800" b="0" i="0" dirty="0">
+              <a:rPr lang="en-US" sz="2800" b="1" i="0" dirty="0">
                 <a:solidFill>
                   <a:srgbClr val="292929"/>
                 </a:solidFill>
                 <a:effectLst/>
                 <a:latin typeface="charter"/>
-              </a:rPr>
-              <a:t>Jenkins is available for all platforms and different operating systems, whether it is OS X, Windows or Linux. </a:t>
-            </a:r>
-          </a:p>
-          <a:p>
-            <a:pPr lvl="1"/>
+                <a:cs typeface="Arial" panose="020B0604020202020204" pitchFamily="34" charset="0"/>
+              </a:rPr>
+              <a:t>Why Jenkins is becoming the CI/CD tool of choice for more and more DevOps</a:t>
+            </a:r>
+            <a:endParaRPr lang="en-IN" dirty="0"/>
+          </a:p>
+        </p:txBody>
+      </p:sp>
+      <p:sp>
+        <p:nvSpPr>
+          <p:cNvPr id="3" name="Content Placeholder 2">
+            <a:extLst>
+              <a:ext uri="{FF2B5EF4-FFF2-40B4-BE49-F238E27FC236}">
+                <a16:creationId xmlns:a16="http://schemas.microsoft.com/office/drawing/2014/main" id="{F56E2829-CD5F-4394-BB86-018E8BE37E15}"/>
+              </a:ext>
+            </a:extLst>
+          </p:cNvPr>
+          <p:cNvSpPr>
+            <a:spLocks noGrp="1"/>
+          </p:cNvSpPr>
+          <p:nvPr>
+            <p:ph idx="1"/>
+          </p:nvPr>
+        </p:nvSpPr>
+        <p:spPr/>
+        <p:txBody>
+          <a:bodyPr/>
+          <a:lstStyle/>
+          <a:p>
             <a:r>
               <a:rPr lang="en-US" b="0" i="0" dirty="0">
                 <a:solidFill>
@@ -9948,19 +9556,7 @@
                 <a:effectLst/>
                 <a:latin typeface="charter"/>
               </a:rPr>
-              <a:t>It also boasts rich plugin ecosystem. The extensive pool of plugins makes Jenkins flexible and allows building, deploying and automating across various platforms.</a:t>
-            </a:r>
-          </a:p>
-          <a:p>
-            <a:r>
-              <a:rPr lang="en-US" sz="1800" b="0" i="0" dirty="0">
-                <a:solidFill>
-                  <a:srgbClr val="292929"/>
-                </a:solidFill>
-                <a:effectLst/>
-                <a:latin typeface="charter"/>
-              </a:rPr>
-              <a:t>Since it is open source, there is no shortage of support from large online communities of agile teams.</a:t>
+              <a:t>There are several reasons why Jenkins is gaining momentum. </a:t>
             </a:r>
           </a:p>
           <a:p>
@@ -9973,7 +9569,7 @@
                 <a:effectLst/>
                 <a:latin typeface="charter"/>
               </a:rPr>
-              <a:t> Finally, most of the integration work is automated. Hence fewer integration issues.</a:t>
+              <a:t>First, it is open source and free.</a:t>
             </a:r>
           </a:p>
           <a:p>
@@ -9986,23 +9582,55 @@
                 <a:effectLst/>
                 <a:latin typeface="charter"/>
               </a:rPr>
-              <a:t> This saves both time and money over the lifespan of a project</a:t>
-            </a:r>
-            <a:r>
-              <a:rPr lang="en-US" sz="1000" b="0" i="0" dirty="0">
+              <a:t> Second, it is user-friendly, easy to install and does not require additional installations or components</a:t>
+            </a:r>
+            <a:endParaRPr lang="en-IN" b="0" i="0" dirty="0">
+              <a:solidFill>
+                <a:srgbClr val="292929"/>
+              </a:solidFill>
+              <a:effectLst/>
+              <a:latin typeface="charter"/>
+            </a:endParaRPr>
+          </a:p>
+          <a:p>
+            <a:r>
+              <a:rPr lang="en-US" b="0" i="0" dirty="0">
                 <a:solidFill>
                   <a:srgbClr val="292929"/>
                 </a:solidFill>
                 <a:effectLst/>
                 <a:latin typeface="charter"/>
               </a:rPr>
-              <a:t>.</a:t>
+              <a:t>Jenkins is also quite easy to configure, modify and extend. </a:t>
+            </a:r>
+          </a:p>
+          <a:p>
+            <a:pPr lvl="1"/>
+            <a:r>
+              <a:rPr lang="en-US" b="0" i="0" dirty="0">
+                <a:solidFill>
+                  <a:srgbClr val="292929"/>
+                </a:solidFill>
+                <a:effectLst/>
+                <a:latin typeface="charter"/>
+              </a:rPr>
+              <a:t>It deploys code instantly, generates test reports. </a:t>
+            </a:r>
+          </a:p>
+          <a:p>
+            <a:pPr lvl="1"/>
+            <a:r>
+              <a:rPr lang="en-US" b="0" i="0" dirty="0">
+                <a:solidFill>
+                  <a:srgbClr val="292929"/>
+                </a:solidFill>
+                <a:effectLst/>
+                <a:latin typeface="charter"/>
+              </a:rPr>
+              <a:t>Jenkins can be configured according to the requirements for continuous integrations and continuous delivery</a:t>
             </a:r>
             <a:endParaRPr lang="en-IN" dirty="0"/>
           </a:p>
-          <a:p>
-            <a:endParaRPr lang="en-IN" dirty="0"/>
-          </a:p>
         </p:txBody>
       </p:sp>
       <p:sp>
@@ -10010,7 +9638,7 @@
           <p:cNvPr id="4" name="Date Placeholder 3">
             <a:extLst>
               <a:ext uri="{FF2B5EF4-FFF2-40B4-BE49-F238E27FC236}">
-                <a16:creationId xmlns:a16="http://schemas.microsoft.com/office/drawing/2014/main" id="{E1D52327-10E5-4C7C-9979-16B3750DBD04}"/>
+                <a16:creationId xmlns:a16="http://schemas.microsoft.com/office/drawing/2014/main" id="{7AB528B1-4855-41EA-B195-4FC0E423B44E}"/>
               </a:ext>
             </a:extLst>
           </p:cNvPr>
@@ -10039,7 +9667,7 @@
           <p:cNvPr id="5" name="Footer Placeholder 4">
             <a:extLst>
               <a:ext uri="{FF2B5EF4-FFF2-40B4-BE49-F238E27FC236}">
-                <a16:creationId xmlns:a16="http://schemas.microsoft.com/office/drawing/2014/main" id="{B67EC95B-9FE5-4DC5-96A3-EFD2052E8C52}"/>
+                <a16:creationId xmlns:a16="http://schemas.microsoft.com/office/drawing/2014/main" id="{F5929369-8A4E-46C8-8CDF-D8DCD09F04F8}"/>
               </a:ext>
             </a:extLst>
           </p:cNvPr>
@@ -10068,7 +9696,7 @@
           <p:cNvPr id="6" name="Slide Number Placeholder 5">
             <a:extLst>
               <a:ext uri="{FF2B5EF4-FFF2-40B4-BE49-F238E27FC236}">
-                <a16:creationId xmlns:a16="http://schemas.microsoft.com/office/drawing/2014/main" id="{E7CC2BAC-32E0-4133-A626-1F96B28CDB8D}"/>
+                <a16:creationId xmlns:a16="http://schemas.microsoft.com/office/drawing/2014/main" id="{FE5AB4F7-3424-49EE-A4CE-6ED93A2232CF}"/>
               </a:ext>
             </a:extLst>
           </p:cNvPr>
@@ -10096,7 +9724,7 @@
     </p:spTree>
     <p:extLst>
       <p:ext uri="{BB962C8B-B14F-4D97-AF65-F5344CB8AC3E}">
-        <p14:creationId xmlns:p14="http://schemas.microsoft.com/office/powerpoint/2010/main" val="393481099"/>
+        <p14:creationId xmlns:p14="http://schemas.microsoft.com/office/powerpoint/2010/main" val="1133965723"/>
       </p:ext>
     </p:extLst>
   </p:cSld>
@@ -10128,7 +9756,7 @@
           <p:cNvPr id="2" name="Title 1">
             <a:extLst>
               <a:ext uri="{FF2B5EF4-FFF2-40B4-BE49-F238E27FC236}">
-                <a16:creationId xmlns:a16="http://schemas.microsoft.com/office/drawing/2014/main" id="{063A88CB-3E97-4CE6-BD1B-B20DED7D5537}"/>
+                <a16:creationId xmlns:a16="http://schemas.microsoft.com/office/drawing/2014/main" id="{5488108C-3646-4820-9FF9-8D6C8D15E6D2}"/>
               </a:ext>
             </a:extLst>
           </p:cNvPr>
@@ -10156,7 +9784,7 @@
           <p:cNvPr id="3" name="Content Placeholder 2">
             <a:extLst>
               <a:ext uri="{FF2B5EF4-FFF2-40B4-BE49-F238E27FC236}">
-                <a16:creationId xmlns:a16="http://schemas.microsoft.com/office/drawing/2014/main" id="{DDD647A5-3ABE-43B4-A6C6-A43E75F71541}"/>
+                <a16:creationId xmlns:a16="http://schemas.microsoft.com/office/drawing/2014/main" id="{5CBFF0C6-B886-4F22-B275-7BF2A837EC99}"/>
               </a:ext>
             </a:extLst>
           </p:cNvPr>
@@ -10169,9 +9797,7 @@
         </p:nvSpPr>
         <p:spPr/>
         <p:txBody>
-          <a:bodyPr>
-            <a:normAutofit/>
-          </a:bodyPr>
+          <a:bodyPr/>
           <a:lstStyle/>
           <a:p>
             <a:r>
@@ -10179,15 +9805,15 @@
                 <a:latin typeface="Arial" panose="020B0604020202020204" pitchFamily="34" charset="0"/>
                 <a:cs typeface="Arial" panose="020B0604020202020204" pitchFamily="34" charset="0"/>
               </a:rPr>
-              <a:t>Step3 :</a:t>
-            </a:r>
-            <a:r>
-              <a:rPr lang="en-US" sz="1400" b="1" i="0" dirty="0">
+              <a:t>Step 1 add </a:t>
+            </a:r>
+            <a:r>
+              <a:rPr lang="en-IN" sz="1400" b="1" i="0" dirty="0">
                 <a:effectLst/>
                 <a:latin typeface="Arial" panose="020B0604020202020204" pitchFamily="34" charset="0"/>
                 <a:cs typeface="Arial" panose="020B0604020202020204" pitchFamily="34" charset="0"/>
               </a:rPr>
-              <a:t>Create Docker Container and push to Docker Hub</a:t>
+              <a:t>Checkout the GitHub Repository</a:t>
             </a:r>
           </a:p>
           <a:p>
@@ -10195,12 +9821,31 @@
               <a:buNone/>
             </a:pPr>
             <a:r>
-              <a:rPr lang="en-IN" sz="1400" b="0" i="0" dirty="0">
+              <a:rPr lang="en-US" sz="1400" b="0" i="0" dirty="0">
                 <a:effectLst/>
                 <a:latin typeface="Arial" panose="020B0604020202020204" pitchFamily="34" charset="0"/>
                 <a:cs typeface="Arial" panose="020B0604020202020204" pitchFamily="34" charset="0"/>
               </a:rPr>
-              <a:t>  stage("Docker build"){ </a:t>
+              <a:t>       stage(</a:t>
+            </a:r>
+            <a:r>
+              <a:rPr lang="en-US" sz="1400" b="0" i="0" dirty="0">
+                <a:solidFill>
+                  <a:srgbClr val="6AB825"/>
+                </a:solidFill>
+                <a:effectLst/>
+                <a:latin typeface="Arial" panose="020B0604020202020204" pitchFamily="34" charset="0"/>
+                <a:cs typeface="Arial" panose="020B0604020202020204" pitchFamily="34" charset="0"/>
+              </a:rPr>
+              <a:t>"Git Clone"</a:t>
+            </a:r>
+            <a:r>
+              <a:rPr lang="en-US" sz="1400" b="0" i="0" dirty="0">
+                <a:effectLst/>
+                <a:latin typeface="Arial" panose="020B0604020202020204" pitchFamily="34" charset="0"/>
+                <a:cs typeface="Arial" panose="020B0604020202020204" pitchFamily="34" charset="0"/>
+              </a:rPr>
+              <a:t>){</a:t>
             </a:r>
           </a:p>
           <a:p>
@@ -10208,44 +9853,66 @@
               <a:buNone/>
             </a:pPr>
             <a:r>
-              <a:rPr lang="en-IN" sz="1400" b="0" i="0" dirty="0">
+              <a:rPr lang="en-US" sz="1400" b="0" i="0" dirty="0">
                 <a:effectLst/>
                 <a:latin typeface="Arial" panose="020B0604020202020204" pitchFamily="34" charset="0"/>
                 <a:cs typeface="Arial" panose="020B0604020202020204" pitchFamily="34" charset="0"/>
               </a:rPr>
-              <a:t>       </a:t>
-            </a:r>
-            <a:r>
-              <a:rPr lang="en-IN" sz="1400" b="0" i="0" dirty="0" err="1">
+              <a:t>       git </a:t>
+            </a:r>
+            <a:r>
+              <a:rPr lang="en-US" sz="1400" b="0" i="0" dirty="0" err="1">
                 <a:effectLst/>
                 <a:latin typeface="Arial" panose="020B0604020202020204" pitchFamily="34" charset="0"/>
                 <a:cs typeface="Arial" panose="020B0604020202020204" pitchFamily="34" charset="0"/>
               </a:rPr>
-              <a:t>sh</a:t>
-            </a:r>
-            <a:r>
-              <a:rPr lang="en-IN" sz="1400" b="0" i="0" dirty="0">
+              <a:t>credentialsId</a:t>
+            </a:r>
+            <a:r>
+              <a:rPr lang="en-US" sz="1400" b="0" i="0" dirty="0">
                 <a:effectLst/>
                 <a:latin typeface="Arial" panose="020B0604020202020204" pitchFamily="34" charset="0"/>
                 <a:cs typeface="Arial" panose="020B0604020202020204" pitchFamily="34" charset="0"/>
               </a:rPr>
-              <a:t> 'docker build -t </a:t>
-            </a:r>
-            <a:r>
-              <a:rPr lang="en-IN" sz="1400" b="0" i="0" dirty="0" err="1">
+              <a:t>: </a:t>
+            </a:r>
+            <a:r>
+              <a:rPr lang="en-US" sz="1400" b="0" i="0" dirty="0">
+                <a:solidFill>
+                  <a:srgbClr val="6AB825"/>
+                </a:solidFill>
                 <a:effectLst/>
                 <a:latin typeface="Arial" panose="020B0604020202020204" pitchFamily="34" charset="0"/>
                 <a:cs typeface="Arial" panose="020B0604020202020204" pitchFamily="34" charset="0"/>
               </a:rPr>
-              <a:t>jhooq</a:t>
-            </a:r>
-            <a:r>
-              <a:rPr lang="en-IN" sz="1400" b="0" i="0" dirty="0">
+              <a:t>'GIT_HUB_CREDENTIALS'</a:t>
+            </a:r>
+            <a:r>
+              <a:rPr lang="en-US" sz="1400" b="0" i="0" dirty="0">
                 <a:effectLst/>
                 <a:latin typeface="Arial" panose="020B0604020202020204" pitchFamily="34" charset="0"/>
                 <a:cs typeface="Arial" panose="020B0604020202020204" pitchFamily="34" charset="0"/>
               </a:rPr>
-              <a:t>-docker-demo .’</a:t>
+              <a:t>, url: </a:t>
+            </a:r>
+            <a:r>
+              <a:rPr lang="en-US" sz="1400" b="0" i="0" dirty="0">
+                <a:solidFill>
+                  <a:srgbClr val="6AB825"/>
+                </a:solidFill>
+                <a:effectLst/>
+                <a:latin typeface="Arial" panose="020B0604020202020204" pitchFamily="34" charset="0"/>
+                <a:cs typeface="Arial" panose="020B0604020202020204" pitchFamily="34" charset="0"/>
+              </a:rPr>
+              <a:t>'https://github.com/thulsidk1/k8s-jenkins-aws’</a:t>
+            </a:r>
+            <a:r>
+              <a:rPr lang="en-US" sz="1400" b="0" i="0" dirty="0">
+                <a:effectLst/>
+                <a:latin typeface="Arial" panose="020B0604020202020204" pitchFamily="34" charset="0"/>
+                <a:cs typeface="Arial" panose="020B0604020202020204" pitchFamily="34" charset="0"/>
+              </a:rPr>
+              <a:t> </a:t>
             </a:r>
           </a:p>
           <a:p>
@@ -10253,44 +9920,87 @@
               <a:buNone/>
             </a:pPr>
             <a:r>
-              <a:rPr lang="en-IN" sz="1400" b="0" i="0" dirty="0">
+              <a:rPr lang="en-US" sz="1400" b="0" i="0" dirty="0">
                 <a:effectLst/>
                 <a:latin typeface="Arial" panose="020B0604020202020204" pitchFamily="34" charset="0"/>
                 <a:cs typeface="Arial" panose="020B0604020202020204" pitchFamily="34" charset="0"/>
               </a:rPr>
-              <a:t>      </a:t>
-            </a:r>
-            <a:r>
-              <a:rPr lang="en-IN" sz="1400" b="0" i="0" dirty="0" err="1">
+              <a:t>      }</a:t>
+            </a:r>
+          </a:p>
+          <a:p>
+            <a:r>
+              <a:rPr lang="en-US" sz="1400" dirty="0">
+                <a:latin typeface="Arial" panose="020B0604020202020204" pitchFamily="34" charset="0"/>
+                <a:cs typeface="Arial" panose="020B0604020202020204" pitchFamily="34" charset="0"/>
+              </a:rPr>
+              <a:t>Step2 </a:t>
+            </a:r>
+            <a:r>
+              <a:rPr lang="en-IN" sz="1400" b="1" i="0" dirty="0">
                 <a:effectLst/>
                 <a:latin typeface="Arial" panose="020B0604020202020204" pitchFamily="34" charset="0"/>
                 <a:cs typeface="Arial" panose="020B0604020202020204" pitchFamily="34" charset="0"/>
               </a:rPr>
-              <a:t>sh</a:t>
-            </a:r>
-            <a:r>
-              <a:rPr lang="en-IN" sz="1400" b="0" i="0" dirty="0">
+              <a:t>Gradle compilation and build</a:t>
+            </a:r>
+          </a:p>
+          <a:p>
+            <a:pPr marL="0" indent="0">
+              <a:buNone/>
+            </a:pPr>
+            <a:r>
+              <a:rPr lang="en-US" sz="1400" b="0" i="0" dirty="0">
                 <a:effectLst/>
                 <a:latin typeface="Arial" panose="020B0604020202020204" pitchFamily="34" charset="0"/>
                 <a:cs typeface="Arial" panose="020B0604020202020204" pitchFamily="34" charset="0"/>
               </a:rPr>
-              <a:t> 'docker tag </a:t>
-            </a:r>
-            <a:r>
-              <a:rPr lang="en-IN" sz="1400" b="0" i="0" dirty="0" err="1">
+              <a:t>      stage('Gradle Build') { </a:t>
+            </a:r>
+          </a:p>
+          <a:p>
+            <a:pPr marL="0" indent="0">
+              <a:buNone/>
+            </a:pPr>
+            <a:r>
+              <a:rPr lang="en-US" sz="1400" b="0" i="0" dirty="0">
                 <a:effectLst/>
                 <a:latin typeface="Arial" panose="020B0604020202020204" pitchFamily="34" charset="0"/>
                 <a:cs typeface="Arial" panose="020B0604020202020204" pitchFamily="34" charset="0"/>
               </a:rPr>
-              <a:t>jhooq</a:t>
-            </a:r>
-            <a:r>
-              <a:rPr lang="en-IN" sz="1400" b="0" i="0" dirty="0">
+              <a:t>      </a:t>
+            </a:r>
+            <a:r>
+              <a:rPr lang="en-US" sz="1400" b="0" i="0" dirty="0" err="1">
                 <a:effectLst/>
                 <a:latin typeface="Arial" panose="020B0604020202020204" pitchFamily="34" charset="0"/>
                 <a:cs typeface="Arial" panose="020B0604020202020204" pitchFamily="34" charset="0"/>
               </a:rPr>
-              <a:t>-docker-demo thulsidk1/jhooq-docker-demo:version1.0’ </a:t>
+              <a:t>sh</a:t>
+            </a:r>
+            <a:r>
+              <a:rPr lang="en-US" sz="1400" b="0" i="0" dirty="0">
+                <a:effectLst/>
+                <a:latin typeface="Arial" panose="020B0604020202020204" pitchFamily="34" charset="0"/>
+                <a:cs typeface="Arial" panose="020B0604020202020204" pitchFamily="34" charset="0"/>
+              </a:rPr>
+              <a:t> './</a:t>
+            </a:r>
+            <a:r>
+              <a:rPr lang="en-US" sz="1400" b="0" i="0" dirty="0" err="1">
+                <a:effectLst/>
+                <a:latin typeface="Arial" panose="020B0604020202020204" pitchFamily="34" charset="0"/>
+                <a:cs typeface="Arial" panose="020B0604020202020204" pitchFamily="34" charset="0"/>
+              </a:rPr>
+              <a:t>gradlew</a:t>
+            </a:r>
+            <a:r>
+              <a:rPr lang="en-US" sz="1400" b="0" i="0" dirty="0">
+                <a:effectLst/>
+                <a:latin typeface="Arial" panose="020B0604020202020204" pitchFamily="34" charset="0"/>
+                <a:cs typeface="Arial" panose="020B0604020202020204" pitchFamily="34" charset="0"/>
+              </a:rPr>
+              <a:t> build’</a:t>
             </a:r>
           </a:p>
           <a:p>
@@ -10298,18 +10008,21 @@
               <a:buNone/>
             </a:pPr>
             <a:r>
-              <a:rPr lang="en-IN" sz="1400" b="0" i="0" dirty="0">
+              <a:rPr lang="en-US" sz="1400" b="0" i="0" dirty="0">
                 <a:effectLst/>
                 <a:latin typeface="Arial" panose="020B0604020202020204" pitchFamily="34" charset="0"/>
                 <a:cs typeface="Arial" panose="020B0604020202020204" pitchFamily="34" charset="0"/>
               </a:rPr>
-              <a:t>   }</a:t>
+              <a:t>     }</a:t>
             </a:r>
             <a:endParaRPr lang="en-IN" sz="1400" dirty="0">
               <a:latin typeface="Arial" panose="020B0604020202020204" pitchFamily="34" charset="0"/>
               <a:cs typeface="Arial" panose="020B0604020202020204" pitchFamily="34" charset="0"/>
             </a:endParaRPr>
           </a:p>
+          <a:p>
+            <a:endParaRPr lang="en-IN" dirty="0"/>
+          </a:p>
         </p:txBody>
       </p:sp>
       <p:sp>
@@ -10317,7 +10030,7 @@
           <p:cNvPr id="4" name="Date Placeholder 3">
             <a:extLst>
               <a:ext uri="{FF2B5EF4-FFF2-40B4-BE49-F238E27FC236}">
-                <a16:creationId xmlns:a16="http://schemas.microsoft.com/office/drawing/2014/main" id="{42E49B11-F893-4EDE-AE6E-87FE6D37BD37}"/>
+                <a16:creationId xmlns:a16="http://schemas.microsoft.com/office/drawing/2014/main" id="{D6926E31-21CE-47B6-B45F-55534D536814}"/>
               </a:ext>
             </a:extLst>
           </p:cNvPr>
@@ -10346,7 +10059,7 @@
           <p:cNvPr id="5" name="Footer Placeholder 4">
             <a:extLst>
               <a:ext uri="{FF2B5EF4-FFF2-40B4-BE49-F238E27FC236}">
-                <a16:creationId xmlns:a16="http://schemas.microsoft.com/office/drawing/2014/main" id="{3F1705FD-C534-470B-B9CC-F5E6D3B28DBA}"/>
+                <a16:creationId xmlns:a16="http://schemas.microsoft.com/office/drawing/2014/main" id="{032A3A8C-D9F2-4936-AB73-9B0651937D89}"/>
               </a:ext>
             </a:extLst>
           </p:cNvPr>
@@ -10375,7 +10088,7 @@
           <p:cNvPr id="6" name="Slide Number Placeholder 5">
             <a:extLst>
               <a:ext uri="{FF2B5EF4-FFF2-40B4-BE49-F238E27FC236}">
-                <a16:creationId xmlns:a16="http://schemas.microsoft.com/office/drawing/2014/main" id="{C5E0FB03-5649-4F17-B6C7-A23A1DA6D51E}"/>
+                <a16:creationId xmlns:a16="http://schemas.microsoft.com/office/drawing/2014/main" id="{70A795E4-5D7E-4052-B93D-AFB2DE7D2B7C}"/>
               </a:ext>
             </a:extLst>
           </p:cNvPr>
@@ -10403,7 +10116,7 @@
     </p:spTree>
     <p:extLst>
       <p:ext uri="{BB962C8B-B14F-4D97-AF65-F5344CB8AC3E}">
-        <p14:creationId xmlns:p14="http://schemas.microsoft.com/office/powerpoint/2010/main" val="2489398041"/>
+        <p14:creationId xmlns:p14="http://schemas.microsoft.com/office/powerpoint/2010/main" val="3129815881"/>
       </p:ext>
     </p:extLst>
   </p:cSld>
@@ -10435,7 +10148,7 @@
           <p:cNvPr id="2" name="Title 1">
             <a:extLst>
               <a:ext uri="{FF2B5EF4-FFF2-40B4-BE49-F238E27FC236}">
-                <a16:creationId xmlns:a16="http://schemas.microsoft.com/office/drawing/2014/main" id="{FBC9A211-4C51-4602-A841-8C2BBE8403C5}"/>
+                <a16:creationId xmlns:a16="http://schemas.microsoft.com/office/drawing/2014/main" id="{063A88CB-3E97-4CE6-BD1B-B20DED7D5537}"/>
               </a:ext>
             </a:extLst>
           </p:cNvPr>
@@ -10463,7 +10176,7 @@
           <p:cNvPr id="3" name="Content Placeholder 2">
             <a:extLst>
               <a:ext uri="{FF2B5EF4-FFF2-40B4-BE49-F238E27FC236}">
-                <a16:creationId xmlns:a16="http://schemas.microsoft.com/office/drawing/2014/main" id="{B7173A59-F89C-4D08-92F1-2E2F30C17E63}"/>
+                <a16:creationId xmlns:a16="http://schemas.microsoft.com/office/drawing/2014/main" id="{DDD647A5-3ABE-43B4-A6C6-A43E75F71541}"/>
               </a:ext>
             </a:extLst>
           </p:cNvPr>
@@ -10486,7 +10199,7 @@
                 <a:latin typeface="Arial" panose="020B0604020202020204" pitchFamily="34" charset="0"/>
                 <a:cs typeface="Arial" panose="020B0604020202020204" pitchFamily="34" charset="0"/>
               </a:rPr>
-              <a:t>Step4 : </a:t>
+              <a:t>Step3 :</a:t>
             </a:r>
             <a:r>
               <a:rPr lang="en-US" sz="1400" b="1" i="0" dirty="0">
@@ -10494,7 +10207,7 @@
                 <a:latin typeface="Arial" panose="020B0604020202020204" pitchFamily="34" charset="0"/>
                 <a:cs typeface="Arial" panose="020B0604020202020204" pitchFamily="34" charset="0"/>
               </a:rPr>
-              <a:t>Push Image to Docker Hub</a:t>
+              <a:t>Create Docker Container and push to Docker Hub</a:t>
             </a:r>
           </a:p>
           <a:p>
@@ -10507,7 +10220,7 @@
                 <a:latin typeface="Arial" panose="020B0604020202020204" pitchFamily="34" charset="0"/>
                 <a:cs typeface="Arial" panose="020B0604020202020204" pitchFamily="34" charset="0"/>
               </a:rPr>
-              <a:t>       stage("Push Image to Docker Hub"){</a:t>
+              <a:t>  stage("Docker build"){ </a:t>
             </a:r>
           </a:p>
           <a:p>
@@ -10536,20 +10249,23 @@
                 <a:latin typeface="Arial" panose="020B0604020202020204" pitchFamily="34" charset="0"/>
                 <a:cs typeface="Arial" panose="020B0604020202020204" pitchFamily="34" charset="0"/>
               </a:rPr>
-              <a:t> 'docker push thulsidk1/jhooq-docker-demo:version1.0’ </a:t>
-            </a:r>
-          </a:p>
-          <a:p>
-            <a:pPr marL="0" indent="0">
-              <a:buNone/>
-            </a:pPr>
+              <a:t> 'docker build -t </a:t>
+            </a:r>
+            <a:r>
+              <a:rPr lang="en-IN" sz="1400" b="0" i="0" dirty="0" err="1">
+                <a:effectLst/>
+                <a:latin typeface="Arial" panose="020B0604020202020204" pitchFamily="34" charset="0"/>
+                <a:cs typeface="Arial" panose="020B0604020202020204" pitchFamily="34" charset="0"/>
+              </a:rPr>
+              <a:t>jhooq</a:t>
+            </a:r>
             <a:r>
               <a:rPr lang="en-IN" sz="1400" b="0" i="0" dirty="0">
                 <a:effectLst/>
                 <a:latin typeface="Arial" panose="020B0604020202020204" pitchFamily="34" charset="0"/>
                 <a:cs typeface="Arial" panose="020B0604020202020204" pitchFamily="34" charset="0"/>
               </a:rPr>
-              <a:t>}</a:t>
+              <a:t>-docker-demo .’</a:t>
             </a:r>
           </a:p>
           <a:p>
@@ -10557,18 +10273,44 @@
               <a:buNone/>
             </a:pPr>
             <a:r>
-              <a:rPr lang="en-IN" sz="1400" dirty="0">
+              <a:rPr lang="en-IN" sz="1400" b="0" i="0" dirty="0">
+                <a:effectLst/>
                 <a:latin typeface="Arial" panose="020B0604020202020204" pitchFamily="34" charset="0"/>
                 <a:cs typeface="Arial" panose="020B0604020202020204" pitchFamily="34" charset="0"/>
               </a:rPr>
-              <a:t>Step5 : </a:t>
-            </a:r>
-            <a:r>
-              <a:rPr lang="en-IN" sz="1400" b="1" dirty="0">
+              <a:t>      </a:t>
+            </a:r>
+            <a:r>
+              <a:rPr lang="en-IN" sz="1400" b="0" i="0" dirty="0" err="1">
+                <a:effectLst/>
                 <a:latin typeface="Arial" panose="020B0604020202020204" pitchFamily="34" charset="0"/>
                 <a:cs typeface="Arial" panose="020B0604020202020204" pitchFamily="34" charset="0"/>
               </a:rPr>
-              <a:t>Login to docker</a:t>
+              <a:t>sh</a:t>
+            </a:r>
+            <a:r>
+              <a:rPr lang="en-IN" sz="1400" b="0" i="0" dirty="0">
+                <a:effectLst/>
+                <a:latin typeface="Arial" panose="020B0604020202020204" pitchFamily="34" charset="0"/>
+                <a:cs typeface="Arial" panose="020B0604020202020204" pitchFamily="34" charset="0"/>
+              </a:rPr>
+              <a:t> 'docker tag </a:t>
+            </a:r>
+            <a:r>
+              <a:rPr lang="en-IN" sz="1400" b="0" i="0" dirty="0" err="1">
+                <a:effectLst/>
+                <a:latin typeface="Arial" panose="020B0604020202020204" pitchFamily="34" charset="0"/>
+                <a:cs typeface="Arial" panose="020B0604020202020204" pitchFamily="34" charset="0"/>
+              </a:rPr>
+              <a:t>jhooq</a:t>
+            </a:r>
+            <a:r>
+              <a:rPr lang="en-IN" sz="1400" b="0" i="0" dirty="0">
+                <a:effectLst/>
+                <a:latin typeface="Arial" panose="020B0604020202020204" pitchFamily="34" charset="0"/>
+                <a:cs typeface="Arial" panose="020B0604020202020204" pitchFamily="34" charset="0"/>
+              </a:rPr>
+              <a:t>-docker-demo thulsidk1/jhooq-docker-demo:version1.0’ </a:t>
             </a:r>
           </a:p>
           <a:p>
@@ -10576,92 +10318,17 @@
               <a:buNone/>
             </a:pPr>
             <a:r>
-              <a:rPr lang="en-IN" sz="1400" dirty="0">
+              <a:rPr lang="en-IN" sz="1400" b="0" i="0" dirty="0">
+                <a:effectLst/>
                 <a:latin typeface="Arial" panose="020B0604020202020204" pitchFamily="34" charset="0"/>
                 <a:cs typeface="Arial" panose="020B0604020202020204" pitchFamily="34" charset="0"/>
               </a:rPr>
-              <a:t>         </a:t>
-            </a:r>
-            <a:r>
-              <a:rPr lang="en-IN" sz="1400" dirty="0" err="1">
-                <a:latin typeface="Arial" panose="020B0604020202020204" pitchFamily="34" charset="0"/>
-                <a:cs typeface="Arial" panose="020B0604020202020204" pitchFamily="34" charset="0"/>
-              </a:rPr>
-              <a:t>withCredentials</a:t>
-            </a:r>
-            <a:r>
-              <a:rPr lang="en-IN" sz="1400" dirty="0">
-                <a:latin typeface="Arial" panose="020B0604020202020204" pitchFamily="34" charset="0"/>
-                <a:cs typeface="Arial" panose="020B0604020202020204" pitchFamily="34" charset="0"/>
-              </a:rPr>
-              <a:t>([string(</a:t>
-            </a:r>
-            <a:r>
-              <a:rPr lang="en-IN" sz="1400" dirty="0" err="1">
-                <a:latin typeface="Arial" panose="020B0604020202020204" pitchFamily="34" charset="0"/>
-                <a:cs typeface="Arial" panose="020B0604020202020204" pitchFamily="34" charset="0"/>
-              </a:rPr>
-              <a:t>credentialsId</a:t>
-            </a:r>
-            <a:r>
-              <a:rPr lang="en-IN" sz="1400" dirty="0">
-                <a:latin typeface="Arial" panose="020B0604020202020204" pitchFamily="34" charset="0"/>
-                <a:cs typeface="Arial" panose="020B0604020202020204" pitchFamily="34" charset="0"/>
-              </a:rPr>
-              <a:t>: 'DOCKER_HUB_PASSWORD', variable: 'PASSWORD')]) {</a:t>
-            </a:r>
-          </a:p>
-          <a:p>
-            <a:pPr marL="0" indent="0">
-              <a:buNone/>
-            </a:pPr>
-            <a:r>
-              <a:rPr lang="en-IN" sz="1400" dirty="0">
-                <a:latin typeface="Arial" panose="020B0604020202020204" pitchFamily="34" charset="0"/>
-                <a:cs typeface="Arial" panose="020B0604020202020204" pitchFamily="34" charset="0"/>
-              </a:rPr>
-              <a:t>        </a:t>
-            </a:r>
-            <a:r>
-              <a:rPr lang="en-IN" sz="1400" dirty="0" err="1">
-                <a:latin typeface="Arial" panose="020B0604020202020204" pitchFamily="34" charset="0"/>
-                <a:cs typeface="Arial" panose="020B0604020202020204" pitchFamily="34" charset="0"/>
-              </a:rPr>
-              <a:t>sh</a:t>
-            </a:r>
-            <a:r>
-              <a:rPr lang="en-IN" sz="1400" dirty="0">
-                <a:latin typeface="Arial" panose="020B0604020202020204" pitchFamily="34" charset="0"/>
-                <a:cs typeface="Arial" panose="020B0604020202020204" pitchFamily="34" charset="0"/>
-              </a:rPr>
-              <a:t> '</a:t>
-            </a:r>
-            <a:r>
-              <a:rPr lang="en-IN" sz="1400" dirty="0" err="1">
-                <a:latin typeface="Arial" panose="020B0604020202020204" pitchFamily="34" charset="0"/>
-                <a:cs typeface="Arial" panose="020B0604020202020204" pitchFamily="34" charset="0"/>
-              </a:rPr>
-              <a:t>sudo</a:t>
-            </a:r>
-            <a:r>
-              <a:rPr lang="en-IN" sz="1400" dirty="0">
-                <a:latin typeface="Arial" panose="020B0604020202020204" pitchFamily="34" charset="0"/>
-                <a:cs typeface="Arial" panose="020B0604020202020204" pitchFamily="34" charset="0"/>
-              </a:rPr>
-              <a:t> docker login -u thulsidk1 -p $PASSWORD’  </a:t>
-            </a:r>
-          </a:p>
-          <a:p>
-            <a:pPr marL="0" indent="0">
-              <a:buNone/>
-            </a:pPr>
-            <a:r>
-              <a:rPr lang="en-IN" sz="1400" dirty="0">
-                <a:latin typeface="Arial" panose="020B0604020202020204" pitchFamily="34" charset="0"/>
-                <a:cs typeface="Arial" panose="020B0604020202020204" pitchFamily="34" charset="0"/>
-              </a:rPr>
-              <a:t>  }</a:t>
-            </a:r>
+              <a:t>   }</a:t>
+            </a:r>
+            <a:endParaRPr lang="en-IN" sz="1400" dirty="0">
+              <a:latin typeface="Arial" panose="020B0604020202020204" pitchFamily="34" charset="0"/>
+              <a:cs typeface="Arial" panose="020B0604020202020204" pitchFamily="34" charset="0"/>
+            </a:endParaRPr>
           </a:p>
         </p:txBody>
       </p:sp>
@@ -10670,7 +10337,7 @@
           <p:cNvPr id="4" name="Date Placeholder 3">
             <a:extLst>
               <a:ext uri="{FF2B5EF4-FFF2-40B4-BE49-F238E27FC236}">
-                <a16:creationId xmlns:a16="http://schemas.microsoft.com/office/drawing/2014/main" id="{7D39ECF0-1907-4D08-8916-A1882330E1FD}"/>
+                <a16:creationId xmlns:a16="http://schemas.microsoft.com/office/drawing/2014/main" id="{42E49B11-F893-4EDE-AE6E-87FE6D37BD37}"/>
               </a:ext>
             </a:extLst>
           </p:cNvPr>
@@ -10699,7 +10366,7 @@
           <p:cNvPr id="5" name="Footer Placeholder 4">
             <a:extLst>
               <a:ext uri="{FF2B5EF4-FFF2-40B4-BE49-F238E27FC236}">
-                <a16:creationId xmlns:a16="http://schemas.microsoft.com/office/drawing/2014/main" id="{1685F1B7-0521-4630-90C5-4492D456A039}"/>
+                <a16:creationId xmlns:a16="http://schemas.microsoft.com/office/drawing/2014/main" id="{3F1705FD-C534-470B-B9CC-F5E6D3B28DBA}"/>
               </a:ext>
             </a:extLst>
           </p:cNvPr>
@@ -10728,7 +10395,7 @@
           <p:cNvPr id="6" name="Slide Number Placeholder 5">
             <a:extLst>
               <a:ext uri="{FF2B5EF4-FFF2-40B4-BE49-F238E27FC236}">
-                <a16:creationId xmlns:a16="http://schemas.microsoft.com/office/drawing/2014/main" id="{E455AF90-B4ED-4A51-9C04-0DDD9D66FDB8}"/>
+                <a16:creationId xmlns:a16="http://schemas.microsoft.com/office/drawing/2014/main" id="{C5E0FB03-5649-4F17-B6C7-A23A1DA6D51E}"/>
               </a:ext>
             </a:extLst>
           </p:cNvPr>
@@ -10756,7 +10423,7 @@
     </p:spTree>
     <p:extLst>
       <p:ext uri="{BB962C8B-B14F-4D97-AF65-F5344CB8AC3E}">
-        <p14:creationId xmlns:p14="http://schemas.microsoft.com/office/powerpoint/2010/main" val="4045254836"/>
+        <p14:creationId xmlns:p14="http://schemas.microsoft.com/office/powerpoint/2010/main" val="2489398041"/>
       </p:ext>
     </p:extLst>
   </p:cSld>
@@ -10788,7 +10455,7 @@
           <p:cNvPr id="2" name="Title 1">
             <a:extLst>
               <a:ext uri="{FF2B5EF4-FFF2-40B4-BE49-F238E27FC236}">
-                <a16:creationId xmlns:a16="http://schemas.microsoft.com/office/drawing/2014/main" id="{5546E2EF-4364-42A5-AE46-C5B9595A7B5F}"/>
+                <a16:creationId xmlns:a16="http://schemas.microsoft.com/office/drawing/2014/main" id="{FBC9A211-4C51-4602-A841-8C2BBE8403C5}"/>
               </a:ext>
             </a:extLst>
           </p:cNvPr>
@@ -10816,7 +10483,7 @@
           <p:cNvPr id="3" name="Content Placeholder 2">
             <a:extLst>
               <a:ext uri="{FF2B5EF4-FFF2-40B4-BE49-F238E27FC236}">
-                <a16:creationId xmlns:a16="http://schemas.microsoft.com/office/drawing/2014/main" id="{CD511E57-BB46-48A5-AF5A-53539DE4044B}"/>
+                <a16:creationId xmlns:a16="http://schemas.microsoft.com/office/drawing/2014/main" id="{B7173A59-F89C-4D08-92F1-2E2F30C17E63}"/>
               </a:ext>
             </a:extLst>
           </p:cNvPr>
@@ -10827,15 +10494,10 @@
             <p:ph idx="1"/>
           </p:nvPr>
         </p:nvSpPr>
-        <p:spPr>
-          <a:xfrm>
-            <a:off x="581192" y="2037924"/>
-            <a:ext cx="11457725" cy="3820876"/>
-          </a:xfrm>
-        </p:spPr>
+        <p:spPr/>
         <p:txBody>
           <a:bodyPr>
-            <a:noAutofit/>
+            <a:normAutofit/>
           </a:bodyPr>
           <a:lstStyle/>
           <a:p>
@@ -10844,14 +10506,89 @@
                 <a:latin typeface="Arial" panose="020B0604020202020204" pitchFamily="34" charset="0"/>
                 <a:cs typeface="Arial" panose="020B0604020202020204" pitchFamily="34" charset="0"/>
               </a:rPr>
-              <a:t>Step6 : </a:t>
+              <a:t>Step4 : </a:t>
+            </a:r>
+            <a:r>
+              <a:rPr lang="en-US" sz="1400" b="1" i="0" dirty="0">
+                <a:effectLst/>
+                <a:latin typeface="Arial" panose="020B0604020202020204" pitchFamily="34" charset="0"/>
+                <a:cs typeface="Arial" panose="020B0604020202020204" pitchFamily="34" charset="0"/>
+              </a:rPr>
+              <a:t>Push Image to Docker Hub</a:t>
+            </a:r>
+          </a:p>
+          <a:p>
+            <a:pPr marL="0" indent="0">
+              <a:buNone/>
+            </a:pPr>
+            <a:r>
+              <a:rPr lang="en-IN" sz="1400" b="0" i="0" dirty="0">
+                <a:effectLst/>
+                <a:latin typeface="Arial" panose="020B0604020202020204" pitchFamily="34" charset="0"/>
+                <a:cs typeface="Arial" panose="020B0604020202020204" pitchFamily="34" charset="0"/>
+              </a:rPr>
+              <a:t>       stage("Push Image to Docker Hub"){</a:t>
+            </a:r>
+          </a:p>
+          <a:p>
+            <a:pPr marL="0" indent="0">
+              <a:buNone/>
+            </a:pPr>
+            <a:r>
+              <a:rPr lang="en-IN" sz="1400" b="0" i="0" dirty="0">
+                <a:effectLst/>
+                <a:latin typeface="Arial" panose="020B0604020202020204" pitchFamily="34" charset="0"/>
+                <a:cs typeface="Arial" panose="020B0604020202020204" pitchFamily="34" charset="0"/>
+              </a:rPr>
+              <a:t>       </a:t>
+            </a:r>
+            <a:r>
+              <a:rPr lang="en-IN" sz="1400" b="0" i="0" dirty="0" err="1">
+                <a:effectLst/>
+                <a:latin typeface="Arial" panose="020B0604020202020204" pitchFamily="34" charset="0"/>
+                <a:cs typeface="Arial" panose="020B0604020202020204" pitchFamily="34" charset="0"/>
+              </a:rPr>
+              <a:t>sh</a:t>
+            </a:r>
+            <a:r>
+              <a:rPr lang="en-IN" sz="1400" b="0" i="0" dirty="0">
+                <a:effectLst/>
+                <a:latin typeface="Arial" panose="020B0604020202020204" pitchFamily="34" charset="0"/>
+                <a:cs typeface="Arial" panose="020B0604020202020204" pitchFamily="34" charset="0"/>
+              </a:rPr>
+              <a:t> 'docker push thulsidk1/jhooq-docker-demo:version1.0’ </a:t>
+            </a:r>
+          </a:p>
+          <a:p>
+            <a:pPr marL="0" indent="0">
+              <a:buNone/>
+            </a:pPr>
+            <a:r>
+              <a:rPr lang="en-IN" sz="1400" b="0" i="0" dirty="0">
+                <a:effectLst/>
+                <a:latin typeface="Arial" panose="020B0604020202020204" pitchFamily="34" charset="0"/>
+                <a:cs typeface="Arial" panose="020B0604020202020204" pitchFamily="34" charset="0"/>
+              </a:rPr>
+              <a:t>}</a:t>
+            </a:r>
+          </a:p>
+          <a:p>
+            <a:pPr marL="0" indent="0">
+              <a:buNone/>
+            </a:pPr>
+            <a:r>
+              <a:rPr lang="en-IN" sz="1400" dirty="0">
+                <a:latin typeface="Arial" panose="020B0604020202020204" pitchFamily="34" charset="0"/>
+                <a:cs typeface="Arial" panose="020B0604020202020204" pitchFamily="34" charset="0"/>
+              </a:rPr>
+              <a:t>Step5 : </a:t>
             </a:r>
             <a:r>
               <a:rPr lang="en-IN" sz="1400" b="1" dirty="0">
                 <a:latin typeface="Arial" panose="020B0604020202020204" pitchFamily="34" charset="0"/>
                 <a:cs typeface="Arial" panose="020B0604020202020204" pitchFamily="34" charset="0"/>
               </a:rPr>
-              <a:t>Push image to Docker Hub</a:t>
+              <a:t>Login to docker</a:t>
             </a:r>
           </a:p>
           <a:p>
@@ -10863,7 +10600,35 @@
                 <a:latin typeface="Arial" panose="020B0604020202020204" pitchFamily="34" charset="0"/>
                 <a:cs typeface="Arial" panose="020B0604020202020204" pitchFamily="34" charset="0"/>
               </a:rPr>
-              <a:t>       stage("Push Image to Docker Hub"){     </a:t>
+              <a:t>         </a:t>
+            </a:r>
+            <a:r>
+              <a:rPr lang="en-IN" sz="1400" dirty="0" err="1">
+                <a:latin typeface="Arial" panose="020B0604020202020204" pitchFamily="34" charset="0"/>
+                <a:cs typeface="Arial" panose="020B0604020202020204" pitchFamily="34" charset="0"/>
+              </a:rPr>
+              <a:t>withCredentials</a:t>
+            </a:r>
+            <a:r>
+              <a:rPr lang="en-IN" sz="1400" dirty="0">
+                <a:latin typeface="Arial" panose="020B0604020202020204" pitchFamily="34" charset="0"/>
+                <a:cs typeface="Arial" panose="020B0604020202020204" pitchFamily="34" charset="0"/>
+              </a:rPr>
+              <a:t>([string(</a:t>
+            </a:r>
+            <a:r>
+              <a:rPr lang="en-IN" sz="1400" dirty="0" err="1">
+                <a:latin typeface="Arial" panose="020B0604020202020204" pitchFamily="34" charset="0"/>
+                <a:cs typeface="Arial" panose="020B0604020202020204" pitchFamily="34" charset="0"/>
+              </a:rPr>
+              <a:t>credentialsId</a:t>
+            </a:r>
+            <a:r>
+              <a:rPr lang="en-IN" sz="1400" dirty="0">
+                <a:latin typeface="Arial" panose="020B0604020202020204" pitchFamily="34" charset="0"/>
+                <a:cs typeface="Arial" panose="020B0604020202020204" pitchFamily="34" charset="0"/>
+              </a:rPr>
+              <a:t>: 'DOCKER_HUB_PASSWORD', variable: 'PASSWORD')]) {</a:t>
             </a:r>
           </a:p>
           <a:p>
@@ -10875,7 +10640,7 @@
                 <a:latin typeface="Arial" panose="020B0604020202020204" pitchFamily="34" charset="0"/>
                 <a:cs typeface="Arial" panose="020B0604020202020204" pitchFamily="34" charset="0"/>
               </a:rPr>
-              <a:t>       </a:t>
+              <a:t>        </a:t>
             </a:r>
             <a:r>
               <a:rPr lang="en-IN" sz="1400" dirty="0" err="1">
@@ -10903,7 +10668,7 @@
                 <a:latin typeface="Arial" panose="020B0604020202020204" pitchFamily="34" charset="0"/>
                 <a:cs typeface="Arial" panose="020B0604020202020204" pitchFamily="34" charset="0"/>
               </a:rPr>
-              <a:t> docker push  thulsidk1/jhooq-docker-demo:version1.0'    </a:t>
+              <a:t> docker login -u thulsidk1 -p $PASSWORD’  </a:t>
             </a:r>
           </a:p>
           <a:p>
@@ -10915,263 +10680,7 @@
                 <a:latin typeface="Arial" panose="020B0604020202020204" pitchFamily="34" charset="0"/>
                 <a:cs typeface="Arial" panose="020B0604020202020204" pitchFamily="34" charset="0"/>
               </a:rPr>
-              <a:t>} </a:t>
-            </a:r>
-          </a:p>
-          <a:p>
-            <a:r>
-              <a:rPr lang="en-IN" sz="1400" dirty="0">
-                <a:latin typeface="Arial" panose="020B0604020202020204" pitchFamily="34" charset="0"/>
-                <a:cs typeface="Arial" panose="020B0604020202020204" pitchFamily="34" charset="0"/>
-              </a:rPr>
-              <a:t>Step7 :  </a:t>
-            </a:r>
-            <a:r>
-              <a:rPr lang="en-IN" sz="1400" b="1" dirty="0">
-                <a:latin typeface="Arial" panose="020B0604020202020204" pitchFamily="34" charset="0"/>
-                <a:cs typeface="Arial" panose="020B0604020202020204" pitchFamily="34" charset="0"/>
-              </a:rPr>
-              <a:t>Kubernetes Deployment</a:t>
-            </a:r>
-          </a:p>
-          <a:p>
-            <a:pPr marL="0" indent="0">
-              <a:buNone/>
-            </a:pPr>
-            <a:r>
-              <a:rPr lang="en-IN" sz="1400" dirty="0">
-                <a:latin typeface="Arial" panose="020B0604020202020204" pitchFamily="34" charset="0"/>
-                <a:cs typeface="Arial" panose="020B0604020202020204" pitchFamily="34" charset="0"/>
-              </a:rPr>
-              <a:t>stage("</a:t>
-            </a:r>
-            <a:r>
-              <a:rPr lang="en-IN" sz="1400" dirty="0" err="1">
-                <a:latin typeface="Arial" panose="020B0604020202020204" pitchFamily="34" charset="0"/>
-                <a:cs typeface="Arial" panose="020B0604020202020204" pitchFamily="34" charset="0"/>
-              </a:rPr>
-              <a:t>kubernetes</a:t>
-            </a:r>
-            <a:r>
-              <a:rPr lang="en-IN" sz="1400" dirty="0">
-                <a:latin typeface="Arial" panose="020B0604020202020204" pitchFamily="34" charset="0"/>
-                <a:cs typeface="Arial" panose="020B0604020202020204" pitchFamily="34" charset="0"/>
-              </a:rPr>
-              <a:t> deployment"){  </a:t>
-            </a:r>
-          </a:p>
-          <a:p>
-            <a:pPr marL="0" indent="0">
-              <a:buNone/>
-            </a:pPr>
-            <a:r>
-              <a:rPr lang="en-IN" sz="1400" dirty="0">
-                <a:latin typeface="Arial" panose="020B0604020202020204" pitchFamily="34" charset="0"/>
-                <a:cs typeface="Arial" panose="020B0604020202020204" pitchFamily="34" charset="0"/>
-              </a:rPr>
-              <a:t> </a:t>
-            </a:r>
-            <a:r>
-              <a:rPr lang="en-IN" sz="1200" dirty="0" err="1">
-                <a:latin typeface="Arial" panose="020B0604020202020204" pitchFamily="34" charset="0"/>
-                <a:cs typeface="Arial" panose="020B0604020202020204" pitchFamily="34" charset="0"/>
-              </a:rPr>
-              <a:t>withCredentials</a:t>
-            </a:r>
-            <a:r>
-              <a:rPr lang="en-IN" sz="1200" dirty="0">
-                <a:latin typeface="Arial" panose="020B0604020202020204" pitchFamily="34" charset="0"/>
-                <a:cs typeface="Arial" panose="020B0604020202020204" pitchFamily="34" charset="0"/>
-              </a:rPr>
-              <a:t>([</a:t>
-            </a:r>
-            <a:r>
-              <a:rPr lang="en-IN" sz="1200" dirty="0" err="1">
-                <a:latin typeface="Arial" panose="020B0604020202020204" pitchFamily="34" charset="0"/>
-                <a:cs typeface="Arial" panose="020B0604020202020204" pitchFamily="34" charset="0"/>
-              </a:rPr>
-              <a:t>aws</a:t>
-            </a:r>
-            <a:r>
-              <a:rPr lang="en-IN" sz="1200" dirty="0">
-                <a:latin typeface="Arial" panose="020B0604020202020204" pitchFamily="34" charset="0"/>
-                <a:cs typeface="Arial" panose="020B0604020202020204" pitchFamily="34" charset="0"/>
-              </a:rPr>
-              <a:t>(accessKeyVariable:'AWS_ACCESS_KEY_ID',credentialsId:'jenkins-aws-creds’,KeyVariable:'AWS_SECRET_ACCESS_KEY')]){ </a:t>
-            </a:r>
-          </a:p>
-          <a:p>
-            <a:pPr marL="0" indent="0">
-              <a:buNone/>
-            </a:pPr>
-            <a:r>
-              <a:rPr lang="en-IN" sz="1200" dirty="0">
-                <a:latin typeface="Arial" panose="020B0604020202020204" pitchFamily="34" charset="0"/>
-                <a:cs typeface="Arial" panose="020B0604020202020204" pitchFamily="34" charset="0"/>
-              </a:rPr>
-              <a:t>        </a:t>
-            </a:r>
-            <a:r>
-              <a:rPr lang="en-IN" sz="1200" dirty="0" err="1">
-                <a:latin typeface="Arial" panose="020B0604020202020204" pitchFamily="34" charset="0"/>
-                <a:cs typeface="Arial" panose="020B0604020202020204" pitchFamily="34" charset="0"/>
-              </a:rPr>
-              <a:t>sh</a:t>
-            </a:r>
-            <a:r>
-              <a:rPr lang="en-IN" sz="1200" dirty="0">
-                <a:latin typeface="Arial" panose="020B0604020202020204" pitchFamily="34" charset="0"/>
-                <a:cs typeface="Arial" panose="020B0604020202020204" pitchFamily="34" charset="0"/>
-              </a:rPr>
-              <a:t> '</a:t>
-            </a:r>
-            <a:r>
-              <a:rPr lang="en-IN" sz="1200" dirty="0" err="1">
-                <a:latin typeface="Arial" panose="020B0604020202020204" pitchFamily="34" charset="0"/>
-                <a:cs typeface="Arial" panose="020B0604020202020204" pitchFamily="34" charset="0"/>
-              </a:rPr>
-              <a:t>aws</a:t>
-            </a:r>
-            <a:r>
-              <a:rPr lang="en-IN" sz="1200" dirty="0">
-                <a:latin typeface="Arial" panose="020B0604020202020204" pitchFamily="34" charset="0"/>
-                <a:cs typeface="Arial" panose="020B0604020202020204" pitchFamily="34" charset="0"/>
-              </a:rPr>
-              <a:t> --version'           </a:t>
-            </a:r>
-          </a:p>
-          <a:p>
-            <a:pPr marL="0" indent="0">
-              <a:buNone/>
-            </a:pPr>
-            <a:r>
-              <a:rPr lang="en-IN" sz="1200" dirty="0">
-                <a:latin typeface="Arial" panose="020B0604020202020204" pitchFamily="34" charset="0"/>
-                <a:cs typeface="Arial" panose="020B0604020202020204" pitchFamily="34" charset="0"/>
-              </a:rPr>
-              <a:t>        </a:t>
-            </a:r>
-            <a:r>
-              <a:rPr lang="en-IN" sz="1200" dirty="0" err="1">
-                <a:latin typeface="Arial" panose="020B0604020202020204" pitchFamily="34" charset="0"/>
-                <a:cs typeface="Arial" panose="020B0604020202020204" pitchFamily="34" charset="0"/>
-              </a:rPr>
-              <a:t>sh</a:t>
-            </a:r>
-            <a:r>
-              <a:rPr lang="en-IN" sz="1200" dirty="0">
-                <a:latin typeface="Arial" panose="020B0604020202020204" pitchFamily="34" charset="0"/>
-                <a:cs typeface="Arial" panose="020B0604020202020204" pitchFamily="34" charset="0"/>
-              </a:rPr>
-              <a:t> '</a:t>
-            </a:r>
-            <a:r>
-              <a:rPr lang="en-IN" sz="1200" dirty="0" err="1">
-                <a:latin typeface="Arial" panose="020B0604020202020204" pitchFamily="34" charset="0"/>
-                <a:cs typeface="Arial" panose="020B0604020202020204" pitchFamily="34" charset="0"/>
-              </a:rPr>
-              <a:t>aws</a:t>
-            </a:r>
-            <a:r>
-              <a:rPr lang="en-IN" sz="1200" dirty="0">
-                <a:latin typeface="Arial" panose="020B0604020202020204" pitchFamily="34" charset="0"/>
-                <a:cs typeface="Arial" panose="020B0604020202020204" pitchFamily="34" charset="0"/>
-              </a:rPr>
-              <a:t> </a:t>
-            </a:r>
-            <a:r>
-              <a:rPr lang="en-IN" sz="1200" dirty="0" err="1">
-                <a:latin typeface="Arial" panose="020B0604020202020204" pitchFamily="34" charset="0"/>
-                <a:cs typeface="Arial" panose="020B0604020202020204" pitchFamily="34" charset="0"/>
-              </a:rPr>
-              <a:t>eks</a:t>
-            </a:r>
-            <a:r>
-              <a:rPr lang="en-IN" sz="1200" dirty="0">
-                <a:latin typeface="Arial" panose="020B0604020202020204" pitchFamily="34" charset="0"/>
-                <a:cs typeface="Arial" panose="020B0604020202020204" pitchFamily="34" charset="0"/>
-              </a:rPr>
-              <a:t> --region us-east-2 update-</a:t>
-            </a:r>
-            <a:r>
-              <a:rPr lang="en-IN" sz="1200" dirty="0" err="1">
-                <a:latin typeface="Arial" panose="020B0604020202020204" pitchFamily="34" charset="0"/>
-                <a:cs typeface="Arial" panose="020B0604020202020204" pitchFamily="34" charset="0"/>
-              </a:rPr>
-              <a:t>kubeconfig</a:t>
-            </a:r>
-            <a:r>
-              <a:rPr lang="en-IN" sz="1200" dirty="0">
-                <a:latin typeface="Arial" panose="020B0604020202020204" pitchFamily="34" charset="0"/>
-                <a:cs typeface="Arial" panose="020B0604020202020204" pitchFamily="34" charset="0"/>
-              </a:rPr>
-              <a:t> --name </a:t>
-            </a:r>
-            <a:r>
-              <a:rPr lang="en-IN" sz="1200" dirty="0" err="1">
-                <a:latin typeface="Arial" panose="020B0604020202020204" pitchFamily="34" charset="0"/>
-                <a:cs typeface="Arial" panose="020B0604020202020204" pitchFamily="34" charset="0"/>
-              </a:rPr>
-              <a:t>Ragavendra</a:t>
-            </a:r>
-            <a:r>
-              <a:rPr lang="en-IN" sz="1200" dirty="0">
-                <a:latin typeface="Arial" panose="020B0604020202020204" pitchFamily="34" charset="0"/>
-                <a:cs typeface="Arial" panose="020B0604020202020204" pitchFamily="34" charset="0"/>
-              </a:rPr>
-              <a:t>'       </a:t>
-            </a:r>
-          </a:p>
-          <a:p>
-            <a:pPr marL="0" indent="0">
-              <a:buNone/>
-            </a:pPr>
-            <a:r>
-              <a:rPr lang="en-IN" sz="1200" dirty="0">
-                <a:latin typeface="Arial" panose="020B0604020202020204" pitchFamily="34" charset="0"/>
-                <a:cs typeface="Arial" panose="020B0604020202020204" pitchFamily="34" charset="0"/>
-              </a:rPr>
-              <a:t>        </a:t>
-            </a:r>
-            <a:r>
-              <a:rPr lang="en-IN" sz="1200" dirty="0" err="1">
-                <a:latin typeface="Arial" panose="020B0604020202020204" pitchFamily="34" charset="0"/>
-                <a:cs typeface="Arial" panose="020B0604020202020204" pitchFamily="34" charset="0"/>
-              </a:rPr>
-              <a:t>sh</a:t>
-            </a:r>
-            <a:r>
-              <a:rPr lang="en-IN" sz="1200" dirty="0">
-                <a:latin typeface="Arial" panose="020B0604020202020204" pitchFamily="34" charset="0"/>
-                <a:cs typeface="Arial" panose="020B0604020202020204" pitchFamily="34" charset="0"/>
-              </a:rPr>
-              <a:t> '</a:t>
-            </a:r>
-            <a:r>
-              <a:rPr lang="en-IN" sz="1200" dirty="0" err="1">
-                <a:latin typeface="Arial" panose="020B0604020202020204" pitchFamily="34" charset="0"/>
-                <a:cs typeface="Arial" panose="020B0604020202020204" pitchFamily="34" charset="0"/>
-              </a:rPr>
-              <a:t>kubectl</a:t>
-            </a:r>
-            <a:r>
-              <a:rPr lang="en-IN" sz="1200" dirty="0">
-                <a:latin typeface="Arial" panose="020B0604020202020204" pitchFamily="34" charset="0"/>
-                <a:cs typeface="Arial" panose="020B0604020202020204" pitchFamily="34" charset="0"/>
-              </a:rPr>
-              <a:t> apply -f k8s-spring-boot-deployment.yml'     </a:t>
-            </a:r>
-          </a:p>
-          <a:p>
-            <a:pPr marL="0" indent="0">
-              <a:buNone/>
-            </a:pPr>
-            <a:r>
-              <a:rPr lang="en-IN" sz="1200" dirty="0">
-                <a:latin typeface="Arial" panose="020B0604020202020204" pitchFamily="34" charset="0"/>
-                <a:cs typeface="Arial" panose="020B0604020202020204" pitchFamily="34" charset="0"/>
-              </a:rPr>
-              <a:t>   } </a:t>
+              <a:t>  }</a:t>
             </a:r>
           </a:p>
         </p:txBody>
@@ -11181,7 +10690,7 @@
           <p:cNvPr id="4" name="Date Placeholder 3">
             <a:extLst>
               <a:ext uri="{FF2B5EF4-FFF2-40B4-BE49-F238E27FC236}">
-                <a16:creationId xmlns:a16="http://schemas.microsoft.com/office/drawing/2014/main" id="{23D7C42F-0D2B-4895-B1A3-486B17796AE2}"/>
+                <a16:creationId xmlns:a16="http://schemas.microsoft.com/office/drawing/2014/main" id="{7D39ECF0-1907-4D08-8916-A1882330E1FD}"/>
               </a:ext>
             </a:extLst>
           </p:cNvPr>
@@ -11210,7 +10719,7 @@
           <p:cNvPr id="5" name="Footer Placeholder 4">
             <a:extLst>
               <a:ext uri="{FF2B5EF4-FFF2-40B4-BE49-F238E27FC236}">
-                <a16:creationId xmlns:a16="http://schemas.microsoft.com/office/drawing/2014/main" id="{C8DEFD47-A6B8-4E62-BAAE-C37C02820412}"/>
+                <a16:creationId xmlns:a16="http://schemas.microsoft.com/office/drawing/2014/main" id="{1685F1B7-0521-4630-90C5-4492D456A039}"/>
               </a:ext>
             </a:extLst>
           </p:cNvPr>
@@ -11239,7 +10748,7 @@
           <p:cNvPr id="6" name="Slide Number Placeholder 5">
             <a:extLst>
               <a:ext uri="{FF2B5EF4-FFF2-40B4-BE49-F238E27FC236}">
-                <a16:creationId xmlns:a16="http://schemas.microsoft.com/office/drawing/2014/main" id="{E86B3E2C-B722-4F16-8BCB-B405C0DA1283}"/>
+                <a16:creationId xmlns:a16="http://schemas.microsoft.com/office/drawing/2014/main" id="{E455AF90-B4ED-4A51-9C04-0DDD9D66FDB8}"/>
               </a:ext>
             </a:extLst>
           </p:cNvPr>
@@ -11267,7 +10776,7 @@
     </p:spTree>
     <p:extLst>
       <p:ext uri="{BB962C8B-B14F-4D97-AF65-F5344CB8AC3E}">
-        <p14:creationId xmlns:p14="http://schemas.microsoft.com/office/powerpoint/2010/main" val="687937828"/>
+        <p14:creationId xmlns:p14="http://schemas.microsoft.com/office/powerpoint/2010/main" val="4045254836"/>
       </p:ext>
     </p:extLst>
   </p:cSld>
@@ -11299,7 +10808,7 @@
           <p:cNvPr id="2" name="Title 1">
             <a:extLst>
               <a:ext uri="{FF2B5EF4-FFF2-40B4-BE49-F238E27FC236}">
-                <a16:creationId xmlns:a16="http://schemas.microsoft.com/office/drawing/2014/main" id="{76E03738-9553-4E40-90E0-5015AE991CC4}"/>
+                <a16:creationId xmlns:a16="http://schemas.microsoft.com/office/drawing/2014/main" id="{5546E2EF-4364-42A5-AE46-C5B9595A7B5F}"/>
               </a:ext>
             </a:extLst>
           </p:cNvPr>
@@ -11316,10 +10825,9 @@
           <a:lstStyle/>
           <a:p>
             <a:r>
-              <a:rPr lang="en-IN" dirty="0" err="1"/>
-              <a:t>ReFERENCES</a:t>
-            </a:r>
-            <a:endParaRPr lang="en-IN" dirty="0"/>
+              <a:rPr lang="en-IN" dirty="0"/>
+              <a:t>K8s Deployment PIPELINE</a:t>
+            </a:r>
           </a:p>
         </p:txBody>
       </p:sp>
@@ -11328,7 +10836,7 @@
           <p:cNvPr id="3" name="Content Placeholder 2">
             <a:extLst>
               <a:ext uri="{FF2B5EF4-FFF2-40B4-BE49-F238E27FC236}">
-                <a16:creationId xmlns:a16="http://schemas.microsoft.com/office/drawing/2014/main" id="{A8F1C959-E20F-40E2-993B-DB1FDE0E147C}"/>
+                <a16:creationId xmlns:a16="http://schemas.microsoft.com/office/drawing/2014/main" id="{CD511E57-BB46-48A5-AF5A-53539DE4044B}"/>
               </a:ext>
             </a:extLst>
           </p:cNvPr>
@@ -11339,57 +10847,352 @@
             <p:ph idx="1"/>
           </p:nvPr>
         </p:nvSpPr>
-        <p:spPr/>
-        <p:txBody>
-          <a:bodyPr/>
-          <a:lstStyle/>
-          <a:p>
-            <a:r>
-              <a:rPr lang="en-IN" dirty="0">
-                <a:hlinkClick r:id="rId2"/>
-              </a:rPr>
-              <a:t>https://jhooq.com/aws-kubernetes-jenkins-pipeline/</a:t>
-            </a:r>
-            <a:r>
-              <a:rPr lang="en-IN" dirty="0"/>
-              <a:t> Inspiration , cloned the sample app from Author</a:t>
-            </a:r>
-          </a:p>
-          <a:p>
-            <a:r>
-              <a:rPr lang="en-IN" dirty="0">
-                <a:hlinkClick r:id="rId3"/>
-              </a:rPr>
-              <a:t>https://www.youtube.com/watch?v=iiF2iQV-3eM</a:t>
-            </a:r>
-            <a:r>
-              <a:rPr lang="en-IN" dirty="0"/>
-              <a:t> Darin Pope Cloud Bees (*****)</a:t>
-            </a:r>
-          </a:p>
-          <a:p>
-            <a:r>
-              <a:rPr lang="en-IN" dirty="0">
-                <a:hlinkClick r:id="rId4"/>
-              </a:rPr>
-              <a:t>https://docs.docker.com/engine/install/ubuntu/</a:t>
-            </a:r>
-            <a:endParaRPr lang="en-IN" dirty="0"/>
-          </a:p>
-          <a:p>
-            <a:r>
-              <a:rPr lang="en-IN" dirty="0">
-                <a:hlinkClick r:id="rId5"/>
-              </a:rPr>
-              <a:t>https://www.digitalocean.com/community/questions/how-to-fix-docker-got-permission-denied-while-trying-to-connect-to-the-docker-daemon-socket</a:t>
-            </a:r>
-            <a:endParaRPr lang="en-IN" dirty="0"/>
-          </a:p>
-          <a:p>
-            <a:endParaRPr lang="en-IN" dirty="0"/>
-          </a:p>
-          <a:p>
-            <a:endParaRPr lang="en-IN" dirty="0"/>
+        <p:spPr>
+          <a:xfrm>
+            <a:off x="581192" y="2037924"/>
+            <a:ext cx="11457725" cy="3820876"/>
+          </a:xfrm>
+        </p:spPr>
+        <p:txBody>
+          <a:bodyPr>
+            <a:noAutofit/>
+          </a:bodyPr>
+          <a:lstStyle/>
+          <a:p>
+            <a:r>
+              <a:rPr lang="en-IN" sz="1400" dirty="0">
+                <a:latin typeface="Arial" panose="020B0604020202020204" pitchFamily="34" charset="0"/>
+                <a:cs typeface="Arial" panose="020B0604020202020204" pitchFamily="34" charset="0"/>
+              </a:rPr>
+              <a:t>Step6 : </a:t>
+            </a:r>
+            <a:r>
+              <a:rPr lang="en-IN" sz="1400" b="1" dirty="0">
+                <a:latin typeface="Arial" panose="020B0604020202020204" pitchFamily="34" charset="0"/>
+                <a:cs typeface="Arial" panose="020B0604020202020204" pitchFamily="34" charset="0"/>
+              </a:rPr>
+              <a:t>Push image to Docker Hub</a:t>
+            </a:r>
+          </a:p>
+          <a:p>
+            <a:pPr marL="0" indent="0">
+              <a:buNone/>
+            </a:pPr>
+            <a:r>
+              <a:rPr lang="en-IN" sz="1400" dirty="0">
+                <a:latin typeface="Arial" panose="020B0604020202020204" pitchFamily="34" charset="0"/>
+                <a:cs typeface="Arial" panose="020B0604020202020204" pitchFamily="34" charset="0"/>
+              </a:rPr>
+              <a:t>       stage("Push Image to Docker Hub"){     </a:t>
+            </a:r>
+          </a:p>
+          <a:p>
+            <a:pPr marL="0" indent="0">
+              <a:buNone/>
+            </a:pPr>
+            <a:r>
+              <a:rPr lang="en-IN" sz="1400" dirty="0">
+                <a:latin typeface="Arial" panose="020B0604020202020204" pitchFamily="34" charset="0"/>
+                <a:cs typeface="Arial" panose="020B0604020202020204" pitchFamily="34" charset="0"/>
+              </a:rPr>
+              <a:t>       </a:t>
+            </a:r>
+            <a:r>
+              <a:rPr lang="en-IN" sz="1400" dirty="0" err="1">
+                <a:latin typeface="Arial" panose="020B0604020202020204" pitchFamily="34" charset="0"/>
+                <a:cs typeface="Arial" panose="020B0604020202020204" pitchFamily="34" charset="0"/>
+              </a:rPr>
+              <a:t>sh</a:t>
+            </a:r>
+            <a:r>
+              <a:rPr lang="en-IN" sz="1400" dirty="0">
+                <a:latin typeface="Arial" panose="020B0604020202020204" pitchFamily="34" charset="0"/>
+                <a:cs typeface="Arial" panose="020B0604020202020204" pitchFamily="34" charset="0"/>
+              </a:rPr>
+              <a:t> '</a:t>
+            </a:r>
+            <a:r>
+              <a:rPr lang="en-IN" sz="1400" dirty="0" err="1">
+                <a:latin typeface="Arial" panose="020B0604020202020204" pitchFamily="34" charset="0"/>
+                <a:cs typeface="Arial" panose="020B0604020202020204" pitchFamily="34" charset="0"/>
+              </a:rPr>
+              <a:t>sudo</a:t>
+            </a:r>
+            <a:r>
+              <a:rPr lang="en-IN" sz="1400" dirty="0">
+                <a:latin typeface="Arial" panose="020B0604020202020204" pitchFamily="34" charset="0"/>
+                <a:cs typeface="Arial" panose="020B0604020202020204" pitchFamily="34" charset="0"/>
+              </a:rPr>
+              <a:t> docker push  thulsidk1/jhooq-docker-demo:version1.0'    </a:t>
+            </a:r>
+          </a:p>
+          <a:p>
+            <a:pPr marL="0" indent="0">
+              <a:buNone/>
+            </a:pPr>
+            <a:r>
+              <a:rPr lang="en-IN" sz="1400" dirty="0">
+                <a:latin typeface="Arial" panose="020B0604020202020204" pitchFamily="34" charset="0"/>
+                <a:cs typeface="Arial" panose="020B0604020202020204" pitchFamily="34" charset="0"/>
+              </a:rPr>
+              <a:t>} </a:t>
+            </a:r>
+          </a:p>
+          <a:p>
+            <a:r>
+              <a:rPr lang="en-IN" sz="1400" dirty="0">
+                <a:latin typeface="Arial" panose="020B0604020202020204" pitchFamily="34" charset="0"/>
+                <a:cs typeface="Arial" panose="020B0604020202020204" pitchFamily="34" charset="0"/>
+              </a:rPr>
+              <a:t>Step7 :  </a:t>
+            </a:r>
+            <a:r>
+              <a:rPr lang="en-IN" sz="1400" b="1" dirty="0">
+                <a:latin typeface="Arial" panose="020B0604020202020204" pitchFamily="34" charset="0"/>
+                <a:cs typeface="Arial" panose="020B0604020202020204" pitchFamily="34" charset="0"/>
+              </a:rPr>
+              <a:t>Kubernetes Deployment</a:t>
+            </a:r>
+          </a:p>
+          <a:p>
+            <a:pPr marL="0" indent="0">
+              <a:buNone/>
+            </a:pPr>
+            <a:r>
+              <a:rPr lang="en-IN" sz="1400" dirty="0">
+                <a:latin typeface="Arial" panose="020B0604020202020204" pitchFamily="34" charset="0"/>
+                <a:cs typeface="Arial" panose="020B0604020202020204" pitchFamily="34" charset="0"/>
+              </a:rPr>
+              <a:t>stage("</a:t>
+            </a:r>
+            <a:r>
+              <a:rPr lang="en-IN" sz="1400" dirty="0" err="1">
+                <a:latin typeface="Arial" panose="020B0604020202020204" pitchFamily="34" charset="0"/>
+                <a:cs typeface="Arial" panose="020B0604020202020204" pitchFamily="34" charset="0"/>
+              </a:rPr>
+              <a:t>kubernetes</a:t>
+            </a:r>
+            <a:r>
+              <a:rPr lang="en-IN" sz="1400" dirty="0">
+                <a:latin typeface="Arial" panose="020B0604020202020204" pitchFamily="34" charset="0"/>
+                <a:cs typeface="Arial" panose="020B0604020202020204" pitchFamily="34" charset="0"/>
+              </a:rPr>
+              <a:t> deployment"){  </a:t>
+            </a:r>
+          </a:p>
+          <a:p>
+            <a:pPr marL="0" indent="0">
+              <a:buNone/>
+            </a:pPr>
+            <a:r>
+              <a:rPr lang="en-IN" sz="1400" dirty="0">
+                <a:latin typeface="Arial" panose="020B0604020202020204" pitchFamily="34" charset="0"/>
+                <a:cs typeface="Arial" panose="020B0604020202020204" pitchFamily="34" charset="0"/>
+              </a:rPr>
+              <a:t> </a:t>
+            </a:r>
+            <a:r>
+              <a:rPr lang="en-IN" sz="1200" dirty="0" err="1">
+                <a:latin typeface="Arial" panose="020B0604020202020204" pitchFamily="34" charset="0"/>
+                <a:cs typeface="Arial" panose="020B0604020202020204" pitchFamily="34" charset="0"/>
+              </a:rPr>
+              <a:t>withCredentials</a:t>
+            </a:r>
+            <a:r>
+              <a:rPr lang="en-IN" sz="1200" dirty="0">
+                <a:latin typeface="Arial" panose="020B0604020202020204" pitchFamily="34" charset="0"/>
+                <a:cs typeface="Arial" panose="020B0604020202020204" pitchFamily="34" charset="0"/>
+              </a:rPr>
+              <a:t>([</a:t>
+            </a:r>
+            <a:r>
+              <a:rPr lang="en-IN" sz="1200" dirty="0" err="1">
+                <a:latin typeface="Arial" panose="020B0604020202020204" pitchFamily="34" charset="0"/>
+                <a:cs typeface="Arial" panose="020B0604020202020204" pitchFamily="34" charset="0"/>
+              </a:rPr>
+              <a:t>aws</a:t>
+            </a:r>
+            <a:r>
+              <a:rPr lang="en-IN" sz="1200" dirty="0">
+                <a:latin typeface="Arial" panose="020B0604020202020204" pitchFamily="34" charset="0"/>
+                <a:cs typeface="Arial" panose="020B0604020202020204" pitchFamily="34" charset="0"/>
+              </a:rPr>
+              <a:t>(accessKeyVariable:'AWS_ACCESS_KEY_ID',credentialsId:'jenkins-aws-creds’,KeyVariable:'AWS_SECRET_ACCESS_KEY')]){ </a:t>
+            </a:r>
+          </a:p>
+          <a:p>
+            <a:pPr marL="0" indent="0">
+              <a:buNone/>
+            </a:pPr>
+            <a:r>
+              <a:rPr lang="en-IN" sz="1200" dirty="0">
+                <a:latin typeface="Arial" panose="020B0604020202020204" pitchFamily="34" charset="0"/>
+                <a:cs typeface="Arial" panose="020B0604020202020204" pitchFamily="34" charset="0"/>
+              </a:rPr>
+              <a:t>        </a:t>
+            </a:r>
+            <a:r>
+              <a:rPr lang="en-IN" sz="1200" dirty="0" err="1">
+                <a:latin typeface="Arial" panose="020B0604020202020204" pitchFamily="34" charset="0"/>
+                <a:cs typeface="Arial" panose="020B0604020202020204" pitchFamily="34" charset="0"/>
+              </a:rPr>
+              <a:t>sh</a:t>
+            </a:r>
+            <a:r>
+              <a:rPr lang="en-IN" sz="1200" dirty="0">
+                <a:latin typeface="Arial" panose="020B0604020202020204" pitchFamily="34" charset="0"/>
+                <a:cs typeface="Arial" panose="020B0604020202020204" pitchFamily="34" charset="0"/>
+              </a:rPr>
+              <a:t> '</a:t>
+            </a:r>
+            <a:r>
+              <a:rPr lang="en-IN" sz="1200" dirty="0" err="1">
+                <a:latin typeface="Arial" panose="020B0604020202020204" pitchFamily="34" charset="0"/>
+                <a:cs typeface="Arial" panose="020B0604020202020204" pitchFamily="34" charset="0"/>
+              </a:rPr>
+              <a:t>aws</a:t>
+            </a:r>
+            <a:r>
+              <a:rPr lang="en-IN" sz="1200" dirty="0">
+                <a:latin typeface="Arial" panose="020B0604020202020204" pitchFamily="34" charset="0"/>
+                <a:cs typeface="Arial" panose="020B0604020202020204" pitchFamily="34" charset="0"/>
+              </a:rPr>
+              <a:t> --version'           </a:t>
+            </a:r>
+          </a:p>
+          <a:p>
+            <a:pPr marL="0" indent="0">
+              <a:buNone/>
+            </a:pPr>
+            <a:r>
+              <a:rPr lang="en-IN" sz="1200" dirty="0">
+                <a:latin typeface="Arial" panose="020B0604020202020204" pitchFamily="34" charset="0"/>
+                <a:cs typeface="Arial" panose="020B0604020202020204" pitchFamily="34" charset="0"/>
+              </a:rPr>
+              <a:t>        </a:t>
+            </a:r>
+            <a:r>
+              <a:rPr lang="en-IN" sz="1200" dirty="0" err="1">
+                <a:latin typeface="Arial" panose="020B0604020202020204" pitchFamily="34" charset="0"/>
+                <a:cs typeface="Arial" panose="020B0604020202020204" pitchFamily="34" charset="0"/>
+              </a:rPr>
+              <a:t>sh</a:t>
+            </a:r>
+            <a:r>
+              <a:rPr lang="en-IN" sz="1200" dirty="0">
+                <a:latin typeface="Arial" panose="020B0604020202020204" pitchFamily="34" charset="0"/>
+                <a:cs typeface="Arial" panose="020B0604020202020204" pitchFamily="34" charset="0"/>
+              </a:rPr>
+              <a:t> '</a:t>
+            </a:r>
+            <a:r>
+              <a:rPr lang="en-IN" sz="1200" dirty="0" err="1">
+                <a:latin typeface="Arial" panose="020B0604020202020204" pitchFamily="34" charset="0"/>
+                <a:cs typeface="Arial" panose="020B0604020202020204" pitchFamily="34" charset="0"/>
+              </a:rPr>
+              <a:t>aws</a:t>
+            </a:r>
+            <a:r>
+              <a:rPr lang="en-IN" sz="1200" dirty="0">
+                <a:latin typeface="Arial" panose="020B0604020202020204" pitchFamily="34" charset="0"/>
+                <a:cs typeface="Arial" panose="020B0604020202020204" pitchFamily="34" charset="0"/>
+              </a:rPr>
+              <a:t> </a:t>
+            </a:r>
+            <a:r>
+              <a:rPr lang="en-IN" sz="1200" dirty="0" err="1">
+                <a:latin typeface="Arial" panose="020B0604020202020204" pitchFamily="34" charset="0"/>
+                <a:cs typeface="Arial" panose="020B0604020202020204" pitchFamily="34" charset="0"/>
+              </a:rPr>
+              <a:t>eks</a:t>
+            </a:r>
+            <a:r>
+              <a:rPr lang="en-IN" sz="1200" dirty="0">
+                <a:latin typeface="Arial" panose="020B0604020202020204" pitchFamily="34" charset="0"/>
+                <a:cs typeface="Arial" panose="020B0604020202020204" pitchFamily="34" charset="0"/>
+              </a:rPr>
+              <a:t> --region us-east-2 update-</a:t>
+            </a:r>
+            <a:r>
+              <a:rPr lang="en-IN" sz="1200" dirty="0" err="1">
+                <a:latin typeface="Arial" panose="020B0604020202020204" pitchFamily="34" charset="0"/>
+                <a:cs typeface="Arial" panose="020B0604020202020204" pitchFamily="34" charset="0"/>
+              </a:rPr>
+              <a:t>kubeconfig</a:t>
+            </a:r>
+            <a:r>
+              <a:rPr lang="en-IN" sz="1200" dirty="0">
+                <a:latin typeface="Arial" panose="020B0604020202020204" pitchFamily="34" charset="0"/>
+                <a:cs typeface="Arial" panose="020B0604020202020204" pitchFamily="34" charset="0"/>
+              </a:rPr>
+              <a:t> --name </a:t>
+            </a:r>
+            <a:r>
+              <a:rPr lang="en-IN" sz="1200" dirty="0" err="1">
+                <a:latin typeface="Arial" panose="020B0604020202020204" pitchFamily="34" charset="0"/>
+                <a:cs typeface="Arial" panose="020B0604020202020204" pitchFamily="34" charset="0"/>
+              </a:rPr>
+              <a:t>Ragavendra</a:t>
+            </a:r>
+            <a:r>
+              <a:rPr lang="en-IN" sz="1200" dirty="0">
+                <a:latin typeface="Arial" panose="020B0604020202020204" pitchFamily="34" charset="0"/>
+                <a:cs typeface="Arial" panose="020B0604020202020204" pitchFamily="34" charset="0"/>
+              </a:rPr>
+              <a:t>'       </a:t>
+            </a:r>
+          </a:p>
+          <a:p>
+            <a:pPr marL="0" indent="0">
+              <a:buNone/>
+            </a:pPr>
+            <a:r>
+              <a:rPr lang="en-IN" sz="1200" dirty="0">
+                <a:latin typeface="Arial" panose="020B0604020202020204" pitchFamily="34" charset="0"/>
+                <a:cs typeface="Arial" panose="020B0604020202020204" pitchFamily="34" charset="0"/>
+              </a:rPr>
+              <a:t>        </a:t>
+            </a:r>
+            <a:r>
+              <a:rPr lang="en-IN" sz="1200" dirty="0" err="1">
+                <a:latin typeface="Arial" panose="020B0604020202020204" pitchFamily="34" charset="0"/>
+                <a:cs typeface="Arial" panose="020B0604020202020204" pitchFamily="34" charset="0"/>
+              </a:rPr>
+              <a:t>sh</a:t>
+            </a:r>
+            <a:r>
+              <a:rPr lang="en-IN" sz="1200" dirty="0">
+                <a:latin typeface="Arial" panose="020B0604020202020204" pitchFamily="34" charset="0"/>
+                <a:cs typeface="Arial" panose="020B0604020202020204" pitchFamily="34" charset="0"/>
+              </a:rPr>
+              <a:t> '</a:t>
+            </a:r>
+            <a:r>
+              <a:rPr lang="en-IN" sz="1200" dirty="0" err="1">
+                <a:latin typeface="Arial" panose="020B0604020202020204" pitchFamily="34" charset="0"/>
+                <a:cs typeface="Arial" panose="020B0604020202020204" pitchFamily="34" charset="0"/>
+              </a:rPr>
+              <a:t>kubectl</a:t>
+            </a:r>
+            <a:r>
+              <a:rPr lang="en-IN" sz="1200" dirty="0">
+                <a:latin typeface="Arial" panose="020B0604020202020204" pitchFamily="34" charset="0"/>
+                <a:cs typeface="Arial" panose="020B0604020202020204" pitchFamily="34" charset="0"/>
+              </a:rPr>
+              <a:t> apply -f k8s-spring-boot-deployment.yml'     </a:t>
+            </a:r>
+          </a:p>
+          <a:p>
+            <a:pPr marL="0" indent="0">
+              <a:buNone/>
+            </a:pPr>
+            <a:r>
+              <a:rPr lang="en-IN" sz="1200" dirty="0">
+                <a:latin typeface="Arial" panose="020B0604020202020204" pitchFamily="34" charset="0"/>
+                <a:cs typeface="Arial" panose="020B0604020202020204" pitchFamily="34" charset="0"/>
+              </a:rPr>
+              <a:t>   } </a:t>
+            </a:r>
           </a:p>
         </p:txBody>
       </p:sp>
@@ -11398,7 +11201,7 @@
           <p:cNvPr id="4" name="Date Placeholder 3">
             <a:extLst>
               <a:ext uri="{FF2B5EF4-FFF2-40B4-BE49-F238E27FC236}">
-                <a16:creationId xmlns:a16="http://schemas.microsoft.com/office/drawing/2014/main" id="{B049030A-4A5F-4647-BBC8-597B73830F58}"/>
+                <a16:creationId xmlns:a16="http://schemas.microsoft.com/office/drawing/2014/main" id="{23D7C42F-0D2B-4895-B1A3-486B17796AE2}"/>
               </a:ext>
             </a:extLst>
           </p:cNvPr>
@@ -11427,7 +11230,7 @@
           <p:cNvPr id="5" name="Footer Placeholder 4">
             <a:extLst>
               <a:ext uri="{FF2B5EF4-FFF2-40B4-BE49-F238E27FC236}">
-                <a16:creationId xmlns:a16="http://schemas.microsoft.com/office/drawing/2014/main" id="{F5ED2FA2-82CC-4480-A03D-E93860022EB4}"/>
+                <a16:creationId xmlns:a16="http://schemas.microsoft.com/office/drawing/2014/main" id="{C8DEFD47-A6B8-4E62-BAAE-C37C02820412}"/>
               </a:ext>
             </a:extLst>
           </p:cNvPr>
@@ -11456,7 +11259,7 @@
           <p:cNvPr id="6" name="Slide Number Placeholder 5">
             <a:extLst>
               <a:ext uri="{FF2B5EF4-FFF2-40B4-BE49-F238E27FC236}">
-                <a16:creationId xmlns:a16="http://schemas.microsoft.com/office/drawing/2014/main" id="{DF9B13B1-003F-4656-B99D-B97562430366}"/>
+                <a16:creationId xmlns:a16="http://schemas.microsoft.com/office/drawing/2014/main" id="{E86B3E2C-B722-4F16-8BCB-B405C0DA1283}"/>
               </a:ext>
             </a:extLst>
           </p:cNvPr>
@@ -11484,7 +11287,7 @@
     </p:spTree>
     <p:extLst>
       <p:ext uri="{BB962C8B-B14F-4D97-AF65-F5344CB8AC3E}">
-        <p14:creationId xmlns:p14="http://schemas.microsoft.com/office/powerpoint/2010/main" val="652963773"/>
+        <p14:creationId xmlns:p14="http://schemas.microsoft.com/office/powerpoint/2010/main" val="687937828"/>
       </p:ext>
     </p:extLst>
   </p:cSld>
@@ -11516,6 +11319,223 @@
           <p:cNvPr id="2" name="Title 1">
             <a:extLst>
               <a:ext uri="{FF2B5EF4-FFF2-40B4-BE49-F238E27FC236}">
+                <a16:creationId xmlns:a16="http://schemas.microsoft.com/office/drawing/2014/main" id="{76E03738-9553-4E40-90E0-5015AE991CC4}"/>
+              </a:ext>
+            </a:extLst>
+          </p:cNvPr>
+          <p:cNvSpPr>
+            <a:spLocks noGrp="1"/>
+          </p:cNvSpPr>
+          <p:nvPr>
+            <p:ph type="title"/>
+          </p:nvPr>
+        </p:nvSpPr>
+        <p:spPr/>
+        <p:txBody>
+          <a:bodyPr/>
+          <a:lstStyle/>
+          <a:p>
+            <a:r>
+              <a:rPr lang="en-IN" dirty="0" err="1"/>
+              <a:t>ReFERENCES</a:t>
+            </a:r>
+            <a:endParaRPr lang="en-IN" dirty="0"/>
+          </a:p>
+        </p:txBody>
+      </p:sp>
+      <p:sp>
+        <p:nvSpPr>
+          <p:cNvPr id="3" name="Content Placeholder 2">
+            <a:extLst>
+              <a:ext uri="{FF2B5EF4-FFF2-40B4-BE49-F238E27FC236}">
+                <a16:creationId xmlns:a16="http://schemas.microsoft.com/office/drawing/2014/main" id="{A8F1C959-E20F-40E2-993B-DB1FDE0E147C}"/>
+              </a:ext>
+            </a:extLst>
+          </p:cNvPr>
+          <p:cNvSpPr>
+            <a:spLocks noGrp="1"/>
+          </p:cNvSpPr>
+          <p:nvPr>
+            <p:ph idx="1"/>
+          </p:nvPr>
+        </p:nvSpPr>
+        <p:spPr/>
+        <p:txBody>
+          <a:bodyPr/>
+          <a:lstStyle/>
+          <a:p>
+            <a:r>
+              <a:rPr lang="en-IN" dirty="0">
+                <a:hlinkClick r:id="rId2"/>
+              </a:rPr>
+              <a:t>https://jhooq.com/aws-kubernetes-jenkins-pipeline/</a:t>
+            </a:r>
+            <a:r>
+              <a:rPr lang="en-IN" dirty="0"/>
+              <a:t> Inspiration , cloned the sample app from Author</a:t>
+            </a:r>
+          </a:p>
+          <a:p>
+            <a:r>
+              <a:rPr lang="en-IN" dirty="0">
+                <a:hlinkClick r:id="rId3"/>
+              </a:rPr>
+              <a:t>https://www.youtube.com/watch?v=iiF2iQV-3eM</a:t>
+            </a:r>
+            <a:r>
+              <a:rPr lang="en-IN" dirty="0"/>
+              <a:t> Darin Pope Cloud Bees (*****)</a:t>
+            </a:r>
+          </a:p>
+          <a:p>
+            <a:r>
+              <a:rPr lang="en-IN" dirty="0">
+                <a:hlinkClick r:id="rId4"/>
+              </a:rPr>
+              <a:t>https://docs.docker.com/engine/install/ubuntu/</a:t>
+            </a:r>
+            <a:endParaRPr lang="en-IN" dirty="0"/>
+          </a:p>
+          <a:p>
+            <a:r>
+              <a:rPr lang="en-IN" dirty="0">
+                <a:hlinkClick r:id="rId5"/>
+              </a:rPr>
+              <a:t>https://www.digitalocean.com/community/questions/how-to-fix-docker-got-permission-denied-while-trying-to-connect-to-the-docker-daemon-socket</a:t>
+            </a:r>
+            <a:endParaRPr lang="en-IN" dirty="0"/>
+          </a:p>
+          <a:p>
+            <a:endParaRPr lang="en-IN" dirty="0"/>
+          </a:p>
+          <a:p>
+            <a:endParaRPr lang="en-IN" dirty="0"/>
+          </a:p>
+        </p:txBody>
+      </p:sp>
+      <p:sp>
+        <p:nvSpPr>
+          <p:cNvPr id="4" name="Date Placeholder 3">
+            <a:extLst>
+              <a:ext uri="{FF2B5EF4-FFF2-40B4-BE49-F238E27FC236}">
+                <a16:creationId xmlns:a16="http://schemas.microsoft.com/office/drawing/2014/main" id="{B049030A-4A5F-4647-BBC8-597B73830F58}"/>
+              </a:ext>
+            </a:extLst>
+          </p:cNvPr>
+          <p:cNvSpPr>
+            <a:spLocks noGrp="1"/>
+          </p:cNvSpPr>
+          <p:nvPr>
+            <p:ph type="dt" sz="half" idx="10"/>
+          </p:nvPr>
+        </p:nvSpPr>
+        <p:spPr/>
+        <p:txBody>
+          <a:bodyPr/>
+          <a:lstStyle/>
+          <a:p>
+            <a:fld id="{30982E46-163F-534D-B244-A5ED1410340B}" type="datetime1">
+              <a:rPr lang="nl-NL" smtClean="0"/>
+              <a:t>17-3-2022</a:t>
+            </a:fld>
+            <a:endParaRPr lang="en-US" dirty="0"/>
+          </a:p>
+        </p:txBody>
+      </p:sp>
+      <p:sp>
+        <p:nvSpPr>
+          <p:cNvPr id="5" name="Footer Placeholder 4">
+            <a:extLst>
+              <a:ext uri="{FF2B5EF4-FFF2-40B4-BE49-F238E27FC236}">
+                <a16:creationId xmlns:a16="http://schemas.microsoft.com/office/drawing/2014/main" id="{F5ED2FA2-82CC-4480-A03D-E93860022EB4}"/>
+              </a:ext>
+            </a:extLst>
+          </p:cNvPr>
+          <p:cNvSpPr>
+            <a:spLocks noGrp="1"/>
+          </p:cNvSpPr>
+          <p:nvPr>
+            <p:ph type="ftr" sz="quarter" idx="11"/>
+          </p:nvPr>
+        </p:nvSpPr>
+        <p:spPr/>
+        <p:txBody>
+          <a:bodyPr/>
+          <a:lstStyle/>
+          <a:p>
+            <a:r>
+              <a:rPr lang="en-US"/>
+              <a:t>“Samen sterker, Beter en slimmer!”</a:t>
+            </a:r>
+            <a:endParaRPr lang="en-US" dirty="0"/>
+          </a:p>
+        </p:txBody>
+      </p:sp>
+      <p:sp>
+        <p:nvSpPr>
+          <p:cNvPr id="6" name="Slide Number Placeholder 5">
+            <a:extLst>
+              <a:ext uri="{FF2B5EF4-FFF2-40B4-BE49-F238E27FC236}">
+                <a16:creationId xmlns:a16="http://schemas.microsoft.com/office/drawing/2014/main" id="{DF9B13B1-003F-4656-B99D-B97562430366}"/>
+              </a:ext>
+            </a:extLst>
+          </p:cNvPr>
+          <p:cNvSpPr>
+            <a:spLocks noGrp="1"/>
+          </p:cNvSpPr>
+          <p:nvPr>
+            <p:ph type="sldNum" sz="quarter" idx="12"/>
+          </p:nvPr>
+        </p:nvSpPr>
+        <p:spPr/>
+        <p:txBody>
+          <a:bodyPr/>
+          <a:lstStyle/>
+          <a:p>
+            <a:fld id="{D57F1E4F-1CFF-5643-939E-217C01CDF565}" type="slidenum">
+              <a:rPr lang="en-US" smtClean="0"/>
+              <a:pPr/>
+              <a:t>44</a:t>
+            </a:fld>
+            <a:endParaRPr lang="en-US" dirty="0"/>
+          </a:p>
+        </p:txBody>
+      </p:sp>
+    </p:spTree>
+    <p:extLst>
+      <p:ext uri="{BB962C8B-B14F-4D97-AF65-F5344CB8AC3E}">
+        <p14:creationId xmlns:p14="http://schemas.microsoft.com/office/powerpoint/2010/main" val="652963773"/>
+      </p:ext>
+    </p:extLst>
+  </p:cSld>
+  <p:clrMapOvr>
+    <a:masterClrMapping/>
+  </p:clrMapOvr>
+</p:sld>
+</file>
+
+<file path=ppt/slides/slide45.xml><?xml version="1.0" encoding="utf-8"?>
+<p:sld xmlns:a="http://schemas.openxmlformats.org/drawingml/2006/main" xmlns:r="http://schemas.openxmlformats.org/officeDocument/2006/relationships" xmlns:p="http://schemas.openxmlformats.org/presentationml/2006/main">
+  <p:cSld>
+    <p:spTree>
+      <p:nvGrpSpPr>
+        <p:cNvPr id="1" name=""/>
+        <p:cNvGrpSpPr/>
+        <p:nvPr/>
+      </p:nvGrpSpPr>
+      <p:grpSpPr>
+        <a:xfrm>
+          <a:off x="0" y="0"/>
+          <a:ext cx="0" cy="0"/>
+          <a:chOff x="0" y="0"/>
+          <a:chExt cx="0" cy="0"/>
+        </a:xfrm>
+      </p:grpSpPr>
+      <p:sp>
+        <p:nvSpPr>
+          <p:cNvPr id="2" name="Title 1">
+            <a:extLst>
+              <a:ext uri="{FF2B5EF4-FFF2-40B4-BE49-F238E27FC236}">
                 <a16:creationId xmlns:a16="http://schemas.microsoft.com/office/drawing/2014/main" id="{C4668B4A-0DD3-B14C-AE25-656EE263B696}"/>
               </a:ext>
             </a:extLst>
@@ -11655,7 +11675,7 @@
             <a:fld id="{D57F1E4F-1CFF-5643-939E-217C01CDF565}" type="slidenum">
               <a:rPr lang="en-US" smtClean="0"/>
               <a:pPr/>
-              <a:t>44</a:t>
+              <a:t>45</a:t>
             </a:fld>
             <a:endParaRPr lang="en-US" dirty="0"/>
           </a:p>
@@ -11696,7 +11716,7 @@
           <p:cNvPr id="2" name="Title 1">
             <a:extLst>
               <a:ext uri="{FF2B5EF4-FFF2-40B4-BE49-F238E27FC236}">
-                <a16:creationId xmlns:a16="http://schemas.microsoft.com/office/drawing/2014/main" id="{4BD709D8-CF6A-4925-8212-82823E737483}"/>
+                <a16:creationId xmlns:a16="http://schemas.microsoft.com/office/drawing/2014/main" id="{E71523DB-9F1A-4308-95F9-3F631A35FB2D}"/>
               </a:ext>
             </a:extLst>
           </p:cNvPr>
@@ -11714,50 +11734,206 @@
           <a:p>
             <a:r>
               <a:rPr lang="en-IN" dirty="0"/>
-              <a:t>EKS-CLUSTER-STEP1</a:t>
-            </a:r>
-          </a:p>
-        </p:txBody>
-      </p:sp>
-      <p:pic>
-        <p:nvPicPr>
-          <p:cNvPr id="5" name="Content Placeholder 4">
+              <a:t>Jenkins For </a:t>
+            </a:r>
+            <a:r>
+              <a:rPr lang="en-IN"/>
+              <a:t>DeVOPS</a:t>
+            </a:r>
+          </a:p>
+        </p:txBody>
+      </p:sp>
+      <p:sp>
+        <p:nvSpPr>
+          <p:cNvPr id="3" name="Content Placeholder 2">
             <a:extLst>
               <a:ext uri="{FF2B5EF4-FFF2-40B4-BE49-F238E27FC236}">
-                <a16:creationId xmlns:a16="http://schemas.microsoft.com/office/drawing/2014/main" id="{0B082CE8-7695-4AB7-92B9-8D8CA6D21CD4}"/>
+                <a16:creationId xmlns:a16="http://schemas.microsoft.com/office/drawing/2014/main" id="{0C9BF358-47DC-4A19-8D23-DF179765699D}"/>
               </a:ext>
             </a:extLst>
           </p:cNvPr>
-          <p:cNvPicPr>
-            <a:picLocks noGrp="1" noChangeAspect="1"/>
-          </p:cNvPicPr>
+          <p:cNvSpPr>
+            <a:spLocks noGrp="1"/>
+          </p:cNvSpPr>
           <p:nvPr>
             <p:ph idx="1"/>
           </p:nvPr>
-        </p:nvPicPr>
-        <p:blipFill>
-          <a:blip r:embed="rId2">
-            <a:extLst>
-              <a:ext uri="{28A0092B-C50C-407E-A947-70E740481C1C}">
-                <a14:useLocalDpi xmlns:a14="http://schemas.microsoft.com/office/drawing/2010/main" val="0"/>
-              </a:ext>
-            </a:extLst>
-          </a:blip>
-          <a:stretch>
-            <a:fillRect/>
-          </a:stretch>
-        </p:blipFill>
-        <p:spPr>
-          <a:xfrm>
-            <a:off x="1446178" y="1825625"/>
-            <a:ext cx="9299644" cy="4351338"/>
-          </a:xfrm>
-        </p:spPr>
-      </p:pic>
+        </p:nvSpPr>
+        <p:spPr/>
+        <p:txBody>
+          <a:bodyPr/>
+          <a:lstStyle/>
+          <a:p>
+            <a:r>
+              <a:rPr lang="en-US" sz="1800" b="0" i="0" dirty="0">
+                <a:solidFill>
+                  <a:srgbClr val="292929"/>
+                </a:solidFill>
+                <a:effectLst/>
+                <a:latin typeface="charter"/>
+              </a:rPr>
+              <a:t>Jenkins is available for all platforms and different operating systems, whether it is OS X, Windows or Linux. </a:t>
+            </a:r>
+          </a:p>
+          <a:p>
+            <a:pPr lvl="1"/>
+            <a:r>
+              <a:rPr lang="en-US" b="0" i="0" dirty="0">
+                <a:solidFill>
+                  <a:srgbClr val="292929"/>
+                </a:solidFill>
+                <a:effectLst/>
+                <a:latin typeface="charter"/>
+              </a:rPr>
+              <a:t>It also boasts rich plugin ecosystem. The extensive pool of plugins makes Jenkins flexible and allows building, deploying and automating across various platforms.</a:t>
+            </a:r>
+          </a:p>
+          <a:p>
+            <a:r>
+              <a:rPr lang="en-US" sz="1800" b="0" i="0" dirty="0">
+                <a:solidFill>
+                  <a:srgbClr val="292929"/>
+                </a:solidFill>
+                <a:effectLst/>
+                <a:latin typeface="charter"/>
+              </a:rPr>
+              <a:t>Since it is open source, there is no shortage of support from large online communities of agile teams.</a:t>
+            </a:r>
+          </a:p>
+          <a:p>
+            <a:pPr lvl="1"/>
+            <a:r>
+              <a:rPr lang="en-US" b="0" i="0" dirty="0">
+                <a:solidFill>
+                  <a:srgbClr val="292929"/>
+                </a:solidFill>
+                <a:effectLst/>
+                <a:latin typeface="charter"/>
+              </a:rPr>
+              <a:t> Finally, most of the integration work is automated. Hence fewer integration issues.</a:t>
+            </a:r>
+          </a:p>
+          <a:p>
+            <a:pPr lvl="1"/>
+            <a:r>
+              <a:rPr lang="en-US" b="0" i="0" dirty="0">
+                <a:solidFill>
+                  <a:srgbClr val="292929"/>
+                </a:solidFill>
+                <a:effectLst/>
+                <a:latin typeface="charter"/>
+              </a:rPr>
+              <a:t> This saves both time and money over the lifespan of a project</a:t>
+            </a:r>
+            <a:r>
+              <a:rPr lang="en-US" sz="1000" b="0" i="0" dirty="0">
+                <a:solidFill>
+                  <a:srgbClr val="292929"/>
+                </a:solidFill>
+                <a:effectLst/>
+                <a:latin typeface="charter"/>
+              </a:rPr>
+              <a:t>.</a:t>
+            </a:r>
+            <a:endParaRPr lang="en-IN" dirty="0"/>
+          </a:p>
+          <a:p>
+            <a:endParaRPr lang="en-IN" dirty="0"/>
+          </a:p>
+        </p:txBody>
+      </p:sp>
+      <p:sp>
+        <p:nvSpPr>
+          <p:cNvPr id="4" name="Date Placeholder 3">
+            <a:extLst>
+              <a:ext uri="{FF2B5EF4-FFF2-40B4-BE49-F238E27FC236}">
+                <a16:creationId xmlns:a16="http://schemas.microsoft.com/office/drawing/2014/main" id="{E1D52327-10E5-4C7C-9979-16B3750DBD04}"/>
+              </a:ext>
+            </a:extLst>
+          </p:cNvPr>
+          <p:cNvSpPr>
+            <a:spLocks noGrp="1"/>
+          </p:cNvSpPr>
+          <p:nvPr>
+            <p:ph type="dt" sz="half" idx="10"/>
+          </p:nvPr>
+        </p:nvSpPr>
+        <p:spPr/>
+        <p:txBody>
+          <a:bodyPr/>
+          <a:lstStyle/>
+          <a:p>
+            <a:fld id="{30982E46-163F-534D-B244-A5ED1410340B}" type="datetime1">
+              <a:rPr lang="nl-NL" smtClean="0"/>
+              <a:t>17-3-2022</a:t>
+            </a:fld>
+            <a:endParaRPr lang="en-US" dirty="0"/>
+          </a:p>
+        </p:txBody>
+      </p:sp>
+      <p:sp>
+        <p:nvSpPr>
+          <p:cNvPr id="5" name="Footer Placeholder 4">
+            <a:extLst>
+              <a:ext uri="{FF2B5EF4-FFF2-40B4-BE49-F238E27FC236}">
+                <a16:creationId xmlns:a16="http://schemas.microsoft.com/office/drawing/2014/main" id="{B67EC95B-9FE5-4DC5-96A3-EFD2052E8C52}"/>
+              </a:ext>
+            </a:extLst>
+          </p:cNvPr>
+          <p:cNvSpPr>
+            <a:spLocks noGrp="1"/>
+          </p:cNvSpPr>
+          <p:nvPr>
+            <p:ph type="ftr" sz="quarter" idx="11"/>
+          </p:nvPr>
+        </p:nvSpPr>
+        <p:spPr/>
+        <p:txBody>
+          <a:bodyPr/>
+          <a:lstStyle/>
+          <a:p>
+            <a:r>
+              <a:rPr lang="en-US"/>
+              <a:t>“Samen sterker, Beter en slimmer!”</a:t>
+            </a:r>
+            <a:endParaRPr lang="en-US" dirty="0"/>
+          </a:p>
+        </p:txBody>
+      </p:sp>
+      <p:sp>
+        <p:nvSpPr>
+          <p:cNvPr id="6" name="Slide Number Placeholder 5">
+            <a:extLst>
+              <a:ext uri="{FF2B5EF4-FFF2-40B4-BE49-F238E27FC236}">
+                <a16:creationId xmlns:a16="http://schemas.microsoft.com/office/drawing/2014/main" id="{E7CC2BAC-32E0-4133-A626-1F96B28CDB8D}"/>
+              </a:ext>
+            </a:extLst>
+          </p:cNvPr>
+          <p:cNvSpPr>
+            <a:spLocks noGrp="1"/>
+          </p:cNvSpPr>
+          <p:nvPr>
+            <p:ph type="sldNum" sz="quarter" idx="12"/>
+          </p:nvPr>
+        </p:nvSpPr>
+        <p:spPr/>
+        <p:txBody>
+          <a:bodyPr/>
+          <a:lstStyle/>
+          <a:p>
+            <a:fld id="{D57F1E4F-1CFF-5643-939E-217C01CDF565}" type="slidenum">
+              <a:rPr lang="en-US" smtClean="0"/>
+              <a:pPr/>
+              <a:t>5</a:t>
+            </a:fld>
+            <a:endParaRPr lang="en-US" dirty="0"/>
+          </a:p>
+        </p:txBody>
+      </p:sp>
     </p:spTree>
     <p:extLst>
       <p:ext uri="{BB962C8B-B14F-4D97-AF65-F5344CB8AC3E}">
-        <p14:creationId xmlns:p14="http://schemas.microsoft.com/office/powerpoint/2010/main" val="1267157379"/>
+        <p14:creationId xmlns:p14="http://schemas.microsoft.com/office/powerpoint/2010/main" val="393481099"/>
       </p:ext>
     </p:extLst>
   </p:cSld>
@@ -11789,7 +11965,7 @@
           <p:cNvPr id="2" name="Title 1">
             <a:extLst>
               <a:ext uri="{FF2B5EF4-FFF2-40B4-BE49-F238E27FC236}">
-                <a16:creationId xmlns:a16="http://schemas.microsoft.com/office/drawing/2014/main" id="{596807D5-4408-46DF-8ED3-D7DCBDE3C513}"/>
+                <a16:creationId xmlns:a16="http://schemas.microsoft.com/office/drawing/2014/main" id="{4BD709D8-CF6A-4925-8212-82823E737483}"/>
               </a:ext>
             </a:extLst>
           </p:cNvPr>
@@ -11807,7 +11983,7 @@
           <a:p>
             <a:r>
               <a:rPr lang="en-IN" dirty="0"/>
-              <a:t>EKS-CLUSTER-STEP2</a:t>
+              <a:t>EKS-CLUSTER-STEP1</a:t>
             </a:r>
           </a:p>
         </p:txBody>
@@ -11817,7 +11993,7 @@
           <p:cNvPr id="5" name="Content Placeholder 4">
             <a:extLst>
               <a:ext uri="{FF2B5EF4-FFF2-40B4-BE49-F238E27FC236}">
-                <a16:creationId xmlns:a16="http://schemas.microsoft.com/office/drawing/2014/main" id="{67CFF89A-77CC-43ED-9149-79012A27F8AD}"/>
+                <a16:creationId xmlns:a16="http://schemas.microsoft.com/office/drawing/2014/main" id="{0B082CE8-7695-4AB7-92B9-8D8CA6D21CD4}"/>
               </a:ext>
             </a:extLst>
           </p:cNvPr>
@@ -11842,15 +12018,15 @@
         </p:blipFill>
         <p:spPr>
           <a:xfrm>
-            <a:off x="626287" y="1919010"/>
-            <a:ext cx="5922679" cy="4768786"/>
+            <a:off x="1446178" y="1825625"/>
+            <a:ext cx="9299644" cy="4351338"/>
           </a:xfrm>
         </p:spPr>
       </p:pic>
     </p:spTree>
     <p:extLst>
       <p:ext uri="{BB962C8B-B14F-4D97-AF65-F5344CB8AC3E}">
-        <p14:creationId xmlns:p14="http://schemas.microsoft.com/office/powerpoint/2010/main" val="352489279"/>
+        <p14:creationId xmlns:p14="http://schemas.microsoft.com/office/powerpoint/2010/main" val="1267157379"/>
       </p:ext>
     </p:extLst>
   </p:cSld>
@@ -11882,7 +12058,7 @@
           <p:cNvPr id="2" name="Title 1">
             <a:extLst>
               <a:ext uri="{FF2B5EF4-FFF2-40B4-BE49-F238E27FC236}">
-                <a16:creationId xmlns:a16="http://schemas.microsoft.com/office/drawing/2014/main" id="{D26B3BC4-A242-4F8D-8096-93C4D1DAFDB8}"/>
+                <a16:creationId xmlns:a16="http://schemas.microsoft.com/office/drawing/2014/main" id="{596807D5-4408-46DF-8ED3-D7DCBDE3C513}"/>
               </a:ext>
             </a:extLst>
           </p:cNvPr>
@@ -11900,7 +12076,7 @@
           <a:p>
             <a:r>
               <a:rPr lang="en-IN" dirty="0"/>
-              <a:t>EKS-CLUSTER-STEP3</a:t>
+              <a:t>EKS-CLUSTER-STEP2</a:t>
             </a:r>
           </a:p>
         </p:txBody>
@@ -11910,7 +12086,7 @@
           <p:cNvPr id="5" name="Content Placeholder 4">
             <a:extLst>
               <a:ext uri="{FF2B5EF4-FFF2-40B4-BE49-F238E27FC236}">
-                <a16:creationId xmlns:a16="http://schemas.microsoft.com/office/drawing/2014/main" id="{F81C3BB2-FE82-48DB-9436-6931CA9B7D20}"/>
+                <a16:creationId xmlns:a16="http://schemas.microsoft.com/office/drawing/2014/main" id="{67CFF89A-77CC-43ED-9149-79012A27F8AD}"/>
               </a:ext>
             </a:extLst>
           </p:cNvPr>
@@ -11935,15 +12111,15 @@
         </p:blipFill>
         <p:spPr>
           <a:xfrm>
-            <a:off x="838200" y="2118060"/>
-            <a:ext cx="10515600" cy="3766468"/>
+            <a:off x="626287" y="1919010"/>
+            <a:ext cx="5922679" cy="4768786"/>
           </a:xfrm>
         </p:spPr>
       </p:pic>
     </p:spTree>
     <p:extLst>
       <p:ext uri="{BB962C8B-B14F-4D97-AF65-F5344CB8AC3E}">
-        <p14:creationId xmlns:p14="http://schemas.microsoft.com/office/powerpoint/2010/main" val="1735511372"/>
+        <p14:creationId xmlns:p14="http://schemas.microsoft.com/office/powerpoint/2010/main" val="352489279"/>
       </p:ext>
     </p:extLst>
   </p:cSld>
@@ -11975,7 +12151,7 @@
           <p:cNvPr id="2" name="Title 1">
             <a:extLst>
               <a:ext uri="{FF2B5EF4-FFF2-40B4-BE49-F238E27FC236}">
-                <a16:creationId xmlns:a16="http://schemas.microsoft.com/office/drawing/2014/main" id="{8D972BFC-5706-4547-8F2E-2C980537BAEF}"/>
+                <a16:creationId xmlns:a16="http://schemas.microsoft.com/office/drawing/2014/main" id="{D26B3BC4-A242-4F8D-8096-93C4D1DAFDB8}"/>
               </a:ext>
             </a:extLst>
           </p:cNvPr>
@@ -11993,7 +12169,7 @@
           <a:p>
             <a:r>
               <a:rPr lang="en-IN" dirty="0"/>
-              <a:t>EKS-CLUSTER-STEP4</a:t>
+              <a:t>EKS-CLUSTER-STEP3</a:t>
             </a:r>
           </a:p>
         </p:txBody>
@@ -12003,7 +12179,7 @@
           <p:cNvPr id="5" name="Content Placeholder 4">
             <a:extLst>
               <a:ext uri="{FF2B5EF4-FFF2-40B4-BE49-F238E27FC236}">
-                <a16:creationId xmlns:a16="http://schemas.microsoft.com/office/drawing/2014/main" id="{62FA153F-C8CC-46FB-A3C9-1FBEC0023CBC}"/>
+                <a16:creationId xmlns:a16="http://schemas.microsoft.com/office/drawing/2014/main" id="{F81C3BB2-FE82-48DB-9436-6931CA9B7D20}"/>
               </a:ext>
             </a:extLst>
           </p:cNvPr>
@@ -12028,15 +12204,15 @@
         </p:blipFill>
         <p:spPr>
           <a:xfrm>
-            <a:off x="412509" y="1931305"/>
-            <a:ext cx="5775068" cy="4692784"/>
+            <a:off x="838200" y="2118060"/>
+            <a:ext cx="10515600" cy="3766468"/>
           </a:xfrm>
         </p:spPr>
       </p:pic>
     </p:spTree>
     <p:extLst>
       <p:ext uri="{BB962C8B-B14F-4D97-AF65-F5344CB8AC3E}">
-        <p14:creationId xmlns:p14="http://schemas.microsoft.com/office/powerpoint/2010/main" val="1934431482"/>
+        <p14:creationId xmlns:p14="http://schemas.microsoft.com/office/powerpoint/2010/main" val="1735511372"/>
       </p:ext>
     </p:extLst>
   </p:cSld>
@@ -12068,7 +12244,7 @@
           <p:cNvPr id="2" name="Title 1">
             <a:extLst>
               <a:ext uri="{FF2B5EF4-FFF2-40B4-BE49-F238E27FC236}">
-                <a16:creationId xmlns:a16="http://schemas.microsoft.com/office/drawing/2014/main" id="{B90E9A80-6CD1-409E-A085-9BAE6A43D12C}"/>
+                <a16:creationId xmlns:a16="http://schemas.microsoft.com/office/drawing/2014/main" id="{8D972BFC-5706-4547-8F2E-2C980537BAEF}"/>
               </a:ext>
             </a:extLst>
           </p:cNvPr>
@@ -12086,7 +12262,7 @@
           <a:p>
             <a:r>
               <a:rPr lang="en-IN" dirty="0"/>
-              <a:t>EKS-CLUSTER-STEP5</a:t>
+              <a:t>EKS-CLUSTER-STEP4</a:t>
             </a:r>
           </a:p>
         </p:txBody>
@@ -12096,7 +12272,7 @@
           <p:cNvPr id="5" name="Content Placeholder 4">
             <a:extLst>
               <a:ext uri="{FF2B5EF4-FFF2-40B4-BE49-F238E27FC236}">
-                <a16:creationId xmlns:a16="http://schemas.microsoft.com/office/drawing/2014/main" id="{4FB3E627-50CC-4EB8-B1F1-468983595A35}"/>
+                <a16:creationId xmlns:a16="http://schemas.microsoft.com/office/drawing/2014/main" id="{62FA153F-C8CC-46FB-A3C9-1FBEC0023CBC}"/>
               </a:ext>
             </a:extLst>
           </p:cNvPr>
@@ -12121,15 +12297,15 @@
         </p:blipFill>
         <p:spPr>
           <a:xfrm>
-            <a:off x="379874" y="1974543"/>
-            <a:ext cx="6336661" cy="4579837"/>
+            <a:off x="412509" y="1931305"/>
+            <a:ext cx="5775068" cy="4692784"/>
           </a:xfrm>
         </p:spPr>
       </p:pic>
     </p:spTree>
     <p:extLst>
       <p:ext uri="{BB962C8B-B14F-4D97-AF65-F5344CB8AC3E}">
-        <p14:creationId xmlns:p14="http://schemas.microsoft.com/office/powerpoint/2010/main" val="1633703017"/>
+        <p14:creationId xmlns:p14="http://schemas.microsoft.com/office/powerpoint/2010/main" val="1934431482"/>
       </p:ext>
     </p:extLst>
   </p:cSld>

--- a/Jenkins-Deploy-toK8S.pptx
+++ b/Jenkins-Deploy-toK8S.pptx
@@ -5789,7 +5789,7 @@
         <p:spPr/>
         <p:txBody>
           <a:bodyPr>
-            <a:normAutofit/>
+            <a:normAutofit fontScale="92500" lnSpcReduction="20000"/>
           </a:bodyPr>
           <a:lstStyle/>
           <a:p>
@@ -5803,6 +5803,22 @@
           </a:p>
           <a:p>
             <a:r>
+              <a:rPr lang="en-US" dirty="0"/>
+              <a:t>Update the apt package index and install packages to allow apt to use a repository over HTTPS</a:t>
+            </a:r>
+            <a:r>
+              <a:rPr lang="en-US" dirty="0">
+                <a:sym typeface="Wingdings" panose="05000000000000000000" pitchFamily="2" charset="2"/>
+              </a:rPr>
+              <a:t></a:t>
+            </a:r>
+            <a:endParaRPr lang="en-IN" dirty="0"/>
+          </a:p>
+          <a:p>
+            <a:pPr marL="0" indent="0">
+              <a:buNone/>
+            </a:pPr>
+            <a:r>
               <a:rPr lang="en-IN" dirty="0"/>
               <a:t>$ </a:t>
             </a:r>
@@ -5816,6 +5832,9 @@
             </a:r>
           </a:p>
           <a:p>
+            <a:pPr marL="0" indent="0">
+              <a:buNone/>
+            </a:pPr>
             <a:r>
               <a:rPr lang="en-IN" dirty="0"/>
               <a:t>$ </a:t>
@@ -5882,6 +5901,22 @@
             </a:r>
           </a:p>
           <a:p>
+            <a:r>
+              <a:rPr lang="en-US" sz="1500" b="0" i="0" dirty="0">
+                <a:solidFill>
+                  <a:srgbClr val="0F161E"/>
+                </a:solidFill>
+                <a:effectLst/>
+                <a:latin typeface="Arial" panose="020B0604020202020204" pitchFamily="34" charset="0"/>
+                <a:cs typeface="Arial" panose="020B0604020202020204" pitchFamily="34" charset="0"/>
+              </a:rPr>
+              <a:t>Add Docker’s official GPG key:</a:t>
+            </a:r>
+          </a:p>
+          <a:p>
+            <a:pPr marL="0" indent="0">
+              <a:buNone/>
+            </a:pPr>
             <a:r>
               <a:rPr lang="en-IN" dirty="0"/>
               <a:t>$ curl -</a:t>
@@ -6256,7 +6291,12 @@
             <p:ph idx="1"/>
           </p:nvPr>
         </p:nvSpPr>
-        <p:spPr/>
+        <p:spPr>
+          <a:xfrm>
+            <a:off x="581192" y="2180496"/>
+            <a:ext cx="11029615" cy="3937373"/>
+          </a:xfrm>
+        </p:spPr>
         <p:txBody>
           <a:bodyPr>
             <a:normAutofit/>
@@ -6264,8 +6304,44 @@
           <a:lstStyle/>
           <a:p>
             <a:r>
+              <a:rPr lang="en-US" b="0" i="0" dirty="0">
+                <a:solidFill>
+                  <a:srgbClr val="0F161E"/>
+                </a:solidFill>
+                <a:effectLst/>
+                <a:latin typeface="Open Sans" panose="020B0606030504020204" pitchFamily="34" charset="0"/>
+              </a:rPr>
+              <a:t>Use the following command to set up the </a:t>
+            </a:r>
+            <a:r>
+              <a:rPr lang="en-US" b="1" i="0" dirty="0">
+                <a:solidFill>
+                  <a:srgbClr val="0F161E"/>
+                </a:solidFill>
+                <a:effectLst/>
+                <a:latin typeface="Open Sans" panose="020B0606030504020204" pitchFamily="34" charset="0"/>
+              </a:rPr>
+              <a:t>stable</a:t>
+            </a:r>
+            <a:r>
+              <a:rPr lang="en-US" b="0" i="0" dirty="0">
+                <a:solidFill>
+                  <a:srgbClr val="0F161E"/>
+                </a:solidFill>
+                <a:effectLst/>
+                <a:latin typeface="Open Sans" panose="020B0606030504020204" pitchFamily="34" charset="0"/>
+              </a:rPr>
+              <a:t> repository. </a:t>
+            </a:r>
+            <a:endParaRPr lang="en-IN" dirty="0"/>
+          </a:p>
+          <a:p>
+            <a:pPr marL="0" indent="0">
+              <a:buNone/>
+            </a:pPr>
+            <a:r>
               <a:rPr lang="en-IN" dirty="0"/>
-              <a:t>echo \</a:t>
+              <a:t>  echo \</a:t>
             </a:r>
           </a:p>
           <a:p>
@@ -6346,6 +6422,17 @@
             <a:pPr marL="0" indent="0">
               <a:buNone/>
             </a:pPr>
+            <a:endParaRPr lang="en-IN" dirty="0"/>
+          </a:p>
+          <a:p>
+            <a:r>
+              <a:rPr lang="en-US" dirty="0"/>
+              <a:t>Update the apt package index, and install the latest version of Docker Engine and </a:t>
+            </a:r>
+            <a:r>
+              <a:rPr lang="en-US" dirty="0" err="1"/>
+              <a:t>containerd</a:t>
+            </a:r>
             <a:r>
               <a:rPr lang="en-IN" dirty="0" err="1"/>
               <a:t>sudo</a:t>
@@ -6379,7 +6466,7 @@
           <a:p>
             <a:r>
               <a:rPr lang="en-IN" dirty="0"/>
-              <a:t>https://www.digitalocean.com/community/questions/how-to-fix-docker-got-permission-denied-while-trying-to-connect-to-the-docker-daemon-socket</a:t>
+              <a:t>*** Tip ***https://www.digitalocean.com/community/questions/how-to-fix-docker-got-permission-denied-while-trying-to-connect-to-the-docker-daemon-socket</a:t>
             </a:r>
           </a:p>
         </p:txBody>
@@ -6472,6 +6559,9 @@
             </a:r>
           </a:p>
           <a:p>
+            <a:pPr marL="0" indent="0">
+              <a:buNone/>
+            </a:pPr>
             <a:r>
               <a:rPr lang="en-IN" b="0" i="0" dirty="0" err="1">
                 <a:effectLst/>
@@ -6500,6 +6590,9 @@
             </a:r>
           </a:p>
           <a:p>
+            <a:pPr marL="0" indent="0">
+              <a:buNone/>
+            </a:pPr>
             <a:r>
               <a:rPr lang="en-IN" b="0" i="0" dirty="0">
                 <a:effectLst/>
@@ -6517,10 +6610,13 @@
                 <a:effectLst/>
                 <a:latin typeface="Metropolis"/>
               </a:rPr>
-              <a:t>But you can install java by running the following command</a:t>
-            </a:r>
-          </a:p>
-          <a:p>
+              <a:t>Then you can install java by running the following command</a:t>
+            </a:r>
+          </a:p>
+          <a:p>
+            <a:pPr marL="0" indent="0">
+              <a:buNone/>
+            </a:pPr>
             <a:r>
               <a:rPr lang="en-IN" b="0" i="0" dirty="0" err="1">
                 <a:effectLst/>
@@ -6627,6 +6723,9 @@
             </a:r>
           </a:p>
           <a:p>
+            <a:pPr marL="0" indent="0">
+              <a:buNone/>
+            </a:pPr>
             <a:r>
               <a:rPr lang="en-US" b="0" i="0" dirty="0" err="1">
                 <a:effectLst/>
@@ -6660,6 +6759,9 @@
             </a:endParaRPr>
           </a:p>
           <a:p>
+            <a:pPr marL="0" indent="0">
+              <a:buNone/>
+            </a:pPr>
             <a:r>
               <a:rPr lang="en-IN" b="0" i="0" dirty="0" err="1">
                 <a:effectLst/>
@@ -6722,6 +6824,9 @@
             </a:endParaRPr>
           </a:p>
           <a:p>
+            <a:pPr marL="0" indent="0">
+              <a:buNone/>
+            </a:pPr>
             <a:r>
               <a:rPr lang="en-IN" b="0" i="0" dirty="0" err="1">
                 <a:effectLst/>
@@ -6741,6 +6846,9 @@
             </a:endParaRPr>
           </a:p>
           <a:p>
+            <a:pPr marL="0" indent="0">
+              <a:buNone/>
+            </a:pPr>
             <a:r>
               <a:rPr lang="en-IN" b="0" i="0" dirty="0" err="1">
                 <a:effectLst/>
@@ -6806,7 +6914,7 @@
                 <a:effectLst/>
                 <a:latin typeface="Monaco"/>
               </a:rPr>
-              <a:t> status </a:t>
+              <a:t> status (*** Tip use this command to check the Status)</a:t>
             </a:r>
             <a:endParaRPr lang="en-IN" dirty="0"/>
           </a:p>
@@ -8074,6 +8182,9 @@
             </a:r>
           </a:p>
           <a:p>
+            <a:pPr marL="0" indent="0">
+              <a:buNone/>
+            </a:pPr>
             <a:r>
               <a:rPr lang="en-IN" dirty="0" err="1"/>
               <a:t>sudo</a:t>
@@ -8094,7 +8205,15 @@
           <a:p>
             <a:r>
               <a:rPr lang="en-US" dirty="0"/>
-              <a:t>Verify your AWS CLI installation by running the following command –</a:t>
+              <a:t>Verify your AWS CLI installation by running the following command : </a:t>
+            </a:r>
+            <a:r>
+              <a:rPr lang="en-US" dirty="0" err="1"/>
+              <a:t>aws</a:t>
+            </a:r>
+            <a:r>
+              <a:rPr lang="en-US" dirty="0"/>
+              <a:t> --version</a:t>
             </a:r>
           </a:p>
           <a:p>
@@ -8107,6 +8226,9 @@
             </a:r>
           </a:p>
           <a:p>
+            <a:pPr marL="0" indent="0">
+              <a:buNone/>
+            </a:pPr>
             <a:r>
               <a:rPr lang="en-IN" b="0" i="0" dirty="0" err="1">
                 <a:effectLst/>
@@ -9797,7 +9919,9 @@
         </p:nvSpPr>
         <p:spPr/>
         <p:txBody>
-          <a:bodyPr/>
+          <a:bodyPr>
+            <a:normAutofit fontScale="92500" lnSpcReduction="10000"/>
+          </a:bodyPr>
           <a:lstStyle/>
           <a:p>
             <a:r>
@@ -9853,6 +9977,23 @@
               <a:buNone/>
             </a:pPr>
             <a:r>
+              <a:rPr lang="en-US" sz="1400" dirty="0">
+                <a:latin typeface="Arial" panose="020B0604020202020204" pitchFamily="34" charset="0"/>
+                <a:cs typeface="Arial" panose="020B0604020202020204" pitchFamily="34" charset="0"/>
+              </a:rPr>
+              <a:t>       steps{</a:t>
+            </a:r>
+            <a:endParaRPr lang="en-US" sz="1400" b="0" i="0" dirty="0">
+              <a:effectLst/>
+              <a:latin typeface="Arial" panose="020B0604020202020204" pitchFamily="34" charset="0"/>
+              <a:cs typeface="Arial" panose="020B0604020202020204" pitchFamily="34" charset="0"/>
+            </a:endParaRPr>
+          </a:p>
+          <a:p>
+            <a:pPr marL="0" indent="0">
+              <a:buNone/>
+            </a:pPr>
+            <a:r>
               <a:rPr lang="en-US" sz="1400" b="0" i="0" dirty="0">
                 <a:effectLst/>
                 <a:latin typeface="Arial" panose="020B0604020202020204" pitchFamily="34" charset="0"/>
@@ -9920,6 +10061,23 @@
               <a:buNone/>
             </a:pPr>
             <a:r>
+              <a:rPr lang="en-US" sz="1400" dirty="0">
+                <a:latin typeface="Arial" panose="020B0604020202020204" pitchFamily="34" charset="0"/>
+                <a:cs typeface="Arial" panose="020B0604020202020204" pitchFamily="34" charset="0"/>
+              </a:rPr>
+              <a:t>      }</a:t>
+            </a:r>
+            <a:endParaRPr lang="en-US" sz="1400" b="0" i="0" dirty="0">
+              <a:effectLst/>
+              <a:latin typeface="Arial" panose="020B0604020202020204" pitchFamily="34" charset="0"/>
+              <a:cs typeface="Arial" panose="020B0604020202020204" pitchFamily="34" charset="0"/>
+            </a:endParaRPr>
+          </a:p>
+          <a:p>
+            <a:pPr marL="0" indent="0">
+              <a:buNone/>
+            </a:pPr>
+            <a:r>
               <a:rPr lang="en-US" sz="1400" b="0" i="0" dirty="0">
                 <a:effectLst/>
                 <a:latin typeface="Arial" panose="020B0604020202020204" pitchFamily="34" charset="0"/>
@@ -9955,19 +10113,48 @@
                 <a:latin typeface="Arial" panose="020B0604020202020204" pitchFamily="34" charset="0"/>
                 <a:cs typeface="Arial" panose="020B0604020202020204" pitchFamily="34" charset="0"/>
               </a:rPr>
-              <a:t>      stage('Gradle Build') { </a:t>
-            </a:r>
-          </a:p>
-          <a:p>
-            <a:pPr marL="0" indent="0">
-              <a:buNone/>
-            </a:pPr>
+              <a:t>      stage(</a:t>
+            </a:r>
+            <a:r>
+              <a:rPr lang="en-US" sz="1400" b="1" i="0" dirty="0">
+                <a:effectLst/>
+                <a:latin typeface="Arial" panose="020B0604020202020204" pitchFamily="34" charset="0"/>
+                <a:cs typeface="Arial" panose="020B0604020202020204" pitchFamily="34" charset="0"/>
+              </a:rPr>
+              <a:t>'Gradle Build</a:t>
+            </a:r>
             <a:r>
               <a:rPr lang="en-US" sz="1400" b="0" i="0" dirty="0">
                 <a:effectLst/>
                 <a:latin typeface="Arial" panose="020B0604020202020204" pitchFamily="34" charset="0"/>
                 <a:cs typeface="Arial" panose="020B0604020202020204" pitchFamily="34" charset="0"/>
               </a:rPr>
+              <a:t>') { </a:t>
+            </a:r>
+          </a:p>
+          <a:p>
+            <a:pPr marL="0" indent="0">
+              <a:buNone/>
+            </a:pPr>
+            <a:r>
+              <a:rPr lang="en-US" sz="1400" b="0" i="0" dirty="0">
+                <a:effectLst/>
+                <a:latin typeface="Arial" panose="020B0604020202020204" pitchFamily="34" charset="0"/>
+                <a:cs typeface="Arial" panose="020B0604020202020204" pitchFamily="34" charset="0"/>
+              </a:rPr>
+              <a:t>      steps{</a:t>
+            </a:r>
+          </a:p>
+          <a:p>
+            <a:pPr marL="0" indent="0">
+              <a:buNone/>
+            </a:pPr>
+            <a:r>
+              <a:rPr lang="en-US" sz="1400" b="0" i="0" dirty="0">
+                <a:effectLst/>
+                <a:latin typeface="Arial" panose="020B0604020202020204" pitchFamily="34" charset="0"/>
+                <a:cs typeface="Arial" panose="020B0604020202020204" pitchFamily="34" charset="0"/>
+              </a:rPr>
               <a:t>      </a:t>
             </a:r>
             <a:r>
@@ -10001,6 +10188,19 @@
                 <a:cs typeface="Arial" panose="020B0604020202020204" pitchFamily="34" charset="0"/>
               </a:rPr>
               <a:t> build’</a:t>
+            </a:r>
+          </a:p>
+          <a:p>
+            <a:pPr marL="0" indent="0">
+              <a:buNone/>
+            </a:pPr>
+            <a:r>
+              <a:rPr lang="en-US" sz="1400" b="0" i="0" dirty="0">
+                <a:effectLst/>
+                <a:latin typeface="Arial" panose="020B0604020202020204" pitchFamily="34" charset="0"/>
+                <a:cs typeface="Arial" panose="020B0604020202020204" pitchFamily="34" charset="0"/>
+              </a:rPr>
+              <a:t>     }</a:t>
             </a:r>
           </a:p>
           <a:p>
@@ -10220,19 +10420,52 @@
                 <a:latin typeface="Arial" panose="020B0604020202020204" pitchFamily="34" charset="0"/>
                 <a:cs typeface="Arial" panose="020B0604020202020204" pitchFamily="34" charset="0"/>
               </a:rPr>
-              <a:t>  stage("Docker build"){ </a:t>
-            </a:r>
-          </a:p>
-          <a:p>
-            <a:pPr marL="0" indent="0">
-              <a:buNone/>
-            </a:pPr>
+              <a:t>  stage("</a:t>
+            </a:r>
+            <a:r>
+              <a:rPr lang="en-IN" sz="1400" b="1" i="0" dirty="0">
+                <a:effectLst/>
+                <a:latin typeface="Arial" panose="020B0604020202020204" pitchFamily="34" charset="0"/>
+                <a:cs typeface="Arial" panose="020B0604020202020204" pitchFamily="34" charset="0"/>
+              </a:rPr>
+              <a:t>Docker build</a:t>
+            </a:r>
             <a:r>
               <a:rPr lang="en-IN" sz="1400" b="0" i="0" dirty="0">
                 <a:effectLst/>
                 <a:latin typeface="Arial" panose="020B0604020202020204" pitchFamily="34" charset="0"/>
                 <a:cs typeface="Arial" panose="020B0604020202020204" pitchFamily="34" charset="0"/>
               </a:rPr>
+              <a:t>"){ </a:t>
+            </a:r>
+          </a:p>
+          <a:p>
+            <a:pPr marL="0" indent="0">
+              <a:buNone/>
+            </a:pPr>
+            <a:r>
+              <a:rPr lang="en-IN" sz="1400" dirty="0">
+                <a:latin typeface="Arial" panose="020B0604020202020204" pitchFamily="34" charset="0"/>
+                <a:cs typeface="Arial" panose="020B0604020202020204" pitchFamily="34" charset="0"/>
+              </a:rPr>
+              <a:t>       steps{</a:t>
+            </a:r>
+            <a:endParaRPr lang="en-IN" sz="1400" b="0" i="0" dirty="0">
+              <a:effectLst/>
+              <a:latin typeface="Arial" panose="020B0604020202020204" pitchFamily="34" charset="0"/>
+              <a:cs typeface="Arial" panose="020B0604020202020204" pitchFamily="34" charset="0"/>
+            </a:endParaRPr>
+          </a:p>
+          <a:p>
+            <a:pPr marL="0" indent="0">
+              <a:buNone/>
+            </a:pPr>
+            <a:r>
+              <a:rPr lang="en-IN" sz="1400" b="0" i="0" dirty="0">
+                <a:effectLst/>
+                <a:latin typeface="Arial" panose="020B0604020202020204" pitchFamily="34" charset="0"/>
+                <a:cs typeface="Arial" panose="020B0604020202020204" pitchFamily="34" charset="0"/>
+              </a:rPr>
               <a:t>       </a:t>
             </a:r>
             <a:r>
@@ -10312,6 +10545,23 @@
               </a:rPr>
               <a:t>-docker-demo thulsidk1/jhooq-docker-demo:version1.0’ </a:t>
             </a:r>
+          </a:p>
+          <a:p>
+            <a:pPr marL="0" indent="0">
+              <a:buNone/>
+            </a:pPr>
+            <a:r>
+              <a:rPr lang="en-IN" sz="1400" dirty="0">
+                <a:latin typeface="Arial" panose="020B0604020202020204" pitchFamily="34" charset="0"/>
+                <a:cs typeface="Arial" panose="020B0604020202020204" pitchFamily="34" charset="0"/>
+              </a:rPr>
+              <a:t>     }</a:t>
+            </a:r>
+            <a:endParaRPr lang="en-IN" sz="1400" b="0" i="0" dirty="0">
+              <a:effectLst/>
+              <a:latin typeface="Arial" panose="020B0604020202020204" pitchFamily="34" charset="0"/>
+              <a:cs typeface="Arial" panose="020B0604020202020204" pitchFamily="34" charset="0"/>
+            </a:endParaRPr>
           </a:p>
           <a:p>
             <a:pPr marL="0" indent="0">
@@ -10501,6 +10751,9 @@
           </a:bodyPr>
           <a:lstStyle/>
           <a:p>
+            <a:pPr marL="0" indent="0">
+              <a:buNone/>
+            </a:pPr>
             <a:r>
               <a:rPr lang="en-IN" sz="1400" dirty="0">
                 <a:latin typeface="Arial" panose="020B0604020202020204" pitchFamily="34" charset="0"/>
@@ -10509,12 +10762,11 @@
               <a:t>Step4 : </a:t>
             </a:r>
             <a:r>
-              <a:rPr lang="en-US" sz="1400" b="1" i="0" dirty="0">
-                <a:effectLst/>
-                <a:latin typeface="Arial" panose="020B0604020202020204" pitchFamily="34" charset="0"/>
-                <a:cs typeface="Arial" panose="020B0604020202020204" pitchFamily="34" charset="0"/>
-              </a:rPr>
-              <a:t>Push Image to Docker Hub</a:t>
+              <a:rPr lang="en-IN" sz="1400" b="1" dirty="0">
+                <a:latin typeface="Arial" panose="020B0604020202020204" pitchFamily="34" charset="0"/>
+                <a:cs typeface="Arial" panose="020B0604020202020204" pitchFamily="34" charset="0"/>
+              </a:rPr>
+              <a:t>Login to docker</a:t>
             </a:r>
           </a:p>
           <a:p>
@@ -10527,36 +10779,119 @@
                 <a:latin typeface="Arial" panose="020B0604020202020204" pitchFamily="34" charset="0"/>
                 <a:cs typeface="Arial" panose="020B0604020202020204" pitchFamily="34" charset="0"/>
               </a:rPr>
-              <a:t>       stage("Push Image to Docker Hub"){</a:t>
-            </a:r>
-          </a:p>
-          <a:p>
-            <a:pPr marL="0" indent="0">
-              <a:buNone/>
-            </a:pPr>
+              <a:t> stage("</a:t>
+            </a:r>
+            <a:r>
+              <a:rPr lang="en-IN" sz="1400" b="1" i="0" dirty="0">
+                <a:effectLst/>
+                <a:latin typeface="Arial" panose="020B0604020202020204" pitchFamily="34" charset="0"/>
+                <a:cs typeface="Arial" panose="020B0604020202020204" pitchFamily="34" charset="0"/>
+              </a:rPr>
+              <a:t>Docker Login</a:t>
+            </a:r>
             <a:r>
               <a:rPr lang="en-IN" sz="1400" b="0" i="0" dirty="0">
                 <a:effectLst/>
                 <a:latin typeface="Arial" panose="020B0604020202020204" pitchFamily="34" charset="0"/>
                 <a:cs typeface="Arial" panose="020B0604020202020204" pitchFamily="34" charset="0"/>
               </a:rPr>
-              <a:t>       </a:t>
-            </a:r>
-            <a:r>
-              <a:rPr lang="en-IN" sz="1400" b="0" i="0" dirty="0" err="1">
-                <a:effectLst/>
+              <a:t>"){ </a:t>
+            </a:r>
+          </a:p>
+          <a:p>
+            <a:pPr marL="0" indent="0">
+              <a:buNone/>
+            </a:pPr>
+            <a:r>
+              <a:rPr lang="en-IN" sz="1400" dirty="0">
+                <a:latin typeface="Arial" panose="020B0604020202020204" pitchFamily="34" charset="0"/>
+                <a:cs typeface="Arial" panose="020B0604020202020204" pitchFamily="34" charset="0"/>
+              </a:rPr>
+              <a:t>       steps{</a:t>
+            </a:r>
+            <a:endParaRPr lang="en-IN" sz="1400" b="1" dirty="0">
+              <a:latin typeface="Arial" panose="020B0604020202020204" pitchFamily="34" charset="0"/>
+              <a:cs typeface="Arial" panose="020B0604020202020204" pitchFamily="34" charset="0"/>
+            </a:endParaRPr>
+          </a:p>
+          <a:p>
+            <a:pPr marL="0" indent="0">
+              <a:buNone/>
+            </a:pPr>
+            <a:r>
+              <a:rPr lang="en-IN" sz="1400" dirty="0">
+                <a:latin typeface="Arial" panose="020B0604020202020204" pitchFamily="34" charset="0"/>
+                <a:cs typeface="Arial" panose="020B0604020202020204" pitchFamily="34" charset="0"/>
+              </a:rPr>
+              <a:t>         </a:t>
+            </a:r>
+            <a:r>
+              <a:rPr lang="en-IN" sz="1400" dirty="0" err="1">
+                <a:latin typeface="Arial" panose="020B0604020202020204" pitchFamily="34" charset="0"/>
+                <a:cs typeface="Arial" panose="020B0604020202020204" pitchFamily="34" charset="0"/>
+              </a:rPr>
+              <a:t>withCredentials</a:t>
+            </a:r>
+            <a:r>
+              <a:rPr lang="en-IN" sz="1400" dirty="0">
+                <a:latin typeface="Arial" panose="020B0604020202020204" pitchFamily="34" charset="0"/>
+                <a:cs typeface="Arial" panose="020B0604020202020204" pitchFamily="34" charset="0"/>
+              </a:rPr>
+              <a:t>([string(</a:t>
+            </a:r>
+            <a:r>
+              <a:rPr lang="en-IN" sz="1400" dirty="0" err="1">
+                <a:latin typeface="Arial" panose="020B0604020202020204" pitchFamily="34" charset="0"/>
+                <a:cs typeface="Arial" panose="020B0604020202020204" pitchFamily="34" charset="0"/>
+              </a:rPr>
+              <a:t>credentialsId</a:t>
+            </a:r>
+            <a:r>
+              <a:rPr lang="en-IN" sz="1400" dirty="0">
+                <a:latin typeface="Arial" panose="020B0604020202020204" pitchFamily="34" charset="0"/>
+                <a:cs typeface="Arial" panose="020B0604020202020204" pitchFamily="34" charset="0"/>
+              </a:rPr>
+              <a:t>: 'DOCKER_HUB_PASSWORD', variable: 'PASSWORD')]) {</a:t>
+            </a:r>
+          </a:p>
+          <a:p>
+            <a:pPr marL="0" indent="0">
+              <a:buNone/>
+            </a:pPr>
+            <a:r>
+              <a:rPr lang="en-IN" sz="1400" dirty="0">
+                <a:latin typeface="Arial" panose="020B0604020202020204" pitchFamily="34" charset="0"/>
+                <a:cs typeface="Arial" panose="020B0604020202020204" pitchFamily="34" charset="0"/>
+              </a:rPr>
+              <a:t>        </a:t>
+            </a:r>
+            <a:r>
+              <a:rPr lang="en-IN" sz="1400" dirty="0" err="1">
                 <a:latin typeface="Arial" panose="020B0604020202020204" pitchFamily="34" charset="0"/>
                 <a:cs typeface="Arial" panose="020B0604020202020204" pitchFamily="34" charset="0"/>
               </a:rPr>
               <a:t>sh</a:t>
             </a:r>
             <a:r>
-              <a:rPr lang="en-IN" sz="1400" b="0" i="0" dirty="0">
-                <a:effectLst/>
-                <a:latin typeface="Arial" panose="020B0604020202020204" pitchFamily="34" charset="0"/>
-                <a:cs typeface="Arial" panose="020B0604020202020204" pitchFamily="34" charset="0"/>
-              </a:rPr>
-              <a:t> 'docker push thulsidk1/jhooq-docker-demo:version1.0’ </a:t>
+              <a:rPr lang="en-IN" sz="1400" dirty="0">
+                <a:latin typeface="Arial" panose="020B0604020202020204" pitchFamily="34" charset="0"/>
+                <a:cs typeface="Arial" panose="020B0604020202020204" pitchFamily="34" charset="0"/>
+              </a:rPr>
+              <a:t> '</a:t>
+            </a:r>
+            <a:r>
+              <a:rPr lang="en-IN" sz="1400" dirty="0" err="1">
+                <a:latin typeface="Arial" panose="020B0604020202020204" pitchFamily="34" charset="0"/>
+                <a:cs typeface="Arial" panose="020B0604020202020204" pitchFamily="34" charset="0"/>
+              </a:rPr>
+              <a:t>sudo</a:t>
+            </a:r>
+            <a:r>
+              <a:rPr lang="en-IN" sz="1400" dirty="0">
+                <a:latin typeface="Arial" panose="020B0604020202020204" pitchFamily="34" charset="0"/>
+                <a:cs typeface="Arial" panose="020B0604020202020204" pitchFamily="34" charset="0"/>
+              </a:rPr>
+              <a:t> docker login -u thulsidk1 -p $PASSWORD’  </a:t>
             </a:r>
           </a:p>
           <a:p>
@@ -10564,123 +10899,35 @@
               <a:buNone/>
             </a:pPr>
             <a:r>
-              <a:rPr lang="en-IN" sz="1400" b="0" i="0" dirty="0">
-                <a:effectLst/>
+              <a:rPr lang="en-IN" sz="1400" dirty="0">
+                <a:latin typeface="Arial" panose="020B0604020202020204" pitchFamily="34" charset="0"/>
+                <a:cs typeface="Arial" panose="020B0604020202020204" pitchFamily="34" charset="0"/>
+              </a:rPr>
+              <a:t>        }</a:t>
+            </a:r>
+          </a:p>
+          <a:p>
+            <a:pPr marL="0" indent="0">
+              <a:buNone/>
+            </a:pPr>
+            <a:r>
+              <a:rPr lang="en-IN" sz="1400" dirty="0">
+                <a:latin typeface="Arial" panose="020B0604020202020204" pitchFamily="34" charset="0"/>
+                <a:cs typeface="Arial" panose="020B0604020202020204" pitchFamily="34" charset="0"/>
+              </a:rPr>
+              <a:t>  }</a:t>
+            </a:r>
+          </a:p>
+          <a:p>
+            <a:pPr marL="0" indent="0">
+              <a:buNone/>
+            </a:pPr>
+            <a:r>
+              <a:rPr lang="en-IN" sz="1400" dirty="0">
                 <a:latin typeface="Arial" panose="020B0604020202020204" pitchFamily="34" charset="0"/>
                 <a:cs typeface="Arial" panose="020B0604020202020204" pitchFamily="34" charset="0"/>
               </a:rPr>
               <a:t>}</a:t>
-            </a:r>
-          </a:p>
-          <a:p>
-            <a:pPr marL="0" indent="0">
-              <a:buNone/>
-            </a:pPr>
-            <a:r>
-              <a:rPr lang="en-IN" sz="1400" dirty="0">
-                <a:latin typeface="Arial" panose="020B0604020202020204" pitchFamily="34" charset="0"/>
-                <a:cs typeface="Arial" panose="020B0604020202020204" pitchFamily="34" charset="0"/>
-              </a:rPr>
-              <a:t>Step5 : </a:t>
-            </a:r>
-            <a:r>
-              <a:rPr lang="en-IN" sz="1400" b="1" dirty="0">
-                <a:latin typeface="Arial" panose="020B0604020202020204" pitchFamily="34" charset="0"/>
-                <a:cs typeface="Arial" panose="020B0604020202020204" pitchFamily="34" charset="0"/>
-              </a:rPr>
-              <a:t>Login to docker</a:t>
-            </a:r>
-          </a:p>
-          <a:p>
-            <a:pPr marL="0" indent="0">
-              <a:buNone/>
-            </a:pPr>
-            <a:r>
-              <a:rPr lang="en-IN" sz="1400" dirty="0">
-                <a:latin typeface="Arial" panose="020B0604020202020204" pitchFamily="34" charset="0"/>
-                <a:cs typeface="Arial" panose="020B0604020202020204" pitchFamily="34" charset="0"/>
-              </a:rPr>
-              <a:t>         </a:t>
-            </a:r>
-            <a:r>
-              <a:rPr lang="en-IN" sz="1400" dirty="0" err="1">
-                <a:latin typeface="Arial" panose="020B0604020202020204" pitchFamily="34" charset="0"/>
-                <a:cs typeface="Arial" panose="020B0604020202020204" pitchFamily="34" charset="0"/>
-              </a:rPr>
-              <a:t>withCredentials</a:t>
-            </a:r>
-            <a:r>
-              <a:rPr lang="en-IN" sz="1400" dirty="0">
-                <a:latin typeface="Arial" panose="020B0604020202020204" pitchFamily="34" charset="0"/>
-                <a:cs typeface="Arial" panose="020B0604020202020204" pitchFamily="34" charset="0"/>
-              </a:rPr>
-              <a:t>([string(</a:t>
-            </a:r>
-            <a:r>
-              <a:rPr lang="en-IN" sz="1400" dirty="0" err="1">
-                <a:latin typeface="Arial" panose="020B0604020202020204" pitchFamily="34" charset="0"/>
-                <a:cs typeface="Arial" panose="020B0604020202020204" pitchFamily="34" charset="0"/>
-              </a:rPr>
-              <a:t>credentialsId</a:t>
-            </a:r>
-            <a:r>
-              <a:rPr lang="en-IN" sz="1400" dirty="0">
-                <a:latin typeface="Arial" panose="020B0604020202020204" pitchFamily="34" charset="0"/>
-                <a:cs typeface="Arial" panose="020B0604020202020204" pitchFamily="34" charset="0"/>
-              </a:rPr>
-              <a:t>: 'DOCKER_HUB_PASSWORD', variable: 'PASSWORD')]) {</a:t>
-            </a:r>
-          </a:p>
-          <a:p>
-            <a:pPr marL="0" indent="0">
-              <a:buNone/>
-            </a:pPr>
-            <a:r>
-              <a:rPr lang="en-IN" sz="1400" dirty="0">
-                <a:latin typeface="Arial" panose="020B0604020202020204" pitchFamily="34" charset="0"/>
-                <a:cs typeface="Arial" panose="020B0604020202020204" pitchFamily="34" charset="0"/>
-              </a:rPr>
-              <a:t>        </a:t>
-            </a:r>
-            <a:r>
-              <a:rPr lang="en-IN" sz="1400" dirty="0" err="1">
-                <a:latin typeface="Arial" panose="020B0604020202020204" pitchFamily="34" charset="0"/>
-                <a:cs typeface="Arial" panose="020B0604020202020204" pitchFamily="34" charset="0"/>
-              </a:rPr>
-              <a:t>sh</a:t>
-            </a:r>
-            <a:r>
-              <a:rPr lang="en-IN" sz="1400" dirty="0">
-                <a:latin typeface="Arial" panose="020B0604020202020204" pitchFamily="34" charset="0"/>
-                <a:cs typeface="Arial" panose="020B0604020202020204" pitchFamily="34" charset="0"/>
-              </a:rPr>
-              <a:t> '</a:t>
-            </a:r>
-            <a:r>
-              <a:rPr lang="en-IN" sz="1400" dirty="0" err="1">
-                <a:latin typeface="Arial" panose="020B0604020202020204" pitchFamily="34" charset="0"/>
-                <a:cs typeface="Arial" panose="020B0604020202020204" pitchFamily="34" charset="0"/>
-              </a:rPr>
-              <a:t>sudo</a:t>
-            </a:r>
-            <a:r>
-              <a:rPr lang="en-IN" sz="1400" dirty="0">
-                <a:latin typeface="Arial" panose="020B0604020202020204" pitchFamily="34" charset="0"/>
-                <a:cs typeface="Arial" panose="020B0604020202020204" pitchFamily="34" charset="0"/>
-              </a:rPr>
-              <a:t> docker login -u thulsidk1 -p $PASSWORD’  </a:t>
-            </a:r>
-          </a:p>
-          <a:p>
-            <a:pPr marL="0" indent="0">
-              <a:buNone/>
-            </a:pPr>
-            <a:r>
-              <a:rPr lang="en-IN" sz="1400" dirty="0">
-                <a:latin typeface="Arial" panose="020B0604020202020204" pitchFamily="34" charset="0"/>
-                <a:cs typeface="Arial" panose="020B0604020202020204" pitchFamily="34" charset="0"/>
-              </a:rPr>
-              <a:t>  }</a:t>
             </a:r>
           </a:p>
         </p:txBody>
@@ -10849,8 +11096,8 @@
         </p:nvSpPr>
         <p:spPr>
           <a:xfrm>
-            <a:off x="581192" y="2037924"/>
-            <a:ext cx="11457725" cy="3820876"/>
+            <a:off x="581192" y="1820600"/>
+            <a:ext cx="11457725" cy="4690911"/>
           </a:xfrm>
         </p:spPr>
         <p:txBody>
@@ -10864,7 +11111,7 @@
                 <a:latin typeface="Arial" panose="020B0604020202020204" pitchFamily="34" charset="0"/>
                 <a:cs typeface="Arial" panose="020B0604020202020204" pitchFamily="34" charset="0"/>
               </a:rPr>
-              <a:t>Step6 : </a:t>
+              <a:t>Step5 : </a:t>
             </a:r>
             <a:r>
               <a:rPr lang="en-IN" sz="1400" b="1" dirty="0">
@@ -10883,7 +11130,21 @@
                 <a:latin typeface="Arial" panose="020B0604020202020204" pitchFamily="34" charset="0"/>
                 <a:cs typeface="Arial" panose="020B0604020202020204" pitchFamily="34" charset="0"/>
               </a:rPr>
-              <a:t>       stage("Push Image to Docker Hub"){     </a:t>
+              <a:t>       stage("</a:t>
+            </a:r>
+            <a:r>
+              <a:rPr lang="en-IN" sz="1400" b="1" dirty="0">
+                <a:latin typeface="Arial" panose="020B0604020202020204" pitchFamily="34" charset="0"/>
+                <a:cs typeface="Arial" panose="020B0604020202020204" pitchFamily="34" charset="0"/>
+              </a:rPr>
+              <a:t>Push Image to Docker Hub</a:t>
+            </a:r>
+            <a:r>
+              <a:rPr lang="en-IN" sz="1400" dirty="0">
+                <a:latin typeface="Arial" panose="020B0604020202020204" pitchFamily="34" charset="0"/>
+                <a:cs typeface="Arial" panose="020B0604020202020204" pitchFamily="34" charset="0"/>
+              </a:rPr>
+              <a:t>"){   </a:t>
             </a:r>
           </a:p>
           <a:p>
@@ -10895,6 +11156,18 @@
                 <a:latin typeface="Arial" panose="020B0604020202020204" pitchFamily="34" charset="0"/>
                 <a:cs typeface="Arial" panose="020B0604020202020204" pitchFamily="34" charset="0"/>
               </a:rPr>
+              <a:t>       steps{  </a:t>
+            </a:r>
+          </a:p>
+          <a:p>
+            <a:pPr marL="0" indent="0">
+              <a:buNone/>
+            </a:pPr>
+            <a:r>
+              <a:rPr lang="en-IN" sz="1400" dirty="0">
+                <a:latin typeface="Arial" panose="020B0604020202020204" pitchFamily="34" charset="0"/>
+                <a:cs typeface="Arial" panose="020B0604020202020204" pitchFamily="34" charset="0"/>
+              </a:rPr>
               <a:t>       </a:t>
             </a:r>
             <a:r>
@@ -10923,7 +11196,7 @@
                 <a:latin typeface="Arial" panose="020B0604020202020204" pitchFamily="34" charset="0"/>
                 <a:cs typeface="Arial" panose="020B0604020202020204" pitchFamily="34" charset="0"/>
               </a:rPr>
-              <a:t> docker push  thulsidk1/jhooq-docker-demo:version1.0'    </a:t>
+              <a:t> docker push  thulsidk1/jhooq-docker-demo:version1.0’ </a:t>
             </a:r>
           </a:p>
           <a:p>
@@ -10935,6 +11208,18 @@
                 <a:latin typeface="Arial" panose="020B0604020202020204" pitchFamily="34" charset="0"/>
                 <a:cs typeface="Arial" panose="020B0604020202020204" pitchFamily="34" charset="0"/>
               </a:rPr>
+              <a:t>      }   </a:t>
+            </a:r>
+          </a:p>
+          <a:p>
+            <a:pPr marL="0" indent="0">
+              <a:buNone/>
+            </a:pPr>
+            <a:r>
+              <a:rPr lang="en-IN" sz="1400" dirty="0">
+                <a:latin typeface="Arial" panose="020B0604020202020204" pitchFamily="34" charset="0"/>
+                <a:cs typeface="Arial" panose="020B0604020202020204" pitchFamily="34" charset="0"/>
+              </a:rPr>
               <a:t>} </a:t>
             </a:r>
           </a:p>
@@ -10944,7 +11229,7 @@
                 <a:latin typeface="Arial" panose="020B0604020202020204" pitchFamily="34" charset="0"/>
                 <a:cs typeface="Arial" panose="020B0604020202020204" pitchFamily="34" charset="0"/>
               </a:rPr>
-              <a:t>Step7 :  </a:t>
+              <a:t>Step6 :  </a:t>
             </a:r>
             <a:r>
               <a:rPr lang="en-IN" sz="1400" b="1" dirty="0">
@@ -10966,18 +11251,25 @@
               <a:t>stage("</a:t>
             </a:r>
             <a:r>
-              <a:rPr lang="en-IN" sz="1400" dirty="0" err="1">
+              <a:rPr lang="en-IN" sz="1400" b="1" dirty="0" err="1">
                 <a:latin typeface="Arial" panose="020B0604020202020204" pitchFamily="34" charset="0"/>
                 <a:cs typeface="Arial" panose="020B0604020202020204" pitchFamily="34" charset="0"/>
               </a:rPr>
               <a:t>kubernetes</a:t>
             </a:r>
             <a:r>
+              <a:rPr lang="en-IN" sz="1400" b="1" dirty="0">
+                <a:latin typeface="Arial" panose="020B0604020202020204" pitchFamily="34" charset="0"/>
+                <a:cs typeface="Arial" panose="020B0604020202020204" pitchFamily="34" charset="0"/>
+              </a:rPr>
+              <a:t> deployment</a:t>
+            </a:r>
+            <a:r>
               <a:rPr lang="en-IN" sz="1400" dirty="0">
                 <a:latin typeface="Arial" panose="020B0604020202020204" pitchFamily="34" charset="0"/>
                 <a:cs typeface="Arial" panose="020B0604020202020204" pitchFamily="34" charset="0"/>
               </a:rPr>
-              <a:t> deployment"){  </a:t>
+              <a:t>"){  </a:t>
             </a:r>
           </a:p>
           <a:p>
@@ -10989,6 +11281,18 @@
                 <a:latin typeface="Arial" panose="020B0604020202020204" pitchFamily="34" charset="0"/>
                 <a:cs typeface="Arial" panose="020B0604020202020204" pitchFamily="34" charset="0"/>
               </a:rPr>
+              <a:t>      steps{</a:t>
+            </a:r>
+          </a:p>
+          <a:p>
+            <a:pPr marL="0" indent="0">
+              <a:buNone/>
+            </a:pPr>
+            <a:r>
+              <a:rPr lang="en-IN" sz="1400" dirty="0">
+                <a:latin typeface="Arial" panose="020B0604020202020204" pitchFamily="34" charset="0"/>
+                <a:cs typeface="Arial" panose="020B0604020202020204" pitchFamily="34" charset="0"/>
+              </a:rPr>
               <a:t> </a:t>
             </a:r>
             <a:r>
@@ -11180,6 +11484,18 @@
                 <a:cs typeface="Arial" panose="020B0604020202020204" pitchFamily="34" charset="0"/>
               </a:rPr>
               <a:t> apply -f k8s-spring-boot-deployment.yml'     </a:t>
+            </a:r>
+          </a:p>
+          <a:p>
+            <a:pPr marL="0" indent="0">
+              <a:buNone/>
+            </a:pPr>
+            <a:r>
+              <a:rPr lang="en-IN" sz="1200" dirty="0">
+                <a:latin typeface="Arial" panose="020B0604020202020204" pitchFamily="34" charset="0"/>
+                <a:cs typeface="Arial" panose="020B0604020202020204" pitchFamily="34" charset="0"/>
+              </a:rPr>
+              <a:t>}</a:t>
             </a:r>
           </a:p>
           <a:p>
@@ -11404,6 +11720,12 @@
               <a:t>https://www.digitalocean.com/community/questions/how-to-fix-docker-got-permission-denied-while-trying-to-connect-to-the-docker-daemon-socket</a:t>
             </a:r>
             <a:endParaRPr lang="en-IN" dirty="0"/>
+          </a:p>
+          <a:p>
+            <a:r>
+              <a:rPr lang="en-IN" dirty="0"/>
+              <a:t>https://medium.com/containerum/configuring-ci-cd-on-kubernetes-with-jenkins-89eab7234270</a:t>
+            </a:r>
           </a:p>
           <a:p>
             <a:endParaRPr lang="en-IN" dirty="0"/>
